--- a/Speech/Reinforcement Learning.pptx
+++ b/Speech/Reinforcement Learning.pptx
@@ -5,10 +5,10 @@
     <p:sldMasterId id="2147483648" r:id="rId4"/>
   </p:sldMasterIdLst>
   <p:notesMasterIdLst>
-    <p:notesMasterId r:id="rId19"/>
+    <p:notesMasterId r:id="rId22"/>
   </p:notesMasterIdLst>
   <p:handoutMasterIdLst>
-    <p:handoutMasterId r:id="rId20"/>
+    <p:handoutMasterId r:id="rId23"/>
   </p:handoutMasterIdLst>
   <p:sldIdLst>
     <p:sldId id="265" r:id="rId5"/>
@@ -16,20 +16,23 @@
     <p:sldId id="320" r:id="rId7"/>
     <p:sldId id="321" r:id="rId8"/>
     <p:sldId id="322" r:id="rId9"/>
-    <p:sldId id="311" r:id="rId10"/>
-    <p:sldId id="313" r:id="rId11"/>
-    <p:sldId id="312" r:id="rId12"/>
-    <p:sldId id="314" r:id="rId13"/>
-    <p:sldId id="315" r:id="rId14"/>
-    <p:sldId id="316" r:id="rId15"/>
-    <p:sldId id="317" r:id="rId16"/>
-    <p:sldId id="318" r:id="rId17"/>
-    <p:sldId id="319" r:id="rId18"/>
+    <p:sldId id="323" r:id="rId10"/>
+    <p:sldId id="324" r:id="rId11"/>
+    <p:sldId id="326" r:id="rId12"/>
+    <p:sldId id="327" r:id="rId13"/>
+    <p:sldId id="332" r:id="rId14"/>
+    <p:sldId id="328" r:id="rId15"/>
+    <p:sldId id="330" r:id="rId16"/>
+    <p:sldId id="331" r:id="rId17"/>
+    <p:sldId id="334" r:id="rId18"/>
+    <p:sldId id="333" r:id="rId19"/>
+    <p:sldId id="336" r:id="rId20"/>
+    <p:sldId id="319" r:id="rId21"/>
   </p:sldIdLst>
   <p:sldSz cx="12188825" cy="6858000"/>
   <p:notesSz cx="6858000" cy="9144000"/>
   <p:custDataLst>
-    <p:tags r:id="rId21"/>
+    <p:tags r:id="rId24"/>
   </p:custDataLst>
   <p:defaultTextStyle>
     <a:defPPr rtl="0">
@@ -146,5030 +149,6 @@
     </p:ext>
   </p:extLst>
 </p:presentation>
-</file>
-
-<file path=ppt/charts/chart1.xml><?xml version="1.0" encoding="utf-8"?>
-<c:chartSpace xmlns:c="http://schemas.openxmlformats.org/drawingml/2006/chart" xmlns:a="http://schemas.openxmlformats.org/drawingml/2006/main" xmlns:r="http://schemas.openxmlformats.org/officeDocument/2006/relationships">
-  <c:date1904 val="0"/>
-  <c:lang val="zh-CN"/>
-  <c:roundedCorners val="0"/>
-  <mc:AlternateContent xmlns:mc="http://schemas.openxmlformats.org/markup-compatibility/2006">
-    <mc:Choice xmlns:c14="http://schemas.microsoft.com/office/drawing/2007/8/2/chart" Requires="c14">
-      <c14:style val="102"/>
-    </mc:Choice>
-    <mc:Fallback>
-      <c:style val="2"/>
-    </mc:Fallback>
-  </mc:AlternateContent>
-  <c:chart>
-    <c:autoTitleDeleted val="1"/>
-    <c:plotArea>
-      <c:layout/>
-      <c:barChart>
-        <c:barDir val="col"/>
-        <c:grouping val="clustered"/>
-        <c:varyColors val="0"/>
-        <c:ser>
-          <c:idx val="0"/>
-          <c:order val="0"/>
-          <c:tx>
-            <c:strRef>
-              <c:f>Sheet1!$B$1</c:f>
-              <c:strCache>
-                <c:ptCount val="1"/>
-                <c:pt idx="0">
-                  <c:v>系列 1</c:v>
-                </c:pt>
-              </c:strCache>
-            </c:strRef>
-          </c:tx>
-          <c:spPr>
-            <a:solidFill>
-              <a:schemeClr val="accent1"/>
-            </a:solidFill>
-            <a:ln>
-              <a:noFill/>
-            </a:ln>
-            <a:effectLst/>
-          </c:spPr>
-          <c:invertIfNegative val="0"/>
-          <c:cat>
-            <c:strRef>
-              <c:f>Sheet1!$A$2:$A$5</c:f>
-              <c:strCache>
-                <c:ptCount val="4"/>
-                <c:pt idx="0">
-                  <c:v>类别 1</c:v>
-                </c:pt>
-                <c:pt idx="1">
-                  <c:v>类别 2</c:v>
-                </c:pt>
-                <c:pt idx="2">
-                  <c:v>类别 3</c:v>
-                </c:pt>
-                <c:pt idx="3">
-                  <c:v>类别 4</c:v>
-                </c:pt>
-              </c:strCache>
-            </c:strRef>
-          </c:cat>
-          <c:val>
-            <c:numRef>
-              <c:f>Sheet1!$B$2:$B$5</c:f>
-              <c:numCache>
-                <c:formatCode>General</c:formatCode>
-                <c:ptCount val="4"/>
-                <c:pt idx="0">
-                  <c:v>4.3</c:v>
-                </c:pt>
-                <c:pt idx="1">
-                  <c:v>2.5</c:v>
-                </c:pt>
-                <c:pt idx="2">
-                  <c:v>3.5</c:v>
-                </c:pt>
-                <c:pt idx="3">
-                  <c:v>4.5</c:v>
-                </c:pt>
-              </c:numCache>
-            </c:numRef>
-          </c:val>
-          <c:extLst xmlns:c16r2="http://schemas.microsoft.com/office/drawing/2015/06/chart">
-            <c:ext xmlns:c16="http://schemas.microsoft.com/office/drawing/2014/chart" uri="{C3380CC4-5D6E-409C-BE32-E72D297353CC}">
-              <c16:uniqueId val="{00000000-BD52-4A9F-AC37-B4A87A32C421}"/>
-            </c:ext>
-          </c:extLst>
-        </c:ser>
-        <c:ser>
-          <c:idx val="1"/>
-          <c:order val="1"/>
-          <c:tx>
-            <c:strRef>
-              <c:f>Sheet1!$C$1</c:f>
-              <c:strCache>
-                <c:ptCount val="1"/>
-                <c:pt idx="0">
-                  <c:v>系列 2</c:v>
-                </c:pt>
-              </c:strCache>
-            </c:strRef>
-          </c:tx>
-          <c:spPr>
-            <a:solidFill>
-              <a:schemeClr val="accent2"/>
-            </a:solidFill>
-            <a:ln>
-              <a:noFill/>
-            </a:ln>
-            <a:effectLst/>
-          </c:spPr>
-          <c:invertIfNegative val="0"/>
-          <c:cat>
-            <c:strRef>
-              <c:f>Sheet1!$A$2:$A$5</c:f>
-              <c:strCache>
-                <c:ptCount val="4"/>
-                <c:pt idx="0">
-                  <c:v>类别 1</c:v>
-                </c:pt>
-                <c:pt idx="1">
-                  <c:v>类别 2</c:v>
-                </c:pt>
-                <c:pt idx="2">
-                  <c:v>类别 3</c:v>
-                </c:pt>
-                <c:pt idx="3">
-                  <c:v>类别 4</c:v>
-                </c:pt>
-              </c:strCache>
-            </c:strRef>
-          </c:cat>
-          <c:val>
-            <c:numRef>
-              <c:f>Sheet1!$C$2:$C$5</c:f>
-              <c:numCache>
-                <c:formatCode>General</c:formatCode>
-                <c:ptCount val="4"/>
-                <c:pt idx="0">
-                  <c:v>2.4</c:v>
-                </c:pt>
-                <c:pt idx="1">
-                  <c:v>4.4000000000000004</c:v>
-                </c:pt>
-                <c:pt idx="2">
-                  <c:v>1.8</c:v>
-                </c:pt>
-                <c:pt idx="3">
-                  <c:v>2.8</c:v>
-                </c:pt>
-              </c:numCache>
-            </c:numRef>
-          </c:val>
-          <c:extLst xmlns:c16r2="http://schemas.microsoft.com/office/drawing/2015/06/chart">
-            <c:ext xmlns:c16="http://schemas.microsoft.com/office/drawing/2014/chart" uri="{C3380CC4-5D6E-409C-BE32-E72D297353CC}">
-              <c16:uniqueId val="{00000001-BD52-4A9F-AC37-B4A87A32C421}"/>
-            </c:ext>
-          </c:extLst>
-        </c:ser>
-        <c:dLbls>
-          <c:showLegendKey val="0"/>
-          <c:showVal val="0"/>
-          <c:showCatName val="0"/>
-          <c:showSerName val="0"/>
-          <c:showPercent val="0"/>
-          <c:showBubbleSize val="0"/>
-        </c:dLbls>
-        <c:gapWidth val="219"/>
-        <c:overlap val="-27"/>
-        <c:axId val="460899144"/>
-        <c:axId val="460898752"/>
-      </c:barChart>
-      <c:lineChart>
-        <c:grouping val="standard"/>
-        <c:varyColors val="0"/>
-        <c:ser>
-          <c:idx val="2"/>
-          <c:order val="2"/>
-          <c:tx>
-            <c:strRef>
-              <c:f>Sheet1!$D$1</c:f>
-              <c:strCache>
-                <c:ptCount val="1"/>
-                <c:pt idx="0">
-                  <c:v>系列 3</c:v>
-                </c:pt>
-              </c:strCache>
-            </c:strRef>
-          </c:tx>
-          <c:spPr>
-            <a:ln w="28575" cap="rnd">
-              <a:solidFill>
-                <a:schemeClr val="accent3"/>
-              </a:solidFill>
-              <a:round/>
-            </a:ln>
-            <a:effectLst/>
-          </c:spPr>
-          <c:marker>
-            <c:symbol val="none"/>
-          </c:marker>
-          <c:cat>
-            <c:strRef>
-              <c:f>Sheet1!$A$2:$A$5</c:f>
-              <c:strCache>
-                <c:ptCount val="4"/>
-                <c:pt idx="0">
-                  <c:v>类别 1</c:v>
-                </c:pt>
-                <c:pt idx="1">
-                  <c:v>类别 2</c:v>
-                </c:pt>
-                <c:pt idx="2">
-                  <c:v>类别 3</c:v>
-                </c:pt>
-                <c:pt idx="3">
-                  <c:v>类别 4</c:v>
-                </c:pt>
-              </c:strCache>
-            </c:strRef>
-          </c:cat>
-          <c:val>
-            <c:numRef>
-              <c:f>Sheet1!$D$2:$D$5</c:f>
-              <c:numCache>
-                <c:formatCode>General</c:formatCode>
-                <c:ptCount val="4"/>
-                <c:pt idx="0">
-                  <c:v>2</c:v>
-                </c:pt>
-                <c:pt idx="1">
-                  <c:v>2</c:v>
-                </c:pt>
-                <c:pt idx="2">
-                  <c:v>3</c:v>
-                </c:pt>
-                <c:pt idx="3">
-                  <c:v>5</c:v>
-                </c:pt>
-              </c:numCache>
-            </c:numRef>
-          </c:val>
-          <c:smooth val="0"/>
-          <c:extLst xmlns:c16r2="http://schemas.microsoft.com/office/drawing/2015/06/chart">
-            <c:ext xmlns:c16="http://schemas.microsoft.com/office/drawing/2014/chart" uri="{C3380CC4-5D6E-409C-BE32-E72D297353CC}">
-              <c16:uniqueId val="{00000002-BD52-4A9F-AC37-B4A87A32C421}"/>
-            </c:ext>
-          </c:extLst>
-        </c:ser>
-        <c:dLbls>
-          <c:showLegendKey val="0"/>
-          <c:showVal val="0"/>
-          <c:showCatName val="0"/>
-          <c:showSerName val="0"/>
-          <c:showPercent val="0"/>
-          <c:showBubbleSize val="0"/>
-        </c:dLbls>
-        <c:marker val="1"/>
-        <c:smooth val="0"/>
-        <c:axId val="460899144"/>
-        <c:axId val="460898752"/>
-      </c:lineChart>
-      <c:catAx>
-        <c:axId val="460899144"/>
-        <c:scaling>
-          <c:orientation val="minMax"/>
-        </c:scaling>
-        <c:delete val="0"/>
-        <c:axPos val="b"/>
-        <c:numFmt formatCode="General" sourceLinked="1"/>
-        <c:majorTickMark val="none"/>
-        <c:minorTickMark val="none"/>
-        <c:tickLblPos val="nextTo"/>
-        <c:spPr>
-          <a:noFill/>
-          <a:ln w="9525" cap="flat" cmpd="sng" algn="ctr">
-            <a:solidFill>
-              <a:schemeClr val="tx1">
-                <a:lumMod val="15000"/>
-                <a:lumOff val="85000"/>
-              </a:schemeClr>
-            </a:solidFill>
-            <a:round/>
-          </a:ln>
-          <a:effectLst/>
-        </c:spPr>
-        <c:txPr>
-          <a:bodyPr rot="-60000000" spcFirstLastPara="1" vertOverflow="ellipsis" vert="horz" wrap="square" anchor="ctr" anchorCtr="1"/>
-          <a:lstStyle/>
-          <a:p>
-            <a:pPr>
-              <a:defRPr sz="1197" b="0" i="0" u="none" strike="noStrike" kern="1200" baseline="0">
-                <a:solidFill>
-                  <a:schemeClr val="tx1">
-                    <a:lumMod val="65000"/>
-                    <a:lumOff val="35000"/>
-                  </a:schemeClr>
-                </a:solidFill>
-                <a:latin typeface="微软雅黑" panose="020B0503020204020204" pitchFamily="34" charset="-122"/>
-                <a:ea typeface="微软雅黑" panose="020B0503020204020204" pitchFamily="34" charset="-122"/>
-                <a:cs typeface="+mn-cs"/>
-              </a:defRPr>
-            </a:pPr>
-            <a:endParaRPr lang="zh-CN"/>
-          </a:p>
-        </c:txPr>
-        <c:crossAx val="460898752"/>
-        <c:crosses val="autoZero"/>
-        <c:auto val="1"/>
-        <c:lblAlgn val="ctr"/>
-        <c:lblOffset val="100"/>
-        <c:noMultiLvlLbl val="0"/>
-      </c:catAx>
-      <c:valAx>
-        <c:axId val="460898752"/>
-        <c:scaling>
-          <c:orientation val="minMax"/>
-        </c:scaling>
-        <c:delete val="0"/>
-        <c:axPos val="l"/>
-        <c:numFmt formatCode="General" sourceLinked="1"/>
-        <c:majorTickMark val="none"/>
-        <c:minorTickMark val="none"/>
-        <c:tickLblPos val="nextTo"/>
-        <c:spPr>
-          <a:noFill/>
-          <a:ln>
-            <a:noFill/>
-          </a:ln>
-          <a:effectLst/>
-        </c:spPr>
-        <c:txPr>
-          <a:bodyPr rot="-60000000" spcFirstLastPara="1" vertOverflow="ellipsis" vert="horz" wrap="square" anchor="ctr" anchorCtr="1"/>
-          <a:lstStyle/>
-          <a:p>
-            <a:pPr>
-              <a:defRPr sz="1197" b="0" i="0" u="none" strike="noStrike" kern="1200" baseline="0">
-                <a:solidFill>
-                  <a:schemeClr val="tx1">
-                    <a:lumMod val="65000"/>
-                    <a:lumOff val="35000"/>
-                  </a:schemeClr>
-                </a:solidFill>
-                <a:latin typeface="微软雅黑" panose="020B0503020204020204" pitchFamily="34" charset="-122"/>
-                <a:ea typeface="微软雅黑" panose="020B0503020204020204" pitchFamily="34" charset="-122"/>
-                <a:cs typeface="+mn-cs"/>
-              </a:defRPr>
-            </a:pPr>
-            <a:endParaRPr lang="zh-CN"/>
-          </a:p>
-        </c:txPr>
-        <c:crossAx val="460899144"/>
-        <c:crosses val="autoZero"/>
-        <c:crossBetween val="between"/>
-      </c:valAx>
-      <c:spPr>
-        <a:noFill/>
-        <a:ln>
-          <a:noFill/>
-        </a:ln>
-        <a:effectLst/>
-      </c:spPr>
-    </c:plotArea>
-    <c:legend>
-      <c:legendPos val="b"/>
-      <c:layout/>
-      <c:overlay val="0"/>
-      <c:spPr>
-        <a:noFill/>
-        <a:ln>
-          <a:noFill/>
-        </a:ln>
-        <a:effectLst/>
-      </c:spPr>
-      <c:txPr>
-        <a:bodyPr rot="0" spcFirstLastPara="1" vertOverflow="ellipsis" vert="horz" wrap="square" anchor="ctr" anchorCtr="1"/>
-        <a:lstStyle/>
-        <a:p>
-          <a:pPr>
-            <a:defRPr sz="1197" b="0" i="0" u="none" strike="noStrike" kern="1200" baseline="0">
-              <a:solidFill>
-                <a:schemeClr val="tx1">
-                  <a:lumMod val="65000"/>
-                  <a:lumOff val="35000"/>
-                </a:schemeClr>
-              </a:solidFill>
-              <a:latin typeface="微软雅黑" panose="020B0503020204020204" pitchFamily="34" charset="-122"/>
-              <a:ea typeface="微软雅黑" panose="020B0503020204020204" pitchFamily="34" charset="-122"/>
-              <a:cs typeface="+mn-cs"/>
-            </a:defRPr>
-          </a:pPr>
-          <a:endParaRPr lang="zh-CN"/>
-        </a:p>
-      </c:txPr>
-    </c:legend>
-    <c:plotVisOnly val="1"/>
-    <c:dispBlanksAs val="gap"/>
-    <c:showDLblsOverMax val="0"/>
-  </c:chart>
-  <c:spPr>
-    <a:noFill/>
-    <a:ln>
-      <a:noFill/>
-    </a:ln>
-    <a:effectLst/>
-  </c:spPr>
-  <c:txPr>
-    <a:bodyPr/>
-    <a:lstStyle/>
-    <a:p>
-      <a:pPr>
-        <a:defRPr>
-          <a:latin typeface="微软雅黑" panose="020B0503020204020204" pitchFamily="34" charset="-122"/>
-          <a:ea typeface="微软雅黑" panose="020B0503020204020204" pitchFamily="34" charset="-122"/>
-        </a:defRPr>
-      </a:pPr>
-      <a:endParaRPr lang="zh-CN"/>
-    </a:p>
-  </c:txPr>
-  <c:externalData r:id="rId3">
-    <c:autoUpdate val="0"/>
-  </c:externalData>
-</c:chartSpace>
-</file>
-
-<file path=ppt/charts/colors1.xml><?xml version="1.0" encoding="utf-8"?>
-<cs:colorStyle xmlns:cs="http://schemas.microsoft.com/office/drawing/2012/chartStyle" xmlns:a="http://schemas.openxmlformats.org/drawingml/2006/main" meth="cycle" id="10">
-  <a:schemeClr val="accent1"/>
-  <a:schemeClr val="accent2"/>
-  <a:schemeClr val="accent3"/>
-  <a:schemeClr val="accent4"/>
-  <a:schemeClr val="accent5"/>
-  <a:schemeClr val="accent6"/>
-  <cs:variation/>
-  <cs:variation>
-    <a:lumMod val="60000"/>
-  </cs:variation>
-  <cs:variation>
-    <a:lumMod val="80000"/>
-    <a:lumOff val="20000"/>
-  </cs:variation>
-  <cs:variation>
-    <a:lumMod val="80000"/>
-  </cs:variation>
-  <cs:variation>
-    <a:lumMod val="60000"/>
-    <a:lumOff val="40000"/>
-  </cs:variation>
-  <cs:variation>
-    <a:lumMod val="50000"/>
-  </cs:variation>
-  <cs:variation>
-    <a:lumMod val="70000"/>
-    <a:lumOff val="30000"/>
-  </cs:variation>
-  <cs:variation>
-    <a:lumMod val="70000"/>
-  </cs:variation>
-  <cs:variation>
-    <a:lumMod val="50000"/>
-    <a:lumOff val="50000"/>
-  </cs:variation>
-</cs:colorStyle>
-</file>
-
-<file path=ppt/charts/style1.xml><?xml version="1.0" encoding="utf-8"?>
-<cs:chartStyle xmlns:cs="http://schemas.microsoft.com/office/drawing/2012/chartStyle" xmlns:a="http://schemas.openxmlformats.org/drawingml/2006/main" id="201">
-  <cs:axisTitle>
-    <cs:lnRef idx="0"/>
-    <cs:fillRef idx="0"/>
-    <cs:effectRef idx="0"/>
-    <cs:fontRef idx="minor">
-      <a:schemeClr val="tx1">
-        <a:lumMod val="65000"/>
-        <a:lumOff val="35000"/>
-      </a:schemeClr>
-    </cs:fontRef>
-    <cs:defRPr sz="1330" kern="1200"/>
-  </cs:axisTitle>
-  <cs:categoryAxis>
-    <cs:lnRef idx="0"/>
-    <cs:fillRef idx="0"/>
-    <cs:effectRef idx="0"/>
-    <cs:fontRef idx="minor">
-      <a:schemeClr val="tx1">
-        <a:lumMod val="65000"/>
-        <a:lumOff val="35000"/>
-      </a:schemeClr>
-    </cs:fontRef>
-    <cs:spPr>
-      <a:ln w="9525" cap="flat" cmpd="sng" algn="ctr">
-        <a:solidFill>
-          <a:schemeClr val="tx1">
-            <a:lumMod val="15000"/>
-            <a:lumOff val="85000"/>
-          </a:schemeClr>
-        </a:solidFill>
-        <a:round/>
-      </a:ln>
-    </cs:spPr>
-    <cs:defRPr sz="1197" kern="1200"/>
-  </cs:categoryAxis>
-  <cs:chartArea mods="allowNoFillOverride allowNoLineOverride">
-    <cs:lnRef idx="0"/>
-    <cs:fillRef idx="0"/>
-    <cs:effectRef idx="0"/>
-    <cs:fontRef idx="minor">
-      <a:schemeClr val="tx1"/>
-    </cs:fontRef>
-    <cs:spPr>
-      <a:solidFill>
-        <a:schemeClr val="bg1"/>
-      </a:solidFill>
-      <a:ln w="9525" cap="flat" cmpd="sng" algn="ctr">
-        <a:solidFill>
-          <a:schemeClr val="tx1">
-            <a:lumMod val="15000"/>
-            <a:lumOff val="85000"/>
-          </a:schemeClr>
-        </a:solidFill>
-        <a:round/>
-      </a:ln>
-    </cs:spPr>
-    <cs:defRPr sz="1330" kern="1200"/>
-  </cs:chartArea>
-  <cs:dataLabel>
-    <cs:lnRef idx="0"/>
-    <cs:fillRef idx="0"/>
-    <cs:effectRef idx="0"/>
-    <cs:fontRef idx="minor">
-      <a:schemeClr val="tx1">
-        <a:lumMod val="75000"/>
-        <a:lumOff val="25000"/>
-      </a:schemeClr>
-    </cs:fontRef>
-    <cs:defRPr sz="1197" kern="1200"/>
-  </cs:dataLabel>
-  <cs:dataLabelCallout>
-    <cs:lnRef idx="0"/>
-    <cs:fillRef idx="0"/>
-    <cs:effectRef idx="0"/>
-    <cs:fontRef idx="minor">
-      <a:schemeClr val="dk1">
-        <a:lumMod val="65000"/>
-        <a:lumOff val="35000"/>
-      </a:schemeClr>
-    </cs:fontRef>
-    <cs:spPr>
-      <a:solidFill>
-        <a:schemeClr val="lt1"/>
-      </a:solidFill>
-      <a:ln>
-        <a:solidFill>
-          <a:schemeClr val="dk1">
-            <a:lumMod val="25000"/>
-            <a:lumOff val="75000"/>
-          </a:schemeClr>
-        </a:solidFill>
-      </a:ln>
-    </cs:spPr>
-    <cs:defRPr sz="1197" kern="1200"/>
-  </cs:dataLabelCallout>
-  <cs:dataPoint>
-    <cs:lnRef idx="0"/>
-    <cs:fillRef idx="1">
-      <cs:styleClr val="auto"/>
-    </cs:fillRef>
-    <cs:effectRef idx="0"/>
-    <cs:fontRef idx="minor">
-      <a:schemeClr val="tx1"/>
-    </cs:fontRef>
-  </cs:dataPoint>
-  <cs:dataPoint3D>
-    <cs:lnRef idx="0"/>
-    <cs:fillRef idx="1">
-      <cs:styleClr val="auto"/>
-    </cs:fillRef>
-    <cs:effectRef idx="0"/>
-    <cs:fontRef idx="minor">
-      <a:schemeClr val="tx1"/>
-    </cs:fontRef>
-  </cs:dataPoint3D>
-  <cs:dataPointLine>
-    <cs:lnRef idx="0">
-      <cs:styleClr val="auto"/>
-    </cs:lnRef>
-    <cs:fillRef idx="1"/>
-    <cs:effectRef idx="0"/>
-    <cs:fontRef idx="minor">
-      <a:schemeClr val="tx1"/>
-    </cs:fontRef>
-    <cs:spPr>
-      <a:ln w="28575" cap="rnd">
-        <a:solidFill>
-          <a:schemeClr val="phClr"/>
-        </a:solidFill>
-        <a:round/>
-      </a:ln>
-    </cs:spPr>
-  </cs:dataPointLine>
-  <cs:dataPointMarker>
-    <cs:lnRef idx="0">
-      <cs:styleClr val="auto"/>
-    </cs:lnRef>
-    <cs:fillRef idx="1">
-      <cs:styleClr val="auto"/>
-    </cs:fillRef>
-    <cs:effectRef idx="0"/>
-    <cs:fontRef idx="minor">
-      <a:schemeClr val="tx1"/>
-    </cs:fontRef>
-    <cs:spPr>
-      <a:ln w="9525">
-        <a:solidFill>
-          <a:schemeClr val="phClr"/>
-        </a:solidFill>
-      </a:ln>
-    </cs:spPr>
-  </cs:dataPointMarker>
-  <cs:dataPointMarkerLayout symbol="circle" size="5"/>
-  <cs:dataPointWireframe>
-    <cs:lnRef idx="0">
-      <cs:styleClr val="auto"/>
-    </cs:lnRef>
-    <cs:fillRef idx="1"/>
-    <cs:effectRef idx="0"/>
-    <cs:fontRef idx="minor">
-      <a:schemeClr val="tx1"/>
-    </cs:fontRef>
-    <cs:spPr>
-      <a:ln w="9525" cap="rnd">
-        <a:solidFill>
-          <a:schemeClr val="phClr"/>
-        </a:solidFill>
-        <a:round/>
-      </a:ln>
-    </cs:spPr>
-  </cs:dataPointWireframe>
-  <cs:dataTable>
-    <cs:lnRef idx="0"/>
-    <cs:fillRef idx="0"/>
-    <cs:effectRef idx="0"/>
-    <cs:fontRef idx="minor">
-      <a:schemeClr val="tx1">
-        <a:lumMod val="65000"/>
-        <a:lumOff val="35000"/>
-      </a:schemeClr>
-    </cs:fontRef>
-    <cs:spPr>
-      <a:noFill/>
-      <a:ln w="9525" cap="flat" cmpd="sng" algn="ctr">
-        <a:solidFill>
-          <a:schemeClr val="tx1">
-            <a:lumMod val="15000"/>
-            <a:lumOff val="85000"/>
-          </a:schemeClr>
-        </a:solidFill>
-        <a:round/>
-      </a:ln>
-    </cs:spPr>
-    <cs:defRPr sz="1197" kern="1200"/>
-  </cs:dataTable>
-  <cs:downBar>
-    <cs:lnRef idx="0"/>
-    <cs:fillRef idx="0"/>
-    <cs:effectRef idx="0"/>
-    <cs:fontRef idx="minor">
-      <a:schemeClr val="dk1"/>
-    </cs:fontRef>
-    <cs:spPr>
-      <a:solidFill>
-        <a:schemeClr val="dk1">
-          <a:lumMod val="65000"/>
-          <a:lumOff val="35000"/>
-        </a:schemeClr>
-      </a:solidFill>
-      <a:ln w="9525">
-        <a:solidFill>
-          <a:schemeClr val="tx1">
-            <a:lumMod val="65000"/>
-            <a:lumOff val="35000"/>
-          </a:schemeClr>
-        </a:solidFill>
-      </a:ln>
-    </cs:spPr>
-  </cs:downBar>
-  <cs:dropLine>
-    <cs:lnRef idx="0"/>
-    <cs:fillRef idx="0"/>
-    <cs:effectRef idx="0"/>
-    <cs:fontRef idx="minor">
-      <a:schemeClr val="tx1"/>
-    </cs:fontRef>
-    <cs:spPr>
-      <a:ln w="9525" cap="flat" cmpd="sng" algn="ctr">
-        <a:solidFill>
-          <a:schemeClr val="tx1">
-            <a:lumMod val="35000"/>
-            <a:lumOff val="65000"/>
-          </a:schemeClr>
-        </a:solidFill>
-        <a:round/>
-      </a:ln>
-    </cs:spPr>
-  </cs:dropLine>
-  <cs:errorBar>
-    <cs:lnRef idx="0"/>
-    <cs:fillRef idx="0"/>
-    <cs:effectRef idx="0"/>
-    <cs:fontRef idx="minor">
-      <a:schemeClr val="tx1"/>
-    </cs:fontRef>
-    <cs:spPr>
-      <a:ln w="9525" cap="flat" cmpd="sng" algn="ctr">
-        <a:solidFill>
-          <a:schemeClr val="tx1">
-            <a:lumMod val="65000"/>
-            <a:lumOff val="35000"/>
-          </a:schemeClr>
-        </a:solidFill>
-        <a:round/>
-      </a:ln>
-    </cs:spPr>
-  </cs:errorBar>
-  <cs:floor>
-    <cs:lnRef idx="0"/>
-    <cs:fillRef idx="0"/>
-    <cs:effectRef idx="0"/>
-    <cs:fontRef idx="minor">
-      <a:schemeClr val="tx1"/>
-    </cs:fontRef>
-    <cs:spPr>
-      <a:noFill/>
-      <a:ln>
-        <a:noFill/>
-      </a:ln>
-    </cs:spPr>
-  </cs:floor>
-  <cs:gridlineMajor>
-    <cs:lnRef idx="0"/>
-    <cs:fillRef idx="0"/>
-    <cs:effectRef idx="0"/>
-    <cs:fontRef idx="minor">
-      <a:schemeClr val="tx1"/>
-    </cs:fontRef>
-    <cs:spPr>
-      <a:ln w="9525" cap="flat" cmpd="sng" algn="ctr">
-        <a:solidFill>
-          <a:schemeClr val="tx1">
-            <a:lumMod val="15000"/>
-            <a:lumOff val="85000"/>
-          </a:schemeClr>
-        </a:solidFill>
-        <a:round/>
-      </a:ln>
-    </cs:spPr>
-  </cs:gridlineMajor>
-  <cs:gridlineMinor>
-    <cs:lnRef idx="0"/>
-    <cs:fillRef idx="0"/>
-    <cs:effectRef idx="0"/>
-    <cs:fontRef idx="minor">
-      <a:schemeClr val="tx1"/>
-    </cs:fontRef>
-    <cs:spPr>
-      <a:ln w="9525" cap="flat" cmpd="sng" algn="ctr">
-        <a:solidFill>
-          <a:schemeClr val="tx1">
-            <a:lumMod val="5000"/>
-            <a:lumOff val="95000"/>
-          </a:schemeClr>
-        </a:solidFill>
-        <a:round/>
-      </a:ln>
-    </cs:spPr>
-  </cs:gridlineMinor>
-  <cs:hiLoLine>
-    <cs:lnRef idx="0"/>
-    <cs:fillRef idx="0"/>
-    <cs:effectRef idx="0"/>
-    <cs:fontRef idx="minor">
-      <a:schemeClr val="tx1"/>
-    </cs:fontRef>
-    <cs:spPr>
-      <a:ln w="9525" cap="flat" cmpd="sng" algn="ctr">
-        <a:solidFill>
-          <a:schemeClr val="tx1">
-            <a:lumMod val="75000"/>
-            <a:lumOff val="25000"/>
-          </a:schemeClr>
-        </a:solidFill>
-        <a:round/>
-      </a:ln>
-    </cs:spPr>
-  </cs:hiLoLine>
-  <cs:leaderLine>
-    <cs:lnRef idx="0"/>
-    <cs:fillRef idx="0"/>
-    <cs:effectRef idx="0"/>
-    <cs:fontRef idx="minor">
-      <a:schemeClr val="tx1"/>
-    </cs:fontRef>
-    <cs:spPr>
-      <a:ln w="9525" cap="flat" cmpd="sng" algn="ctr">
-        <a:solidFill>
-          <a:schemeClr val="tx1">
-            <a:lumMod val="35000"/>
-            <a:lumOff val="65000"/>
-          </a:schemeClr>
-        </a:solidFill>
-        <a:round/>
-      </a:ln>
-    </cs:spPr>
-  </cs:leaderLine>
-  <cs:legend>
-    <cs:lnRef idx="0"/>
-    <cs:fillRef idx="0"/>
-    <cs:effectRef idx="0"/>
-    <cs:fontRef idx="minor">
-      <a:schemeClr val="tx1">
-        <a:lumMod val="65000"/>
-        <a:lumOff val="35000"/>
-      </a:schemeClr>
-    </cs:fontRef>
-    <cs:defRPr sz="1197" kern="1200"/>
-  </cs:legend>
-  <cs:plotArea mods="allowNoFillOverride allowNoLineOverride">
-    <cs:lnRef idx="0"/>
-    <cs:fillRef idx="0"/>
-    <cs:effectRef idx="0"/>
-    <cs:fontRef idx="minor">
-      <a:schemeClr val="tx1"/>
-    </cs:fontRef>
-  </cs:plotArea>
-  <cs:plotArea3D mods="allowNoFillOverride allowNoLineOverride">
-    <cs:lnRef idx="0"/>
-    <cs:fillRef idx="0"/>
-    <cs:effectRef idx="0"/>
-    <cs:fontRef idx="minor">
-      <a:schemeClr val="tx1"/>
-    </cs:fontRef>
-  </cs:plotArea3D>
-  <cs:seriesAxis>
-    <cs:lnRef idx="0"/>
-    <cs:fillRef idx="0"/>
-    <cs:effectRef idx="0"/>
-    <cs:fontRef idx="minor">
-      <a:schemeClr val="tx1">
-        <a:lumMod val="65000"/>
-        <a:lumOff val="35000"/>
-      </a:schemeClr>
-    </cs:fontRef>
-    <cs:defRPr sz="1197" kern="1200"/>
-  </cs:seriesAxis>
-  <cs:seriesLine>
-    <cs:lnRef idx="0"/>
-    <cs:fillRef idx="0"/>
-    <cs:effectRef idx="0"/>
-    <cs:fontRef idx="minor">
-      <a:schemeClr val="tx1"/>
-    </cs:fontRef>
-    <cs:spPr>
-      <a:ln w="9525" cap="flat" cmpd="sng" algn="ctr">
-        <a:solidFill>
-          <a:schemeClr val="tx1">
-            <a:lumMod val="35000"/>
-            <a:lumOff val="65000"/>
-          </a:schemeClr>
-        </a:solidFill>
-        <a:round/>
-      </a:ln>
-    </cs:spPr>
-  </cs:seriesLine>
-  <cs:title>
-    <cs:lnRef idx="0"/>
-    <cs:fillRef idx="0"/>
-    <cs:effectRef idx="0"/>
-    <cs:fontRef idx="minor">
-      <a:schemeClr val="tx1">
-        <a:lumMod val="65000"/>
-        <a:lumOff val="35000"/>
-      </a:schemeClr>
-    </cs:fontRef>
-    <cs:defRPr sz="1862" b="0" kern="1200" spc="0" baseline="0"/>
-  </cs:title>
-  <cs:trendline>
-    <cs:lnRef idx="0">
-      <cs:styleClr val="auto"/>
-    </cs:lnRef>
-    <cs:fillRef idx="0"/>
-    <cs:effectRef idx="0"/>
-    <cs:fontRef idx="minor">
-      <a:schemeClr val="tx1"/>
-    </cs:fontRef>
-    <cs:spPr>
-      <a:ln w="19050" cap="rnd">
-        <a:solidFill>
-          <a:schemeClr val="phClr"/>
-        </a:solidFill>
-        <a:prstDash val="sysDot"/>
-      </a:ln>
-    </cs:spPr>
-  </cs:trendline>
-  <cs:trendlineLabel>
-    <cs:lnRef idx="0"/>
-    <cs:fillRef idx="0"/>
-    <cs:effectRef idx="0"/>
-    <cs:fontRef idx="minor">
-      <a:schemeClr val="tx1">
-        <a:lumMod val="65000"/>
-        <a:lumOff val="35000"/>
-      </a:schemeClr>
-    </cs:fontRef>
-    <cs:defRPr sz="1197" kern="1200"/>
-  </cs:trendlineLabel>
-  <cs:upBar>
-    <cs:lnRef idx="0"/>
-    <cs:fillRef idx="0"/>
-    <cs:effectRef idx="0"/>
-    <cs:fontRef idx="minor">
-      <a:schemeClr val="dk1"/>
-    </cs:fontRef>
-    <cs:spPr>
-      <a:solidFill>
-        <a:schemeClr val="lt1"/>
-      </a:solidFill>
-      <a:ln w="9525">
-        <a:solidFill>
-          <a:schemeClr val="tx1">
-            <a:lumMod val="15000"/>
-            <a:lumOff val="85000"/>
-          </a:schemeClr>
-        </a:solidFill>
-      </a:ln>
-    </cs:spPr>
-  </cs:upBar>
-  <cs:valueAxis>
-    <cs:lnRef idx="0"/>
-    <cs:fillRef idx="0"/>
-    <cs:effectRef idx="0"/>
-    <cs:fontRef idx="minor">
-      <a:schemeClr val="tx1">
-        <a:lumMod val="65000"/>
-        <a:lumOff val="35000"/>
-      </a:schemeClr>
-    </cs:fontRef>
-    <cs:defRPr sz="1197" kern="1200"/>
-  </cs:valueAxis>
-  <cs:wall>
-    <cs:lnRef idx="0"/>
-    <cs:fillRef idx="0"/>
-    <cs:effectRef idx="0"/>
-    <cs:fontRef idx="minor">
-      <a:schemeClr val="tx1"/>
-    </cs:fontRef>
-    <cs:spPr>
-      <a:noFill/>
-      <a:ln>
-        <a:noFill/>
-      </a:ln>
-    </cs:spPr>
-  </cs:wall>
-</cs:chartStyle>
-</file>
-
-<file path=ppt/diagrams/colors1.xml><?xml version="1.0" encoding="utf-8"?>
-<dgm:colorsDef xmlns:dgm="http://schemas.openxmlformats.org/drawingml/2006/diagram" xmlns:a="http://schemas.openxmlformats.org/drawingml/2006/main" uniqueId="urn:microsoft.com/office/officeart/2005/8/colors/accent1_5">
-  <dgm:title val=""/>
-  <dgm:desc val=""/>
-  <dgm:catLst>
-    <dgm:cat type="accent1" pri="11500"/>
-  </dgm:catLst>
-  <dgm:styleLbl name="node0">
-    <dgm:fillClrLst meth="cycle">
-      <a:schemeClr val="accent1">
-        <a:alpha val="80000"/>
-      </a:schemeClr>
-    </dgm:fillClrLst>
-    <dgm:linClrLst meth="repeat">
-      <a:schemeClr val="lt1"/>
-    </dgm:linClrLst>
-    <dgm:effectClrLst/>
-    <dgm:txLinClrLst/>
-    <dgm:txFillClrLst/>
-    <dgm:txEffectClrLst/>
-  </dgm:styleLbl>
-  <dgm:styleLbl name="node1">
-    <dgm:fillClrLst>
-      <a:schemeClr val="accent1">
-        <a:alpha val="90000"/>
-      </a:schemeClr>
-      <a:schemeClr val="accent1">
-        <a:alpha val="50000"/>
-      </a:schemeClr>
-    </dgm:fillClrLst>
-    <dgm:linClrLst meth="repeat">
-      <a:schemeClr val="lt1"/>
-    </dgm:linClrLst>
-    <dgm:effectClrLst/>
-    <dgm:txLinClrLst/>
-    <dgm:txFillClrLst/>
-    <dgm:txEffectClrLst/>
-  </dgm:styleLbl>
-  <dgm:styleLbl name="alignNode1">
-    <dgm:fillClrLst>
-      <a:schemeClr val="accent1">
-        <a:alpha val="90000"/>
-      </a:schemeClr>
-      <a:schemeClr val="accent1">
-        <a:alpha val="50000"/>
-      </a:schemeClr>
-    </dgm:fillClrLst>
-    <dgm:linClrLst>
-      <a:schemeClr val="accent1">
-        <a:alpha val="90000"/>
-      </a:schemeClr>
-      <a:schemeClr val="accent1">
-        <a:alpha val="50000"/>
-      </a:schemeClr>
-    </dgm:linClrLst>
-    <dgm:effectClrLst/>
-    <dgm:txLinClrLst/>
-    <dgm:txFillClrLst/>
-    <dgm:txEffectClrLst/>
-  </dgm:styleLbl>
-  <dgm:styleLbl name="lnNode1">
-    <dgm:fillClrLst>
-      <a:schemeClr val="accent1">
-        <a:shade val="90000"/>
-      </a:schemeClr>
-      <a:schemeClr val="accent1">
-        <a:alpha val="50000"/>
-        <a:tint val="50000"/>
-      </a:schemeClr>
-    </dgm:fillClrLst>
-    <dgm:linClrLst meth="repeat">
-      <a:schemeClr val="lt1"/>
-    </dgm:linClrLst>
-    <dgm:effectClrLst/>
-    <dgm:txLinClrLst/>
-    <dgm:txFillClrLst/>
-    <dgm:txEffectClrLst/>
-  </dgm:styleLbl>
-  <dgm:styleLbl name="vennNode1">
-    <dgm:fillClrLst>
-      <a:schemeClr val="accent1">
-        <a:shade val="80000"/>
-        <a:alpha val="50000"/>
-      </a:schemeClr>
-      <a:schemeClr val="accent1">
-        <a:alpha val="80000"/>
-      </a:schemeClr>
-    </dgm:fillClrLst>
-    <dgm:linClrLst meth="repeat">
-      <a:schemeClr val="lt1"/>
-    </dgm:linClrLst>
-    <dgm:effectClrLst/>
-    <dgm:txLinClrLst/>
-    <dgm:txFillClrLst/>
-    <dgm:txEffectClrLst/>
-  </dgm:styleLbl>
-  <dgm:styleLbl name="node2">
-    <dgm:fillClrLst>
-      <a:schemeClr val="accent1">
-        <a:alpha val="70000"/>
-      </a:schemeClr>
-    </dgm:fillClrLst>
-    <dgm:linClrLst meth="repeat">
-      <a:schemeClr val="lt1"/>
-    </dgm:linClrLst>
-    <dgm:effectClrLst/>
-    <dgm:txLinClrLst/>
-    <dgm:txFillClrLst/>
-    <dgm:txEffectClrLst/>
-  </dgm:styleLbl>
-  <dgm:styleLbl name="node3">
-    <dgm:fillClrLst>
-      <a:schemeClr val="accent1">
-        <a:alpha val="50000"/>
-      </a:schemeClr>
-    </dgm:fillClrLst>
-    <dgm:linClrLst meth="repeat">
-      <a:schemeClr val="lt1"/>
-    </dgm:linClrLst>
-    <dgm:effectClrLst/>
-    <dgm:txLinClrLst/>
-    <dgm:txFillClrLst/>
-    <dgm:txEffectClrLst/>
-  </dgm:styleLbl>
-  <dgm:styleLbl name="node4">
-    <dgm:fillClrLst>
-      <a:schemeClr val="accent1">
-        <a:alpha val="30000"/>
-      </a:schemeClr>
-    </dgm:fillClrLst>
-    <dgm:linClrLst meth="repeat">
-      <a:schemeClr val="lt1"/>
-    </dgm:linClrLst>
-    <dgm:effectClrLst/>
-    <dgm:txLinClrLst/>
-    <dgm:txFillClrLst/>
-    <dgm:txEffectClrLst/>
-  </dgm:styleLbl>
-  <dgm:styleLbl name="fgImgPlace1">
-    <dgm:fillClrLst>
-      <a:schemeClr val="accent1">
-        <a:tint val="50000"/>
-        <a:alpha val="90000"/>
-      </a:schemeClr>
-      <a:schemeClr val="accent1">
-        <a:tint val="20000"/>
-        <a:alpha val="50000"/>
-      </a:schemeClr>
-    </dgm:fillClrLst>
-    <dgm:linClrLst meth="repeat">
-      <a:schemeClr val="lt1"/>
-    </dgm:linClrLst>
-    <dgm:effectClrLst/>
-    <dgm:txLinClrLst/>
-    <dgm:txFillClrLst meth="repeat">
-      <a:schemeClr val="lt1"/>
-    </dgm:txFillClrLst>
-    <dgm:txEffectClrLst/>
-  </dgm:styleLbl>
-  <dgm:styleLbl name="alignImgPlace1">
-    <dgm:fillClrLst>
-      <a:schemeClr val="accent1">
-        <a:tint val="50000"/>
-      </a:schemeClr>
-      <a:schemeClr val="accent1">
-        <a:tint val="20000"/>
-      </a:schemeClr>
-    </dgm:fillClrLst>
-    <dgm:linClrLst meth="repeat">
-      <a:schemeClr val="lt1"/>
-    </dgm:linClrLst>
-    <dgm:effectClrLst/>
-    <dgm:txLinClrLst/>
-    <dgm:txFillClrLst meth="repeat">
-      <a:schemeClr val="lt1"/>
-    </dgm:txFillClrLst>
-    <dgm:txEffectClrLst/>
-  </dgm:styleLbl>
-  <dgm:styleLbl name="bgImgPlace1">
-    <dgm:fillClrLst>
-      <a:schemeClr val="accent1">
-        <a:tint val="50000"/>
-      </a:schemeClr>
-      <a:schemeClr val="accent1">
-        <a:tint val="20000"/>
-      </a:schemeClr>
-    </dgm:fillClrLst>
-    <dgm:linClrLst meth="repeat">
-      <a:schemeClr val="lt1"/>
-    </dgm:linClrLst>
-    <dgm:effectClrLst/>
-    <dgm:txLinClrLst/>
-    <dgm:txFillClrLst meth="repeat">
-      <a:schemeClr val="lt1"/>
-    </dgm:txFillClrLst>
-    <dgm:txEffectClrLst/>
-  </dgm:styleLbl>
-  <dgm:styleLbl name="sibTrans2D1">
-    <dgm:fillClrLst>
-      <a:schemeClr val="accent1">
-        <a:shade val="90000"/>
-      </a:schemeClr>
-      <a:schemeClr val="accent1">
-        <a:tint val="50000"/>
-      </a:schemeClr>
-    </dgm:fillClrLst>
-    <dgm:linClrLst>
-      <a:schemeClr val="accent1">
-        <a:shade val="90000"/>
-      </a:schemeClr>
-      <a:schemeClr val="accent1">
-        <a:tint val="50000"/>
-      </a:schemeClr>
-    </dgm:linClrLst>
-    <dgm:effectClrLst/>
-    <dgm:txLinClrLst/>
-    <dgm:txFillClrLst/>
-    <dgm:txEffectClrLst/>
-  </dgm:styleLbl>
-  <dgm:styleLbl name="fgSibTrans2D1">
-    <dgm:fillClrLst>
-      <a:schemeClr val="accent1">
-        <a:shade val="90000"/>
-      </a:schemeClr>
-      <a:schemeClr val="accent1">
-        <a:tint val="50000"/>
-      </a:schemeClr>
-    </dgm:fillClrLst>
-    <dgm:linClrLst>
-      <a:schemeClr val="accent1">
-        <a:shade val="90000"/>
-      </a:schemeClr>
-      <a:schemeClr val="accent1">
-        <a:tint val="50000"/>
-      </a:schemeClr>
-    </dgm:linClrLst>
-    <dgm:effectClrLst/>
-    <dgm:txLinClrLst/>
-    <dgm:txFillClrLst/>
-    <dgm:txEffectClrLst/>
-  </dgm:styleLbl>
-  <dgm:styleLbl name="bgSibTrans2D1">
-    <dgm:fillClrLst>
-      <a:schemeClr val="accent1">
-        <a:shade val="90000"/>
-      </a:schemeClr>
-      <a:schemeClr val="accent1">
-        <a:tint val="50000"/>
-      </a:schemeClr>
-    </dgm:fillClrLst>
-    <dgm:linClrLst>
-      <a:schemeClr val="accent1">
-        <a:shade val="90000"/>
-      </a:schemeClr>
-      <a:schemeClr val="accent1">
-        <a:tint val="50000"/>
-      </a:schemeClr>
-    </dgm:linClrLst>
-    <dgm:effectClrLst/>
-    <dgm:txLinClrLst/>
-    <dgm:txFillClrLst/>
-    <dgm:txEffectClrLst/>
-  </dgm:styleLbl>
-  <dgm:styleLbl name="sibTrans1D1">
-    <dgm:fillClrLst>
-      <a:schemeClr val="accent1">
-        <a:shade val="90000"/>
-      </a:schemeClr>
-      <a:schemeClr val="accent1">
-        <a:tint val="50000"/>
-      </a:schemeClr>
-    </dgm:fillClrLst>
-    <dgm:linClrLst>
-      <a:schemeClr val="accent1">
-        <a:shade val="90000"/>
-      </a:schemeClr>
-      <a:schemeClr val="accent1">
-        <a:tint val="50000"/>
-      </a:schemeClr>
-    </dgm:linClrLst>
-    <dgm:effectClrLst/>
-    <dgm:txLinClrLst/>
-    <dgm:txFillClrLst meth="repeat">
-      <a:schemeClr val="tx1"/>
-    </dgm:txFillClrLst>
-    <dgm:txEffectClrLst/>
-  </dgm:styleLbl>
-  <dgm:styleLbl name="callout">
-    <dgm:fillClrLst meth="repeat">
-      <a:schemeClr val="accent1"/>
-    </dgm:fillClrLst>
-    <dgm:linClrLst meth="repeat">
-      <a:schemeClr val="accent1"/>
-    </dgm:linClrLst>
-    <dgm:effectClrLst/>
-    <dgm:txLinClrLst/>
-    <dgm:txFillClrLst meth="repeat">
-      <a:schemeClr val="tx1"/>
-    </dgm:txFillClrLst>
-    <dgm:txEffectClrLst/>
-  </dgm:styleLbl>
-  <dgm:styleLbl name="asst0">
-    <dgm:fillClrLst meth="repeat">
-      <a:schemeClr val="accent1">
-        <a:alpha val="90000"/>
-      </a:schemeClr>
-    </dgm:fillClrLst>
-    <dgm:linClrLst meth="repeat">
-      <a:schemeClr val="lt1"/>
-    </dgm:linClrLst>
-    <dgm:effectClrLst/>
-    <dgm:txLinClrLst/>
-    <dgm:txFillClrLst/>
-    <dgm:txEffectClrLst/>
-  </dgm:styleLbl>
-  <dgm:styleLbl name="asst1">
-    <dgm:fillClrLst meth="repeat">
-      <a:schemeClr val="accent1">
-        <a:alpha val="90000"/>
-      </a:schemeClr>
-    </dgm:fillClrLst>
-    <dgm:linClrLst meth="repeat">
-      <a:schemeClr val="lt1"/>
-    </dgm:linClrLst>
-    <dgm:effectClrLst/>
-    <dgm:txLinClrLst/>
-    <dgm:txFillClrLst/>
-    <dgm:txEffectClrLst/>
-  </dgm:styleLbl>
-  <dgm:styleLbl name="asst2">
-    <dgm:fillClrLst>
-      <a:schemeClr val="accent1">
-        <a:alpha val="90000"/>
-      </a:schemeClr>
-    </dgm:fillClrLst>
-    <dgm:linClrLst meth="repeat">
-      <a:schemeClr val="lt1"/>
-    </dgm:linClrLst>
-    <dgm:effectClrLst/>
-    <dgm:txLinClrLst/>
-    <dgm:txFillClrLst/>
-    <dgm:txEffectClrLst/>
-  </dgm:styleLbl>
-  <dgm:styleLbl name="asst3">
-    <dgm:fillClrLst>
-      <a:schemeClr val="accent1">
-        <a:alpha val="70000"/>
-      </a:schemeClr>
-    </dgm:fillClrLst>
-    <dgm:linClrLst meth="repeat">
-      <a:schemeClr val="lt1"/>
-    </dgm:linClrLst>
-    <dgm:effectClrLst/>
-    <dgm:txLinClrLst/>
-    <dgm:txFillClrLst/>
-    <dgm:txEffectClrLst/>
-  </dgm:styleLbl>
-  <dgm:styleLbl name="asst4">
-    <dgm:fillClrLst>
-      <a:schemeClr val="accent1">
-        <a:alpha val="50000"/>
-      </a:schemeClr>
-    </dgm:fillClrLst>
-    <dgm:linClrLst meth="repeat">
-      <a:schemeClr val="lt1"/>
-    </dgm:linClrLst>
-    <dgm:effectClrLst/>
-    <dgm:txLinClrLst/>
-    <dgm:txFillClrLst/>
-    <dgm:txEffectClrLst/>
-  </dgm:styleLbl>
-  <dgm:styleLbl name="parChTrans2D1">
-    <dgm:fillClrLst meth="repeat">
-      <a:schemeClr val="accent1">
-        <a:shade val="80000"/>
-      </a:schemeClr>
-    </dgm:fillClrLst>
-    <dgm:linClrLst meth="repeat">
-      <a:schemeClr val="accent1">
-        <a:shade val="80000"/>
-      </a:schemeClr>
-    </dgm:linClrLst>
-    <dgm:effectClrLst/>
-    <dgm:txLinClrLst/>
-    <dgm:txFillClrLst/>
-    <dgm:txEffectClrLst/>
-  </dgm:styleLbl>
-  <dgm:styleLbl name="parChTrans2D2">
-    <dgm:fillClrLst meth="repeat">
-      <a:schemeClr val="accent1">
-        <a:tint val="90000"/>
-      </a:schemeClr>
-    </dgm:fillClrLst>
-    <dgm:linClrLst meth="repeat">
-      <a:schemeClr val="accent1">
-        <a:tint val="90000"/>
-      </a:schemeClr>
-    </dgm:linClrLst>
-    <dgm:effectClrLst/>
-    <dgm:txLinClrLst/>
-    <dgm:txFillClrLst/>
-    <dgm:txEffectClrLst/>
-  </dgm:styleLbl>
-  <dgm:styleLbl name="parChTrans2D3">
-    <dgm:fillClrLst meth="repeat">
-      <a:schemeClr val="accent1">
-        <a:tint val="70000"/>
-      </a:schemeClr>
-    </dgm:fillClrLst>
-    <dgm:linClrLst meth="repeat">
-      <a:schemeClr val="accent1">
-        <a:tint val="70000"/>
-      </a:schemeClr>
-    </dgm:linClrLst>
-    <dgm:effectClrLst/>
-    <dgm:txLinClrLst/>
-    <dgm:txFillClrLst/>
-    <dgm:txEffectClrLst/>
-  </dgm:styleLbl>
-  <dgm:styleLbl name="parChTrans2D4">
-    <dgm:fillClrLst meth="repeat">
-      <a:schemeClr val="accent1">
-        <a:tint val="50000"/>
-      </a:schemeClr>
-    </dgm:fillClrLst>
-    <dgm:linClrLst meth="repeat">
-      <a:schemeClr val="accent1">
-        <a:tint val="50000"/>
-      </a:schemeClr>
-    </dgm:linClrLst>
-    <dgm:effectClrLst/>
-    <dgm:txLinClrLst/>
-    <dgm:txFillClrLst meth="repeat">
-      <a:schemeClr val="dk1"/>
-    </dgm:txFillClrLst>
-    <dgm:txEffectClrLst/>
-  </dgm:styleLbl>
-  <dgm:styleLbl name="parChTrans1D1">
-    <dgm:fillClrLst meth="repeat">
-      <a:schemeClr val="accent1">
-        <a:shade val="80000"/>
-      </a:schemeClr>
-    </dgm:fillClrLst>
-    <dgm:linClrLst meth="repeat">
-      <a:schemeClr val="accent1">
-        <a:shade val="80000"/>
-      </a:schemeClr>
-    </dgm:linClrLst>
-    <dgm:effectClrLst/>
-    <dgm:txLinClrLst/>
-    <dgm:txFillClrLst meth="repeat">
-      <a:schemeClr val="tx1"/>
-    </dgm:txFillClrLst>
-    <dgm:txEffectClrLst/>
-  </dgm:styleLbl>
-  <dgm:styleLbl name="parChTrans1D2">
-    <dgm:fillClrLst meth="repeat">
-      <a:schemeClr val="accent1">
-        <a:tint val="90000"/>
-      </a:schemeClr>
-    </dgm:fillClrLst>
-    <dgm:linClrLst meth="repeat">
-      <a:schemeClr val="accent1">
-        <a:tint val="90000"/>
-      </a:schemeClr>
-    </dgm:linClrLst>
-    <dgm:effectClrLst/>
-    <dgm:txLinClrLst/>
-    <dgm:txFillClrLst meth="repeat">
-      <a:schemeClr val="tx1"/>
-    </dgm:txFillClrLst>
-    <dgm:txEffectClrLst/>
-  </dgm:styleLbl>
-  <dgm:styleLbl name="parChTrans1D3">
-    <dgm:fillClrLst meth="repeat">
-      <a:schemeClr val="accent1">
-        <a:tint val="70000"/>
-      </a:schemeClr>
-    </dgm:fillClrLst>
-    <dgm:linClrLst meth="repeat">
-      <a:schemeClr val="accent1">
-        <a:tint val="70000"/>
-      </a:schemeClr>
-    </dgm:linClrLst>
-    <dgm:effectClrLst/>
-    <dgm:txLinClrLst/>
-    <dgm:txFillClrLst meth="repeat">
-      <a:schemeClr val="tx1"/>
-    </dgm:txFillClrLst>
-    <dgm:txEffectClrLst/>
-  </dgm:styleLbl>
-  <dgm:styleLbl name="parChTrans1D4">
-    <dgm:fillClrLst meth="repeat">
-      <a:schemeClr val="accent1">
-        <a:tint val="50000"/>
-      </a:schemeClr>
-    </dgm:fillClrLst>
-    <dgm:linClrLst meth="repeat">
-      <a:schemeClr val="accent1">
-        <a:tint val="50000"/>
-      </a:schemeClr>
-    </dgm:linClrLst>
-    <dgm:effectClrLst/>
-    <dgm:txLinClrLst/>
-    <dgm:txFillClrLst meth="repeat">
-      <a:schemeClr val="tx1"/>
-    </dgm:txFillClrLst>
-    <dgm:txEffectClrLst/>
-  </dgm:styleLbl>
-  <dgm:styleLbl name="fgAcc1">
-    <dgm:fillClrLst meth="repeat">
-      <a:schemeClr val="lt1">
-        <a:alpha val="90000"/>
-      </a:schemeClr>
-    </dgm:fillClrLst>
-    <dgm:linClrLst>
-      <a:schemeClr val="accent1">
-        <a:alpha val="90000"/>
-      </a:schemeClr>
-      <a:schemeClr val="accent1">
-        <a:alpha val="50000"/>
-      </a:schemeClr>
-    </dgm:linClrLst>
-    <dgm:effectClrLst/>
-    <dgm:txLinClrLst/>
-    <dgm:txFillClrLst meth="repeat">
-      <a:schemeClr val="dk1"/>
-    </dgm:txFillClrLst>
-    <dgm:txEffectClrLst/>
-  </dgm:styleLbl>
-  <dgm:styleLbl name="conFgAcc1">
-    <dgm:fillClrLst meth="repeat">
-      <a:schemeClr val="lt1">
-        <a:alpha val="90000"/>
-      </a:schemeClr>
-    </dgm:fillClrLst>
-    <dgm:linClrLst>
-      <a:schemeClr val="accent1">
-        <a:alpha val="90000"/>
-      </a:schemeClr>
-      <a:schemeClr val="accent1">
-        <a:alpha val="50000"/>
-      </a:schemeClr>
-    </dgm:linClrLst>
-    <dgm:effectClrLst/>
-    <dgm:txLinClrLst/>
-    <dgm:txFillClrLst meth="repeat">
-      <a:schemeClr val="dk1"/>
-    </dgm:txFillClrLst>
-    <dgm:txEffectClrLst/>
-  </dgm:styleLbl>
-  <dgm:styleLbl name="alignAcc1">
-    <dgm:fillClrLst meth="repeat">
-      <a:schemeClr val="lt1">
-        <a:alpha val="90000"/>
-      </a:schemeClr>
-    </dgm:fillClrLst>
-    <dgm:linClrLst>
-      <a:schemeClr val="accent1">
-        <a:alpha val="90000"/>
-      </a:schemeClr>
-      <a:schemeClr val="accent1">
-        <a:alpha val="50000"/>
-      </a:schemeClr>
-    </dgm:linClrLst>
-    <dgm:effectClrLst/>
-    <dgm:txLinClrLst/>
-    <dgm:txFillClrLst meth="repeat">
-      <a:schemeClr val="dk1"/>
-    </dgm:txFillClrLst>
-    <dgm:txEffectClrLst/>
-  </dgm:styleLbl>
-  <dgm:styleLbl name="trAlignAcc1">
-    <dgm:fillClrLst meth="repeat">
-      <a:schemeClr val="lt1">
-        <a:alpha val="40000"/>
-      </a:schemeClr>
-    </dgm:fillClrLst>
-    <dgm:linClrLst>
-      <a:schemeClr val="accent1">
-        <a:alpha val="90000"/>
-      </a:schemeClr>
-      <a:schemeClr val="accent1">
-        <a:alpha val="50000"/>
-      </a:schemeClr>
-    </dgm:linClrLst>
-    <dgm:effectClrLst/>
-    <dgm:txLinClrLst/>
-    <dgm:txFillClrLst meth="repeat">
-      <a:schemeClr val="dk1"/>
-    </dgm:txFillClrLst>
-    <dgm:txEffectClrLst/>
-  </dgm:styleLbl>
-  <dgm:styleLbl name="bgAcc1">
-    <dgm:fillClrLst meth="repeat">
-      <a:schemeClr val="lt1">
-        <a:alpha val="90000"/>
-      </a:schemeClr>
-    </dgm:fillClrLst>
-    <dgm:linClrLst>
-      <a:schemeClr val="accent1">
-        <a:alpha val="90000"/>
-      </a:schemeClr>
-      <a:schemeClr val="accent1">
-        <a:alpha val="50000"/>
-      </a:schemeClr>
-    </dgm:linClrLst>
-    <dgm:effectClrLst/>
-    <dgm:txLinClrLst/>
-    <dgm:txFillClrLst meth="repeat">
-      <a:schemeClr val="dk1"/>
-    </dgm:txFillClrLst>
-    <dgm:txEffectClrLst/>
-  </dgm:styleLbl>
-  <dgm:styleLbl name="solidFgAcc1">
-    <dgm:fillClrLst meth="repeat">
-      <a:schemeClr val="lt1"/>
-    </dgm:fillClrLst>
-    <dgm:linClrLst>
-      <a:schemeClr val="accent1">
-        <a:alpha val="90000"/>
-      </a:schemeClr>
-      <a:schemeClr val="accent1">
-        <a:alpha val="50000"/>
-      </a:schemeClr>
-    </dgm:linClrLst>
-    <dgm:effectClrLst/>
-    <dgm:txLinClrLst/>
-    <dgm:txFillClrLst meth="repeat">
-      <a:schemeClr val="dk1"/>
-    </dgm:txFillClrLst>
-    <dgm:txEffectClrLst/>
-  </dgm:styleLbl>
-  <dgm:styleLbl name="solidAlignAcc1">
-    <dgm:fillClrLst meth="repeat">
-      <a:schemeClr val="lt1"/>
-    </dgm:fillClrLst>
-    <dgm:linClrLst meth="repeat">
-      <a:schemeClr val="accent1"/>
-    </dgm:linClrLst>
-    <dgm:effectClrLst/>
-    <dgm:txLinClrLst/>
-    <dgm:txFillClrLst meth="repeat">
-      <a:schemeClr val="dk1"/>
-    </dgm:txFillClrLst>
-    <dgm:txEffectClrLst/>
-  </dgm:styleLbl>
-  <dgm:styleLbl name="solidBgAcc1">
-    <dgm:fillClrLst meth="repeat">
-      <a:schemeClr val="lt1"/>
-    </dgm:fillClrLst>
-    <dgm:linClrLst meth="repeat">
-      <a:schemeClr val="accent1"/>
-    </dgm:linClrLst>
-    <dgm:effectClrLst/>
-    <dgm:txLinClrLst/>
-    <dgm:txFillClrLst meth="repeat">
-      <a:schemeClr val="dk1"/>
-    </dgm:txFillClrLst>
-    <dgm:txEffectClrLst/>
-  </dgm:styleLbl>
-  <dgm:styleLbl name="fgAccFollowNode1">
-    <dgm:fillClrLst>
-      <a:schemeClr val="accent1">
-        <a:alpha val="90000"/>
-        <a:tint val="40000"/>
-      </a:schemeClr>
-      <a:schemeClr val="accent1">
-        <a:alpha val="50000"/>
-        <a:tint val="40000"/>
-      </a:schemeClr>
-    </dgm:fillClrLst>
-    <dgm:linClrLst meth="repeat">
-      <a:schemeClr val="accent1">
-        <a:alpha val="90000"/>
-        <a:tint val="40000"/>
-      </a:schemeClr>
-    </dgm:linClrLst>
-    <dgm:effectClrLst/>
-    <dgm:txLinClrLst/>
-    <dgm:txFillClrLst meth="repeat">
-      <a:schemeClr val="dk1"/>
-    </dgm:txFillClrLst>
-    <dgm:txEffectClrLst/>
-  </dgm:styleLbl>
-  <dgm:styleLbl name="alignAccFollowNode1">
-    <dgm:fillClrLst meth="repeat">
-      <a:schemeClr val="accent1">
-        <a:alpha val="90000"/>
-        <a:tint val="40000"/>
-      </a:schemeClr>
-    </dgm:fillClrLst>
-    <dgm:linClrLst meth="repeat">
-      <a:schemeClr val="accent1">
-        <a:alpha val="90000"/>
-        <a:tint val="40000"/>
-      </a:schemeClr>
-    </dgm:linClrLst>
-    <dgm:effectClrLst/>
-    <dgm:txLinClrLst/>
-    <dgm:txFillClrLst meth="repeat">
-      <a:schemeClr val="dk1"/>
-    </dgm:txFillClrLst>
-    <dgm:txEffectClrLst/>
-  </dgm:styleLbl>
-  <dgm:styleLbl name="bgAccFollowNode1">
-    <dgm:fillClrLst meth="repeat">
-      <a:schemeClr val="accent1">
-        <a:alpha val="90000"/>
-        <a:tint val="40000"/>
-      </a:schemeClr>
-    </dgm:fillClrLst>
-    <dgm:linClrLst meth="repeat">
-      <a:schemeClr val="lt1"/>
-    </dgm:linClrLst>
-    <dgm:effectClrLst/>
-    <dgm:txLinClrLst/>
-    <dgm:txFillClrLst meth="repeat">
-      <a:schemeClr val="dk1"/>
-    </dgm:txFillClrLst>
-    <dgm:txEffectClrLst/>
-  </dgm:styleLbl>
-  <dgm:styleLbl name="fgAcc0">
-    <dgm:fillClrLst meth="repeat">
-      <a:schemeClr val="lt1">
-        <a:alpha val="90000"/>
-      </a:schemeClr>
-    </dgm:fillClrLst>
-    <dgm:linClrLst meth="repeat">
-      <a:schemeClr val="accent1">
-        <a:shade val="80000"/>
-      </a:schemeClr>
-    </dgm:linClrLst>
-    <dgm:effectClrLst/>
-    <dgm:txLinClrLst/>
-    <dgm:txFillClrLst meth="repeat">
-      <a:schemeClr val="dk1"/>
-    </dgm:txFillClrLst>
-    <dgm:txEffectClrLst/>
-  </dgm:styleLbl>
-  <dgm:styleLbl name="fgAcc2">
-    <dgm:fillClrLst meth="repeat">
-      <a:schemeClr val="lt1">
-        <a:alpha val="90000"/>
-      </a:schemeClr>
-    </dgm:fillClrLst>
-    <dgm:linClrLst meth="repeat">
-      <a:schemeClr val="accent1">
-        <a:tint val="90000"/>
-      </a:schemeClr>
-    </dgm:linClrLst>
-    <dgm:effectClrLst/>
-    <dgm:txLinClrLst/>
-    <dgm:txFillClrLst meth="repeat">
-      <a:schemeClr val="dk1"/>
-    </dgm:txFillClrLst>
-    <dgm:txEffectClrLst/>
-  </dgm:styleLbl>
-  <dgm:styleLbl name="fgAcc3">
-    <dgm:fillClrLst meth="repeat">
-      <a:schemeClr val="lt1">
-        <a:alpha val="90000"/>
-      </a:schemeClr>
-    </dgm:fillClrLst>
-    <dgm:linClrLst meth="repeat">
-      <a:schemeClr val="accent1">
-        <a:tint val="70000"/>
-      </a:schemeClr>
-    </dgm:linClrLst>
-    <dgm:effectClrLst/>
-    <dgm:txLinClrLst/>
-    <dgm:txFillClrLst meth="repeat">
-      <a:schemeClr val="dk1"/>
-    </dgm:txFillClrLst>
-    <dgm:txEffectClrLst/>
-  </dgm:styleLbl>
-  <dgm:styleLbl name="fgAcc4">
-    <dgm:fillClrLst meth="repeat">
-      <a:schemeClr val="lt1">
-        <a:alpha val="90000"/>
-      </a:schemeClr>
-    </dgm:fillClrLst>
-    <dgm:linClrLst meth="repeat">
-      <a:schemeClr val="accent1">
-        <a:tint val="50000"/>
-      </a:schemeClr>
-    </dgm:linClrLst>
-    <dgm:effectClrLst/>
-    <dgm:txLinClrLst/>
-    <dgm:txFillClrLst meth="repeat">
-      <a:schemeClr val="dk1"/>
-    </dgm:txFillClrLst>
-    <dgm:txEffectClrLst/>
-  </dgm:styleLbl>
-  <dgm:styleLbl name="bgShp">
-    <dgm:fillClrLst meth="repeat">
-      <a:schemeClr val="accent1">
-        <a:tint val="40000"/>
-      </a:schemeClr>
-    </dgm:fillClrLst>
-    <dgm:linClrLst meth="repeat">
-      <a:schemeClr val="dk1"/>
-    </dgm:linClrLst>
-    <dgm:effectClrLst/>
-    <dgm:txLinClrLst/>
-    <dgm:txFillClrLst meth="repeat">
-      <a:schemeClr val="dk1"/>
-    </dgm:txFillClrLst>
-    <dgm:txEffectClrLst/>
-  </dgm:styleLbl>
-  <dgm:styleLbl name="dkBgShp">
-    <dgm:fillClrLst meth="repeat">
-      <a:schemeClr val="accent1">
-        <a:shade val="90000"/>
-      </a:schemeClr>
-    </dgm:fillClrLst>
-    <dgm:linClrLst meth="repeat">
-      <a:schemeClr val="dk1"/>
-    </dgm:linClrLst>
-    <dgm:effectClrLst/>
-    <dgm:txLinClrLst/>
-    <dgm:txFillClrLst meth="repeat">
-      <a:schemeClr val="lt1"/>
-    </dgm:txFillClrLst>
-    <dgm:txEffectClrLst/>
-  </dgm:styleLbl>
-  <dgm:styleLbl name="trBgShp">
-    <dgm:fillClrLst meth="repeat">
-      <a:schemeClr val="accent1">
-        <a:tint val="50000"/>
-        <a:alpha val="40000"/>
-      </a:schemeClr>
-    </dgm:fillClrLst>
-    <dgm:linClrLst meth="repeat">
-      <a:schemeClr val="accent1"/>
-    </dgm:linClrLst>
-    <dgm:effectClrLst/>
-    <dgm:txLinClrLst/>
-    <dgm:txFillClrLst meth="repeat">
-      <a:schemeClr val="lt1"/>
-    </dgm:txFillClrLst>
-    <dgm:txEffectClrLst/>
-  </dgm:styleLbl>
-  <dgm:styleLbl name="fgShp">
-    <dgm:fillClrLst meth="repeat">
-      <a:schemeClr val="accent1">
-        <a:tint val="40000"/>
-      </a:schemeClr>
-    </dgm:fillClrLst>
-    <dgm:linClrLst meth="repeat">
-      <a:schemeClr val="lt1"/>
-    </dgm:linClrLst>
-    <dgm:effectClrLst/>
-    <dgm:txLinClrLst/>
-    <dgm:txFillClrLst meth="repeat">
-      <a:schemeClr val="dk1"/>
-    </dgm:txFillClrLst>
-    <dgm:txEffectClrLst/>
-  </dgm:styleLbl>
-  <dgm:styleLbl name="revTx">
-    <dgm:fillClrLst meth="repeat">
-      <a:schemeClr val="lt1">
-        <a:alpha val="0"/>
-      </a:schemeClr>
-    </dgm:fillClrLst>
-    <dgm:linClrLst meth="repeat">
-      <a:schemeClr val="dk1">
-        <a:alpha val="0"/>
-      </a:schemeClr>
-    </dgm:linClrLst>
-    <dgm:effectClrLst/>
-    <dgm:txLinClrLst/>
-    <dgm:txFillClrLst meth="repeat">
-      <a:schemeClr val="tx1"/>
-    </dgm:txFillClrLst>
-    <dgm:txEffectClrLst/>
-  </dgm:styleLbl>
-</dgm:colorsDef>
-</file>
-
-<file path=ppt/diagrams/data1.xml><?xml version="1.0" encoding="utf-8"?>
-<dgm:dataModel xmlns:dgm="http://schemas.openxmlformats.org/drawingml/2006/diagram" xmlns:a="http://schemas.openxmlformats.org/drawingml/2006/main">
-  <dgm:ptLst>
-    <dgm:pt modelId="{0E9DE493-19D7-4EC9-97C9-5F26233F1106}" type="doc">
-      <dgm:prSet loTypeId="urn:microsoft.com/office/officeart/2005/8/layout/hProcess4" loCatId="process" qsTypeId="urn:microsoft.com/office/officeart/2005/8/quickstyle/simple5" qsCatId="simple" csTypeId="urn:microsoft.com/office/officeart/2005/8/colors/accent1_5" csCatId="accent1" phldr="1"/>
-      <dgm:spPr/>
-      <dgm:t>
-        <a:bodyPr rtlCol="0"/>
-        <a:lstStyle/>
-        <a:p>
-          <a:pPr rtl="0"/>
-          <a:endParaRPr lang="en-US"/>
-        </a:p>
-      </dgm:t>
-    </dgm:pt>
-    <dgm:pt modelId="{FB986F71-3126-4196-BD30-74AEDC39A1CA}">
-      <dgm:prSet phldrT="[Text]"/>
-      <dgm:spPr/>
-      <dgm:t>
-        <a:bodyPr rtlCol="0"/>
-        <a:lstStyle/>
-        <a:p>
-          <a:pPr rtl="0"/>
-          <a:r>
-            <a:rPr lang="zh-CN" dirty="0">
-              <a:latin typeface="微软雅黑" panose="020B0503020204020204" pitchFamily="34" charset="-122"/>
-              <a:ea typeface="微软雅黑" panose="020B0503020204020204" pitchFamily="34" charset="-122"/>
-            </a:rPr>
-            <a:t>步骤 1 标题</a:t>
-          </a:r>
-          <a:endParaRPr lang="en-US" dirty="0">
-            <a:latin typeface="微软雅黑" panose="020B0503020204020204" pitchFamily="34" charset="-122"/>
-            <a:ea typeface="微软雅黑" panose="020B0503020204020204" pitchFamily="34" charset="-122"/>
-          </a:endParaRPr>
-        </a:p>
-      </dgm:t>
-    </dgm:pt>
-    <dgm:pt modelId="{9B3CE34A-9B3E-4D5F-94E0-DFBB94FF5A03}" type="parTrans" cxnId="{1423FC72-83C7-4510-8021-28EAEA493E68}">
-      <dgm:prSet/>
-      <dgm:spPr/>
-      <dgm:t>
-        <a:bodyPr rtlCol="0"/>
-        <a:lstStyle/>
-        <a:p>
-          <a:pPr rtl="0"/>
-          <a:endParaRPr lang="en-US"/>
-        </a:p>
-      </dgm:t>
-    </dgm:pt>
-    <dgm:pt modelId="{D0B150DF-3AA4-454C-8652-25880449C422}" type="sibTrans" cxnId="{1423FC72-83C7-4510-8021-28EAEA493E68}">
-      <dgm:prSet/>
-      <dgm:spPr/>
-      <dgm:t>
-        <a:bodyPr rtlCol="0"/>
-        <a:lstStyle/>
-        <a:p>
-          <a:pPr rtl="0"/>
-          <a:endParaRPr lang="en-US"/>
-        </a:p>
-      </dgm:t>
-    </dgm:pt>
-    <dgm:pt modelId="{AB2E8498-CC81-452F-A895-08F3845AA347}">
-      <dgm:prSet phldrT="[Text]"/>
-      <dgm:spPr/>
-      <dgm:t>
-        <a:bodyPr rtlCol="0"/>
-        <a:lstStyle/>
-        <a:p>
-          <a:pPr rtl="0"/>
-          <a:r>
-            <a:rPr lang="zh-CN" dirty="0">
-              <a:latin typeface="微软雅黑" panose="020B0503020204020204" pitchFamily="34" charset="-122"/>
-              <a:ea typeface="微软雅黑" panose="020B0503020204020204" pitchFamily="34" charset="-122"/>
-            </a:rPr>
-            <a:t>任务描述</a:t>
-          </a:r>
-          <a:endParaRPr lang="en-US" dirty="0">
-            <a:latin typeface="微软雅黑" panose="020B0503020204020204" pitchFamily="34" charset="-122"/>
-            <a:ea typeface="微软雅黑" panose="020B0503020204020204" pitchFamily="34" charset="-122"/>
-          </a:endParaRPr>
-        </a:p>
-      </dgm:t>
-    </dgm:pt>
-    <dgm:pt modelId="{4C65E2C8-0CBB-4D8C-AD60-6B0105C62B84}" type="parTrans" cxnId="{2D5B3E3B-3EE5-4072-933E-27DF5400591C}">
-      <dgm:prSet/>
-      <dgm:spPr/>
-      <dgm:t>
-        <a:bodyPr rtlCol="0"/>
-        <a:lstStyle/>
-        <a:p>
-          <a:pPr rtl="0"/>
-          <a:endParaRPr lang="en-US"/>
-        </a:p>
-      </dgm:t>
-    </dgm:pt>
-    <dgm:pt modelId="{9A1F3304-AA9E-4FBC-89BA-9095C80E47C9}" type="sibTrans" cxnId="{2D5B3E3B-3EE5-4072-933E-27DF5400591C}">
-      <dgm:prSet/>
-      <dgm:spPr/>
-      <dgm:t>
-        <a:bodyPr rtlCol="0"/>
-        <a:lstStyle/>
-        <a:p>
-          <a:pPr rtl="0"/>
-          <a:endParaRPr lang="en-US"/>
-        </a:p>
-      </dgm:t>
-    </dgm:pt>
-    <dgm:pt modelId="{BF381BD4-48DC-48BF-8C18-C307CDD4D490}">
-      <dgm:prSet phldrT="[Text]"/>
-      <dgm:spPr/>
-      <dgm:t>
-        <a:bodyPr rtlCol="0"/>
-        <a:lstStyle/>
-        <a:p>
-          <a:pPr rtl="0"/>
-          <a:r>
-            <a:rPr lang="zh-CN" dirty="0">
-              <a:latin typeface="微软雅黑" panose="020B0503020204020204" pitchFamily="34" charset="-122"/>
-              <a:ea typeface="微软雅黑" panose="020B0503020204020204" pitchFamily="34" charset="-122"/>
-            </a:rPr>
-            <a:t>任务描述</a:t>
-          </a:r>
-          <a:endParaRPr lang="en-US" dirty="0">
-            <a:latin typeface="微软雅黑" panose="020B0503020204020204" pitchFamily="34" charset="-122"/>
-            <a:ea typeface="微软雅黑" panose="020B0503020204020204" pitchFamily="34" charset="-122"/>
-          </a:endParaRPr>
-        </a:p>
-      </dgm:t>
-    </dgm:pt>
-    <dgm:pt modelId="{5D881325-883F-44A1-A5FB-E01856D07A5B}" type="parTrans" cxnId="{5F9EDECD-FB20-4615-B5EC-47255B2B532F}">
-      <dgm:prSet/>
-      <dgm:spPr/>
-      <dgm:t>
-        <a:bodyPr rtlCol="0"/>
-        <a:lstStyle/>
-        <a:p>
-          <a:pPr rtl="0"/>
-          <a:endParaRPr lang="en-US"/>
-        </a:p>
-      </dgm:t>
-    </dgm:pt>
-    <dgm:pt modelId="{2C645F98-BC4B-4797-BC42-0872EA7B0575}" type="sibTrans" cxnId="{5F9EDECD-FB20-4615-B5EC-47255B2B532F}">
-      <dgm:prSet/>
-      <dgm:spPr/>
-      <dgm:t>
-        <a:bodyPr rtlCol="0"/>
-        <a:lstStyle/>
-        <a:p>
-          <a:pPr rtl="0"/>
-          <a:endParaRPr lang="en-US"/>
-        </a:p>
-      </dgm:t>
-    </dgm:pt>
-    <dgm:pt modelId="{F6D27D1B-CDCB-481F-B8FA-AB31B2A119DE}">
-      <dgm:prSet phldrT="[Text]"/>
-      <dgm:spPr/>
-      <dgm:t>
-        <a:bodyPr rtlCol="0"/>
-        <a:lstStyle/>
-        <a:p>
-          <a:pPr rtl="0"/>
-          <a:r>
-            <a:rPr lang="zh-CN" dirty="0">
-              <a:latin typeface="微软雅黑" panose="020B0503020204020204" pitchFamily="34" charset="-122"/>
-              <a:ea typeface="微软雅黑" panose="020B0503020204020204" pitchFamily="34" charset="-122"/>
-            </a:rPr>
-            <a:t>步骤 2 标题</a:t>
-          </a:r>
-          <a:endParaRPr lang="en-US" dirty="0">
-            <a:latin typeface="微软雅黑" panose="020B0503020204020204" pitchFamily="34" charset="-122"/>
-            <a:ea typeface="微软雅黑" panose="020B0503020204020204" pitchFamily="34" charset="-122"/>
-          </a:endParaRPr>
-        </a:p>
-      </dgm:t>
-    </dgm:pt>
-    <dgm:pt modelId="{8A7BF306-8E53-4B16-9E7E-A79AE3DF6BE2}" type="parTrans" cxnId="{A63D53AC-541A-4D09-9620-8B1C8D7B91DE}">
-      <dgm:prSet/>
-      <dgm:spPr/>
-      <dgm:t>
-        <a:bodyPr rtlCol="0"/>
-        <a:lstStyle/>
-        <a:p>
-          <a:pPr rtl="0"/>
-          <a:endParaRPr lang="en-US"/>
-        </a:p>
-      </dgm:t>
-    </dgm:pt>
-    <dgm:pt modelId="{7AEB6639-3258-49E8-8B1F-B4A9C61922BE}" type="sibTrans" cxnId="{A63D53AC-541A-4D09-9620-8B1C8D7B91DE}">
-      <dgm:prSet/>
-      <dgm:spPr/>
-      <dgm:t>
-        <a:bodyPr rtlCol="0"/>
-        <a:lstStyle/>
-        <a:p>
-          <a:pPr rtl="0"/>
-          <a:endParaRPr lang="en-US"/>
-        </a:p>
-      </dgm:t>
-    </dgm:pt>
-    <dgm:pt modelId="{0B00F5A8-A0EF-4111-9D86-004317B4F49E}">
-      <dgm:prSet phldrT="[Text]"/>
-      <dgm:spPr/>
-      <dgm:t>
-        <a:bodyPr rtlCol="0"/>
-        <a:lstStyle/>
-        <a:p>
-          <a:pPr rtl="0"/>
-          <a:r>
-            <a:rPr lang="zh-CN" dirty="0">
-              <a:latin typeface="微软雅黑" panose="020B0503020204020204" pitchFamily="34" charset="-122"/>
-              <a:ea typeface="微软雅黑" panose="020B0503020204020204" pitchFamily="34" charset="-122"/>
-            </a:rPr>
-            <a:t>任务描述</a:t>
-          </a:r>
-          <a:endParaRPr lang="en-US" dirty="0">
-            <a:latin typeface="微软雅黑" panose="020B0503020204020204" pitchFamily="34" charset="-122"/>
-            <a:ea typeface="微软雅黑" panose="020B0503020204020204" pitchFamily="34" charset="-122"/>
-          </a:endParaRPr>
-        </a:p>
-      </dgm:t>
-    </dgm:pt>
-    <dgm:pt modelId="{EC916B99-8D26-4265-B7BE-BB461C68DA5C}" type="parTrans" cxnId="{86F910E7-C9D0-48E5-A3A3-C70127E96FC1}">
-      <dgm:prSet/>
-      <dgm:spPr/>
-      <dgm:t>
-        <a:bodyPr rtlCol="0"/>
-        <a:lstStyle/>
-        <a:p>
-          <a:pPr rtl="0"/>
-          <a:endParaRPr lang="en-US"/>
-        </a:p>
-      </dgm:t>
-    </dgm:pt>
-    <dgm:pt modelId="{CE48C676-980A-4BAC-A3C8-9ABC315DAE51}" type="sibTrans" cxnId="{86F910E7-C9D0-48E5-A3A3-C70127E96FC1}">
-      <dgm:prSet/>
-      <dgm:spPr/>
-      <dgm:t>
-        <a:bodyPr rtlCol="0"/>
-        <a:lstStyle/>
-        <a:p>
-          <a:pPr rtl="0"/>
-          <a:endParaRPr lang="en-US"/>
-        </a:p>
-      </dgm:t>
-    </dgm:pt>
-    <dgm:pt modelId="{58828492-5CEF-4AFE-95CB-5D7E6A18158B}">
-      <dgm:prSet phldrT="[Text]"/>
-      <dgm:spPr/>
-      <dgm:t>
-        <a:bodyPr rtlCol="0"/>
-        <a:lstStyle/>
-        <a:p>
-          <a:pPr rtl="0"/>
-          <a:r>
-            <a:rPr lang="zh-CN" dirty="0">
-              <a:latin typeface="微软雅黑" panose="020B0503020204020204" pitchFamily="34" charset="-122"/>
-              <a:ea typeface="微软雅黑" panose="020B0503020204020204" pitchFamily="34" charset="-122"/>
-            </a:rPr>
-            <a:t>步骤 3 标题</a:t>
-          </a:r>
-          <a:endParaRPr lang="en-US" dirty="0">
-            <a:latin typeface="微软雅黑" panose="020B0503020204020204" pitchFamily="34" charset="-122"/>
-            <a:ea typeface="微软雅黑" panose="020B0503020204020204" pitchFamily="34" charset="-122"/>
-          </a:endParaRPr>
-        </a:p>
-      </dgm:t>
-    </dgm:pt>
-    <dgm:pt modelId="{F664BA43-1B81-496F-A04E-CE4B4A525697}" type="parTrans" cxnId="{ECE9152A-59A8-4A3A-9D34-DB38A074F636}">
-      <dgm:prSet/>
-      <dgm:spPr/>
-      <dgm:t>
-        <a:bodyPr rtlCol="0"/>
-        <a:lstStyle/>
-        <a:p>
-          <a:pPr rtl="0"/>
-          <a:endParaRPr lang="en-US"/>
-        </a:p>
-      </dgm:t>
-    </dgm:pt>
-    <dgm:pt modelId="{2D386477-EC66-449A-8D41-5F8A212C3D8E}" type="sibTrans" cxnId="{ECE9152A-59A8-4A3A-9D34-DB38A074F636}">
-      <dgm:prSet/>
-      <dgm:spPr/>
-      <dgm:t>
-        <a:bodyPr rtlCol="0"/>
-        <a:lstStyle/>
-        <a:p>
-          <a:pPr rtl="0"/>
-          <a:endParaRPr lang="en-US"/>
-        </a:p>
-      </dgm:t>
-    </dgm:pt>
-    <dgm:pt modelId="{68838C34-4D02-49F8-ADD7-BFA90D87B7EA}">
-      <dgm:prSet phldrT="[Text]"/>
-      <dgm:spPr/>
-      <dgm:t>
-        <a:bodyPr rtlCol="0"/>
-        <a:lstStyle/>
-        <a:p>
-          <a:pPr rtl="0"/>
-          <a:r>
-            <a:rPr lang="zh-CN">
-              <a:latin typeface="微软雅黑" panose="020B0503020204020204" pitchFamily="34" charset="-122"/>
-              <a:ea typeface="微软雅黑" panose="020B0503020204020204" pitchFamily="34" charset="-122"/>
-            </a:rPr>
-            <a:t>任务描述</a:t>
-          </a:r>
-          <a:endParaRPr lang="en-US" dirty="0">
-            <a:latin typeface="微软雅黑" panose="020B0503020204020204" pitchFamily="34" charset="-122"/>
-            <a:ea typeface="微软雅黑" panose="020B0503020204020204" pitchFamily="34" charset="-122"/>
-          </a:endParaRPr>
-        </a:p>
-      </dgm:t>
-    </dgm:pt>
-    <dgm:pt modelId="{F2AD00AD-6A23-4C89-A107-68EF5D1F0B94}" type="parTrans" cxnId="{4143D757-8617-4C89-8322-E3B29A1874AF}">
-      <dgm:prSet/>
-      <dgm:spPr/>
-      <dgm:t>
-        <a:bodyPr rtlCol="0"/>
-        <a:lstStyle/>
-        <a:p>
-          <a:pPr rtl="0"/>
-          <a:endParaRPr lang="en-US"/>
-        </a:p>
-      </dgm:t>
-    </dgm:pt>
-    <dgm:pt modelId="{FFC4FCE7-6F2F-4F91-A74A-7C4C32A81657}" type="sibTrans" cxnId="{4143D757-8617-4C89-8322-E3B29A1874AF}">
-      <dgm:prSet/>
-      <dgm:spPr/>
-      <dgm:t>
-        <a:bodyPr rtlCol="0"/>
-        <a:lstStyle/>
-        <a:p>
-          <a:pPr rtl="0"/>
-          <a:endParaRPr lang="en-US"/>
-        </a:p>
-      </dgm:t>
-    </dgm:pt>
-    <dgm:pt modelId="{65B6D8B9-E558-4264-B37F-7B4B2A8896DF}">
-      <dgm:prSet phldrT="[Text]"/>
-      <dgm:spPr/>
-      <dgm:t>
-        <a:bodyPr rtlCol="0"/>
-        <a:lstStyle/>
-        <a:p>
-          <a:pPr rtl="0"/>
-          <a:r>
-            <a:rPr lang="zh-CN" dirty="0">
-              <a:latin typeface="微软雅黑" panose="020B0503020204020204" pitchFamily="34" charset="-122"/>
-              <a:ea typeface="微软雅黑" panose="020B0503020204020204" pitchFamily="34" charset="-122"/>
-            </a:rPr>
-            <a:t>任务描述</a:t>
-          </a:r>
-          <a:endParaRPr lang="en-US" dirty="0">
-            <a:latin typeface="微软雅黑" panose="020B0503020204020204" pitchFamily="34" charset="-122"/>
-            <a:ea typeface="微软雅黑" panose="020B0503020204020204" pitchFamily="34" charset="-122"/>
-          </a:endParaRPr>
-        </a:p>
-      </dgm:t>
-    </dgm:pt>
-    <dgm:pt modelId="{04F5A724-3AA7-4E78-B992-BCB3E916993F}" type="parTrans" cxnId="{CA96E113-7151-48C8-B4D5-7AA211772CC8}">
-      <dgm:prSet/>
-      <dgm:spPr/>
-      <dgm:t>
-        <a:bodyPr rtlCol="0"/>
-        <a:lstStyle/>
-        <a:p>
-          <a:pPr rtl="0"/>
-          <a:endParaRPr lang="en-US"/>
-        </a:p>
-      </dgm:t>
-    </dgm:pt>
-    <dgm:pt modelId="{370A79FF-9957-49E1-811F-78AB198DD9E0}" type="sibTrans" cxnId="{CA96E113-7151-48C8-B4D5-7AA211772CC8}">
-      <dgm:prSet/>
-      <dgm:spPr/>
-      <dgm:t>
-        <a:bodyPr rtlCol="0"/>
-        <a:lstStyle/>
-        <a:p>
-          <a:pPr rtl="0"/>
-          <a:endParaRPr lang="en-US"/>
-        </a:p>
-      </dgm:t>
-    </dgm:pt>
-    <dgm:pt modelId="{6E7DBE00-7E5B-46F8-BBA0-CF0079A58E82}">
-      <dgm:prSet phldrT="[Text]"/>
-      <dgm:spPr/>
-      <dgm:t>
-        <a:bodyPr rtlCol="0"/>
-        <a:lstStyle/>
-        <a:p>
-          <a:pPr rtl="0"/>
-          <a:r>
-            <a:rPr lang="zh-CN" dirty="0">
-              <a:latin typeface="微软雅黑" panose="020B0503020204020204" pitchFamily="34" charset="-122"/>
-              <a:ea typeface="微软雅黑" panose="020B0503020204020204" pitchFamily="34" charset="-122"/>
-            </a:rPr>
-            <a:t>任务描述</a:t>
-          </a:r>
-          <a:endParaRPr lang="en-US" dirty="0">
-            <a:latin typeface="微软雅黑" panose="020B0503020204020204" pitchFamily="34" charset="-122"/>
-            <a:ea typeface="微软雅黑" panose="020B0503020204020204" pitchFamily="34" charset="-122"/>
-          </a:endParaRPr>
-        </a:p>
-      </dgm:t>
-    </dgm:pt>
-    <dgm:pt modelId="{6FAC7821-43C2-4A12-9638-E9B1BDE7C8D8}" type="parTrans" cxnId="{3D080EE7-BDF0-495B-A4FB-103A296CD73B}">
-      <dgm:prSet/>
-      <dgm:spPr/>
-      <dgm:t>
-        <a:bodyPr rtlCol="0"/>
-        <a:lstStyle/>
-        <a:p>
-          <a:pPr rtl="0"/>
-          <a:endParaRPr lang="en-US"/>
-        </a:p>
-      </dgm:t>
-    </dgm:pt>
-    <dgm:pt modelId="{65147ED7-18A4-49A5-9AEE-066FB0363316}" type="sibTrans" cxnId="{3D080EE7-BDF0-495B-A4FB-103A296CD73B}">
-      <dgm:prSet/>
-      <dgm:spPr/>
-      <dgm:t>
-        <a:bodyPr rtlCol="0"/>
-        <a:lstStyle/>
-        <a:p>
-          <a:pPr rtl="0"/>
-          <a:endParaRPr lang="en-US"/>
-        </a:p>
-      </dgm:t>
-    </dgm:pt>
-    <dgm:pt modelId="{3960CFF8-4383-4382-8D6D-F2A00F508E8D}" type="pres">
-      <dgm:prSet presAssocID="{0E9DE493-19D7-4EC9-97C9-5F26233F1106}" presName="Name0" presStyleCnt="0">
-        <dgm:presLayoutVars>
-          <dgm:dir/>
-          <dgm:animLvl val="lvl"/>
-          <dgm:resizeHandles val="exact"/>
-        </dgm:presLayoutVars>
-      </dgm:prSet>
-      <dgm:spPr/>
-      <dgm:t>
-        <a:bodyPr rtlCol="0"/>
-        <a:lstStyle/>
-        <a:p>
-          <a:pPr rtl="0"/>
-          <a:endParaRPr lang="en-US"/>
-        </a:p>
-      </dgm:t>
-    </dgm:pt>
-    <dgm:pt modelId="{366CFF54-5C8F-47F9-BFD8-D9AF3EADDA3E}" type="pres">
-      <dgm:prSet presAssocID="{0E9DE493-19D7-4EC9-97C9-5F26233F1106}" presName="tSp" presStyleCnt="0"/>
-      <dgm:spPr/>
-    </dgm:pt>
-    <dgm:pt modelId="{13688FBD-4079-41FE-A6A2-B5B0F293E6BF}" type="pres">
-      <dgm:prSet presAssocID="{0E9DE493-19D7-4EC9-97C9-5F26233F1106}" presName="bSp" presStyleCnt="0"/>
-      <dgm:spPr/>
-    </dgm:pt>
-    <dgm:pt modelId="{224851B6-C14D-49DE-883B-A13003DA4601}" type="pres">
-      <dgm:prSet presAssocID="{0E9DE493-19D7-4EC9-97C9-5F26233F1106}" presName="process" presStyleCnt="0"/>
-      <dgm:spPr/>
-    </dgm:pt>
-    <dgm:pt modelId="{1439717B-283C-48FF-AF62-1990F52B6512}" type="pres">
-      <dgm:prSet presAssocID="{FB986F71-3126-4196-BD30-74AEDC39A1CA}" presName="composite1" presStyleCnt="0"/>
-      <dgm:spPr/>
-    </dgm:pt>
-    <dgm:pt modelId="{BCCE6711-D1D8-4B2C-917E-41AB5A6114A8}" type="pres">
-      <dgm:prSet presAssocID="{FB986F71-3126-4196-BD30-74AEDC39A1CA}" presName="dummyNode1" presStyleLbl="node1" presStyleIdx="0" presStyleCnt="3"/>
-      <dgm:spPr/>
-    </dgm:pt>
-    <dgm:pt modelId="{96015622-8A46-45CF-A72A-2856B699B374}" type="pres">
-      <dgm:prSet presAssocID="{FB986F71-3126-4196-BD30-74AEDC39A1CA}" presName="childNode1" presStyleLbl="bgAcc1" presStyleIdx="0" presStyleCnt="3">
-        <dgm:presLayoutVars>
-          <dgm:bulletEnabled val="1"/>
-        </dgm:presLayoutVars>
-      </dgm:prSet>
-      <dgm:spPr/>
-      <dgm:t>
-        <a:bodyPr rtlCol="0"/>
-        <a:lstStyle/>
-        <a:p>
-          <a:pPr rtl="0"/>
-          <a:endParaRPr lang="en-US"/>
-        </a:p>
-      </dgm:t>
-    </dgm:pt>
-    <dgm:pt modelId="{BFE859F2-A9E8-4F95-9161-8EC68F2D30C4}" type="pres">
-      <dgm:prSet presAssocID="{FB986F71-3126-4196-BD30-74AEDC39A1CA}" presName="childNode1tx" presStyleLbl="bgAcc1" presStyleIdx="0" presStyleCnt="3">
-        <dgm:presLayoutVars>
-          <dgm:bulletEnabled val="1"/>
-        </dgm:presLayoutVars>
-      </dgm:prSet>
-      <dgm:spPr/>
-      <dgm:t>
-        <a:bodyPr rtlCol="0"/>
-        <a:lstStyle/>
-        <a:p>
-          <a:pPr rtl="0"/>
-          <a:endParaRPr lang="en-US"/>
-        </a:p>
-      </dgm:t>
-    </dgm:pt>
-    <dgm:pt modelId="{E18C6CF4-EDEB-4539-A36D-E0355B626199}" type="pres">
-      <dgm:prSet presAssocID="{FB986F71-3126-4196-BD30-74AEDC39A1CA}" presName="parentNode1" presStyleLbl="node1" presStyleIdx="0" presStyleCnt="3">
-        <dgm:presLayoutVars>
-          <dgm:chMax val="1"/>
-          <dgm:bulletEnabled val="1"/>
-        </dgm:presLayoutVars>
-      </dgm:prSet>
-      <dgm:spPr/>
-      <dgm:t>
-        <a:bodyPr rtlCol="0"/>
-        <a:lstStyle/>
-        <a:p>
-          <a:pPr rtl="0"/>
-          <a:endParaRPr lang="en-US"/>
-        </a:p>
-      </dgm:t>
-    </dgm:pt>
-    <dgm:pt modelId="{D9FCD5E9-9E94-4534-BAB4-3DB8EB44E7D0}" type="pres">
-      <dgm:prSet presAssocID="{FB986F71-3126-4196-BD30-74AEDC39A1CA}" presName="connSite1" presStyleCnt="0"/>
-      <dgm:spPr/>
-    </dgm:pt>
-    <dgm:pt modelId="{6A63D16E-EEE6-4267-97EA-5AD7D2BC4E84}" type="pres">
-      <dgm:prSet presAssocID="{D0B150DF-3AA4-454C-8652-25880449C422}" presName="Name9" presStyleLbl="sibTrans2D1" presStyleIdx="0" presStyleCnt="2"/>
-      <dgm:spPr/>
-      <dgm:t>
-        <a:bodyPr rtlCol="0"/>
-        <a:lstStyle/>
-        <a:p>
-          <a:pPr rtl="0"/>
-          <a:endParaRPr lang="en-US"/>
-        </a:p>
-      </dgm:t>
-    </dgm:pt>
-    <dgm:pt modelId="{59BAED1E-A4FE-4FA3-8716-57917AF47F38}" type="pres">
-      <dgm:prSet presAssocID="{F6D27D1B-CDCB-481F-B8FA-AB31B2A119DE}" presName="composite2" presStyleCnt="0"/>
-      <dgm:spPr/>
-    </dgm:pt>
-    <dgm:pt modelId="{5C833856-7FAF-4B27-932C-67C7D08339F2}" type="pres">
-      <dgm:prSet presAssocID="{F6D27D1B-CDCB-481F-B8FA-AB31B2A119DE}" presName="dummyNode2" presStyleLbl="node1" presStyleIdx="0" presStyleCnt="3"/>
-      <dgm:spPr/>
-    </dgm:pt>
-    <dgm:pt modelId="{E83793B4-2C5C-4D90-82FA-E5EE4745664D}" type="pres">
-      <dgm:prSet presAssocID="{F6D27D1B-CDCB-481F-B8FA-AB31B2A119DE}" presName="childNode2" presStyleLbl="bgAcc1" presStyleIdx="1" presStyleCnt="3">
-        <dgm:presLayoutVars>
-          <dgm:bulletEnabled val="1"/>
-        </dgm:presLayoutVars>
-      </dgm:prSet>
-      <dgm:spPr/>
-      <dgm:t>
-        <a:bodyPr rtlCol="0"/>
-        <a:lstStyle/>
-        <a:p>
-          <a:pPr rtl="0"/>
-          <a:endParaRPr lang="en-US"/>
-        </a:p>
-      </dgm:t>
-    </dgm:pt>
-    <dgm:pt modelId="{67FFE978-6FBE-4424-80BE-B9E4B4DD0695}" type="pres">
-      <dgm:prSet presAssocID="{F6D27D1B-CDCB-481F-B8FA-AB31B2A119DE}" presName="childNode2tx" presStyleLbl="bgAcc1" presStyleIdx="1" presStyleCnt="3">
-        <dgm:presLayoutVars>
-          <dgm:bulletEnabled val="1"/>
-        </dgm:presLayoutVars>
-      </dgm:prSet>
-      <dgm:spPr/>
-      <dgm:t>
-        <a:bodyPr rtlCol="0"/>
-        <a:lstStyle/>
-        <a:p>
-          <a:pPr rtl="0"/>
-          <a:endParaRPr lang="en-US"/>
-        </a:p>
-      </dgm:t>
-    </dgm:pt>
-    <dgm:pt modelId="{029D1FDE-4DD7-4FA5-8C70-0C747477B66C}" type="pres">
-      <dgm:prSet presAssocID="{F6D27D1B-CDCB-481F-B8FA-AB31B2A119DE}" presName="parentNode2" presStyleLbl="node1" presStyleIdx="1" presStyleCnt="3">
-        <dgm:presLayoutVars>
-          <dgm:chMax val="0"/>
-          <dgm:bulletEnabled val="1"/>
-        </dgm:presLayoutVars>
-      </dgm:prSet>
-      <dgm:spPr/>
-      <dgm:t>
-        <a:bodyPr rtlCol="0"/>
-        <a:lstStyle/>
-        <a:p>
-          <a:pPr rtl="0"/>
-          <a:endParaRPr lang="en-US"/>
-        </a:p>
-      </dgm:t>
-    </dgm:pt>
-    <dgm:pt modelId="{C2556EF6-41FF-46C6-8829-911BFA533FFE}" type="pres">
-      <dgm:prSet presAssocID="{F6D27D1B-CDCB-481F-B8FA-AB31B2A119DE}" presName="connSite2" presStyleCnt="0"/>
-      <dgm:spPr/>
-    </dgm:pt>
-    <dgm:pt modelId="{DC2A0ADB-DCE3-4BF4-9952-0394865777AC}" type="pres">
-      <dgm:prSet presAssocID="{7AEB6639-3258-49E8-8B1F-B4A9C61922BE}" presName="Name18" presStyleLbl="sibTrans2D1" presStyleIdx="1" presStyleCnt="2"/>
-      <dgm:spPr/>
-      <dgm:t>
-        <a:bodyPr rtlCol="0"/>
-        <a:lstStyle/>
-        <a:p>
-          <a:pPr rtl="0"/>
-          <a:endParaRPr lang="en-US"/>
-        </a:p>
-      </dgm:t>
-    </dgm:pt>
-    <dgm:pt modelId="{A874A3A3-A340-4ABC-99B5-7529D4415335}" type="pres">
-      <dgm:prSet presAssocID="{58828492-5CEF-4AFE-95CB-5D7E6A18158B}" presName="composite1" presStyleCnt="0"/>
-      <dgm:spPr/>
-    </dgm:pt>
-    <dgm:pt modelId="{14032C0B-60AE-432B-A713-F993D1C4BA8F}" type="pres">
-      <dgm:prSet presAssocID="{58828492-5CEF-4AFE-95CB-5D7E6A18158B}" presName="dummyNode1" presStyleLbl="node1" presStyleIdx="1" presStyleCnt="3"/>
-      <dgm:spPr/>
-    </dgm:pt>
-    <dgm:pt modelId="{69C28D3B-E083-42DF-9EA0-916CA12125A9}" type="pres">
-      <dgm:prSet presAssocID="{58828492-5CEF-4AFE-95CB-5D7E6A18158B}" presName="childNode1" presStyleLbl="bgAcc1" presStyleIdx="2" presStyleCnt="3">
-        <dgm:presLayoutVars>
-          <dgm:bulletEnabled val="1"/>
-        </dgm:presLayoutVars>
-      </dgm:prSet>
-      <dgm:spPr/>
-      <dgm:t>
-        <a:bodyPr rtlCol="0"/>
-        <a:lstStyle/>
-        <a:p>
-          <a:pPr rtl="0"/>
-          <a:endParaRPr lang="en-US"/>
-        </a:p>
-      </dgm:t>
-    </dgm:pt>
-    <dgm:pt modelId="{843715D2-C2C2-41EB-BDA3-21230FBA46DB}" type="pres">
-      <dgm:prSet presAssocID="{58828492-5CEF-4AFE-95CB-5D7E6A18158B}" presName="childNode1tx" presStyleLbl="bgAcc1" presStyleIdx="2" presStyleCnt="3">
-        <dgm:presLayoutVars>
-          <dgm:bulletEnabled val="1"/>
-        </dgm:presLayoutVars>
-      </dgm:prSet>
-      <dgm:spPr/>
-      <dgm:t>
-        <a:bodyPr rtlCol="0"/>
-        <a:lstStyle/>
-        <a:p>
-          <a:pPr rtl="0"/>
-          <a:endParaRPr lang="en-US"/>
-        </a:p>
-      </dgm:t>
-    </dgm:pt>
-    <dgm:pt modelId="{047F5837-10E2-4FFC-A492-DB8A19EF48CA}" type="pres">
-      <dgm:prSet presAssocID="{58828492-5CEF-4AFE-95CB-5D7E6A18158B}" presName="parentNode1" presStyleLbl="node1" presStyleIdx="2" presStyleCnt="3">
-        <dgm:presLayoutVars>
-          <dgm:chMax val="1"/>
-          <dgm:bulletEnabled val="1"/>
-        </dgm:presLayoutVars>
-      </dgm:prSet>
-      <dgm:spPr/>
-      <dgm:t>
-        <a:bodyPr rtlCol="0"/>
-        <a:lstStyle/>
-        <a:p>
-          <a:pPr rtl="0"/>
-          <a:endParaRPr lang="en-US"/>
-        </a:p>
-      </dgm:t>
-    </dgm:pt>
-    <dgm:pt modelId="{7D6A154D-27BB-4CCE-9250-BCDD2CD5C383}" type="pres">
-      <dgm:prSet presAssocID="{58828492-5CEF-4AFE-95CB-5D7E6A18158B}" presName="connSite1" presStyleCnt="0"/>
-      <dgm:spPr/>
-    </dgm:pt>
-  </dgm:ptLst>
-  <dgm:cxnLst>
-    <dgm:cxn modelId="{0C68F2E9-D20E-4DD0-B6CB-F7DB9484C868}" type="presOf" srcId="{BF381BD4-48DC-48BF-8C18-C307CDD4D490}" destId="{BFE859F2-A9E8-4F95-9161-8EC68F2D30C4}" srcOrd="1" destOrd="1" presId="urn:microsoft.com/office/officeart/2005/8/layout/hProcess4"/>
-    <dgm:cxn modelId="{1423FC72-83C7-4510-8021-28EAEA493E68}" srcId="{0E9DE493-19D7-4EC9-97C9-5F26233F1106}" destId="{FB986F71-3126-4196-BD30-74AEDC39A1CA}" srcOrd="0" destOrd="0" parTransId="{9B3CE34A-9B3E-4D5F-94E0-DFBB94FF5A03}" sibTransId="{D0B150DF-3AA4-454C-8652-25880449C422}"/>
-    <dgm:cxn modelId="{3B2CD89C-CF67-43E3-9293-C53C72995678}" type="presOf" srcId="{BF381BD4-48DC-48BF-8C18-C307CDD4D490}" destId="{96015622-8A46-45CF-A72A-2856B699B374}" srcOrd="0" destOrd="1" presId="urn:microsoft.com/office/officeart/2005/8/layout/hProcess4"/>
-    <dgm:cxn modelId="{A106624A-0005-41D4-B64A-901644325FEA}" type="presOf" srcId="{6E7DBE00-7E5B-46F8-BBA0-CF0079A58E82}" destId="{843715D2-C2C2-41EB-BDA3-21230FBA46DB}" srcOrd="1" destOrd="1" presId="urn:microsoft.com/office/officeart/2005/8/layout/hProcess4"/>
-    <dgm:cxn modelId="{4143D757-8617-4C89-8322-E3B29A1874AF}" srcId="{58828492-5CEF-4AFE-95CB-5D7E6A18158B}" destId="{68838C34-4D02-49F8-ADD7-BFA90D87B7EA}" srcOrd="0" destOrd="0" parTransId="{F2AD00AD-6A23-4C89-A107-68EF5D1F0B94}" sibTransId="{FFC4FCE7-6F2F-4F91-A74A-7C4C32A81657}"/>
-    <dgm:cxn modelId="{0C99A0E7-7B5A-462A-BC31-41CB3B1D1005}" type="presOf" srcId="{0E9DE493-19D7-4EC9-97C9-5F26233F1106}" destId="{3960CFF8-4383-4382-8D6D-F2A00F508E8D}" srcOrd="0" destOrd="0" presId="urn:microsoft.com/office/officeart/2005/8/layout/hProcess4"/>
-    <dgm:cxn modelId="{300E722A-937B-4681-BF9C-7933B3C6956A}" type="presOf" srcId="{F6D27D1B-CDCB-481F-B8FA-AB31B2A119DE}" destId="{029D1FDE-4DD7-4FA5-8C70-0C747477B66C}" srcOrd="0" destOrd="0" presId="urn:microsoft.com/office/officeart/2005/8/layout/hProcess4"/>
-    <dgm:cxn modelId="{0DE04CA7-8D0A-42E1-B07A-0D64581626CA}" type="presOf" srcId="{7AEB6639-3258-49E8-8B1F-B4A9C61922BE}" destId="{DC2A0ADB-DCE3-4BF4-9952-0394865777AC}" srcOrd="0" destOrd="0" presId="urn:microsoft.com/office/officeart/2005/8/layout/hProcess4"/>
-    <dgm:cxn modelId="{878AE697-35FC-403D-92A3-0B92F7B7EB7A}" type="presOf" srcId="{0B00F5A8-A0EF-4111-9D86-004317B4F49E}" destId="{E83793B4-2C5C-4D90-82FA-E5EE4745664D}" srcOrd="0" destOrd="0" presId="urn:microsoft.com/office/officeart/2005/8/layout/hProcess4"/>
-    <dgm:cxn modelId="{E9730C94-0A42-4F8E-B45A-02CE25449719}" type="presOf" srcId="{AB2E8498-CC81-452F-A895-08F3845AA347}" destId="{BFE859F2-A9E8-4F95-9161-8EC68F2D30C4}" srcOrd="1" destOrd="0" presId="urn:microsoft.com/office/officeart/2005/8/layout/hProcess4"/>
-    <dgm:cxn modelId="{0731A115-58A3-481B-8A1D-4C0F1D56F785}" type="presOf" srcId="{FB986F71-3126-4196-BD30-74AEDC39A1CA}" destId="{E18C6CF4-EDEB-4539-A36D-E0355B626199}" srcOrd="0" destOrd="0" presId="urn:microsoft.com/office/officeart/2005/8/layout/hProcess4"/>
-    <dgm:cxn modelId="{C875BEE4-598B-4FE7-9AAC-474318887EB0}" type="presOf" srcId="{D0B150DF-3AA4-454C-8652-25880449C422}" destId="{6A63D16E-EEE6-4267-97EA-5AD7D2BC4E84}" srcOrd="0" destOrd="0" presId="urn:microsoft.com/office/officeart/2005/8/layout/hProcess4"/>
-    <dgm:cxn modelId="{5F9EDECD-FB20-4615-B5EC-47255B2B532F}" srcId="{FB986F71-3126-4196-BD30-74AEDC39A1CA}" destId="{BF381BD4-48DC-48BF-8C18-C307CDD4D490}" srcOrd="1" destOrd="0" parTransId="{5D881325-883F-44A1-A5FB-E01856D07A5B}" sibTransId="{2C645F98-BC4B-4797-BC42-0872EA7B0575}"/>
-    <dgm:cxn modelId="{8593019D-C207-4E1B-B1C1-18E0CC95AA04}" type="presOf" srcId="{65B6D8B9-E558-4264-B37F-7B4B2A8896DF}" destId="{67FFE978-6FBE-4424-80BE-B9E4B4DD0695}" srcOrd="1" destOrd="1" presId="urn:microsoft.com/office/officeart/2005/8/layout/hProcess4"/>
-    <dgm:cxn modelId="{F3D001C7-FD84-41F5-B497-6421DAD4965E}" type="presOf" srcId="{65B6D8B9-E558-4264-B37F-7B4B2A8896DF}" destId="{E83793B4-2C5C-4D90-82FA-E5EE4745664D}" srcOrd="0" destOrd="1" presId="urn:microsoft.com/office/officeart/2005/8/layout/hProcess4"/>
-    <dgm:cxn modelId="{DC0556BF-DB8E-4C8C-A27B-FEA575AE48F1}" type="presOf" srcId="{68838C34-4D02-49F8-ADD7-BFA90D87B7EA}" destId="{843715D2-C2C2-41EB-BDA3-21230FBA46DB}" srcOrd="1" destOrd="0" presId="urn:microsoft.com/office/officeart/2005/8/layout/hProcess4"/>
-    <dgm:cxn modelId="{004946A5-CBD1-4C7F-A823-A85DAC245DF7}" type="presOf" srcId="{6E7DBE00-7E5B-46F8-BBA0-CF0079A58E82}" destId="{69C28D3B-E083-42DF-9EA0-916CA12125A9}" srcOrd="0" destOrd="1" presId="urn:microsoft.com/office/officeart/2005/8/layout/hProcess4"/>
-    <dgm:cxn modelId="{56878CDA-253E-4C45-8745-6F7C37074EAE}" type="presOf" srcId="{58828492-5CEF-4AFE-95CB-5D7E6A18158B}" destId="{047F5837-10E2-4FFC-A492-DB8A19EF48CA}" srcOrd="0" destOrd="0" presId="urn:microsoft.com/office/officeart/2005/8/layout/hProcess4"/>
-    <dgm:cxn modelId="{E113FEAA-1F7F-443C-BD88-38A807CEBD28}" type="presOf" srcId="{0B00F5A8-A0EF-4111-9D86-004317B4F49E}" destId="{67FFE978-6FBE-4424-80BE-B9E4B4DD0695}" srcOrd="1" destOrd="0" presId="urn:microsoft.com/office/officeart/2005/8/layout/hProcess4"/>
-    <dgm:cxn modelId="{A63D53AC-541A-4D09-9620-8B1C8D7B91DE}" srcId="{0E9DE493-19D7-4EC9-97C9-5F26233F1106}" destId="{F6D27D1B-CDCB-481F-B8FA-AB31B2A119DE}" srcOrd="1" destOrd="0" parTransId="{8A7BF306-8E53-4B16-9E7E-A79AE3DF6BE2}" sibTransId="{7AEB6639-3258-49E8-8B1F-B4A9C61922BE}"/>
-    <dgm:cxn modelId="{CA96E113-7151-48C8-B4D5-7AA211772CC8}" srcId="{F6D27D1B-CDCB-481F-B8FA-AB31B2A119DE}" destId="{65B6D8B9-E558-4264-B37F-7B4B2A8896DF}" srcOrd="1" destOrd="0" parTransId="{04F5A724-3AA7-4E78-B992-BCB3E916993F}" sibTransId="{370A79FF-9957-49E1-811F-78AB198DD9E0}"/>
-    <dgm:cxn modelId="{3D080EE7-BDF0-495B-A4FB-103A296CD73B}" srcId="{58828492-5CEF-4AFE-95CB-5D7E6A18158B}" destId="{6E7DBE00-7E5B-46F8-BBA0-CF0079A58E82}" srcOrd="1" destOrd="0" parTransId="{6FAC7821-43C2-4A12-9638-E9B1BDE7C8D8}" sibTransId="{65147ED7-18A4-49A5-9AEE-066FB0363316}"/>
-    <dgm:cxn modelId="{1BE66046-E00C-4ECF-A4C7-64A3E9346530}" type="presOf" srcId="{68838C34-4D02-49F8-ADD7-BFA90D87B7EA}" destId="{69C28D3B-E083-42DF-9EA0-916CA12125A9}" srcOrd="0" destOrd="0" presId="urn:microsoft.com/office/officeart/2005/8/layout/hProcess4"/>
-    <dgm:cxn modelId="{86F910E7-C9D0-48E5-A3A3-C70127E96FC1}" srcId="{F6D27D1B-CDCB-481F-B8FA-AB31B2A119DE}" destId="{0B00F5A8-A0EF-4111-9D86-004317B4F49E}" srcOrd="0" destOrd="0" parTransId="{EC916B99-8D26-4265-B7BE-BB461C68DA5C}" sibTransId="{CE48C676-980A-4BAC-A3C8-9ABC315DAE51}"/>
-    <dgm:cxn modelId="{ECE9152A-59A8-4A3A-9D34-DB38A074F636}" srcId="{0E9DE493-19D7-4EC9-97C9-5F26233F1106}" destId="{58828492-5CEF-4AFE-95CB-5D7E6A18158B}" srcOrd="2" destOrd="0" parTransId="{F664BA43-1B81-496F-A04E-CE4B4A525697}" sibTransId="{2D386477-EC66-449A-8D41-5F8A212C3D8E}"/>
-    <dgm:cxn modelId="{792CF8D9-766B-49FE-B851-31297691E0C7}" type="presOf" srcId="{AB2E8498-CC81-452F-A895-08F3845AA347}" destId="{96015622-8A46-45CF-A72A-2856B699B374}" srcOrd="0" destOrd="0" presId="urn:microsoft.com/office/officeart/2005/8/layout/hProcess4"/>
-    <dgm:cxn modelId="{2D5B3E3B-3EE5-4072-933E-27DF5400591C}" srcId="{FB986F71-3126-4196-BD30-74AEDC39A1CA}" destId="{AB2E8498-CC81-452F-A895-08F3845AA347}" srcOrd="0" destOrd="0" parTransId="{4C65E2C8-0CBB-4D8C-AD60-6B0105C62B84}" sibTransId="{9A1F3304-AA9E-4FBC-89BA-9095C80E47C9}"/>
-    <dgm:cxn modelId="{7BE7AED0-385C-460E-A868-06962FF7BF4D}" type="presParOf" srcId="{3960CFF8-4383-4382-8D6D-F2A00F508E8D}" destId="{366CFF54-5C8F-47F9-BFD8-D9AF3EADDA3E}" srcOrd="0" destOrd="0" presId="urn:microsoft.com/office/officeart/2005/8/layout/hProcess4"/>
-    <dgm:cxn modelId="{7C708C67-6B57-4F62-BFC8-44484A4BB8C4}" type="presParOf" srcId="{3960CFF8-4383-4382-8D6D-F2A00F508E8D}" destId="{13688FBD-4079-41FE-A6A2-B5B0F293E6BF}" srcOrd="1" destOrd="0" presId="urn:microsoft.com/office/officeart/2005/8/layout/hProcess4"/>
-    <dgm:cxn modelId="{697CCE2B-9683-4DC0-A208-89C15D73093F}" type="presParOf" srcId="{3960CFF8-4383-4382-8D6D-F2A00F508E8D}" destId="{224851B6-C14D-49DE-883B-A13003DA4601}" srcOrd="2" destOrd="0" presId="urn:microsoft.com/office/officeart/2005/8/layout/hProcess4"/>
-    <dgm:cxn modelId="{FB980B6C-7B77-4691-82C5-788FE8D96E48}" type="presParOf" srcId="{224851B6-C14D-49DE-883B-A13003DA4601}" destId="{1439717B-283C-48FF-AF62-1990F52B6512}" srcOrd="0" destOrd="0" presId="urn:microsoft.com/office/officeart/2005/8/layout/hProcess4"/>
-    <dgm:cxn modelId="{77B1C0E7-D435-456C-A00F-39975DCDAA0B}" type="presParOf" srcId="{1439717B-283C-48FF-AF62-1990F52B6512}" destId="{BCCE6711-D1D8-4B2C-917E-41AB5A6114A8}" srcOrd="0" destOrd="0" presId="urn:microsoft.com/office/officeart/2005/8/layout/hProcess4"/>
-    <dgm:cxn modelId="{983A13E1-DBFA-4048-8932-72A07B33F957}" type="presParOf" srcId="{1439717B-283C-48FF-AF62-1990F52B6512}" destId="{96015622-8A46-45CF-A72A-2856B699B374}" srcOrd="1" destOrd="0" presId="urn:microsoft.com/office/officeart/2005/8/layout/hProcess4"/>
-    <dgm:cxn modelId="{9E4D9DC2-5878-4DF4-8197-C19BA06D0937}" type="presParOf" srcId="{1439717B-283C-48FF-AF62-1990F52B6512}" destId="{BFE859F2-A9E8-4F95-9161-8EC68F2D30C4}" srcOrd="2" destOrd="0" presId="urn:microsoft.com/office/officeart/2005/8/layout/hProcess4"/>
-    <dgm:cxn modelId="{5175F6D1-9CB0-4593-BAC3-692D80EF050C}" type="presParOf" srcId="{1439717B-283C-48FF-AF62-1990F52B6512}" destId="{E18C6CF4-EDEB-4539-A36D-E0355B626199}" srcOrd="3" destOrd="0" presId="urn:microsoft.com/office/officeart/2005/8/layout/hProcess4"/>
-    <dgm:cxn modelId="{43BDCF09-31AC-43B0-805E-DD1025F260DD}" type="presParOf" srcId="{1439717B-283C-48FF-AF62-1990F52B6512}" destId="{D9FCD5E9-9E94-4534-BAB4-3DB8EB44E7D0}" srcOrd="4" destOrd="0" presId="urn:microsoft.com/office/officeart/2005/8/layout/hProcess4"/>
-    <dgm:cxn modelId="{6A5928FD-0A79-4F7E-879C-5F088F4602E9}" type="presParOf" srcId="{224851B6-C14D-49DE-883B-A13003DA4601}" destId="{6A63D16E-EEE6-4267-97EA-5AD7D2BC4E84}" srcOrd="1" destOrd="0" presId="urn:microsoft.com/office/officeart/2005/8/layout/hProcess4"/>
-    <dgm:cxn modelId="{1C0B2966-A4D5-49CC-B7F2-A121C5C9817C}" type="presParOf" srcId="{224851B6-C14D-49DE-883B-A13003DA4601}" destId="{59BAED1E-A4FE-4FA3-8716-57917AF47F38}" srcOrd="2" destOrd="0" presId="urn:microsoft.com/office/officeart/2005/8/layout/hProcess4"/>
-    <dgm:cxn modelId="{FE2DC098-A539-4BB8-8D74-C108718A6D23}" type="presParOf" srcId="{59BAED1E-A4FE-4FA3-8716-57917AF47F38}" destId="{5C833856-7FAF-4B27-932C-67C7D08339F2}" srcOrd="0" destOrd="0" presId="urn:microsoft.com/office/officeart/2005/8/layout/hProcess4"/>
-    <dgm:cxn modelId="{16AAA183-E1A3-4ECF-997A-81333DC4EFCA}" type="presParOf" srcId="{59BAED1E-A4FE-4FA3-8716-57917AF47F38}" destId="{E83793B4-2C5C-4D90-82FA-E5EE4745664D}" srcOrd="1" destOrd="0" presId="urn:microsoft.com/office/officeart/2005/8/layout/hProcess4"/>
-    <dgm:cxn modelId="{A310F834-0A95-4F4E-9CFF-8ED098D6F853}" type="presParOf" srcId="{59BAED1E-A4FE-4FA3-8716-57917AF47F38}" destId="{67FFE978-6FBE-4424-80BE-B9E4B4DD0695}" srcOrd="2" destOrd="0" presId="urn:microsoft.com/office/officeart/2005/8/layout/hProcess4"/>
-    <dgm:cxn modelId="{FC3C9877-F1AB-4630-B09D-E2422D71C1B2}" type="presParOf" srcId="{59BAED1E-A4FE-4FA3-8716-57917AF47F38}" destId="{029D1FDE-4DD7-4FA5-8C70-0C747477B66C}" srcOrd="3" destOrd="0" presId="urn:microsoft.com/office/officeart/2005/8/layout/hProcess4"/>
-    <dgm:cxn modelId="{0C23CC14-2827-4D42-B3F2-24A9658D4CA9}" type="presParOf" srcId="{59BAED1E-A4FE-4FA3-8716-57917AF47F38}" destId="{C2556EF6-41FF-46C6-8829-911BFA533FFE}" srcOrd="4" destOrd="0" presId="urn:microsoft.com/office/officeart/2005/8/layout/hProcess4"/>
-    <dgm:cxn modelId="{03B78875-546F-4B9E-B138-1C0FF132346D}" type="presParOf" srcId="{224851B6-C14D-49DE-883B-A13003DA4601}" destId="{DC2A0ADB-DCE3-4BF4-9952-0394865777AC}" srcOrd="3" destOrd="0" presId="urn:microsoft.com/office/officeart/2005/8/layout/hProcess4"/>
-    <dgm:cxn modelId="{470A6CA6-A9CE-464F-84DB-5DC13565A2C8}" type="presParOf" srcId="{224851B6-C14D-49DE-883B-A13003DA4601}" destId="{A874A3A3-A340-4ABC-99B5-7529D4415335}" srcOrd="4" destOrd="0" presId="urn:microsoft.com/office/officeart/2005/8/layout/hProcess4"/>
-    <dgm:cxn modelId="{F6B1C4DA-988E-4055-9765-306F5A98CD06}" type="presParOf" srcId="{A874A3A3-A340-4ABC-99B5-7529D4415335}" destId="{14032C0B-60AE-432B-A713-F993D1C4BA8F}" srcOrd="0" destOrd="0" presId="urn:microsoft.com/office/officeart/2005/8/layout/hProcess4"/>
-    <dgm:cxn modelId="{F9FB30AF-82A1-4872-8383-99625B6C2D69}" type="presParOf" srcId="{A874A3A3-A340-4ABC-99B5-7529D4415335}" destId="{69C28D3B-E083-42DF-9EA0-916CA12125A9}" srcOrd="1" destOrd="0" presId="urn:microsoft.com/office/officeart/2005/8/layout/hProcess4"/>
-    <dgm:cxn modelId="{16665CFF-3E48-4ABD-A683-4C6BF569EDAE}" type="presParOf" srcId="{A874A3A3-A340-4ABC-99B5-7529D4415335}" destId="{843715D2-C2C2-41EB-BDA3-21230FBA46DB}" srcOrd="2" destOrd="0" presId="urn:microsoft.com/office/officeart/2005/8/layout/hProcess4"/>
-    <dgm:cxn modelId="{A27E2538-F421-4EB9-A2F6-3C451A831951}" type="presParOf" srcId="{A874A3A3-A340-4ABC-99B5-7529D4415335}" destId="{047F5837-10E2-4FFC-A492-DB8A19EF48CA}" srcOrd="3" destOrd="0" presId="urn:microsoft.com/office/officeart/2005/8/layout/hProcess4"/>
-    <dgm:cxn modelId="{043CCFDB-C988-4DED-8C9A-2A3B586895E5}" type="presParOf" srcId="{A874A3A3-A340-4ABC-99B5-7529D4415335}" destId="{7D6A154D-27BB-4CCE-9250-BCDD2CD5C383}" srcOrd="4" destOrd="0" presId="urn:microsoft.com/office/officeart/2005/8/layout/hProcess4"/>
-  </dgm:cxnLst>
-  <dgm:bg/>
-  <dgm:whole/>
-  <dgm:extLst>
-    <a:ext uri="http://schemas.microsoft.com/office/drawing/2008/diagram">
-      <dsp:dataModelExt xmlns:dsp="http://schemas.microsoft.com/office/drawing/2008/diagram" relId="rId6" minVer="http://schemas.openxmlformats.org/drawingml/2006/diagram"/>
-    </a:ext>
-  </dgm:extLst>
-</dgm:dataModel>
-</file>
-
-<file path=ppt/diagrams/drawing1.xml><?xml version="1.0" encoding="utf-8"?>
-<dsp:drawing xmlns:dgm="http://schemas.openxmlformats.org/drawingml/2006/diagram" xmlns:dsp="http://schemas.microsoft.com/office/drawing/2008/diagram" xmlns:a="http://schemas.openxmlformats.org/drawingml/2006/main">
-  <dsp:spTree>
-    <dsp:nvGrpSpPr>
-      <dsp:cNvPr id="0" name=""/>
-      <dsp:cNvGrpSpPr/>
-    </dsp:nvGrpSpPr>
-    <dsp:grpSpPr/>
-    <dsp:sp modelId="{96015622-8A46-45CF-A72A-2856B699B374}">
-      <dsp:nvSpPr>
-        <dsp:cNvPr id="0" name=""/>
-        <dsp:cNvSpPr/>
-      </dsp:nvSpPr>
-      <dsp:spPr>
-        <a:xfrm>
-          <a:off x="36244" y="1049273"/>
-          <a:ext cx="2444561" cy="2016252"/>
-        </a:xfrm>
-        <a:prstGeom prst="roundRect">
-          <a:avLst>
-            <a:gd name="adj" fmla="val 10000"/>
-          </a:avLst>
-        </a:prstGeom>
-        <a:solidFill>
-          <a:schemeClr val="lt1">
-            <a:alpha val="90000"/>
-            <a:hueOff val="0"/>
-            <a:satOff val="0"/>
-            <a:lumOff val="0"/>
-            <a:alphaOff val="0"/>
-          </a:schemeClr>
-        </a:solidFill>
-        <a:ln w="6350" cap="flat" cmpd="sng" algn="ctr">
-          <a:solidFill>
-            <a:schemeClr val="accent1">
-              <a:alpha val="90000"/>
-              <a:hueOff val="0"/>
-              <a:satOff val="0"/>
-              <a:lumOff val="0"/>
-              <a:alphaOff val="0"/>
-            </a:schemeClr>
-          </a:solidFill>
-          <a:prstDash val="solid"/>
-          <a:miter lim="800000"/>
-        </a:ln>
-        <a:effectLst/>
-      </dsp:spPr>
-      <dsp:style>
-        <a:lnRef idx="1">
-          <a:scrgbClr r="0" g="0" b="0"/>
-        </a:lnRef>
-        <a:fillRef idx="1">
-          <a:scrgbClr r="0" g="0" b="0"/>
-        </a:fillRef>
-        <a:effectRef idx="2">
-          <a:scrgbClr r="0" g="0" b="0"/>
-        </a:effectRef>
-        <a:fontRef idx="minor"/>
-      </dsp:style>
-      <dsp:txBody>
-        <a:bodyPr spcFirstLastPara="0" vert="horz" wrap="square" lIns="59055" tIns="59055" rIns="59055" bIns="59055" numCol="1" spcCol="1270" rtlCol="0" anchor="t" anchorCtr="0">
-          <a:noAutofit/>
-        </a:bodyPr>
-        <a:lstStyle/>
-        <a:p>
-          <a:pPr marL="285750" lvl="1" indent="-285750" algn="l" defTabSz="1377950" rtl="0">
-            <a:lnSpc>
-              <a:spcPct val="90000"/>
-            </a:lnSpc>
-            <a:spcBef>
-              <a:spcPct val="0"/>
-            </a:spcBef>
-            <a:spcAft>
-              <a:spcPct val="15000"/>
-            </a:spcAft>
-            <a:buChar char="••"/>
-          </a:pPr>
-          <a:r>
-            <a:rPr lang="zh-CN" sz="3100" kern="1200" dirty="0">
-              <a:latin typeface="微软雅黑" panose="020B0503020204020204" pitchFamily="34" charset="-122"/>
-              <a:ea typeface="微软雅黑" panose="020B0503020204020204" pitchFamily="34" charset="-122"/>
-            </a:rPr>
-            <a:t>任务描述</a:t>
-          </a:r>
-          <a:endParaRPr lang="en-US" sz="3100" kern="1200" dirty="0">
-            <a:latin typeface="微软雅黑" panose="020B0503020204020204" pitchFamily="34" charset="-122"/>
-            <a:ea typeface="微软雅黑" panose="020B0503020204020204" pitchFamily="34" charset="-122"/>
-          </a:endParaRPr>
-        </a:p>
-        <a:p>
-          <a:pPr marL="285750" lvl="1" indent="-285750" algn="l" defTabSz="1377950" rtl="0">
-            <a:lnSpc>
-              <a:spcPct val="90000"/>
-            </a:lnSpc>
-            <a:spcBef>
-              <a:spcPct val="0"/>
-            </a:spcBef>
-            <a:spcAft>
-              <a:spcPct val="15000"/>
-            </a:spcAft>
-            <a:buChar char="••"/>
-          </a:pPr>
-          <a:r>
-            <a:rPr lang="zh-CN" sz="3100" kern="1200" dirty="0">
-              <a:latin typeface="微软雅黑" panose="020B0503020204020204" pitchFamily="34" charset="-122"/>
-              <a:ea typeface="微软雅黑" panose="020B0503020204020204" pitchFamily="34" charset="-122"/>
-            </a:rPr>
-            <a:t>任务描述</a:t>
-          </a:r>
-          <a:endParaRPr lang="en-US" sz="3100" kern="1200" dirty="0">
-            <a:latin typeface="微软雅黑" panose="020B0503020204020204" pitchFamily="34" charset="-122"/>
-            <a:ea typeface="微软雅黑" panose="020B0503020204020204" pitchFamily="34" charset="-122"/>
-          </a:endParaRPr>
-        </a:p>
-      </dsp:txBody>
-      <dsp:txXfrm>
-        <a:off x="82644" y="1095673"/>
-        <a:ext cx="2351761" cy="1491398"/>
-      </dsp:txXfrm>
-    </dsp:sp>
-    <dsp:sp modelId="{6A63D16E-EEE6-4267-97EA-5AD7D2BC4E84}">
-      <dsp:nvSpPr>
-        <dsp:cNvPr id="0" name=""/>
-        <dsp:cNvSpPr/>
-      </dsp:nvSpPr>
-      <dsp:spPr>
-        <a:xfrm>
-          <a:off x="1394360" y="1473226"/>
-          <a:ext cx="2779003" cy="2779003"/>
-        </a:xfrm>
-        <a:prstGeom prst="leftCircularArrow">
-          <a:avLst>
-            <a:gd name="adj1" fmla="val 3451"/>
-            <a:gd name="adj2" fmla="val 427731"/>
-            <a:gd name="adj3" fmla="val 2203242"/>
-            <a:gd name="adj4" fmla="val 9024489"/>
-            <a:gd name="adj5" fmla="val 4027"/>
-          </a:avLst>
-        </a:prstGeom>
-        <a:gradFill rotWithShape="0">
-          <a:gsLst>
-            <a:gs pos="0">
-              <a:schemeClr val="accent1">
-                <a:shade val="90000"/>
-                <a:hueOff val="0"/>
-                <a:satOff val="0"/>
-                <a:lumOff val="0"/>
-                <a:alphaOff val="0"/>
-                <a:satMod val="103000"/>
-                <a:lumMod val="102000"/>
-                <a:tint val="94000"/>
-              </a:schemeClr>
-            </a:gs>
-            <a:gs pos="50000">
-              <a:schemeClr val="accent1">
-                <a:shade val="90000"/>
-                <a:hueOff val="0"/>
-                <a:satOff val="0"/>
-                <a:lumOff val="0"/>
-                <a:alphaOff val="0"/>
-                <a:satMod val="110000"/>
-                <a:lumMod val="100000"/>
-                <a:shade val="100000"/>
-              </a:schemeClr>
-            </a:gs>
-            <a:gs pos="100000">
-              <a:schemeClr val="accent1">
-                <a:shade val="90000"/>
-                <a:hueOff val="0"/>
-                <a:satOff val="0"/>
-                <a:lumOff val="0"/>
-                <a:alphaOff val="0"/>
-                <a:lumMod val="99000"/>
-                <a:satMod val="120000"/>
-                <a:shade val="78000"/>
-              </a:schemeClr>
-            </a:gs>
-          </a:gsLst>
-          <a:lin ang="5400000" scaled="0"/>
-        </a:gradFill>
-        <a:ln>
-          <a:noFill/>
-        </a:ln>
-        <a:effectLst>
-          <a:outerShdw blurRad="57150" dist="19050" dir="5400000" algn="ctr" rotWithShape="0">
-            <a:srgbClr val="000000">
-              <a:alpha val="63000"/>
-            </a:srgbClr>
-          </a:outerShdw>
-        </a:effectLst>
-      </dsp:spPr>
-      <dsp:style>
-        <a:lnRef idx="0">
-          <a:scrgbClr r="0" g="0" b="0"/>
-        </a:lnRef>
-        <a:fillRef idx="3">
-          <a:scrgbClr r="0" g="0" b="0"/>
-        </a:fillRef>
-        <a:effectRef idx="3">
-          <a:scrgbClr r="0" g="0" b="0"/>
-        </a:effectRef>
-        <a:fontRef idx="minor">
-          <a:schemeClr val="lt1"/>
-        </a:fontRef>
-      </dsp:style>
-    </dsp:sp>
-    <dsp:sp modelId="{E18C6CF4-EDEB-4539-A36D-E0355B626199}">
-      <dsp:nvSpPr>
-        <dsp:cNvPr id="0" name=""/>
-        <dsp:cNvSpPr/>
-      </dsp:nvSpPr>
-      <dsp:spPr>
-        <a:xfrm>
-          <a:off x="579480" y="2633472"/>
-          <a:ext cx="2172943" cy="864108"/>
-        </a:xfrm>
-        <a:prstGeom prst="roundRect">
-          <a:avLst>
-            <a:gd name="adj" fmla="val 10000"/>
-          </a:avLst>
-        </a:prstGeom>
-        <a:gradFill rotWithShape="0">
-          <a:gsLst>
-            <a:gs pos="0">
-              <a:schemeClr val="accent1">
-                <a:alpha val="90000"/>
-                <a:hueOff val="0"/>
-                <a:satOff val="0"/>
-                <a:lumOff val="0"/>
-                <a:alphaOff val="0"/>
-                <a:satMod val="103000"/>
-                <a:lumMod val="102000"/>
-                <a:tint val="94000"/>
-              </a:schemeClr>
-            </a:gs>
-            <a:gs pos="50000">
-              <a:schemeClr val="accent1">
-                <a:alpha val="90000"/>
-                <a:hueOff val="0"/>
-                <a:satOff val="0"/>
-                <a:lumOff val="0"/>
-                <a:alphaOff val="0"/>
-                <a:satMod val="110000"/>
-                <a:lumMod val="100000"/>
-                <a:shade val="100000"/>
-              </a:schemeClr>
-            </a:gs>
-            <a:gs pos="100000">
-              <a:schemeClr val="accent1">
-                <a:alpha val="90000"/>
-                <a:hueOff val="0"/>
-                <a:satOff val="0"/>
-                <a:lumOff val="0"/>
-                <a:alphaOff val="0"/>
-                <a:lumMod val="99000"/>
-                <a:satMod val="120000"/>
-                <a:shade val="78000"/>
-              </a:schemeClr>
-            </a:gs>
-          </a:gsLst>
-          <a:lin ang="5400000" scaled="0"/>
-        </a:gradFill>
-        <a:ln>
-          <a:noFill/>
-        </a:ln>
-        <a:effectLst>
-          <a:outerShdw blurRad="57150" dist="19050" dir="5400000" algn="ctr" rotWithShape="0">
-            <a:srgbClr val="000000">
-              <a:alpha val="63000"/>
-            </a:srgbClr>
-          </a:outerShdw>
-        </a:effectLst>
-      </dsp:spPr>
-      <dsp:style>
-        <a:lnRef idx="0">
-          <a:scrgbClr r="0" g="0" b="0"/>
-        </a:lnRef>
-        <a:fillRef idx="3">
-          <a:scrgbClr r="0" g="0" b="0"/>
-        </a:fillRef>
-        <a:effectRef idx="3">
-          <a:scrgbClr r="0" g="0" b="0"/>
-        </a:effectRef>
-        <a:fontRef idx="minor">
-          <a:schemeClr val="lt1"/>
-        </a:fontRef>
-      </dsp:style>
-      <dsp:txBody>
-        <a:bodyPr spcFirstLastPara="0" vert="horz" wrap="square" lIns="57150" tIns="38100" rIns="57150" bIns="38100" numCol="1" spcCol="1270" rtlCol="0" anchor="ctr" anchorCtr="0">
-          <a:noAutofit/>
-        </a:bodyPr>
-        <a:lstStyle/>
-        <a:p>
-          <a:pPr lvl="0" algn="ctr" defTabSz="1333500" rtl="0">
-            <a:lnSpc>
-              <a:spcPct val="90000"/>
-            </a:lnSpc>
-            <a:spcBef>
-              <a:spcPct val="0"/>
-            </a:spcBef>
-            <a:spcAft>
-              <a:spcPct val="35000"/>
-            </a:spcAft>
-          </a:pPr>
-          <a:r>
-            <a:rPr lang="zh-CN" sz="3000" kern="1200" dirty="0">
-              <a:latin typeface="微软雅黑" panose="020B0503020204020204" pitchFamily="34" charset="-122"/>
-              <a:ea typeface="微软雅黑" panose="020B0503020204020204" pitchFamily="34" charset="-122"/>
-            </a:rPr>
-            <a:t>步骤 1 标题</a:t>
-          </a:r>
-          <a:endParaRPr lang="en-US" sz="3000" kern="1200" dirty="0">
-            <a:latin typeface="微软雅黑" panose="020B0503020204020204" pitchFamily="34" charset="-122"/>
-            <a:ea typeface="微软雅黑" panose="020B0503020204020204" pitchFamily="34" charset="-122"/>
-          </a:endParaRPr>
-        </a:p>
-      </dsp:txBody>
-      <dsp:txXfrm>
-        <a:off x="604789" y="2658781"/>
-        <a:ext cx="2122325" cy="813490"/>
-      </dsp:txXfrm>
-    </dsp:sp>
-    <dsp:sp modelId="{E83793B4-2C5C-4D90-82FA-E5EE4745664D}">
-      <dsp:nvSpPr>
-        <dsp:cNvPr id="0" name=""/>
-        <dsp:cNvSpPr/>
-      </dsp:nvSpPr>
-      <dsp:spPr>
-        <a:xfrm>
-          <a:off x="3209147" y="1049274"/>
-          <a:ext cx="2444561" cy="2016252"/>
-        </a:xfrm>
-        <a:prstGeom prst="roundRect">
-          <a:avLst>
-            <a:gd name="adj" fmla="val 10000"/>
-          </a:avLst>
-        </a:prstGeom>
-        <a:solidFill>
-          <a:schemeClr val="lt1">
-            <a:alpha val="90000"/>
-            <a:hueOff val="0"/>
-            <a:satOff val="0"/>
-            <a:lumOff val="0"/>
-            <a:alphaOff val="0"/>
-          </a:schemeClr>
-        </a:solidFill>
-        <a:ln w="6350" cap="flat" cmpd="sng" algn="ctr">
-          <a:solidFill>
-            <a:schemeClr val="accent1">
-              <a:alpha val="90000"/>
-              <a:hueOff val="0"/>
-              <a:satOff val="0"/>
-              <a:lumOff val="0"/>
-              <a:alphaOff val="-20000"/>
-            </a:schemeClr>
-          </a:solidFill>
-          <a:prstDash val="solid"/>
-          <a:miter lim="800000"/>
-        </a:ln>
-        <a:effectLst/>
-      </dsp:spPr>
-      <dsp:style>
-        <a:lnRef idx="1">
-          <a:scrgbClr r="0" g="0" b="0"/>
-        </a:lnRef>
-        <a:fillRef idx="1">
-          <a:scrgbClr r="0" g="0" b="0"/>
-        </a:fillRef>
-        <a:effectRef idx="2">
-          <a:scrgbClr r="0" g="0" b="0"/>
-        </a:effectRef>
-        <a:fontRef idx="minor"/>
-      </dsp:style>
-      <dsp:txBody>
-        <a:bodyPr spcFirstLastPara="0" vert="horz" wrap="square" lIns="59055" tIns="59055" rIns="59055" bIns="59055" numCol="1" spcCol="1270" rtlCol="0" anchor="t" anchorCtr="0">
-          <a:noAutofit/>
-        </a:bodyPr>
-        <a:lstStyle/>
-        <a:p>
-          <a:pPr marL="285750" lvl="1" indent="-285750" algn="l" defTabSz="1377950" rtl="0">
-            <a:lnSpc>
-              <a:spcPct val="90000"/>
-            </a:lnSpc>
-            <a:spcBef>
-              <a:spcPct val="0"/>
-            </a:spcBef>
-            <a:spcAft>
-              <a:spcPct val="15000"/>
-            </a:spcAft>
-            <a:buChar char="••"/>
-          </a:pPr>
-          <a:r>
-            <a:rPr lang="zh-CN" sz="3100" kern="1200" dirty="0">
-              <a:latin typeface="微软雅黑" panose="020B0503020204020204" pitchFamily="34" charset="-122"/>
-              <a:ea typeface="微软雅黑" panose="020B0503020204020204" pitchFamily="34" charset="-122"/>
-            </a:rPr>
-            <a:t>任务描述</a:t>
-          </a:r>
-          <a:endParaRPr lang="en-US" sz="3100" kern="1200" dirty="0">
-            <a:latin typeface="微软雅黑" panose="020B0503020204020204" pitchFamily="34" charset="-122"/>
-            <a:ea typeface="微软雅黑" panose="020B0503020204020204" pitchFamily="34" charset="-122"/>
-          </a:endParaRPr>
-        </a:p>
-        <a:p>
-          <a:pPr marL="285750" lvl="1" indent="-285750" algn="l" defTabSz="1377950" rtl="0">
-            <a:lnSpc>
-              <a:spcPct val="90000"/>
-            </a:lnSpc>
-            <a:spcBef>
-              <a:spcPct val="0"/>
-            </a:spcBef>
-            <a:spcAft>
-              <a:spcPct val="15000"/>
-            </a:spcAft>
-            <a:buChar char="••"/>
-          </a:pPr>
-          <a:r>
-            <a:rPr lang="zh-CN" sz="3100" kern="1200" dirty="0">
-              <a:latin typeface="微软雅黑" panose="020B0503020204020204" pitchFamily="34" charset="-122"/>
-              <a:ea typeface="微软雅黑" panose="020B0503020204020204" pitchFamily="34" charset="-122"/>
-            </a:rPr>
-            <a:t>任务描述</a:t>
-          </a:r>
-          <a:endParaRPr lang="en-US" sz="3100" kern="1200" dirty="0">
-            <a:latin typeface="微软雅黑" panose="020B0503020204020204" pitchFamily="34" charset="-122"/>
-            <a:ea typeface="微软雅黑" panose="020B0503020204020204" pitchFamily="34" charset="-122"/>
-          </a:endParaRPr>
-        </a:p>
-      </dsp:txBody>
-      <dsp:txXfrm>
-        <a:off x="3255547" y="1527728"/>
-        <a:ext cx="2351761" cy="1491398"/>
-      </dsp:txXfrm>
-    </dsp:sp>
-    <dsp:sp modelId="{DC2A0ADB-DCE3-4BF4-9952-0394865777AC}">
-      <dsp:nvSpPr>
-        <dsp:cNvPr id="0" name=""/>
-        <dsp:cNvSpPr/>
-      </dsp:nvSpPr>
-      <dsp:spPr>
-        <a:xfrm>
-          <a:off x="4546892" y="-216486"/>
-          <a:ext cx="3091364" cy="3091364"/>
-        </a:xfrm>
-        <a:prstGeom prst="circularArrow">
-          <a:avLst>
-            <a:gd name="adj1" fmla="val 3103"/>
-            <a:gd name="adj2" fmla="val 381347"/>
-            <a:gd name="adj3" fmla="val 19443143"/>
-            <a:gd name="adj4" fmla="val 12575511"/>
-            <a:gd name="adj5" fmla="val 3620"/>
-          </a:avLst>
-        </a:prstGeom>
-        <a:gradFill rotWithShape="0">
-          <a:gsLst>
-            <a:gs pos="0">
-              <a:schemeClr val="accent1">
-                <a:shade val="90000"/>
-                <a:hueOff val="361868"/>
-                <a:satOff val="12502"/>
-                <a:lumOff val="24506"/>
-                <a:alphaOff val="0"/>
-                <a:satMod val="103000"/>
-                <a:lumMod val="102000"/>
-                <a:tint val="94000"/>
-              </a:schemeClr>
-            </a:gs>
-            <a:gs pos="50000">
-              <a:schemeClr val="accent1">
-                <a:shade val="90000"/>
-                <a:hueOff val="361868"/>
-                <a:satOff val="12502"/>
-                <a:lumOff val="24506"/>
-                <a:alphaOff val="0"/>
-                <a:satMod val="110000"/>
-                <a:lumMod val="100000"/>
-                <a:shade val="100000"/>
-              </a:schemeClr>
-            </a:gs>
-            <a:gs pos="100000">
-              <a:schemeClr val="accent1">
-                <a:shade val="90000"/>
-                <a:hueOff val="361868"/>
-                <a:satOff val="12502"/>
-                <a:lumOff val="24506"/>
-                <a:alphaOff val="0"/>
-                <a:lumMod val="99000"/>
-                <a:satMod val="120000"/>
-                <a:shade val="78000"/>
-              </a:schemeClr>
-            </a:gs>
-          </a:gsLst>
-          <a:lin ang="5400000" scaled="0"/>
-        </a:gradFill>
-        <a:ln>
-          <a:noFill/>
-        </a:ln>
-        <a:effectLst>
-          <a:outerShdw blurRad="57150" dist="19050" dir="5400000" algn="ctr" rotWithShape="0">
-            <a:srgbClr val="000000">
-              <a:alpha val="63000"/>
-            </a:srgbClr>
-          </a:outerShdw>
-        </a:effectLst>
-      </dsp:spPr>
-      <dsp:style>
-        <a:lnRef idx="0">
-          <a:scrgbClr r="0" g="0" b="0"/>
-        </a:lnRef>
-        <a:fillRef idx="3">
-          <a:scrgbClr r="0" g="0" b="0"/>
-        </a:fillRef>
-        <a:effectRef idx="3">
-          <a:scrgbClr r="0" g="0" b="0"/>
-        </a:effectRef>
-        <a:fontRef idx="minor">
-          <a:schemeClr val="lt1"/>
-        </a:fontRef>
-      </dsp:style>
-    </dsp:sp>
-    <dsp:sp modelId="{029D1FDE-4DD7-4FA5-8C70-0C747477B66C}">
-      <dsp:nvSpPr>
-        <dsp:cNvPr id="0" name=""/>
-        <dsp:cNvSpPr/>
-      </dsp:nvSpPr>
-      <dsp:spPr>
-        <a:xfrm>
-          <a:off x="3752383" y="617220"/>
-          <a:ext cx="2172943" cy="864108"/>
-        </a:xfrm>
-        <a:prstGeom prst="roundRect">
-          <a:avLst>
-            <a:gd name="adj" fmla="val 10000"/>
-          </a:avLst>
-        </a:prstGeom>
-        <a:gradFill rotWithShape="0">
-          <a:gsLst>
-            <a:gs pos="0">
-              <a:schemeClr val="accent1">
-                <a:alpha val="90000"/>
-                <a:hueOff val="0"/>
-                <a:satOff val="0"/>
-                <a:lumOff val="0"/>
-                <a:alphaOff val="-20000"/>
-                <a:satMod val="103000"/>
-                <a:lumMod val="102000"/>
-                <a:tint val="94000"/>
-              </a:schemeClr>
-            </a:gs>
-            <a:gs pos="50000">
-              <a:schemeClr val="accent1">
-                <a:alpha val="90000"/>
-                <a:hueOff val="0"/>
-                <a:satOff val="0"/>
-                <a:lumOff val="0"/>
-                <a:alphaOff val="-20000"/>
-                <a:satMod val="110000"/>
-                <a:lumMod val="100000"/>
-                <a:shade val="100000"/>
-              </a:schemeClr>
-            </a:gs>
-            <a:gs pos="100000">
-              <a:schemeClr val="accent1">
-                <a:alpha val="90000"/>
-                <a:hueOff val="0"/>
-                <a:satOff val="0"/>
-                <a:lumOff val="0"/>
-                <a:alphaOff val="-20000"/>
-                <a:lumMod val="99000"/>
-                <a:satMod val="120000"/>
-                <a:shade val="78000"/>
-              </a:schemeClr>
-            </a:gs>
-          </a:gsLst>
-          <a:lin ang="5400000" scaled="0"/>
-        </a:gradFill>
-        <a:ln>
-          <a:noFill/>
-        </a:ln>
-        <a:effectLst>
-          <a:outerShdw blurRad="57150" dist="19050" dir="5400000" algn="ctr" rotWithShape="0">
-            <a:srgbClr val="000000">
-              <a:alpha val="63000"/>
-            </a:srgbClr>
-          </a:outerShdw>
-        </a:effectLst>
-      </dsp:spPr>
-      <dsp:style>
-        <a:lnRef idx="0">
-          <a:scrgbClr r="0" g="0" b="0"/>
-        </a:lnRef>
-        <a:fillRef idx="3">
-          <a:scrgbClr r="0" g="0" b="0"/>
-        </a:fillRef>
-        <a:effectRef idx="3">
-          <a:scrgbClr r="0" g="0" b="0"/>
-        </a:effectRef>
-        <a:fontRef idx="minor">
-          <a:schemeClr val="lt1"/>
-        </a:fontRef>
-      </dsp:style>
-      <dsp:txBody>
-        <a:bodyPr spcFirstLastPara="0" vert="horz" wrap="square" lIns="57150" tIns="38100" rIns="57150" bIns="38100" numCol="1" spcCol="1270" rtlCol="0" anchor="ctr" anchorCtr="0">
-          <a:noAutofit/>
-        </a:bodyPr>
-        <a:lstStyle/>
-        <a:p>
-          <a:pPr lvl="0" algn="ctr" defTabSz="1333500" rtl="0">
-            <a:lnSpc>
-              <a:spcPct val="90000"/>
-            </a:lnSpc>
-            <a:spcBef>
-              <a:spcPct val="0"/>
-            </a:spcBef>
-            <a:spcAft>
-              <a:spcPct val="35000"/>
-            </a:spcAft>
-          </a:pPr>
-          <a:r>
-            <a:rPr lang="zh-CN" sz="3000" kern="1200" dirty="0">
-              <a:latin typeface="微软雅黑" panose="020B0503020204020204" pitchFamily="34" charset="-122"/>
-              <a:ea typeface="微软雅黑" panose="020B0503020204020204" pitchFamily="34" charset="-122"/>
-            </a:rPr>
-            <a:t>步骤 2 标题</a:t>
-          </a:r>
-          <a:endParaRPr lang="en-US" sz="3000" kern="1200" dirty="0">
-            <a:latin typeface="微软雅黑" panose="020B0503020204020204" pitchFamily="34" charset="-122"/>
-            <a:ea typeface="微软雅黑" panose="020B0503020204020204" pitchFamily="34" charset="-122"/>
-          </a:endParaRPr>
-        </a:p>
-      </dsp:txBody>
-      <dsp:txXfrm>
-        <a:off x="3777692" y="642529"/>
-        <a:ext cx="2122325" cy="813490"/>
-      </dsp:txXfrm>
-    </dsp:sp>
-    <dsp:sp modelId="{69C28D3B-E083-42DF-9EA0-916CA12125A9}">
-      <dsp:nvSpPr>
-        <dsp:cNvPr id="0" name=""/>
-        <dsp:cNvSpPr/>
-      </dsp:nvSpPr>
-      <dsp:spPr>
-        <a:xfrm>
-          <a:off x="6382050" y="1049273"/>
-          <a:ext cx="2444561" cy="2016252"/>
-        </a:xfrm>
-        <a:prstGeom prst="roundRect">
-          <a:avLst>
-            <a:gd name="adj" fmla="val 10000"/>
-          </a:avLst>
-        </a:prstGeom>
-        <a:solidFill>
-          <a:schemeClr val="lt1">
-            <a:alpha val="90000"/>
-            <a:hueOff val="0"/>
-            <a:satOff val="0"/>
-            <a:lumOff val="0"/>
-            <a:alphaOff val="0"/>
-          </a:schemeClr>
-        </a:solidFill>
-        <a:ln w="6350" cap="flat" cmpd="sng" algn="ctr">
-          <a:solidFill>
-            <a:schemeClr val="accent1">
-              <a:alpha val="90000"/>
-              <a:hueOff val="0"/>
-              <a:satOff val="0"/>
-              <a:lumOff val="0"/>
-              <a:alphaOff val="-40000"/>
-            </a:schemeClr>
-          </a:solidFill>
-          <a:prstDash val="solid"/>
-          <a:miter lim="800000"/>
-        </a:ln>
-        <a:effectLst/>
-      </dsp:spPr>
-      <dsp:style>
-        <a:lnRef idx="1">
-          <a:scrgbClr r="0" g="0" b="0"/>
-        </a:lnRef>
-        <a:fillRef idx="1">
-          <a:scrgbClr r="0" g="0" b="0"/>
-        </a:fillRef>
-        <a:effectRef idx="2">
-          <a:scrgbClr r="0" g="0" b="0"/>
-        </a:effectRef>
-        <a:fontRef idx="minor"/>
-      </dsp:style>
-      <dsp:txBody>
-        <a:bodyPr spcFirstLastPara="0" vert="horz" wrap="square" lIns="59055" tIns="59055" rIns="59055" bIns="59055" numCol="1" spcCol="1270" rtlCol="0" anchor="t" anchorCtr="0">
-          <a:noAutofit/>
-        </a:bodyPr>
-        <a:lstStyle/>
-        <a:p>
-          <a:pPr marL="285750" lvl="1" indent="-285750" algn="l" defTabSz="1377950" rtl="0">
-            <a:lnSpc>
-              <a:spcPct val="90000"/>
-            </a:lnSpc>
-            <a:spcBef>
-              <a:spcPct val="0"/>
-            </a:spcBef>
-            <a:spcAft>
-              <a:spcPct val="15000"/>
-            </a:spcAft>
-            <a:buChar char="••"/>
-          </a:pPr>
-          <a:r>
-            <a:rPr lang="zh-CN" sz="3100" kern="1200">
-              <a:latin typeface="微软雅黑" panose="020B0503020204020204" pitchFamily="34" charset="-122"/>
-              <a:ea typeface="微软雅黑" panose="020B0503020204020204" pitchFamily="34" charset="-122"/>
-            </a:rPr>
-            <a:t>任务描述</a:t>
-          </a:r>
-          <a:endParaRPr lang="en-US" sz="3100" kern="1200" dirty="0">
-            <a:latin typeface="微软雅黑" panose="020B0503020204020204" pitchFamily="34" charset="-122"/>
-            <a:ea typeface="微软雅黑" panose="020B0503020204020204" pitchFamily="34" charset="-122"/>
-          </a:endParaRPr>
-        </a:p>
-        <a:p>
-          <a:pPr marL="285750" lvl="1" indent="-285750" algn="l" defTabSz="1377950" rtl="0">
-            <a:lnSpc>
-              <a:spcPct val="90000"/>
-            </a:lnSpc>
-            <a:spcBef>
-              <a:spcPct val="0"/>
-            </a:spcBef>
-            <a:spcAft>
-              <a:spcPct val="15000"/>
-            </a:spcAft>
-            <a:buChar char="••"/>
-          </a:pPr>
-          <a:r>
-            <a:rPr lang="zh-CN" sz="3100" kern="1200" dirty="0">
-              <a:latin typeface="微软雅黑" panose="020B0503020204020204" pitchFamily="34" charset="-122"/>
-              <a:ea typeface="微软雅黑" panose="020B0503020204020204" pitchFamily="34" charset="-122"/>
-            </a:rPr>
-            <a:t>任务描述</a:t>
-          </a:r>
-          <a:endParaRPr lang="en-US" sz="3100" kern="1200" dirty="0">
-            <a:latin typeface="微软雅黑" panose="020B0503020204020204" pitchFamily="34" charset="-122"/>
-            <a:ea typeface="微软雅黑" panose="020B0503020204020204" pitchFamily="34" charset="-122"/>
-          </a:endParaRPr>
-        </a:p>
-      </dsp:txBody>
-      <dsp:txXfrm>
-        <a:off x="6428450" y="1095673"/>
-        <a:ext cx="2351761" cy="1491398"/>
-      </dsp:txXfrm>
-    </dsp:sp>
-    <dsp:sp modelId="{047F5837-10E2-4FFC-A492-DB8A19EF48CA}">
-      <dsp:nvSpPr>
-        <dsp:cNvPr id="0" name=""/>
-        <dsp:cNvSpPr/>
-      </dsp:nvSpPr>
-      <dsp:spPr>
-        <a:xfrm>
-          <a:off x="6925286" y="2633472"/>
-          <a:ext cx="2172943" cy="864108"/>
-        </a:xfrm>
-        <a:prstGeom prst="roundRect">
-          <a:avLst>
-            <a:gd name="adj" fmla="val 10000"/>
-          </a:avLst>
-        </a:prstGeom>
-        <a:gradFill rotWithShape="0">
-          <a:gsLst>
-            <a:gs pos="0">
-              <a:schemeClr val="accent1">
-                <a:alpha val="90000"/>
-                <a:hueOff val="0"/>
-                <a:satOff val="0"/>
-                <a:lumOff val="0"/>
-                <a:alphaOff val="-40000"/>
-                <a:satMod val="103000"/>
-                <a:lumMod val="102000"/>
-                <a:tint val="94000"/>
-              </a:schemeClr>
-            </a:gs>
-            <a:gs pos="50000">
-              <a:schemeClr val="accent1">
-                <a:alpha val="90000"/>
-                <a:hueOff val="0"/>
-                <a:satOff val="0"/>
-                <a:lumOff val="0"/>
-                <a:alphaOff val="-40000"/>
-                <a:satMod val="110000"/>
-                <a:lumMod val="100000"/>
-                <a:shade val="100000"/>
-              </a:schemeClr>
-            </a:gs>
-            <a:gs pos="100000">
-              <a:schemeClr val="accent1">
-                <a:alpha val="90000"/>
-                <a:hueOff val="0"/>
-                <a:satOff val="0"/>
-                <a:lumOff val="0"/>
-                <a:alphaOff val="-40000"/>
-                <a:lumMod val="99000"/>
-                <a:satMod val="120000"/>
-                <a:shade val="78000"/>
-              </a:schemeClr>
-            </a:gs>
-          </a:gsLst>
-          <a:lin ang="5400000" scaled="0"/>
-        </a:gradFill>
-        <a:ln>
-          <a:noFill/>
-        </a:ln>
-        <a:effectLst>
-          <a:outerShdw blurRad="57150" dist="19050" dir="5400000" algn="ctr" rotWithShape="0">
-            <a:srgbClr val="000000">
-              <a:alpha val="63000"/>
-            </a:srgbClr>
-          </a:outerShdw>
-        </a:effectLst>
-      </dsp:spPr>
-      <dsp:style>
-        <a:lnRef idx="0">
-          <a:scrgbClr r="0" g="0" b="0"/>
-        </a:lnRef>
-        <a:fillRef idx="3">
-          <a:scrgbClr r="0" g="0" b="0"/>
-        </a:fillRef>
-        <a:effectRef idx="3">
-          <a:scrgbClr r="0" g="0" b="0"/>
-        </a:effectRef>
-        <a:fontRef idx="minor">
-          <a:schemeClr val="lt1"/>
-        </a:fontRef>
-      </dsp:style>
-      <dsp:txBody>
-        <a:bodyPr spcFirstLastPara="0" vert="horz" wrap="square" lIns="57150" tIns="38100" rIns="57150" bIns="38100" numCol="1" spcCol="1270" rtlCol="0" anchor="ctr" anchorCtr="0">
-          <a:noAutofit/>
-        </a:bodyPr>
-        <a:lstStyle/>
-        <a:p>
-          <a:pPr lvl="0" algn="ctr" defTabSz="1333500" rtl="0">
-            <a:lnSpc>
-              <a:spcPct val="90000"/>
-            </a:lnSpc>
-            <a:spcBef>
-              <a:spcPct val="0"/>
-            </a:spcBef>
-            <a:spcAft>
-              <a:spcPct val="35000"/>
-            </a:spcAft>
-          </a:pPr>
-          <a:r>
-            <a:rPr lang="zh-CN" sz="3000" kern="1200" dirty="0">
-              <a:latin typeface="微软雅黑" panose="020B0503020204020204" pitchFamily="34" charset="-122"/>
-              <a:ea typeface="微软雅黑" panose="020B0503020204020204" pitchFamily="34" charset="-122"/>
-            </a:rPr>
-            <a:t>步骤 3 标题</a:t>
-          </a:r>
-          <a:endParaRPr lang="en-US" sz="3000" kern="1200" dirty="0">
-            <a:latin typeface="微软雅黑" panose="020B0503020204020204" pitchFamily="34" charset="-122"/>
-            <a:ea typeface="微软雅黑" panose="020B0503020204020204" pitchFamily="34" charset="-122"/>
-          </a:endParaRPr>
-        </a:p>
-      </dsp:txBody>
-      <dsp:txXfrm>
-        <a:off x="6950595" y="2658781"/>
-        <a:ext cx="2122325" cy="813490"/>
-      </dsp:txXfrm>
-    </dsp:sp>
-  </dsp:spTree>
-</dsp:drawing>
-</file>
-
-<file path=ppt/diagrams/layout1.xml><?xml version="1.0" encoding="utf-8"?>
-<dgm:layoutDef xmlns:dgm="http://schemas.openxmlformats.org/drawingml/2006/diagram" xmlns:a="http://schemas.openxmlformats.org/drawingml/2006/main" uniqueId="urn:microsoft.com/office/officeart/2005/8/layout/hProcess4">
-  <dgm:title val=""/>
-  <dgm:desc val=""/>
-  <dgm:catLst>
-    <dgm:cat type="process" pri="4000"/>
-  </dgm:catLst>
-  <dgm:sampData>
-    <dgm:dataModel>
-      <dgm:ptLst>
-        <dgm:pt modelId="0" type="doc"/>
-        <dgm:pt modelId="1">
-          <dgm:prSet phldr="1"/>
-        </dgm:pt>
-        <dgm:pt modelId="11">
-          <dgm:prSet phldr="1"/>
-        </dgm:pt>
-        <dgm:pt modelId="12">
-          <dgm:prSet phldr="1"/>
-        </dgm:pt>
-        <dgm:pt modelId="2">
-          <dgm:prSet phldr="1"/>
-        </dgm:pt>
-        <dgm:pt modelId="21">
-          <dgm:prSet phldr="1"/>
-        </dgm:pt>
-        <dgm:pt modelId="22">
-          <dgm:prSet phldr="1"/>
-        </dgm:pt>
-        <dgm:pt modelId="3">
-          <dgm:prSet phldr="1"/>
-        </dgm:pt>
-        <dgm:pt modelId="31">
-          <dgm:prSet phldr="1"/>
-        </dgm:pt>
-        <dgm:pt modelId="32">
-          <dgm:prSet phldr="1"/>
-        </dgm:pt>
-      </dgm:ptLst>
-      <dgm:cxnLst>
-        <dgm:cxn modelId="4" srcId="0" destId="1" srcOrd="0" destOrd="0"/>
-        <dgm:cxn modelId="5" srcId="0" destId="2" srcOrd="1" destOrd="0"/>
-        <dgm:cxn modelId="6" srcId="0" destId="3" srcOrd="2" destOrd="0"/>
-        <dgm:cxn modelId="13" srcId="1" destId="11" srcOrd="0" destOrd="0"/>
-        <dgm:cxn modelId="14" srcId="1" destId="12" srcOrd="1" destOrd="0"/>
-        <dgm:cxn modelId="23" srcId="2" destId="21" srcOrd="0" destOrd="0"/>
-        <dgm:cxn modelId="24" srcId="2" destId="22" srcOrd="1" destOrd="0"/>
-        <dgm:cxn modelId="33" srcId="3" destId="31" srcOrd="0" destOrd="0"/>
-        <dgm:cxn modelId="34" srcId="3" destId="32" srcOrd="1" destOrd="0"/>
-      </dgm:cxnLst>
-      <dgm:bg/>
-      <dgm:whole/>
-    </dgm:dataModel>
-  </dgm:sampData>
-  <dgm:styleData>
-    <dgm:dataModel>
-      <dgm:ptLst>
-        <dgm:pt modelId="0" type="doc"/>
-        <dgm:pt modelId="1"/>
-        <dgm:pt modelId="11"/>
-        <dgm:pt modelId="2"/>
-        <dgm:pt modelId="21"/>
-      </dgm:ptLst>
-      <dgm:cxnLst>
-        <dgm:cxn modelId="4" srcId="0" destId="1" srcOrd="0" destOrd="0"/>
-        <dgm:cxn modelId="5" srcId="0" destId="2" srcOrd="1" destOrd="0"/>
-        <dgm:cxn modelId="13" srcId="1" destId="11" srcOrd="0" destOrd="0"/>
-        <dgm:cxn modelId="23" srcId="2" destId="21" srcOrd="0" destOrd="0"/>
-      </dgm:cxnLst>
-      <dgm:bg/>
-      <dgm:whole/>
-    </dgm:dataModel>
-  </dgm:styleData>
-  <dgm:clrData>
-    <dgm:dataModel>
-      <dgm:ptLst>
-        <dgm:pt modelId="0" type="doc"/>
-        <dgm:pt modelId="1"/>
-        <dgm:pt modelId="11"/>
-        <dgm:pt modelId="2"/>
-        <dgm:pt modelId="21"/>
-        <dgm:pt modelId="3"/>
-        <dgm:pt modelId="31"/>
-        <dgm:pt modelId="4"/>
-        <dgm:pt modelId="41"/>
-      </dgm:ptLst>
-      <dgm:cxnLst>
-        <dgm:cxn modelId="5" srcId="0" destId="1" srcOrd="0" destOrd="0"/>
-        <dgm:cxn modelId="6" srcId="0" destId="2" srcOrd="1" destOrd="0"/>
-        <dgm:cxn modelId="7" srcId="0" destId="3" srcOrd="2" destOrd="0"/>
-        <dgm:cxn modelId="8" srcId="0" destId="4" srcOrd="3" destOrd="0"/>
-        <dgm:cxn modelId="13" srcId="1" destId="11" srcOrd="0" destOrd="0"/>
-        <dgm:cxn modelId="23" srcId="2" destId="21" srcOrd="0" destOrd="0"/>
-        <dgm:cxn modelId="33" srcId="3" destId="31" srcOrd="0" destOrd="0"/>
-        <dgm:cxn modelId="43" srcId="4" destId="41" srcOrd="0" destOrd="0"/>
-      </dgm:cxnLst>
-      <dgm:bg/>
-      <dgm:whole/>
-    </dgm:dataModel>
-  </dgm:clrData>
-  <dgm:layoutNode name="Name0">
-    <dgm:varLst>
-      <dgm:dir/>
-      <dgm:animLvl val="lvl"/>
-      <dgm:resizeHandles val="exact"/>
-    </dgm:varLst>
-    <dgm:alg type="composite"/>
-    <dgm:shape xmlns:r="http://schemas.openxmlformats.org/officeDocument/2006/relationships" r:blip="">
-      <dgm:adjLst/>
-    </dgm:shape>
-    <dgm:presOf/>
-    <dgm:constrLst>
-      <dgm:constr type="w" for="ch" forName="tSp" refType="w"/>
-      <dgm:constr type="h" for="ch" forName="tSp" refType="h" fact="0.15"/>
-      <dgm:constr type="l" for="ch" forName="tSp"/>
-      <dgm:constr type="t" for="ch" forName="tSp"/>
-      <dgm:constr type="w" for="ch" forName="bSp" refType="w"/>
-      <dgm:constr type="h" for="ch" forName="bSp" refType="h" fact="0.15"/>
-      <dgm:constr type="l" for="ch" forName="bSp"/>
-      <dgm:constr type="t" for="ch" forName="bSp" refType="h" fact="0.85"/>
-      <dgm:constr type="w" for="ch" forName="process" refType="w"/>
-      <dgm:constr type="h" for="ch" forName="process" refType="h" fact="0.7"/>
-      <dgm:constr type="l" for="ch" forName="process"/>
-      <dgm:constr type="t" for="ch" forName="process" refType="h" fact="0.15"/>
-    </dgm:constrLst>
-    <dgm:ruleLst/>
-    <dgm:layoutNode name="tSp">
-      <dgm:alg type="sp"/>
-      <dgm:shape xmlns:r="http://schemas.openxmlformats.org/officeDocument/2006/relationships" r:blip="">
-        <dgm:adjLst/>
-      </dgm:shape>
-      <dgm:presOf/>
-      <dgm:constrLst/>
-      <dgm:ruleLst/>
-    </dgm:layoutNode>
-    <dgm:layoutNode name="bSp">
-      <dgm:alg type="sp"/>
-      <dgm:shape xmlns:r="http://schemas.openxmlformats.org/officeDocument/2006/relationships" r:blip="">
-        <dgm:adjLst/>
-      </dgm:shape>
-      <dgm:presOf/>
-      <dgm:constrLst/>
-      <dgm:ruleLst/>
-    </dgm:layoutNode>
-    <dgm:layoutNode name="process">
-      <dgm:choose name="Name1">
-        <dgm:if name="Name2" func="var" arg="dir" op="equ" val="norm">
-          <dgm:alg type="lin">
-            <dgm:param type="linDir" val="fromL"/>
-          </dgm:alg>
-        </dgm:if>
-        <dgm:else name="Name3">
-          <dgm:alg type="lin">
-            <dgm:param type="linDir" val="fromR"/>
-          </dgm:alg>
-        </dgm:else>
-      </dgm:choose>
-      <dgm:shape xmlns:r="http://schemas.openxmlformats.org/officeDocument/2006/relationships" r:blip="">
-        <dgm:adjLst/>
-      </dgm:shape>
-      <dgm:presOf/>
-      <dgm:constrLst>
-        <dgm:constr type="w" for="ch" forName="composite1" refType="w"/>
-        <dgm:constr type="w" for="ch" forName="composite2" refType="w" refFor="ch" refForName="composite1" op="equ"/>
-        <dgm:constr type="h" for="ch" forName="composite1" refType="h"/>
-        <dgm:constr type="h" for="ch" forName="composite2" refType="h" refFor="ch" refForName="composite1" op="equ"/>
-        <dgm:constr type="primFontSz" for="des" forName="parentNode1" val="65"/>
-        <dgm:constr type="primFontSz" for="des" forName="parentNode2" refType="primFontSz" refFor="des" refForName="parentNode1" op="equ"/>
-        <dgm:constr type="secFontSz" for="des" forName="childNode1tx" val="65"/>
-        <dgm:constr type="secFontSz" for="des" forName="childNode2tx" refType="secFontSz" refFor="des" refForName="childNode1tx" op="equ"/>
-        <dgm:constr type="w" for="des" ptType="sibTrans" refType="w" refFor="ch" refForName="composite1" op="equ" fact="0.05"/>
-      </dgm:constrLst>
-      <dgm:ruleLst/>
-      <dgm:forEach name="Name4" axis="ch" ptType="node" step="2">
-        <dgm:layoutNode name="composite1">
-          <dgm:alg type="composite">
-            <dgm:param type="ar" val="0.943"/>
-          </dgm:alg>
-          <dgm:shape xmlns:r="http://schemas.openxmlformats.org/officeDocument/2006/relationships" r:blip="">
-            <dgm:adjLst/>
-          </dgm:shape>
-          <dgm:presOf/>
-          <dgm:choose name="Name5">
-            <dgm:if name="Name6" func="var" arg="dir" op="equ" val="norm">
-              <dgm:constrLst>
-                <dgm:constr type="h" refType="w" fact="1.06"/>
-                <dgm:constr type="w" for="ch" forName="dummyNode1" refType="w"/>
-                <dgm:constr type="h" for="ch" forName="dummyNode1" refType="h"/>
-                <dgm:constr type="t" for="ch" forName="dummyNode1"/>
-                <dgm:constr type="l" for="ch" forName="dummyNode1"/>
-                <dgm:constr type="w" for="ch" forName="childNode1" refType="w" fact="0.9"/>
-                <dgm:constr type="h" for="ch" forName="childNode1" refType="h" fact="0.7"/>
-                <dgm:constr type="t" for="ch" forName="childNode1" refType="h" fact="0.15"/>
-                <dgm:constr type="l" for="ch" forName="childNode1"/>
-                <dgm:constr type="w" for="ch" forName="childNode1tx" refType="w" fact="0.9"/>
-                <dgm:constr type="h" for="ch" forName="childNode1tx" refType="h" fact="0.55"/>
-                <dgm:constr type="t" for="ch" forName="childNode1tx" refType="h" fact="0.15"/>
-                <dgm:constr type="l" for="ch" forName="childNode1tx"/>
-                <dgm:constr type="w" for="ch" forName="parentNode1" refType="w" fact="0.8"/>
-                <dgm:constr type="h" for="ch" forName="parentNode1" refType="h" fact="0.3"/>
-                <dgm:constr type="t" for="ch" forName="parentNode1" refType="h" fact="0.7"/>
-                <dgm:constr type="l" for="ch" forName="parentNode1" refType="w" fact="0.2"/>
-                <dgm:constr type="w" for="ch" forName="connSite1" refType="w" fact="0.01"/>
-                <dgm:constr type="h" for="ch" forName="connSite1" refType="h" fact="0.01"/>
-                <dgm:constr type="t" for="ch" forName="connSite1"/>
-                <dgm:constr type="l" for="ch" forName="connSite1" refType="w" fact="0.35"/>
-              </dgm:constrLst>
-            </dgm:if>
-            <dgm:else name="Name7">
-              <dgm:constrLst>
-                <dgm:constr type="h" refType="w" fact="1.06"/>
-                <dgm:constr type="w" for="ch" forName="dummyNode1" refType="w"/>
-                <dgm:constr type="h" for="ch" forName="dummyNode1" refType="h"/>
-                <dgm:constr type="t" for="ch" forName="dummyNode1"/>
-                <dgm:constr type="l" for="ch" forName="dummyNode1"/>
-                <dgm:constr type="w" for="ch" forName="childNode1" refType="w" fact="0.9"/>
-                <dgm:constr type="h" for="ch" forName="childNode1" refType="h" fact="0.7"/>
-                <dgm:constr type="t" for="ch" forName="childNode1" refType="h" fact="0.15"/>
-                <dgm:constr type="l" for="ch" forName="childNode1" refType="w" fact="0.1"/>
-                <dgm:constr type="w" for="ch" forName="childNode1tx" refType="w" fact="0.9"/>
-                <dgm:constr type="h" for="ch" forName="childNode1tx" refType="h" fact="0.55"/>
-                <dgm:constr type="t" for="ch" forName="childNode1tx" refType="h" fact="0.15"/>
-                <dgm:constr type="l" for="ch" forName="childNode1tx" refType="w" fact="0.1"/>
-                <dgm:constr type="w" for="ch" forName="parentNode1" refType="w" fact="0.8"/>
-                <dgm:constr type="h" for="ch" forName="parentNode1" refType="h" fact="0.3"/>
-                <dgm:constr type="t" for="ch" forName="parentNode1" refType="h" fact="0.7"/>
-                <dgm:constr type="l" for="ch" forName="parentNode1"/>
-                <dgm:constr type="w" for="ch" forName="connSite1" refType="w" fact="0.01"/>
-                <dgm:constr type="h" for="ch" forName="connSite1" refType="h" fact="0.01"/>
-                <dgm:constr type="t" for="ch" forName="connSite1"/>
-                <dgm:constr type="l" for="ch" forName="connSite1" refType="w" fact="0.65"/>
-              </dgm:constrLst>
-            </dgm:else>
-          </dgm:choose>
-          <dgm:ruleLst/>
-          <dgm:layoutNode name="dummyNode1">
-            <dgm:alg type="sp"/>
-            <dgm:shape xmlns:r="http://schemas.openxmlformats.org/officeDocument/2006/relationships" type="rect" r:blip="" hideGeom="1">
-              <dgm:adjLst/>
-            </dgm:shape>
-            <dgm:presOf/>
-            <dgm:constrLst/>
-            <dgm:ruleLst/>
-          </dgm:layoutNode>
-          <dgm:layoutNode name="childNode1" styleLbl="bgAcc1">
-            <dgm:varLst>
-              <dgm:bulletEnabled val="1"/>
-            </dgm:varLst>
-            <dgm:alg type="sp"/>
-            <dgm:shape xmlns:r="http://schemas.openxmlformats.org/officeDocument/2006/relationships" type="roundRect" r:blip="">
-              <dgm:adjLst>
-                <dgm:adj idx="1" val="0.1"/>
-              </dgm:adjLst>
-            </dgm:shape>
-            <dgm:presOf axis="des" ptType="node"/>
-            <dgm:constrLst/>
-            <dgm:ruleLst/>
-          </dgm:layoutNode>
-          <dgm:layoutNode name="childNode1tx" styleLbl="bgAcc1">
-            <dgm:varLst>
-              <dgm:bulletEnabled val="1"/>
-            </dgm:varLst>
-            <dgm:alg type="tx">
-              <dgm:param type="stBulletLvl" val="1"/>
-            </dgm:alg>
-            <dgm:shape xmlns:r="http://schemas.openxmlformats.org/officeDocument/2006/relationships" type="roundRect" r:blip="" hideGeom="1">
-              <dgm:adjLst>
-                <dgm:adj idx="1" val="0.1"/>
-              </dgm:adjLst>
-            </dgm:shape>
-            <dgm:presOf axis="des" ptType="node"/>
-            <dgm:constrLst>
-              <dgm:constr type="secFontSz" val="65"/>
-              <dgm:constr type="primFontSz" refType="secFontSz"/>
-              <dgm:constr type="tMarg" refType="secFontSz" fact="0.15"/>
-              <dgm:constr type="bMarg" refType="secFontSz" fact="0.15"/>
-              <dgm:constr type="lMarg" refType="secFontSz" fact="0.15"/>
-              <dgm:constr type="rMarg" refType="secFontSz" fact="0.15"/>
-            </dgm:constrLst>
-            <dgm:ruleLst>
-              <dgm:rule type="secFontSz" val="5" fact="NaN" max="NaN"/>
-            </dgm:ruleLst>
-          </dgm:layoutNode>
-          <dgm:layoutNode name="parentNode1" styleLbl="node1">
-            <dgm:varLst>
-              <dgm:chMax val="1"/>
-              <dgm:bulletEnabled val="1"/>
-            </dgm:varLst>
-            <dgm:alg type="tx"/>
-            <dgm:shape xmlns:r="http://schemas.openxmlformats.org/officeDocument/2006/relationships" type="roundRect" r:blip="">
-              <dgm:adjLst>
-                <dgm:adj idx="1" val="0.1"/>
-              </dgm:adjLst>
-            </dgm:shape>
-            <dgm:presOf axis="self"/>
-            <dgm:constrLst>
-              <dgm:constr type="tMarg" refType="primFontSz" fact="0.1"/>
-              <dgm:constr type="bMarg" refType="primFontSz" fact="0.1"/>
-              <dgm:constr type="lMarg" refType="primFontSz" fact="0.15"/>
-              <dgm:constr type="rMarg" refType="primFontSz" fact="0.15"/>
-            </dgm:constrLst>
-            <dgm:ruleLst>
-              <dgm:rule type="primFontSz" val="5" fact="NaN" max="NaN"/>
-            </dgm:ruleLst>
-          </dgm:layoutNode>
-          <dgm:layoutNode name="connSite1" moveWith="childNode1">
-            <dgm:alg type="sp"/>
-            <dgm:shape xmlns:r="http://schemas.openxmlformats.org/officeDocument/2006/relationships" r:blip="">
-              <dgm:adjLst/>
-            </dgm:shape>
-            <dgm:presOf/>
-            <dgm:constrLst/>
-            <dgm:ruleLst/>
-          </dgm:layoutNode>
-        </dgm:layoutNode>
-        <dgm:forEach name="Name8" axis="followSib" ptType="sibTrans" cnt="1">
-          <dgm:layoutNode name="Name9">
-            <dgm:alg type="conn">
-              <dgm:param type="connRout" val="curve"/>
-              <dgm:param type="srcNode" val="parentNode1"/>
-              <dgm:param type="dstNode" val="connSite2"/>
-              <dgm:param type="begPts" val="bCtr"/>
-              <dgm:param type="endPts" val="bCtr"/>
-            </dgm:alg>
-            <dgm:shape xmlns:r="http://schemas.openxmlformats.org/officeDocument/2006/relationships" type="conn" r:blip="" zOrderOff="-2">
-              <dgm:adjLst/>
-            </dgm:shape>
-            <dgm:presOf axis="self"/>
-            <dgm:choose name="Name10">
-              <dgm:if name="Name11" func="var" arg="dir" op="equ" val="norm">
-                <dgm:constrLst>
-                  <dgm:constr type="h" refType="w" fact="0.35"/>
-                  <dgm:constr type="wArH" refType="h"/>
-                  <dgm:constr type="hArH" refType="h"/>
-                  <dgm:constr type="connDist"/>
-                  <dgm:constr type="diam" refType="connDist" fact="-1.15"/>
-                  <dgm:constr type="begPad"/>
-                  <dgm:constr type="endPad"/>
-                </dgm:constrLst>
-              </dgm:if>
-              <dgm:else name="Name12">
-                <dgm:constrLst>
-                  <dgm:constr type="h" refType="w" fact="0.35"/>
-                  <dgm:constr type="wArH" refType="h"/>
-                  <dgm:constr type="hArH" refType="h"/>
-                  <dgm:constr type="connDist"/>
-                  <dgm:constr type="diam" refType="connDist" fact="1.15"/>
-                  <dgm:constr type="begPad"/>
-                  <dgm:constr type="endPad"/>
-                </dgm:constrLst>
-              </dgm:else>
-            </dgm:choose>
-            <dgm:ruleLst/>
-          </dgm:layoutNode>
-        </dgm:forEach>
-        <dgm:forEach name="Name13" axis="followSib" ptType="node" cnt="1">
-          <dgm:layoutNode name="composite2">
-            <dgm:alg type="composite">
-              <dgm:param type="ar" val="0.943"/>
-            </dgm:alg>
-            <dgm:shape xmlns:r="http://schemas.openxmlformats.org/officeDocument/2006/relationships" r:blip="">
-              <dgm:adjLst/>
-            </dgm:shape>
-            <dgm:presOf/>
-            <dgm:choose name="Name14">
-              <dgm:if name="Name15" func="var" arg="dir" op="equ" val="norm">
-                <dgm:constrLst>
-                  <dgm:constr type="h" refType="w" fact="1.06"/>
-                  <dgm:constr type="w" for="ch" forName="dummyNode2" refType="w"/>
-                  <dgm:constr type="h" for="ch" forName="dummyNode2" refType="h"/>
-                  <dgm:constr type="t" for="ch" forName="dummyNode2"/>
-                  <dgm:constr type="l" for="ch" forName="dummyNode2"/>
-                  <dgm:constr type="w" for="ch" forName="childNode2" refType="w" fact="0.9"/>
-                  <dgm:constr type="h" for="ch" forName="childNode2" refType="h" fact="0.7"/>
-                  <dgm:constr type="t" for="ch" forName="childNode2" refType="h" fact="0.15"/>
-                  <dgm:constr type="l" for="ch" forName="childNode2"/>
-                  <dgm:constr type="w" for="ch" forName="childNode2tx" refType="w" fact="0.9"/>
-                  <dgm:constr type="h" for="ch" forName="childNode2tx" refType="h" fact="0.55"/>
-                  <dgm:constr type="t" for="ch" forName="childNode2tx" refType="h" fact="0.3"/>
-                  <dgm:constr type="l" for="ch" forName="childNode2tx"/>
-                  <dgm:constr type="w" for="ch" forName="parentNode2" refType="w" fact="0.8"/>
-                  <dgm:constr type="h" for="ch" forName="parentNode2" refType="h" fact="0.3"/>
-                  <dgm:constr type="t" for="ch" forName="parentNode2"/>
-                  <dgm:constr type="l" for="ch" forName="parentNode2" refType="w" fact="0.2"/>
-                  <dgm:constr type="w" for="ch" forName="connSite2" refType="w" fact="0.01"/>
-                  <dgm:constr type="h" for="ch" forName="connSite2" refType="h" fact="0.01"/>
-                  <dgm:constr type="t" for="ch" forName="connSite2" refType="h" fact="0.99"/>
-                  <dgm:constr type="l" for="ch" forName="connSite2" refType="w" fact="0.25"/>
-                </dgm:constrLst>
-              </dgm:if>
-              <dgm:else name="Name16">
-                <dgm:constrLst>
-                  <dgm:constr type="h" refType="w" fact="1.06"/>
-                  <dgm:constr type="w" for="ch" forName="dummyNode2" refType="w"/>
-                  <dgm:constr type="h" for="ch" forName="dummyNode2" refType="h"/>
-                  <dgm:constr type="t" for="ch" forName="dummyNode2"/>
-                  <dgm:constr type="l" for="ch" forName="dummyNode2"/>
-                  <dgm:constr type="w" for="ch" forName="childNode2" refType="w" fact="0.9"/>
-                  <dgm:constr type="h" for="ch" forName="childNode2" refType="h" fact="0.7"/>
-                  <dgm:constr type="t" for="ch" forName="childNode2" refType="h" fact="0.15"/>
-                  <dgm:constr type="l" for="ch" forName="childNode2" refType="w" fact="0.1"/>
-                  <dgm:constr type="w" for="ch" forName="childNode2tx" refType="w" fact="0.9"/>
-                  <dgm:constr type="h" for="ch" forName="childNode2tx" refType="h" fact="0.55"/>
-                  <dgm:constr type="t" for="ch" forName="childNode2tx" refType="h" fact="0.3"/>
-                  <dgm:constr type="l" for="ch" forName="childNode2tx" refType="w" fact="0.1"/>
-                  <dgm:constr type="w" for="ch" forName="parentNode2" refType="w" fact="0.8"/>
-                  <dgm:constr type="h" for="ch" forName="parentNode2" refType="h" fact="0.3"/>
-                  <dgm:constr type="t" for="ch" forName="parentNode2"/>
-                  <dgm:constr type="l" for="ch" forName="parentNode2"/>
-                  <dgm:constr type="w" for="ch" forName="connSite2" refType="w" fact="0.01"/>
-                  <dgm:constr type="h" for="ch" forName="connSite2" refType="h" fact="0.01"/>
-                  <dgm:constr type="t" for="ch" forName="connSite2" refType="h" fact="0.99"/>
-                  <dgm:constr type="l" for="ch" forName="connSite2" refType="w" fact="0.85"/>
-                </dgm:constrLst>
-              </dgm:else>
-            </dgm:choose>
-            <dgm:ruleLst/>
-            <dgm:layoutNode name="dummyNode2">
-              <dgm:alg type="sp"/>
-              <dgm:shape xmlns:r="http://schemas.openxmlformats.org/officeDocument/2006/relationships" type="rect" r:blip="" hideGeom="1">
-                <dgm:adjLst/>
-              </dgm:shape>
-              <dgm:presOf/>
-              <dgm:constrLst/>
-              <dgm:ruleLst/>
-            </dgm:layoutNode>
-            <dgm:layoutNode name="childNode2" styleLbl="bgAcc1">
-              <dgm:varLst>
-                <dgm:bulletEnabled val="1"/>
-              </dgm:varLst>
-              <dgm:alg type="sp"/>
-              <dgm:shape xmlns:r="http://schemas.openxmlformats.org/officeDocument/2006/relationships" type="roundRect" r:blip="">
-                <dgm:adjLst>
-                  <dgm:adj idx="1" val="0.1"/>
-                </dgm:adjLst>
-              </dgm:shape>
-              <dgm:presOf axis="des" ptType="node"/>
-              <dgm:constrLst/>
-              <dgm:ruleLst/>
-            </dgm:layoutNode>
-            <dgm:layoutNode name="childNode2tx" styleLbl="bgAcc1">
-              <dgm:varLst>
-                <dgm:bulletEnabled val="1"/>
-              </dgm:varLst>
-              <dgm:alg type="tx">
-                <dgm:param type="stBulletLvl" val="1"/>
-              </dgm:alg>
-              <dgm:shape xmlns:r="http://schemas.openxmlformats.org/officeDocument/2006/relationships" type="roundRect" r:blip="" hideGeom="1">
-                <dgm:adjLst>
-                  <dgm:adj idx="1" val="0.1"/>
-                </dgm:adjLst>
-              </dgm:shape>
-              <dgm:presOf axis="des" ptType="node"/>
-              <dgm:constrLst>
-                <dgm:constr type="secFontSz" val="65"/>
-                <dgm:constr type="primFontSz" refType="secFontSz"/>
-                <dgm:constr type="tMarg" refType="secFontSz" fact="0.15"/>
-                <dgm:constr type="bMarg" refType="secFontSz" fact="0.15"/>
-                <dgm:constr type="lMarg" refType="secFontSz" fact="0.15"/>
-                <dgm:constr type="rMarg" refType="secFontSz" fact="0.15"/>
-              </dgm:constrLst>
-              <dgm:ruleLst>
-                <dgm:rule type="secFontSz" val="5" fact="NaN" max="NaN"/>
-              </dgm:ruleLst>
-            </dgm:layoutNode>
-            <dgm:layoutNode name="parentNode2" styleLbl="node1">
-              <dgm:varLst>
-                <dgm:chMax val="0"/>
-                <dgm:bulletEnabled val="1"/>
-              </dgm:varLst>
-              <dgm:alg type="tx"/>
-              <dgm:shape xmlns:r="http://schemas.openxmlformats.org/officeDocument/2006/relationships" type="roundRect" r:blip="">
-                <dgm:adjLst>
-                  <dgm:adj idx="1" val="0.1"/>
-                </dgm:adjLst>
-              </dgm:shape>
-              <dgm:presOf axis="self"/>
-              <dgm:constrLst>
-                <dgm:constr type="tMarg" refType="primFontSz" fact="0.1"/>
-                <dgm:constr type="bMarg" refType="primFontSz" fact="0.1"/>
-                <dgm:constr type="lMarg" refType="primFontSz" fact="0.15"/>
-                <dgm:constr type="rMarg" refType="primFontSz" fact="0.15"/>
-              </dgm:constrLst>
-              <dgm:ruleLst>
-                <dgm:rule type="primFontSz" val="5" fact="NaN" max="NaN"/>
-              </dgm:ruleLst>
-            </dgm:layoutNode>
-            <dgm:layoutNode name="connSite2" moveWith="childNode2">
-              <dgm:alg type="sp"/>
-              <dgm:shape xmlns:r="http://schemas.openxmlformats.org/officeDocument/2006/relationships" r:blip="">
-                <dgm:adjLst/>
-              </dgm:shape>
-              <dgm:presOf/>
-              <dgm:constrLst/>
-              <dgm:ruleLst/>
-            </dgm:layoutNode>
-          </dgm:layoutNode>
-          <dgm:forEach name="Name17" axis="followSib" ptType="sibTrans" cnt="1">
-            <dgm:layoutNode name="Name18">
-              <dgm:alg type="conn">
-                <dgm:param type="connRout" val="curve"/>
-                <dgm:param type="srcNode" val="parentNode2"/>
-                <dgm:param type="dstNode" val="connSite1"/>
-                <dgm:param type="begPts" val="tCtr"/>
-                <dgm:param type="endPts" val="tCtr"/>
-              </dgm:alg>
-              <dgm:shape xmlns:r="http://schemas.openxmlformats.org/officeDocument/2006/relationships" type="conn" r:blip="" zOrderOff="-2">
-                <dgm:adjLst/>
-              </dgm:shape>
-              <dgm:presOf axis="self"/>
-              <dgm:choose name="Name19">
-                <dgm:if name="Name20" func="var" arg="dir" op="equ" val="norm">
-                  <dgm:constrLst>
-                    <dgm:constr type="h" refType="w" fact="0.35"/>
-                    <dgm:constr type="wArH" refType="h"/>
-                    <dgm:constr type="hArH" refType="h"/>
-                    <dgm:constr type="connDist"/>
-                    <dgm:constr type="diam" refType="connDist" fact="1.15"/>
-                    <dgm:constr type="begPad"/>
-                    <dgm:constr type="endPad"/>
-                  </dgm:constrLst>
-                </dgm:if>
-                <dgm:else name="Name21">
-                  <dgm:constrLst>
-                    <dgm:constr type="h" refType="w" fact="0.35"/>
-                    <dgm:constr type="wArH" refType="h"/>
-                    <dgm:constr type="hArH" refType="h"/>
-                    <dgm:constr type="connDist"/>
-                    <dgm:constr type="diam" refType="connDist" fact="-1.15"/>
-                    <dgm:constr type="begPad"/>
-                    <dgm:constr type="endPad"/>
-                  </dgm:constrLst>
-                </dgm:else>
-              </dgm:choose>
-              <dgm:ruleLst/>
-            </dgm:layoutNode>
-          </dgm:forEach>
-        </dgm:forEach>
-      </dgm:forEach>
-    </dgm:layoutNode>
-  </dgm:layoutNode>
-</dgm:layoutDef>
-</file>
-
-<file path=ppt/diagrams/quickStyle1.xml><?xml version="1.0" encoding="utf-8"?>
-<dgm:styleDef xmlns:dgm="http://schemas.openxmlformats.org/drawingml/2006/diagram" xmlns:a="http://schemas.openxmlformats.org/drawingml/2006/main" uniqueId="urn:microsoft.com/office/officeart/2005/8/quickstyle/simple5">
-  <dgm:title val=""/>
-  <dgm:desc val=""/>
-  <dgm:catLst>
-    <dgm:cat type="simple" pri="10500"/>
-  </dgm:catLst>
-  <dgm:scene3d>
-    <a:camera prst="orthographicFront"/>
-    <a:lightRig rig="threePt" dir="t"/>
-  </dgm:scene3d>
-  <dgm:styleLbl name="node0">
-    <dgm:scene3d>
-      <a:camera prst="orthographicFront"/>
-      <a:lightRig rig="threePt" dir="t"/>
-    </dgm:scene3d>
-    <dgm:sp3d/>
-    <dgm:txPr/>
-    <dgm:style>
-      <a:lnRef idx="0">
-        <a:scrgbClr r="0" g="0" b="0"/>
-      </a:lnRef>
-      <a:fillRef idx="3">
-        <a:scrgbClr r="0" g="0" b="0"/>
-      </a:fillRef>
-      <a:effectRef idx="3">
-        <a:scrgbClr r="0" g="0" b="0"/>
-      </a:effectRef>
-      <a:fontRef idx="minor">
-        <a:schemeClr val="lt1"/>
-      </a:fontRef>
-    </dgm:style>
-  </dgm:styleLbl>
-  <dgm:styleLbl name="lnNode1">
-    <dgm:scene3d>
-      <a:camera prst="orthographicFront"/>
-      <a:lightRig rig="threePt" dir="t"/>
-    </dgm:scene3d>
-    <dgm:sp3d/>
-    <dgm:txPr/>
-    <dgm:style>
-      <a:lnRef idx="0">
-        <a:scrgbClr r="0" g="0" b="0"/>
-      </a:lnRef>
-      <a:fillRef idx="3">
-        <a:scrgbClr r="0" g="0" b="0"/>
-      </a:fillRef>
-      <a:effectRef idx="3">
-        <a:scrgbClr r="0" g="0" b="0"/>
-      </a:effectRef>
-      <a:fontRef idx="minor">
-        <a:schemeClr val="lt1"/>
-      </a:fontRef>
-    </dgm:style>
-  </dgm:styleLbl>
-  <dgm:styleLbl name="vennNode1">
-    <dgm:scene3d>
-      <a:camera prst="orthographicFront"/>
-      <a:lightRig rig="threePt" dir="t"/>
-    </dgm:scene3d>
-    <dgm:sp3d/>
-    <dgm:txPr/>
-    <dgm:style>
-      <a:lnRef idx="0">
-        <a:scrgbClr r="0" g="0" b="0"/>
-      </a:lnRef>
-      <a:fillRef idx="3">
-        <a:scrgbClr r="0" g="0" b="0"/>
-      </a:fillRef>
-      <a:effectRef idx="3">
-        <a:scrgbClr r="0" g="0" b="0"/>
-      </a:effectRef>
-      <a:fontRef idx="minor">
-        <a:schemeClr val="tx1"/>
-      </a:fontRef>
-    </dgm:style>
-  </dgm:styleLbl>
-  <dgm:styleLbl name="alignNode1">
-    <dgm:scene3d>
-      <a:camera prst="orthographicFront"/>
-      <a:lightRig rig="threePt" dir="t"/>
-    </dgm:scene3d>
-    <dgm:sp3d/>
-    <dgm:txPr/>
-    <dgm:style>
-      <a:lnRef idx="1">
-        <a:scrgbClr r="0" g="0" b="0"/>
-      </a:lnRef>
-      <a:fillRef idx="3">
-        <a:scrgbClr r="0" g="0" b="0"/>
-      </a:fillRef>
-      <a:effectRef idx="3">
-        <a:scrgbClr r="0" g="0" b="0"/>
-      </a:effectRef>
-      <a:fontRef idx="minor">
-        <a:schemeClr val="lt1"/>
-      </a:fontRef>
-    </dgm:style>
-  </dgm:styleLbl>
-  <dgm:styleLbl name="node1">
-    <dgm:scene3d>
-      <a:camera prst="orthographicFront"/>
-      <a:lightRig rig="threePt" dir="t"/>
-    </dgm:scene3d>
-    <dgm:sp3d/>
-    <dgm:txPr/>
-    <dgm:style>
-      <a:lnRef idx="0">
-        <a:scrgbClr r="0" g="0" b="0"/>
-      </a:lnRef>
-      <a:fillRef idx="3">
-        <a:scrgbClr r="0" g="0" b="0"/>
-      </a:fillRef>
-      <a:effectRef idx="3">
-        <a:scrgbClr r="0" g="0" b="0"/>
-      </a:effectRef>
-      <a:fontRef idx="minor">
-        <a:schemeClr val="lt1"/>
-      </a:fontRef>
-    </dgm:style>
-  </dgm:styleLbl>
-  <dgm:styleLbl name="node2">
-    <dgm:scene3d>
-      <a:camera prst="orthographicFront"/>
-      <a:lightRig rig="threePt" dir="t"/>
-    </dgm:scene3d>
-    <dgm:sp3d/>
-    <dgm:txPr/>
-    <dgm:style>
-      <a:lnRef idx="0">
-        <a:scrgbClr r="0" g="0" b="0"/>
-      </a:lnRef>
-      <a:fillRef idx="3">
-        <a:scrgbClr r="0" g="0" b="0"/>
-      </a:fillRef>
-      <a:effectRef idx="3">
-        <a:scrgbClr r="0" g="0" b="0"/>
-      </a:effectRef>
-      <a:fontRef idx="minor">
-        <a:schemeClr val="lt1"/>
-      </a:fontRef>
-    </dgm:style>
-  </dgm:styleLbl>
-  <dgm:styleLbl name="node3">
-    <dgm:scene3d>
-      <a:camera prst="orthographicFront"/>
-      <a:lightRig rig="threePt" dir="t"/>
-    </dgm:scene3d>
-    <dgm:sp3d/>
-    <dgm:txPr/>
-    <dgm:style>
-      <a:lnRef idx="0">
-        <a:scrgbClr r="0" g="0" b="0"/>
-      </a:lnRef>
-      <a:fillRef idx="3">
-        <a:scrgbClr r="0" g="0" b="0"/>
-      </a:fillRef>
-      <a:effectRef idx="3">
-        <a:scrgbClr r="0" g="0" b="0"/>
-      </a:effectRef>
-      <a:fontRef idx="minor">
-        <a:schemeClr val="lt1"/>
-      </a:fontRef>
-    </dgm:style>
-  </dgm:styleLbl>
-  <dgm:styleLbl name="node4">
-    <dgm:scene3d>
-      <a:camera prst="orthographicFront"/>
-      <a:lightRig rig="threePt" dir="t"/>
-    </dgm:scene3d>
-    <dgm:sp3d/>
-    <dgm:txPr/>
-    <dgm:style>
-      <a:lnRef idx="0">
-        <a:scrgbClr r="0" g="0" b="0"/>
-      </a:lnRef>
-      <a:fillRef idx="3">
-        <a:scrgbClr r="0" g="0" b="0"/>
-      </a:fillRef>
-      <a:effectRef idx="3">
-        <a:scrgbClr r="0" g="0" b="0"/>
-      </a:effectRef>
-      <a:fontRef idx="minor">
-        <a:schemeClr val="lt1"/>
-      </a:fontRef>
-    </dgm:style>
-  </dgm:styleLbl>
-  <dgm:styleLbl name="fgImgPlace1">
-    <dgm:scene3d>
-      <a:camera prst="orthographicFront"/>
-      <a:lightRig rig="threePt" dir="t"/>
-    </dgm:scene3d>
-    <dgm:sp3d/>
-    <dgm:txPr/>
-    <dgm:style>
-      <a:lnRef idx="0">
-        <a:scrgbClr r="0" g="0" b="0"/>
-      </a:lnRef>
-      <a:fillRef idx="1">
-        <a:scrgbClr r="0" g="0" b="0"/>
-      </a:fillRef>
-      <a:effectRef idx="3">
-        <a:scrgbClr r="0" g="0" b="0"/>
-      </a:effectRef>
-      <a:fontRef idx="minor"/>
-    </dgm:style>
-  </dgm:styleLbl>
-  <dgm:styleLbl name="alignImgPlace1">
-    <dgm:scene3d>
-      <a:camera prst="orthographicFront"/>
-      <a:lightRig rig="threePt" dir="t"/>
-    </dgm:scene3d>
-    <dgm:sp3d/>
-    <dgm:txPr/>
-    <dgm:style>
-      <a:lnRef idx="0">
-        <a:scrgbClr r="0" g="0" b="0"/>
-      </a:lnRef>
-      <a:fillRef idx="1">
-        <a:scrgbClr r="0" g="0" b="0"/>
-      </a:fillRef>
-      <a:effectRef idx="3">
-        <a:scrgbClr r="0" g="0" b="0"/>
-      </a:effectRef>
-      <a:fontRef idx="minor"/>
-    </dgm:style>
-  </dgm:styleLbl>
-  <dgm:styleLbl name="bgImgPlace1">
-    <dgm:scene3d>
-      <a:camera prst="orthographicFront"/>
-      <a:lightRig rig="threePt" dir="t"/>
-    </dgm:scene3d>
-    <dgm:sp3d/>
-    <dgm:txPr/>
-    <dgm:style>
-      <a:lnRef idx="0">
-        <a:scrgbClr r="0" g="0" b="0"/>
-      </a:lnRef>
-      <a:fillRef idx="1">
-        <a:scrgbClr r="0" g="0" b="0"/>
-      </a:fillRef>
-      <a:effectRef idx="3">
-        <a:scrgbClr r="0" g="0" b="0"/>
-      </a:effectRef>
-      <a:fontRef idx="minor"/>
-    </dgm:style>
-  </dgm:styleLbl>
-  <dgm:styleLbl name="sibTrans2D1">
-    <dgm:scene3d>
-      <a:camera prst="orthographicFront"/>
-      <a:lightRig rig="threePt" dir="t"/>
-    </dgm:scene3d>
-    <dgm:sp3d/>
-    <dgm:txPr/>
-    <dgm:style>
-      <a:lnRef idx="0">
-        <a:scrgbClr r="0" g="0" b="0"/>
-      </a:lnRef>
-      <a:fillRef idx="3">
-        <a:scrgbClr r="0" g="0" b="0"/>
-      </a:fillRef>
-      <a:effectRef idx="3">
-        <a:scrgbClr r="0" g="0" b="0"/>
-      </a:effectRef>
-      <a:fontRef idx="minor">
-        <a:schemeClr val="lt1"/>
-      </a:fontRef>
-    </dgm:style>
-  </dgm:styleLbl>
-  <dgm:styleLbl name="fgSibTrans2D1">
-    <dgm:scene3d>
-      <a:camera prst="orthographicFront"/>
-      <a:lightRig rig="threePt" dir="t"/>
-    </dgm:scene3d>
-    <dgm:sp3d/>
-    <dgm:txPr/>
-    <dgm:style>
-      <a:lnRef idx="0">
-        <a:scrgbClr r="0" g="0" b="0"/>
-      </a:lnRef>
-      <a:fillRef idx="3">
-        <a:scrgbClr r="0" g="0" b="0"/>
-      </a:fillRef>
-      <a:effectRef idx="3">
-        <a:scrgbClr r="0" g="0" b="0"/>
-      </a:effectRef>
-      <a:fontRef idx="minor">
-        <a:schemeClr val="lt1"/>
-      </a:fontRef>
-    </dgm:style>
-  </dgm:styleLbl>
-  <dgm:styleLbl name="bgSibTrans2D1">
-    <dgm:scene3d>
-      <a:camera prst="orthographicFront"/>
-      <a:lightRig rig="threePt" dir="t"/>
-    </dgm:scene3d>
-    <dgm:sp3d/>
-    <dgm:txPr/>
-    <dgm:style>
-      <a:lnRef idx="0">
-        <a:scrgbClr r="0" g="0" b="0"/>
-      </a:lnRef>
-      <a:fillRef idx="3">
-        <a:scrgbClr r="0" g="0" b="0"/>
-      </a:fillRef>
-      <a:effectRef idx="3">
-        <a:scrgbClr r="0" g="0" b="0"/>
-      </a:effectRef>
-      <a:fontRef idx="minor">
-        <a:schemeClr val="lt1"/>
-      </a:fontRef>
-    </dgm:style>
-  </dgm:styleLbl>
-  <dgm:styleLbl name="sibTrans1D1">
-    <dgm:scene3d>
-      <a:camera prst="orthographicFront"/>
-      <a:lightRig rig="threePt" dir="t"/>
-    </dgm:scene3d>
-    <dgm:sp3d/>
-    <dgm:txPr/>
-    <dgm:style>
-      <a:lnRef idx="1">
-        <a:scrgbClr r="0" g="0" b="0"/>
-      </a:lnRef>
-      <a:fillRef idx="0">
-        <a:scrgbClr r="0" g="0" b="0"/>
-      </a:fillRef>
-      <a:effectRef idx="0">
-        <a:scrgbClr r="0" g="0" b="0"/>
-      </a:effectRef>
-      <a:fontRef idx="minor"/>
-    </dgm:style>
-  </dgm:styleLbl>
-  <dgm:styleLbl name="callout">
-    <dgm:scene3d>
-      <a:camera prst="orthographicFront"/>
-      <a:lightRig rig="threePt" dir="t"/>
-    </dgm:scene3d>
-    <dgm:sp3d/>
-    <dgm:txPr/>
-    <dgm:style>
-      <a:lnRef idx="1">
-        <a:scrgbClr r="0" g="0" b="0"/>
-      </a:lnRef>
-      <a:fillRef idx="0">
-        <a:scrgbClr r="0" g="0" b="0"/>
-      </a:fillRef>
-      <a:effectRef idx="1">
-        <a:scrgbClr r="0" g="0" b="0"/>
-      </a:effectRef>
-      <a:fontRef idx="minor"/>
-    </dgm:style>
-  </dgm:styleLbl>
-  <dgm:styleLbl name="asst0">
-    <dgm:scene3d>
-      <a:camera prst="orthographicFront"/>
-      <a:lightRig rig="threePt" dir="t"/>
-    </dgm:scene3d>
-    <dgm:sp3d/>
-    <dgm:txPr/>
-    <dgm:style>
-      <a:lnRef idx="0">
-        <a:scrgbClr r="0" g="0" b="0"/>
-      </a:lnRef>
-      <a:fillRef idx="3">
-        <a:scrgbClr r="0" g="0" b="0"/>
-      </a:fillRef>
-      <a:effectRef idx="3">
-        <a:scrgbClr r="0" g="0" b="0"/>
-      </a:effectRef>
-      <a:fontRef idx="minor">
-        <a:schemeClr val="lt1"/>
-      </a:fontRef>
-    </dgm:style>
-  </dgm:styleLbl>
-  <dgm:styleLbl name="asst1">
-    <dgm:scene3d>
-      <a:camera prst="orthographicFront"/>
-      <a:lightRig rig="threePt" dir="t"/>
-    </dgm:scene3d>
-    <dgm:sp3d/>
-    <dgm:txPr/>
-    <dgm:style>
-      <a:lnRef idx="0">
-        <a:scrgbClr r="0" g="0" b="0"/>
-      </a:lnRef>
-      <a:fillRef idx="3">
-        <a:scrgbClr r="0" g="0" b="0"/>
-      </a:fillRef>
-      <a:effectRef idx="3">
-        <a:scrgbClr r="0" g="0" b="0"/>
-      </a:effectRef>
-      <a:fontRef idx="minor">
-        <a:schemeClr val="lt1"/>
-      </a:fontRef>
-    </dgm:style>
-  </dgm:styleLbl>
-  <dgm:styleLbl name="asst2">
-    <dgm:scene3d>
-      <a:camera prst="orthographicFront"/>
-      <a:lightRig rig="threePt" dir="t"/>
-    </dgm:scene3d>
-    <dgm:sp3d/>
-    <dgm:txPr/>
-    <dgm:style>
-      <a:lnRef idx="0">
-        <a:scrgbClr r="0" g="0" b="0"/>
-      </a:lnRef>
-      <a:fillRef idx="3">
-        <a:scrgbClr r="0" g="0" b="0"/>
-      </a:fillRef>
-      <a:effectRef idx="3">
-        <a:scrgbClr r="0" g="0" b="0"/>
-      </a:effectRef>
-      <a:fontRef idx="minor">
-        <a:schemeClr val="lt1"/>
-      </a:fontRef>
-    </dgm:style>
-  </dgm:styleLbl>
-  <dgm:styleLbl name="asst3">
-    <dgm:scene3d>
-      <a:camera prst="orthographicFront"/>
-      <a:lightRig rig="threePt" dir="t"/>
-    </dgm:scene3d>
-    <dgm:sp3d/>
-    <dgm:txPr/>
-    <dgm:style>
-      <a:lnRef idx="0">
-        <a:scrgbClr r="0" g="0" b="0"/>
-      </a:lnRef>
-      <a:fillRef idx="3">
-        <a:scrgbClr r="0" g="0" b="0"/>
-      </a:fillRef>
-      <a:effectRef idx="3">
-        <a:scrgbClr r="0" g="0" b="0"/>
-      </a:effectRef>
-      <a:fontRef idx="minor">
-        <a:schemeClr val="lt1"/>
-      </a:fontRef>
-    </dgm:style>
-  </dgm:styleLbl>
-  <dgm:styleLbl name="asst4">
-    <dgm:scene3d>
-      <a:camera prst="orthographicFront"/>
-      <a:lightRig rig="threePt" dir="t"/>
-    </dgm:scene3d>
-    <dgm:sp3d/>
-    <dgm:txPr/>
-    <dgm:style>
-      <a:lnRef idx="0">
-        <a:scrgbClr r="0" g="0" b="0"/>
-      </a:lnRef>
-      <a:fillRef idx="3">
-        <a:scrgbClr r="0" g="0" b="0"/>
-      </a:fillRef>
-      <a:effectRef idx="3">
-        <a:scrgbClr r="0" g="0" b="0"/>
-      </a:effectRef>
-      <a:fontRef idx="minor">
-        <a:schemeClr val="lt1"/>
-      </a:fontRef>
-    </dgm:style>
-  </dgm:styleLbl>
-  <dgm:styleLbl name="parChTrans2D1">
-    <dgm:scene3d>
-      <a:camera prst="orthographicFront"/>
-      <a:lightRig rig="threePt" dir="t"/>
-    </dgm:scene3d>
-    <dgm:sp3d/>
-    <dgm:txPr/>
-    <dgm:style>
-      <a:lnRef idx="0">
-        <a:scrgbClr r="0" g="0" b="0"/>
-      </a:lnRef>
-      <a:fillRef idx="3">
-        <a:scrgbClr r="0" g="0" b="0"/>
-      </a:fillRef>
-      <a:effectRef idx="3">
-        <a:scrgbClr r="0" g="0" b="0"/>
-      </a:effectRef>
-      <a:fontRef idx="minor">
-        <a:schemeClr val="lt1"/>
-      </a:fontRef>
-    </dgm:style>
-  </dgm:styleLbl>
-  <dgm:styleLbl name="parChTrans2D2">
-    <dgm:scene3d>
-      <a:camera prst="orthographicFront"/>
-      <a:lightRig rig="threePt" dir="t"/>
-    </dgm:scene3d>
-    <dgm:sp3d/>
-    <dgm:txPr/>
-    <dgm:style>
-      <a:lnRef idx="0">
-        <a:scrgbClr r="0" g="0" b="0"/>
-      </a:lnRef>
-      <a:fillRef idx="3">
-        <a:scrgbClr r="0" g="0" b="0"/>
-      </a:fillRef>
-      <a:effectRef idx="3">
-        <a:scrgbClr r="0" g="0" b="0"/>
-      </a:effectRef>
-      <a:fontRef idx="minor">
-        <a:schemeClr val="lt1"/>
-      </a:fontRef>
-    </dgm:style>
-  </dgm:styleLbl>
-  <dgm:styleLbl name="parChTrans2D3">
-    <dgm:scene3d>
-      <a:camera prst="orthographicFront"/>
-      <a:lightRig rig="threePt" dir="t"/>
-    </dgm:scene3d>
-    <dgm:sp3d/>
-    <dgm:txPr/>
-    <dgm:style>
-      <a:lnRef idx="0">
-        <a:scrgbClr r="0" g="0" b="0"/>
-      </a:lnRef>
-      <a:fillRef idx="3">
-        <a:scrgbClr r="0" g="0" b="0"/>
-      </a:fillRef>
-      <a:effectRef idx="3">
-        <a:scrgbClr r="0" g="0" b="0"/>
-      </a:effectRef>
-      <a:fontRef idx="minor">
-        <a:schemeClr val="lt1"/>
-      </a:fontRef>
-    </dgm:style>
-  </dgm:styleLbl>
-  <dgm:styleLbl name="parChTrans2D4">
-    <dgm:scene3d>
-      <a:camera prst="orthographicFront"/>
-      <a:lightRig rig="threePt" dir="t"/>
-    </dgm:scene3d>
-    <dgm:sp3d/>
-    <dgm:txPr/>
-    <dgm:style>
-      <a:lnRef idx="0">
-        <a:scrgbClr r="0" g="0" b="0"/>
-      </a:lnRef>
-      <a:fillRef idx="3">
-        <a:scrgbClr r="0" g="0" b="0"/>
-      </a:fillRef>
-      <a:effectRef idx="3">
-        <a:scrgbClr r="0" g="0" b="0"/>
-      </a:effectRef>
-      <a:fontRef idx="minor">
-        <a:schemeClr val="lt1"/>
-      </a:fontRef>
-    </dgm:style>
-  </dgm:styleLbl>
-  <dgm:styleLbl name="parChTrans1D1">
-    <dgm:scene3d>
-      <a:camera prst="orthographicFront"/>
-      <a:lightRig rig="threePt" dir="t"/>
-    </dgm:scene3d>
-    <dgm:sp3d/>
-    <dgm:txPr/>
-    <dgm:style>
-      <a:lnRef idx="2">
-        <a:scrgbClr r="0" g="0" b="0"/>
-      </a:lnRef>
-      <a:fillRef idx="0">
-        <a:scrgbClr r="0" g="0" b="0"/>
-      </a:fillRef>
-      <a:effectRef idx="0">
-        <a:scrgbClr r="0" g="0" b="0"/>
-      </a:effectRef>
-      <a:fontRef idx="minor"/>
-    </dgm:style>
-  </dgm:styleLbl>
-  <dgm:styleLbl name="parChTrans1D2">
-    <dgm:scene3d>
-      <a:camera prst="orthographicFront"/>
-      <a:lightRig rig="threePt" dir="t"/>
-    </dgm:scene3d>
-    <dgm:sp3d/>
-    <dgm:txPr/>
-    <dgm:style>
-      <a:lnRef idx="2">
-        <a:scrgbClr r="0" g="0" b="0"/>
-      </a:lnRef>
-      <a:fillRef idx="0">
-        <a:scrgbClr r="0" g="0" b="0"/>
-      </a:fillRef>
-      <a:effectRef idx="0">
-        <a:scrgbClr r="0" g="0" b="0"/>
-      </a:effectRef>
-      <a:fontRef idx="minor"/>
-    </dgm:style>
-  </dgm:styleLbl>
-  <dgm:styleLbl name="parChTrans1D3">
-    <dgm:scene3d>
-      <a:camera prst="orthographicFront"/>
-      <a:lightRig rig="threePt" dir="t"/>
-    </dgm:scene3d>
-    <dgm:sp3d/>
-    <dgm:txPr/>
-    <dgm:style>
-      <a:lnRef idx="2">
-        <a:scrgbClr r="0" g="0" b="0"/>
-      </a:lnRef>
-      <a:fillRef idx="0">
-        <a:scrgbClr r="0" g="0" b="0"/>
-      </a:fillRef>
-      <a:effectRef idx="0">
-        <a:scrgbClr r="0" g="0" b="0"/>
-      </a:effectRef>
-      <a:fontRef idx="minor"/>
-    </dgm:style>
-  </dgm:styleLbl>
-  <dgm:styleLbl name="parChTrans1D4">
-    <dgm:scene3d>
-      <a:camera prst="orthographicFront"/>
-      <a:lightRig rig="threePt" dir="t"/>
-    </dgm:scene3d>
-    <dgm:sp3d/>
-    <dgm:txPr/>
-    <dgm:style>
-      <a:lnRef idx="2">
-        <a:scrgbClr r="0" g="0" b="0"/>
-      </a:lnRef>
-      <a:fillRef idx="0">
-        <a:scrgbClr r="0" g="0" b="0"/>
-      </a:fillRef>
-      <a:effectRef idx="0">
-        <a:scrgbClr r="0" g="0" b="0"/>
-      </a:effectRef>
-      <a:fontRef idx="minor"/>
-    </dgm:style>
-  </dgm:styleLbl>
-  <dgm:styleLbl name="fgAcc1">
-    <dgm:scene3d>
-      <a:camera prst="orthographicFront"/>
-      <a:lightRig rig="threePt" dir="t"/>
-    </dgm:scene3d>
-    <dgm:sp3d/>
-    <dgm:txPr/>
-    <dgm:style>
-      <a:lnRef idx="1">
-        <a:scrgbClr r="0" g="0" b="0"/>
-      </a:lnRef>
-      <a:fillRef idx="1">
-        <a:scrgbClr r="0" g="0" b="0"/>
-      </a:fillRef>
-      <a:effectRef idx="2">
-        <a:scrgbClr r="0" g="0" b="0"/>
-      </a:effectRef>
-      <a:fontRef idx="minor"/>
-    </dgm:style>
-  </dgm:styleLbl>
-  <dgm:styleLbl name="conFgAcc1">
-    <dgm:scene3d>
-      <a:camera prst="orthographicFront"/>
-      <a:lightRig rig="threePt" dir="t"/>
-    </dgm:scene3d>
-    <dgm:sp3d/>
-    <dgm:txPr/>
-    <dgm:style>
-      <a:lnRef idx="1">
-        <a:scrgbClr r="0" g="0" b="0"/>
-      </a:lnRef>
-      <a:fillRef idx="1">
-        <a:scrgbClr r="0" g="0" b="0"/>
-      </a:fillRef>
-      <a:effectRef idx="2">
-        <a:scrgbClr r="0" g="0" b="0"/>
-      </a:effectRef>
-      <a:fontRef idx="minor"/>
-    </dgm:style>
-  </dgm:styleLbl>
-  <dgm:styleLbl name="alignAcc1">
-    <dgm:scene3d>
-      <a:camera prst="orthographicFront"/>
-      <a:lightRig rig="threePt" dir="t"/>
-    </dgm:scene3d>
-    <dgm:sp3d/>
-    <dgm:txPr/>
-    <dgm:style>
-      <a:lnRef idx="1">
-        <a:scrgbClr r="0" g="0" b="0"/>
-      </a:lnRef>
-      <a:fillRef idx="1">
-        <a:scrgbClr r="0" g="0" b="0"/>
-      </a:fillRef>
-      <a:effectRef idx="2">
-        <a:scrgbClr r="0" g="0" b="0"/>
-      </a:effectRef>
-      <a:fontRef idx="minor"/>
-    </dgm:style>
-  </dgm:styleLbl>
-  <dgm:styleLbl name="trAlignAcc1">
-    <dgm:scene3d>
-      <a:camera prst="orthographicFront"/>
-      <a:lightRig rig="threePt" dir="t"/>
-    </dgm:scene3d>
-    <dgm:sp3d/>
-    <dgm:txPr/>
-    <dgm:style>
-      <a:lnRef idx="1">
-        <a:scrgbClr r="0" g="0" b="0"/>
-      </a:lnRef>
-      <a:fillRef idx="1">
-        <a:scrgbClr r="0" g="0" b="0"/>
-      </a:fillRef>
-      <a:effectRef idx="0">
-        <a:scrgbClr r="0" g="0" b="0"/>
-      </a:effectRef>
-      <a:fontRef idx="minor"/>
-    </dgm:style>
-  </dgm:styleLbl>
-  <dgm:styleLbl name="bgAcc1">
-    <dgm:scene3d>
-      <a:camera prst="orthographicFront"/>
-      <a:lightRig rig="threePt" dir="t"/>
-    </dgm:scene3d>
-    <dgm:sp3d/>
-    <dgm:txPr/>
-    <dgm:style>
-      <a:lnRef idx="1">
-        <a:scrgbClr r="0" g="0" b="0"/>
-      </a:lnRef>
-      <a:fillRef idx="1">
-        <a:scrgbClr r="0" g="0" b="0"/>
-      </a:fillRef>
-      <a:effectRef idx="2">
-        <a:scrgbClr r="0" g="0" b="0"/>
-      </a:effectRef>
-      <a:fontRef idx="minor"/>
-    </dgm:style>
-  </dgm:styleLbl>
-  <dgm:styleLbl name="solidFgAcc1">
-    <dgm:scene3d>
-      <a:camera prst="orthographicFront"/>
-      <a:lightRig rig="threePt" dir="t"/>
-    </dgm:scene3d>
-    <dgm:sp3d/>
-    <dgm:txPr/>
-    <dgm:style>
-      <a:lnRef idx="1">
-        <a:scrgbClr r="0" g="0" b="0"/>
-      </a:lnRef>
-      <a:fillRef idx="1">
-        <a:scrgbClr r="0" g="0" b="0"/>
-      </a:fillRef>
-      <a:effectRef idx="2">
-        <a:scrgbClr r="0" g="0" b="0"/>
-      </a:effectRef>
-      <a:fontRef idx="minor"/>
-    </dgm:style>
-  </dgm:styleLbl>
-  <dgm:styleLbl name="solidAlignAcc1">
-    <dgm:scene3d>
-      <a:camera prst="orthographicFront"/>
-      <a:lightRig rig="threePt" dir="t"/>
-    </dgm:scene3d>
-    <dgm:sp3d/>
-    <dgm:txPr/>
-    <dgm:style>
-      <a:lnRef idx="1">
-        <a:scrgbClr r="0" g="0" b="0"/>
-      </a:lnRef>
-      <a:fillRef idx="1">
-        <a:scrgbClr r="0" g="0" b="0"/>
-      </a:fillRef>
-      <a:effectRef idx="3">
-        <a:scrgbClr r="0" g="0" b="0"/>
-      </a:effectRef>
-      <a:fontRef idx="minor"/>
-    </dgm:style>
-  </dgm:styleLbl>
-  <dgm:styleLbl name="solidBgAcc1">
-    <dgm:scene3d>
-      <a:camera prst="orthographicFront"/>
-      <a:lightRig rig="threePt" dir="t"/>
-    </dgm:scene3d>
-    <dgm:sp3d/>
-    <dgm:txPr/>
-    <dgm:style>
-      <a:lnRef idx="1">
-        <a:scrgbClr r="0" g="0" b="0"/>
-      </a:lnRef>
-      <a:fillRef idx="1">
-        <a:scrgbClr r="0" g="0" b="0"/>
-      </a:fillRef>
-      <a:effectRef idx="3">
-        <a:scrgbClr r="0" g="0" b="0"/>
-      </a:effectRef>
-      <a:fontRef idx="minor"/>
-    </dgm:style>
-  </dgm:styleLbl>
-  <dgm:styleLbl name="fgAccFollowNode1">
-    <dgm:scene3d>
-      <a:camera prst="orthographicFront"/>
-      <a:lightRig rig="threePt" dir="t"/>
-    </dgm:scene3d>
-    <dgm:sp3d/>
-    <dgm:txPr/>
-    <dgm:style>
-      <a:lnRef idx="1">
-        <a:scrgbClr r="0" g="0" b="0"/>
-      </a:lnRef>
-      <a:fillRef idx="1">
-        <a:scrgbClr r="0" g="0" b="0"/>
-      </a:fillRef>
-      <a:effectRef idx="2">
-        <a:scrgbClr r="0" g="0" b="0"/>
-      </a:effectRef>
-      <a:fontRef idx="minor"/>
-    </dgm:style>
-  </dgm:styleLbl>
-  <dgm:styleLbl name="alignAccFollowNode1">
-    <dgm:scene3d>
-      <a:camera prst="orthographicFront"/>
-      <a:lightRig rig="threePt" dir="t"/>
-    </dgm:scene3d>
-    <dgm:sp3d/>
-    <dgm:txPr/>
-    <dgm:style>
-      <a:lnRef idx="1">
-        <a:scrgbClr r="0" g="0" b="0"/>
-      </a:lnRef>
-      <a:fillRef idx="1">
-        <a:scrgbClr r="0" g="0" b="0"/>
-      </a:fillRef>
-      <a:effectRef idx="2">
-        <a:scrgbClr r="0" g="0" b="0"/>
-      </a:effectRef>
-      <a:fontRef idx="minor"/>
-    </dgm:style>
-  </dgm:styleLbl>
-  <dgm:styleLbl name="bgAccFollowNode1">
-    <dgm:scene3d>
-      <a:camera prst="orthographicFront"/>
-      <a:lightRig rig="threePt" dir="t"/>
-    </dgm:scene3d>
-    <dgm:sp3d/>
-    <dgm:txPr/>
-    <dgm:style>
-      <a:lnRef idx="1">
-        <a:scrgbClr r="0" g="0" b="0"/>
-      </a:lnRef>
-      <a:fillRef idx="1">
-        <a:scrgbClr r="0" g="0" b="0"/>
-      </a:fillRef>
-      <a:effectRef idx="2">
-        <a:scrgbClr r="0" g="0" b="0"/>
-      </a:effectRef>
-      <a:fontRef idx="minor"/>
-    </dgm:style>
-  </dgm:styleLbl>
-  <dgm:styleLbl name="fgAcc0">
-    <dgm:scene3d>
-      <a:camera prst="orthographicFront"/>
-      <a:lightRig rig="threePt" dir="t"/>
-    </dgm:scene3d>
-    <dgm:sp3d/>
-    <dgm:txPr/>
-    <dgm:style>
-      <a:lnRef idx="1">
-        <a:scrgbClr r="0" g="0" b="0"/>
-      </a:lnRef>
-      <a:fillRef idx="1">
-        <a:scrgbClr r="0" g="0" b="0"/>
-      </a:fillRef>
-      <a:effectRef idx="2">
-        <a:scrgbClr r="0" g="0" b="0"/>
-      </a:effectRef>
-      <a:fontRef idx="minor"/>
-    </dgm:style>
-  </dgm:styleLbl>
-  <dgm:styleLbl name="fgAcc2">
-    <dgm:scene3d>
-      <a:camera prst="orthographicFront"/>
-      <a:lightRig rig="threePt" dir="t"/>
-    </dgm:scene3d>
-    <dgm:sp3d/>
-    <dgm:txPr/>
-    <dgm:style>
-      <a:lnRef idx="1">
-        <a:scrgbClr r="0" g="0" b="0"/>
-      </a:lnRef>
-      <a:fillRef idx="1">
-        <a:scrgbClr r="0" g="0" b="0"/>
-      </a:fillRef>
-      <a:effectRef idx="2">
-        <a:scrgbClr r="0" g="0" b="0"/>
-      </a:effectRef>
-      <a:fontRef idx="minor"/>
-    </dgm:style>
-  </dgm:styleLbl>
-  <dgm:styleLbl name="fgAcc3">
-    <dgm:scene3d>
-      <a:camera prst="orthographicFront"/>
-      <a:lightRig rig="threePt" dir="t"/>
-    </dgm:scene3d>
-    <dgm:sp3d/>
-    <dgm:txPr/>
-    <dgm:style>
-      <a:lnRef idx="1">
-        <a:scrgbClr r="0" g="0" b="0"/>
-      </a:lnRef>
-      <a:fillRef idx="1">
-        <a:scrgbClr r="0" g="0" b="0"/>
-      </a:fillRef>
-      <a:effectRef idx="2">
-        <a:scrgbClr r="0" g="0" b="0"/>
-      </a:effectRef>
-      <a:fontRef idx="minor"/>
-    </dgm:style>
-  </dgm:styleLbl>
-  <dgm:styleLbl name="fgAcc4">
-    <dgm:scene3d>
-      <a:camera prst="orthographicFront"/>
-      <a:lightRig rig="threePt" dir="t"/>
-    </dgm:scene3d>
-    <dgm:sp3d/>
-    <dgm:txPr/>
-    <dgm:style>
-      <a:lnRef idx="1">
-        <a:scrgbClr r="0" g="0" b="0"/>
-      </a:lnRef>
-      <a:fillRef idx="1">
-        <a:scrgbClr r="0" g="0" b="0"/>
-      </a:fillRef>
-      <a:effectRef idx="2">
-        <a:scrgbClr r="0" g="0" b="0"/>
-      </a:effectRef>
-      <a:fontRef idx="minor"/>
-    </dgm:style>
-  </dgm:styleLbl>
-  <dgm:styleLbl name="bgShp">
-    <dgm:scene3d>
-      <a:camera prst="orthographicFront"/>
-      <a:lightRig rig="threePt" dir="t"/>
-    </dgm:scene3d>
-    <dgm:sp3d/>
-    <dgm:txPr/>
-    <dgm:style>
-      <a:lnRef idx="0">
-        <a:scrgbClr r="0" g="0" b="0"/>
-      </a:lnRef>
-      <a:fillRef idx="1">
-        <a:scrgbClr r="0" g="0" b="0"/>
-      </a:fillRef>
-      <a:effectRef idx="2">
-        <a:scrgbClr r="0" g="0" b="0"/>
-      </a:effectRef>
-      <a:fontRef idx="minor"/>
-    </dgm:style>
-  </dgm:styleLbl>
-  <dgm:styleLbl name="dkBgShp">
-    <dgm:scene3d>
-      <a:camera prst="orthographicFront"/>
-      <a:lightRig rig="threePt" dir="t"/>
-    </dgm:scene3d>
-    <dgm:sp3d/>
-    <dgm:txPr/>
-    <dgm:style>
-      <a:lnRef idx="0">
-        <a:scrgbClr r="0" g="0" b="0"/>
-      </a:lnRef>
-      <a:fillRef idx="1">
-        <a:scrgbClr r="0" g="0" b="0"/>
-      </a:fillRef>
-      <a:effectRef idx="3">
-        <a:scrgbClr r="0" g="0" b="0"/>
-      </a:effectRef>
-      <a:fontRef idx="minor"/>
-    </dgm:style>
-  </dgm:styleLbl>
-  <dgm:styleLbl name="trBgShp">
-    <dgm:scene3d>
-      <a:camera prst="orthographicFront"/>
-      <a:lightRig rig="threePt" dir="t"/>
-    </dgm:scene3d>
-    <dgm:sp3d/>
-    <dgm:txPr/>
-    <dgm:style>
-      <a:lnRef idx="0">
-        <a:scrgbClr r="0" g="0" b="0"/>
-      </a:lnRef>
-      <a:fillRef idx="1">
-        <a:scrgbClr r="0" g="0" b="0"/>
-      </a:fillRef>
-      <a:effectRef idx="0">
-        <a:scrgbClr r="0" g="0" b="0"/>
-      </a:effectRef>
-      <a:fontRef idx="minor"/>
-    </dgm:style>
-  </dgm:styleLbl>
-  <dgm:styleLbl name="fgShp">
-    <dgm:scene3d>
-      <a:camera prst="orthographicFront"/>
-      <a:lightRig rig="threePt" dir="t"/>
-    </dgm:scene3d>
-    <dgm:sp3d/>
-    <dgm:txPr/>
-    <dgm:style>
-      <a:lnRef idx="0">
-        <a:scrgbClr r="0" g="0" b="0"/>
-      </a:lnRef>
-      <a:fillRef idx="3">
-        <a:scrgbClr r="0" g="0" b="0"/>
-      </a:fillRef>
-      <a:effectRef idx="3">
-        <a:scrgbClr r="0" g="0" b="0"/>
-      </a:effectRef>
-      <a:fontRef idx="minor"/>
-    </dgm:style>
-  </dgm:styleLbl>
-  <dgm:styleLbl name="revTx">
-    <dgm:scene3d>
-      <a:camera prst="orthographicFront"/>
-      <a:lightRig rig="threePt" dir="t"/>
-    </dgm:scene3d>
-    <dgm:sp3d/>
-    <dgm:txPr/>
-    <dgm:style>
-      <a:lnRef idx="0">
-        <a:scrgbClr r="0" g="0" b="0"/>
-      </a:lnRef>
-      <a:fillRef idx="0">
-        <a:scrgbClr r="0" g="0" b="0"/>
-      </a:fillRef>
-      <a:effectRef idx="0">
-        <a:scrgbClr r="0" g="0" b="0"/>
-      </a:effectRef>
-      <a:fontRef idx="minor"/>
-    </dgm:style>
-  </dgm:styleLbl>
-</dgm:styleDef>
 </file>
 
 <file path=ppt/handoutMasters/handoutMaster1.xml><?xml version="1.0" encoding="utf-8"?>
@@ -9315,7 +4294,7 @@
       </p:grpSpPr>
       <p:sp>
         <p:nvSpPr>
-          <p:cNvPr id="2" name="标题 1"/>
+          <p:cNvPr id="13" name="标题 12"/>
           <p:cNvSpPr>
             <a:spLocks noGrp="1"/>
           </p:cNvSpPr>
@@ -9323,100 +4302,122 @@
             <p:ph type="title"/>
           </p:nvPr>
         </p:nvSpPr>
-        <p:spPr/>
-        <p:txBody>
-          <a:bodyPr rtlCol="0"/>
+        <p:spPr>
+          <a:xfrm>
+            <a:off x="1522413" y="381000"/>
+            <a:ext cx="9144001" cy="762000"/>
+          </a:xfrm>
+        </p:spPr>
+        <p:txBody>
+          <a:bodyPr rtlCol="0">
+            <a:normAutofit/>
+          </a:bodyPr>
           <a:lstStyle/>
           <a:p>
+            <a:r>
+              <a:rPr lang="en-US" altLang="zh-CN" dirty="0"/>
+              <a:t>Reward</a:t>
+            </a:r>
+            <a:endParaRPr lang="en-US" dirty="0"/>
+          </a:p>
+        </p:txBody>
+      </p:sp>
+      <p:sp>
+        <p:nvSpPr>
+          <p:cNvPr id="6" name="内容占位符 2"/>
+          <p:cNvSpPr>
+            <a:spLocks noGrp="1"/>
+          </p:cNvSpPr>
+          <p:nvPr>
+            <p:ph sz="half" idx="1"/>
+          </p:nvPr>
+        </p:nvSpPr>
+        <p:spPr>
+          <a:xfrm>
+            <a:off x="1522413" y="1600200"/>
+            <a:ext cx="8686799" cy="4114800"/>
+          </a:xfrm>
+        </p:spPr>
+        <p:txBody>
+          <a:bodyPr rtlCol="0">
+            <a:normAutofit/>
+          </a:bodyPr>
+          <a:lstStyle/>
+          <a:p>
             <a:pPr rtl="0"/>
-            <a:endParaRPr lang="en-US"/>
-          </a:p>
-        </p:txBody>
-      </p:sp>
-      <p:sp>
-        <p:nvSpPr>
-          <p:cNvPr id="3" name="文本占位符 2"/>
-          <p:cNvSpPr>
-            <a:spLocks noGrp="1"/>
-          </p:cNvSpPr>
-          <p:nvPr>
-            <p:ph type="body" idx="1"/>
-          </p:nvPr>
-        </p:nvSpPr>
-        <p:spPr/>
-        <p:txBody>
-          <a:bodyPr rtlCol="0"/>
-          <a:lstStyle/>
+            <a:r>
+              <a:rPr lang="en-US" dirty="0" smtClean="0">
+                <a:latin typeface="微软雅黑" panose="020B0503020204020204" pitchFamily="34" charset="-122"/>
+                <a:ea typeface="微软雅黑" panose="020B0503020204020204" pitchFamily="34" charset="-122"/>
+              </a:rPr>
+              <a:t>A </a:t>
+            </a:r>
+            <a:r>
+              <a:rPr lang="en-US" dirty="0" smtClean="0">
+                <a:solidFill>
+                  <a:srgbClr val="FFFF00"/>
+                </a:solidFill>
+                <a:latin typeface="微软雅黑" panose="020B0503020204020204" pitchFamily="34" charset="-122"/>
+                <a:ea typeface="微软雅黑" panose="020B0503020204020204" pitchFamily="34" charset="-122"/>
+              </a:rPr>
+              <a:t>Reward </a:t>
+            </a:r>
+            <a:r>
+              <a:rPr lang="en-US" dirty="0" err="1" smtClean="0">
+                <a:latin typeface="微软雅黑" panose="020B0503020204020204" pitchFamily="34" charset="-122"/>
+                <a:ea typeface="微软雅黑" panose="020B0503020204020204" pitchFamily="34" charset="-122"/>
+              </a:rPr>
+              <a:t>R</a:t>
+            </a:r>
+            <a:r>
+              <a:rPr lang="en-US" sz="1400" dirty="0" err="1" smtClean="0">
+                <a:latin typeface="微软雅黑" panose="020B0503020204020204" pitchFamily="34" charset="-122"/>
+                <a:ea typeface="微软雅黑" panose="020B0503020204020204" pitchFamily="34" charset="-122"/>
+              </a:rPr>
+              <a:t>t</a:t>
+            </a:r>
+            <a:r>
+              <a:rPr lang="en-US" dirty="0" smtClean="0">
+                <a:latin typeface="微软雅黑" panose="020B0503020204020204" pitchFamily="34" charset="-122"/>
+                <a:ea typeface="微软雅黑" panose="020B0503020204020204" pitchFamily="34" charset="-122"/>
+              </a:rPr>
+              <a:t> is a scalar feedback signal.</a:t>
+            </a:r>
+          </a:p>
           <a:p>
             <a:pPr rtl="0"/>
-            <a:endParaRPr lang="en-US"/>
-          </a:p>
-        </p:txBody>
-      </p:sp>
-      <p:sp>
-        <p:nvSpPr>
-          <p:cNvPr id="4" name="内容占位符 3"/>
-          <p:cNvSpPr>
-            <a:spLocks noGrp="1"/>
-          </p:cNvSpPr>
-          <p:nvPr>
-            <p:ph sz="half" idx="2"/>
-          </p:nvPr>
-        </p:nvSpPr>
-        <p:spPr/>
-        <p:txBody>
-          <a:bodyPr rtlCol="0"/>
-          <a:lstStyle/>
+            <a:endParaRPr lang="en-US" dirty="0" smtClean="0">
+              <a:latin typeface="微软雅黑" panose="020B0503020204020204" pitchFamily="34" charset="-122"/>
+              <a:ea typeface="微软雅黑" panose="020B0503020204020204" pitchFamily="34" charset="-122"/>
+            </a:endParaRPr>
+          </a:p>
           <a:p>
             <a:pPr rtl="0"/>
-            <a:endParaRPr lang="en-US"/>
-          </a:p>
-        </p:txBody>
-      </p:sp>
-      <p:sp>
-        <p:nvSpPr>
-          <p:cNvPr id="5" name="文本占位符 4"/>
-          <p:cNvSpPr>
-            <a:spLocks noGrp="1"/>
-          </p:cNvSpPr>
-          <p:nvPr>
-            <p:ph type="body" sz="quarter" idx="3"/>
-          </p:nvPr>
-        </p:nvSpPr>
-        <p:spPr/>
-        <p:txBody>
-          <a:bodyPr rtlCol="0"/>
-          <a:lstStyle/>
+            <a:r>
+              <a:rPr lang="en-US" dirty="0" smtClean="0"/>
+              <a:t>Indicates how well agent is doing at step t</a:t>
+            </a:r>
+          </a:p>
           <a:p>
             <a:pPr rtl="0"/>
-            <a:endParaRPr lang="en-US"/>
-          </a:p>
-        </p:txBody>
-      </p:sp>
-      <p:sp>
-        <p:nvSpPr>
-          <p:cNvPr id="6" name="内容占位符 5"/>
-          <p:cNvSpPr>
-            <a:spLocks noGrp="1"/>
-          </p:cNvSpPr>
-          <p:nvPr>
-            <p:ph sz="quarter" idx="4"/>
-          </p:nvPr>
-        </p:nvSpPr>
-        <p:spPr/>
-        <p:txBody>
-          <a:bodyPr rtlCol="0"/>
-          <a:lstStyle/>
+            <a:endParaRPr lang="en-US" dirty="0" smtClean="0"/>
+          </a:p>
           <a:p>
             <a:pPr rtl="0"/>
-            <a:endParaRPr lang="en-US"/>
+            <a:r>
+              <a:rPr lang="en-US" dirty="0" smtClean="0">
+                <a:latin typeface="微软雅黑" panose="020B0503020204020204" pitchFamily="34" charset="-122"/>
+                <a:ea typeface="微软雅黑" panose="020B0503020204020204" pitchFamily="34" charset="-122"/>
+              </a:rPr>
+              <a:t>The agent’s job is to maximize Expected cumulative reward.</a:t>
+            </a:r>
           </a:p>
         </p:txBody>
       </p:sp>
     </p:spTree>
     <p:extLst>
       <p:ext uri="{BB962C8B-B14F-4D97-AF65-F5344CB8AC3E}">
-        <p14:creationId xmlns:p14="http://schemas.microsoft.com/office/powerpoint/2010/main" val="2681425051"/>
+        <p14:creationId xmlns:p14="http://schemas.microsoft.com/office/powerpoint/2010/main" val="963285134"/>
       </p:ext>
     </p:extLst>
   </p:cSld>
@@ -9435,6 +4436,13 @@
       </p:transition>
     </mc:Fallback>
   </mc:AlternateContent>
+  <p:timing>
+    <p:tnLst>
+      <p:par>
+        <p:cTn id="1" dur="indefinite" restart="never" nodeType="tmRoot"/>
+      </p:par>
+    </p:tnLst>
+  </p:timing>
 </p:sld>
 </file>
 
@@ -9457,7 +4465,7 @@
       </p:grpSpPr>
       <p:sp>
         <p:nvSpPr>
-          <p:cNvPr id="2" name="标题 1"/>
+          <p:cNvPr id="13" name="标题 12"/>
           <p:cNvSpPr>
             <a:spLocks noGrp="1"/>
           </p:cNvSpPr>
@@ -9465,20 +4473,168 @@
             <p:ph type="title"/>
           </p:nvPr>
         </p:nvSpPr>
-        <p:spPr/>
-        <p:txBody>
-          <a:bodyPr rtlCol="0"/>
+        <p:spPr>
+          <a:xfrm>
+            <a:off x="1522413" y="381000"/>
+            <a:ext cx="9144001" cy="762000"/>
+          </a:xfrm>
+        </p:spPr>
+        <p:txBody>
+          <a:bodyPr rtlCol="0">
+            <a:normAutofit/>
+          </a:bodyPr>
           <a:lstStyle/>
           <a:p>
-            <a:pPr rtl="0"/>
-            <a:endParaRPr lang="en-US"/>
+            <a:r>
+              <a:rPr lang="en-US" altLang="zh-CN" dirty="0"/>
+              <a:t>Reward</a:t>
+            </a:r>
+            <a:endParaRPr lang="en-US" dirty="0">
+              <a:solidFill>
+                <a:srgbClr val="FF0000"/>
+              </a:solidFill>
+            </a:endParaRPr>
+          </a:p>
+        </p:txBody>
+      </p:sp>
+      <p:sp>
+        <p:nvSpPr>
+          <p:cNvPr id="6" name="内容占位符 2"/>
+          <p:cNvSpPr>
+            <a:spLocks noGrp="1"/>
+          </p:cNvSpPr>
+          <p:nvPr>
+            <p:ph sz="half" idx="1"/>
+          </p:nvPr>
+        </p:nvSpPr>
+        <p:spPr>
+          <a:xfrm>
+            <a:off x="1522413" y="1600200"/>
+            <a:ext cx="8686799" cy="4114800"/>
+          </a:xfrm>
+        </p:spPr>
+        <p:txBody>
+          <a:bodyPr rtlCol="0">
+            <a:normAutofit/>
+          </a:bodyPr>
+          <a:lstStyle/>
+          <a:p>
+            <a:r>
+              <a:rPr lang="en-US" altLang="zh-CN" dirty="0"/>
+              <a:t>Example of </a:t>
+            </a:r>
+            <a:r>
+              <a:rPr lang="en-US" altLang="zh-CN" dirty="0" smtClean="0">
+                <a:solidFill>
+                  <a:srgbClr val="FFFF00"/>
+                </a:solidFill>
+              </a:rPr>
+              <a:t>Rewards</a:t>
+            </a:r>
+          </a:p>
+          <a:p>
+            <a:pPr lvl="1"/>
+            <a:r>
+              <a:rPr lang="en-US" dirty="0" smtClean="0">
+                <a:latin typeface="微软雅黑" panose="020B0503020204020204" pitchFamily="34" charset="-122"/>
+                <a:ea typeface="微软雅黑" panose="020B0503020204020204" pitchFamily="34" charset="-122"/>
+              </a:rPr>
+              <a:t>Fly helicopter</a:t>
+            </a:r>
+          </a:p>
+          <a:p>
+            <a:pPr lvl="2"/>
+            <a:r>
+              <a:rPr lang="en-US" dirty="0" smtClean="0"/>
+              <a:t>+</a:t>
+            </a:r>
+            <a:r>
+              <a:rPr lang="en-US" dirty="0" err="1" smtClean="0"/>
+              <a:t>ve</a:t>
+            </a:r>
+            <a:r>
+              <a:rPr lang="en-US" dirty="0" smtClean="0"/>
+              <a:t> reward for following desired trajectory</a:t>
+            </a:r>
+          </a:p>
+          <a:p>
+            <a:pPr lvl="2"/>
+            <a:r>
+              <a:rPr lang="en-US" altLang="zh-CN" dirty="0" smtClean="0"/>
+              <a:t>-</a:t>
+            </a:r>
+            <a:r>
+              <a:rPr lang="en-US" altLang="zh-CN" dirty="0" err="1" smtClean="0"/>
+              <a:t>ve</a:t>
+            </a:r>
+            <a:r>
+              <a:rPr lang="en-US" altLang="zh-CN" dirty="0" smtClean="0"/>
+              <a:t> </a:t>
+            </a:r>
+            <a:r>
+              <a:rPr lang="en-US" altLang="zh-CN" dirty="0"/>
+              <a:t>reward </a:t>
+            </a:r>
+            <a:r>
+              <a:rPr lang="en-US" altLang="zh-CN" dirty="0" smtClean="0"/>
+              <a:t>for crashing</a:t>
+            </a:r>
+          </a:p>
+          <a:p>
+            <a:pPr lvl="2"/>
+            <a:endParaRPr lang="en-US" dirty="0"/>
+          </a:p>
+          <a:p>
+            <a:pPr lvl="1"/>
+            <a:r>
+              <a:rPr lang="en-US" altLang="zh-CN" dirty="0" smtClean="0"/>
+              <a:t>Manage </a:t>
+            </a:r>
+            <a:r>
+              <a:rPr lang="en-US" altLang="zh-CN" dirty="0"/>
+              <a:t>Investment Portfolio.</a:t>
+            </a:r>
+          </a:p>
+          <a:p>
+            <a:pPr lvl="2"/>
+            <a:r>
+              <a:rPr lang="en-US" altLang="zh-CN" dirty="0" smtClean="0"/>
+              <a:t>+</a:t>
+            </a:r>
+            <a:r>
+              <a:rPr lang="en-US" altLang="zh-CN" dirty="0" err="1"/>
+              <a:t>ve</a:t>
+            </a:r>
+            <a:r>
+              <a:rPr lang="en-US" altLang="zh-CN" dirty="0"/>
+              <a:t> </a:t>
+            </a:r>
+            <a:r>
+              <a:rPr lang="en-US" altLang="zh-CN" dirty="0" smtClean="0"/>
+              <a:t>for each $ earn</a:t>
+            </a:r>
+          </a:p>
+          <a:p>
+            <a:pPr lvl="2"/>
+            <a:r>
+              <a:rPr lang="en-US" altLang="zh-CN" dirty="0" smtClean="0"/>
+              <a:t>-</a:t>
+            </a:r>
+            <a:r>
+              <a:rPr lang="en-US" altLang="zh-CN" dirty="0" err="1" smtClean="0"/>
+              <a:t>ve</a:t>
+            </a:r>
+            <a:r>
+              <a:rPr lang="en-US" altLang="zh-CN" dirty="0" smtClean="0"/>
+              <a:t> for each $ loss</a:t>
+            </a:r>
           </a:p>
         </p:txBody>
       </p:sp>
     </p:spTree>
     <p:extLst>
       <p:ext uri="{BB962C8B-B14F-4D97-AF65-F5344CB8AC3E}">
-        <p14:creationId xmlns:p14="http://schemas.microsoft.com/office/powerpoint/2010/main" val="2590506655"/>
+        <p14:creationId xmlns:p14="http://schemas.microsoft.com/office/powerpoint/2010/main" val="2260943470"/>
       </p:ext>
     </p:extLst>
   </p:cSld>
@@ -9497,6 +4653,13 @@
       </p:transition>
     </mc:Fallback>
   </mc:AlternateContent>
+  <p:timing>
+    <p:tnLst>
+      <p:par>
+        <p:cTn id="1" dur="indefinite" restart="never" nodeType="tmRoot"/>
+      </p:par>
+    </p:tnLst>
+  </p:timing>
 </p:sld>
 </file>
 
@@ -9517,10 +4680,198 @@
           <a:chExt cx="0" cy="0"/>
         </a:xfrm>
       </p:grpSpPr>
+      <p:sp>
+        <p:nvSpPr>
+          <p:cNvPr id="13" name="标题 12"/>
+          <p:cNvSpPr>
+            <a:spLocks noGrp="1"/>
+          </p:cNvSpPr>
+          <p:nvPr>
+            <p:ph type="title"/>
+          </p:nvPr>
+        </p:nvSpPr>
+        <p:spPr>
+          <a:xfrm>
+            <a:off x="1522413" y="381000"/>
+            <a:ext cx="9144001" cy="762000"/>
+          </a:xfrm>
+        </p:spPr>
+        <p:txBody>
+          <a:bodyPr rtlCol="0">
+            <a:normAutofit/>
+          </a:bodyPr>
+          <a:lstStyle/>
+          <a:p>
+            <a:r>
+              <a:rPr lang="en-US" altLang="zh-CN" dirty="0"/>
+              <a:t>Sequential decision </a:t>
+            </a:r>
+            <a:r>
+              <a:rPr lang="en-US" altLang="zh-CN" dirty="0" smtClean="0"/>
+              <a:t>Making(Action)</a:t>
+            </a:r>
+            <a:endParaRPr lang="en-US" altLang="zh-CN" dirty="0"/>
+          </a:p>
+        </p:txBody>
+      </p:sp>
+      <p:sp>
+        <p:nvSpPr>
+          <p:cNvPr id="6" name="内容占位符 2"/>
+          <p:cNvSpPr>
+            <a:spLocks noGrp="1"/>
+          </p:cNvSpPr>
+          <p:nvPr>
+            <p:ph sz="half" idx="1"/>
+          </p:nvPr>
+        </p:nvSpPr>
+        <p:spPr>
+          <a:xfrm>
+            <a:off x="1522413" y="1600200"/>
+            <a:ext cx="8686799" cy="4114800"/>
+          </a:xfrm>
+        </p:spPr>
+        <p:txBody>
+          <a:bodyPr rtlCol="0">
+            <a:normAutofit/>
+          </a:bodyPr>
+          <a:lstStyle/>
+          <a:p>
+            <a:r>
+              <a:rPr lang="en-US" dirty="0" smtClean="0">
+                <a:latin typeface="微软雅黑" panose="020B0503020204020204" pitchFamily="34" charset="-122"/>
+                <a:ea typeface="微软雅黑" panose="020B0503020204020204" pitchFamily="34" charset="-122"/>
+              </a:rPr>
+              <a:t>Goal: </a:t>
+            </a:r>
+            <a:r>
+              <a:rPr lang="en-US" dirty="0" smtClean="0">
+                <a:solidFill>
+                  <a:srgbClr val="FFFF00"/>
+                </a:solidFill>
+                <a:latin typeface="微软雅黑" panose="020B0503020204020204" pitchFamily="34" charset="-122"/>
+                <a:ea typeface="微软雅黑" panose="020B0503020204020204" pitchFamily="34" charset="-122"/>
+              </a:rPr>
+              <a:t>select action </a:t>
+            </a:r>
+            <a:r>
+              <a:rPr lang="en-US" dirty="0" smtClean="0">
+                <a:latin typeface="微软雅黑" panose="020B0503020204020204" pitchFamily="34" charset="-122"/>
+                <a:ea typeface="微软雅黑" panose="020B0503020204020204" pitchFamily="34" charset="-122"/>
+              </a:rPr>
+              <a:t>to </a:t>
+            </a:r>
+            <a:r>
+              <a:rPr lang="en-US" dirty="0" smtClean="0">
+                <a:solidFill>
+                  <a:srgbClr val="FFFF00"/>
+                </a:solidFill>
+                <a:latin typeface="微软雅黑" panose="020B0503020204020204" pitchFamily="34" charset="-122"/>
+                <a:ea typeface="微软雅黑" panose="020B0503020204020204" pitchFamily="34" charset="-122"/>
+              </a:rPr>
+              <a:t>maximize </a:t>
+            </a:r>
+            <a:r>
+              <a:rPr lang="en-US" dirty="0" smtClean="0">
+                <a:latin typeface="微软雅黑" panose="020B0503020204020204" pitchFamily="34" charset="-122"/>
+                <a:ea typeface="微软雅黑" panose="020B0503020204020204" pitchFamily="34" charset="-122"/>
+              </a:rPr>
+              <a:t>the </a:t>
+            </a:r>
+            <a:r>
+              <a:rPr lang="en-US" dirty="0" smtClean="0">
+                <a:solidFill>
+                  <a:srgbClr val="FFFF00"/>
+                </a:solidFill>
+                <a:latin typeface="微软雅黑" panose="020B0503020204020204" pitchFamily="34" charset="-122"/>
+                <a:ea typeface="微软雅黑" panose="020B0503020204020204" pitchFamily="34" charset="-122"/>
+              </a:rPr>
+              <a:t>total expected future rewards.</a:t>
+            </a:r>
+          </a:p>
+          <a:p>
+            <a:endParaRPr lang="en-US" dirty="0" smtClean="0">
+              <a:solidFill>
+                <a:schemeClr val="tx1">
+                  <a:lumMod val="95000"/>
+                </a:schemeClr>
+              </a:solidFill>
+            </a:endParaRPr>
+          </a:p>
+          <a:p>
+            <a:r>
+              <a:rPr lang="en-US" dirty="0" smtClean="0">
+                <a:solidFill>
+                  <a:schemeClr val="tx1">
+                    <a:lumMod val="95000"/>
+                  </a:schemeClr>
+                </a:solidFill>
+              </a:rPr>
+              <a:t>Reward may be delayed. Each action selected </a:t>
+            </a:r>
+            <a:r>
+              <a:rPr lang="en-US" dirty="0" smtClean="0">
+                <a:solidFill>
+                  <a:srgbClr val="FFFF00"/>
+                </a:solidFill>
+              </a:rPr>
+              <a:t>must think ahead.</a:t>
+            </a:r>
+          </a:p>
+          <a:p>
+            <a:endParaRPr lang="en-US" dirty="0" smtClean="0">
+              <a:solidFill>
+                <a:schemeClr val="tx1">
+                  <a:lumMod val="95000"/>
+                </a:schemeClr>
+              </a:solidFill>
+            </a:endParaRPr>
+          </a:p>
+          <a:p>
+            <a:r>
+              <a:rPr lang="en-US" dirty="0" smtClean="0">
+                <a:solidFill>
+                  <a:schemeClr val="tx1">
+                    <a:lumMod val="95000"/>
+                  </a:schemeClr>
+                </a:solidFill>
+              </a:rPr>
+              <a:t>It sometime may be better to </a:t>
+            </a:r>
+            <a:r>
+              <a:rPr lang="en-US" dirty="0" smtClean="0">
+                <a:solidFill>
+                  <a:srgbClr val="FFFF00"/>
+                </a:solidFill>
+              </a:rPr>
+              <a:t>sacrifice immediate reward </a:t>
+            </a:r>
+            <a:r>
+              <a:rPr lang="en-US" dirty="0" smtClean="0">
+                <a:solidFill>
+                  <a:schemeClr val="tx1">
+                    <a:lumMod val="95000"/>
+                  </a:schemeClr>
+                </a:solidFill>
+              </a:rPr>
+              <a:t>to gain more long-term reward.</a:t>
+            </a:r>
+          </a:p>
+          <a:p>
+            <a:pPr lvl="1"/>
+            <a:endParaRPr lang="en-US" dirty="0" smtClean="0">
+              <a:solidFill>
+                <a:schemeClr val="tx1">
+                  <a:lumMod val="95000"/>
+                </a:schemeClr>
+              </a:solidFill>
+            </a:endParaRPr>
+          </a:p>
+        </p:txBody>
+      </p:sp>
     </p:spTree>
     <p:extLst>
       <p:ext uri="{BB962C8B-B14F-4D97-AF65-F5344CB8AC3E}">
-        <p14:creationId xmlns:p14="http://schemas.microsoft.com/office/powerpoint/2010/main" val="1735722345"/>
+        <p14:creationId xmlns:p14="http://schemas.microsoft.com/office/powerpoint/2010/main" val="3733979532"/>
       </p:ext>
     </p:extLst>
   </p:cSld>
@@ -9539,6 +4890,13 @@
       </p:transition>
     </mc:Fallback>
   </mc:AlternateContent>
+  <p:timing>
+    <p:tnLst>
+      <p:par>
+        <p:cTn id="1" dur="indefinite" restart="never" nodeType="tmRoot"/>
+      </p:par>
+    </p:tnLst>
+  </p:timing>
 </p:sld>
 </file>
 
@@ -9561,7 +4919,7 @@
       </p:grpSpPr>
       <p:sp>
         <p:nvSpPr>
-          <p:cNvPr id="2" name="标题 1"/>
+          <p:cNvPr id="13" name="标题 12"/>
           <p:cNvSpPr>
             <a:spLocks noGrp="1"/>
           </p:cNvSpPr>
@@ -9569,60 +4927,120 @@
             <p:ph type="title"/>
           </p:nvPr>
         </p:nvSpPr>
-        <p:spPr/>
-        <p:txBody>
-          <a:bodyPr rtlCol="0"/>
+        <p:spPr>
+          <a:xfrm>
+            <a:off x="1522413" y="381000"/>
+            <a:ext cx="9144001" cy="762000"/>
+          </a:xfrm>
+        </p:spPr>
+        <p:txBody>
+          <a:bodyPr rtlCol="0">
+            <a:normAutofit/>
+          </a:bodyPr>
           <a:lstStyle/>
           <a:p>
-            <a:pPr rtl="0"/>
-            <a:endParaRPr lang="en-US"/>
-          </a:p>
-        </p:txBody>
-      </p:sp>
-      <p:sp>
-        <p:nvSpPr>
-          <p:cNvPr id="3" name="内容占位符 2"/>
-          <p:cNvSpPr>
-            <a:spLocks noGrp="1"/>
-          </p:cNvSpPr>
-          <p:nvPr>
-            <p:ph idx="1"/>
-          </p:nvPr>
-        </p:nvSpPr>
-        <p:spPr/>
-        <p:txBody>
-          <a:bodyPr rtlCol="0"/>
+            <a:r>
+              <a:rPr lang="en-US" altLang="zh-CN" dirty="0"/>
+              <a:t>Sequential decision Making(</a:t>
+            </a:r>
+            <a:r>
+              <a:rPr lang="en-US" altLang="zh-CN" dirty="0">
+                <a:solidFill>
+                  <a:srgbClr val="FFFF00"/>
+                </a:solidFill>
+              </a:rPr>
+              <a:t>Action</a:t>
+            </a:r>
+            <a:r>
+              <a:rPr lang="en-US" altLang="zh-CN" dirty="0"/>
+              <a:t>)</a:t>
+            </a:r>
+            <a:endParaRPr lang="en-US" dirty="0">
+              <a:solidFill>
+                <a:srgbClr val="FF0000"/>
+              </a:solidFill>
+            </a:endParaRPr>
+          </a:p>
+        </p:txBody>
+      </p:sp>
+      <p:sp>
+        <p:nvSpPr>
+          <p:cNvPr id="6" name="内容占位符 2"/>
+          <p:cNvSpPr>
+            <a:spLocks noGrp="1"/>
+          </p:cNvSpPr>
+          <p:nvPr>
+            <p:ph sz="half" idx="1"/>
+          </p:nvPr>
+        </p:nvSpPr>
+        <p:spPr>
+          <a:xfrm>
+            <a:off x="1522413" y="1600200"/>
+            <a:ext cx="8686799" cy="4114800"/>
+          </a:xfrm>
+        </p:spPr>
+        <p:txBody>
+          <a:bodyPr rtlCol="0">
+            <a:normAutofit/>
+          </a:bodyPr>
           <a:lstStyle/>
           <a:p>
-            <a:pPr rtl="0"/>
-            <a:endParaRPr lang="en-US"/>
-          </a:p>
-        </p:txBody>
-      </p:sp>
-      <p:sp>
-        <p:nvSpPr>
-          <p:cNvPr id="4" name="文本占位符 3"/>
-          <p:cNvSpPr>
-            <a:spLocks noGrp="1"/>
-          </p:cNvSpPr>
-          <p:nvPr>
-            <p:ph type="body" sz="half" idx="2"/>
-          </p:nvPr>
-        </p:nvSpPr>
-        <p:spPr/>
-        <p:txBody>
-          <a:bodyPr rtlCol="0"/>
-          <a:lstStyle/>
-          <a:p>
-            <a:pPr rtl="0"/>
-            <a:endParaRPr lang="en-US"/>
+            <a:r>
+              <a:rPr lang="en-US" dirty="0" smtClean="0">
+                <a:latin typeface="微软雅黑" panose="020B0503020204020204" pitchFamily="34" charset="-122"/>
+                <a:ea typeface="微软雅黑" panose="020B0503020204020204" pitchFamily="34" charset="-122"/>
+              </a:rPr>
+              <a:t>Examples</a:t>
+            </a:r>
+          </a:p>
+          <a:p>
+            <a:endParaRPr lang="en-US" dirty="0" smtClean="0">
+              <a:solidFill>
+                <a:schemeClr val="tx1">
+                  <a:lumMod val="95000"/>
+                </a:schemeClr>
+              </a:solidFill>
+            </a:endParaRPr>
+          </a:p>
+          <a:p>
+            <a:r>
+              <a:rPr lang="en-US" dirty="0" smtClean="0">
+                <a:solidFill>
+                  <a:schemeClr val="tx1">
+                    <a:lumMod val="95000"/>
+                  </a:schemeClr>
+                </a:solidFill>
+              </a:rPr>
+              <a:t>A financial investment (may take months to mature)</a:t>
+            </a:r>
+          </a:p>
+          <a:p>
+            <a:endParaRPr lang="en-US" dirty="0" smtClean="0">
+              <a:solidFill>
+                <a:schemeClr val="tx1">
+                  <a:lumMod val="95000"/>
+                </a:schemeClr>
+              </a:solidFill>
+            </a:endParaRPr>
+          </a:p>
+          <a:p>
+            <a:r>
+              <a:rPr lang="en-US" dirty="0" smtClean="0">
+                <a:solidFill>
+                  <a:schemeClr val="tx1">
+                    <a:lumMod val="95000"/>
+                  </a:schemeClr>
+                </a:solidFill>
+              </a:rPr>
+              <a:t>Blocking an opponent move instead of take out the pawn. (for better strategic move to win the game)</a:t>
+            </a:r>
           </a:p>
         </p:txBody>
       </p:sp>
     </p:spTree>
     <p:extLst>
       <p:ext uri="{BB962C8B-B14F-4D97-AF65-F5344CB8AC3E}">
-        <p14:creationId xmlns:p14="http://schemas.microsoft.com/office/powerpoint/2010/main" val="2765137111"/>
+        <p14:creationId xmlns:p14="http://schemas.microsoft.com/office/powerpoint/2010/main" val="1466602428"/>
       </p:ext>
     </p:extLst>
   </p:cSld>
@@ -9641,10 +5059,779 @@
       </p:transition>
     </mc:Fallback>
   </mc:AlternateContent>
+  <p:timing>
+    <p:tnLst>
+      <p:par>
+        <p:cTn id="1" dur="indefinite" restart="never" nodeType="tmRoot"/>
+      </p:par>
+    </p:tnLst>
+  </p:timing>
 </p:sld>
 </file>
 
 <file path=ppt/slides/slide14.xml><?xml version="1.0" encoding="utf-8"?>
+<p:sld xmlns:a="http://schemas.openxmlformats.org/drawingml/2006/main" xmlns:r="http://schemas.openxmlformats.org/officeDocument/2006/relationships" xmlns:p="http://schemas.openxmlformats.org/presentationml/2006/main">
+  <p:cSld>
+    <p:spTree>
+      <p:nvGrpSpPr>
+        <p:cNvPr id="1" name=""/>
+        <p:cNvGrpSpPr/>
+        <p:nvPr/>
+      </p:nvGrpSpPr>
+      <p:grpSpPr>
+        <a:xfrm>
+          <a:off x="0" y="0"/>
+          <a:ext cx="0" cy="0"/>
+          <a:chOff x="0" y="0"/>
+          <a:chExt cx="0" cy="0"/>
+        </a:xfrm>
+      </p:grpSpPr>
+      <p:sp>
+        <p:nvSpPr>
+          <p:cNvPr id="13" name="标题 12"/>
+          <p:cNvSpPr>
+            <a:spLocks noGrp="1"/>
+          </p:cNvSpPr>
+          <p:nvPr>
+            <p:ph type="title"/>
+          </p:nvPr>
+        </p:nvSpPr>
+        <p:spPr>
+          <a:xfrm>
+            <a:off x="1522413" y="381000"/>
+            <a:ext cx="9144001" cy="762000"/>
+          </a:xfrm>
+        </p:spPr>
+        <p:txBody>
+          <a:bodyPr rtlCol="0">
+            <a:normAutofit/>
+          </a:bodyPr>
+          <a:lstStyle/>
+          <a:p>
+            <a:r>
+              <a:rPr lang="en-US" altLang="zh-CN" dirty="0">
+                <a:solidFill>
+                  <a:srgbClr val="FFFF00"/>
+                </a:solidFill>
+              </a:rPr>
+              <a:t>Agent </a:t>
+            </a:r>
+            <a:r>
+              <a:rPr lang="en-US" altLang="zh-CN" dirty="0"/>
+              <a:t>and </a:t>
+            </a:r>
+            <a:r>
+              <a:rPr lang="en-US" altLang="zh-CN" dirty="0">
+                <a:solidFill>
+                  <a:srgbClr val="FFFF00"/>
+                </a:solidFill>
+              </a:rPr>
+              <a:t>Environment</a:t>
+            </a:r>
+            <a:endParaRPr lang="en-US" dirty="0">
+              <a:solidFill>
+                <a:srgbClr val="FF0000"/>
+              </a:solidFill>
+            </a:endParaRPr>
+          </a:p>
+        </p:txBody>
+      </p:sp>
+      <p:pic>
+        <p:nvPicPr>
+          <p:cNvPr id="2" name="内容占位符 1"/>
+          <p:cNvPicPr>
+            <a:picLocks noGrp="1" noChangeAspect="1"/>
+          </p:cNvPicPr>
+          <p:nvPr>
+            <p:ph sz="half" idx="1"/>
+          </p:nvPr>
+        </p:nvPicPr>
+        <p:blipFill>
+          <a:blip r:embed="rId2"/>
+          <a:stretch>
+            <a:fillRect/>
+          </a:stretch>
+        </p:blipFill>
+        <p:spPr>
+          <a:xfrm>
+            <a:off x="2666947" y="1600200"/>
+            <a:ext cx="6397731" cy="4114800"/>
+          </a:xfrm>
+          <a:prstGeom prst="rect">
+            <a:avLst/>
+          </a:prstGeom>
+        </p:spPr>
+      </p:pic>
+    </p:spTree>
+    <p:extLst>
+      <p:ext uri="{BB962C8B-B14F-4D97-AF65-F5344CB8AC3E}">
+        <p14:creationId xmlns:p14="http://schemas.microsoft.com/office/powerpoint/2010/main" val="126800772"/>
+      </p:ext>
+    </p:extLst>
+  </p:cSld>
+  <p:clrMapOvr>
+    <a:masterClrMapping/>
+  </p:clrMapOvr>
+  <mc:AlternateContent xmlns:mc="http://schemas.openxmlformats.org/markup-compatibility/2006" xmlns:p14="http://schemas.microsoft.com/office/powerpoint/2010/main">
+    <mc:Choice Requires="p14">
+      <p:transition spd="med" p14:dur="700">
+        <p:fade/>
+      </p:transition>
+    </mc:Choice>
+    <mc:Fallback xmlns="">
+      <p:transition spd="med">
+        <p:fade/>
+      </p:transition>
+    </mc:Fallback>
+  </mc:AlternateContent>
+  <p:timing>
+    <p:tnLst>
+      <p:par>
+        <p:cTn id="1" dur="indefinite" restart="never" nodeType="tmRoot"/>
+      </p:par>
+    </p:tnLst>
+  </p:timing>
+</p:sld>
+</file>
+
+<file path=ppt/slides/slide15.xml><?xml version="1.0" encoding="utf-8"?>
+<p:sld xmlns:a="http://schemas.openxmlformats.org/drawingml/2006/main" xmlns:r="http://schemas.openxmlformats.org/officeDocument/2006/relationships" xmlns:p="http://schemas.openxmlformats.org/presentationml/2006/main">
+  <p:cSld>
+    <p:spTree>
+      <p:nvGrpSpPr>
+        <p:cNvPr id="1" name=""/>
+        <p:cNvGrpSpPr/>
+        <p:nvPr/>
+      </p:nvGrpSpPr>
+      <p:grpSpPr>
+        <a:xfrm>
+          <a:off x="0" y="0"/>
+          <a:ext cx="0" cy="0"/>
+          <a:chOff x="0" y="0"/>
+          <a:chExt cx="0" cy="0"/>
+        </a:xfrm>
+      </p:grpSpPr>
+      <p:sp>
+        <p:nvSpPr>
+          <p:cNvPr id="2" name="标题 1"/>
+          <p:cNvSpPr>
+            <a:spLocks noGrp="1"/>
+          </p:cNvSpPr>
+          <p:nvPr>
+            <p:ph type="title"/>
+          </p:nvPr>
+        </p:nvSpPr>
+        <p:spPr/>
+        <p:txBody>
+          <a:bodyPr/>
+          <a:lstStyle/>
+          <a:p>
+            <a:r>
+              <a:rPr lang="en-US" altLang="zh-CN" dirty="0">
+                <a:solidFill>
+                  <a:srgbClr val="FFFF00"/>
+                </a:solidFill>
+              </a:rPr>
+              <a:t>Agent </a:t>
+            </a:r>
+            <a:r>
+              <a:rPr lang="en-US" altLang="zh-CN" dirty="0"/>
+              <a:t>and </a:t>
+            </a:r>
+            <a:r>
+              <a:rPr lang="en-US" altLang="zh-CN" dirty="0">
+                <a:solidFill>
+                  <a:srgbClr val="FFFF00"/>
+                </a:solidFill>
+              </a:rPr>
+              <a:t>Environment</a:t>
+            </a:r>
+            <a:endParaRPr lang="zh-CN" altLang="en-US" dirty="0"/>
+          </a:p>
+        </p:txBody>
+      </p:sp>
+      <p:pic>
+        <p:nvPicPr>
+          <p:cNvPr id="5" name="内容占位符 4"/>
+          <p:cNvPicPr>
+            <a:picLocks noGrp="1" noChangeAspect="1"/>
+          </p:cNvPicPr>
+          <p:nvPr>
+            <p:ph idx="1"/>
+          </p:nvPr>
+        </p:nvPicPr>
+        <p:blipFill>
+          <a:blip r:embed="rId2"/>
+          <a:stretch>
+            <a:fillRect/>
+          </a:stretch>
+        </p:blipFill>
+        <p:spPr>
+          <a:xfrm>
+            <a:off x="2055812" y="1981200"/>
+            <a:ext cx="4255332" cy="4114800"/>
+          </a:xfrm>
+          <a:prstGeom prst="rect">
+            <a:avLst/>
+          </a:prstGeom>
+        </p:spPr>
+      </p:pic>
+      <p:sp>
+        <p:nvSpPr>
+          <p:cNvPr id="6" name="文本框 5"/>
+          <p:cNvSpPr txBox="1"/>
+          <p:nvPr/>
+        </p:nvSpPr>
+        <p:spPr>
+          <a:xfrm>
+            <a:off x="6856412" y="1981200"/>
+            <a:ext cx="4114800" cy="3139321"/>
+          </a:xfrm>
+          <a:prstGeom prst="rect">
+            <a:avLst/>
+          </a:prstGeom>
+          <a:noFill/>
+        </p:spPr>
+        <p:txBody>
+          <a:bodyPr wrap="square" rtlCol="0">
+            <a:spAutoFit/>
+          </a:bodyPr>
+          <a:lstStyle/>
+          <a:p>
+            <a:r>
+              <a:rPr lang="en-US" altLang="zh-CN" dirty="0" smtClean="0"/>
+              <a:t>At each step the agent:</a:t>
+            </a:r>
+          </a:p>
+          <a:p>
+            <a:pPr marL="285750" indent="-285750">
+              <a:buFont typeface="Arial" panose="020B0604020202020204" pitchFamily="34" charset="0"/>
+              <a:buChar char="•"/>
+            </a:pPr>
+            <a:r>
+              <a:rPr lang="en-US" altLang="zh-CN" dirty="0" smtClean="0"/>
+              <a:t>Take an action A</a:t>
+            </a:r>
+            <a:r>
+              <a:rPr lang="en-US" altLang="zh-CN" sz="1200" dirty="0" smtClean="0"/>
+              <a:t>t</a:t>
+            </a:r>
+            <a:endParaRPr lang="en-US" altLang="zh-CN" dirty="0" smtClean="0"/>
+          </a:p>
+          <a:p>
+            <a:pPr marL="285750" indent="-285750">
+              <a:buFont typeface="Arial" panose="020B0604020202020204" pitchFamily="34" charset="0"/>
+              <a:buChar char="•"/>
+            </a:pPr>
+            <a:r>
+              <a:rPr lang="en-US" altLang="zh-CN" dirty="0" smtClean="0"/>
+              <a:t>Receives observation </a:t>
+            </a:r>
+            <a:r>
+              <a:rPr lang="en-US" altLang="zh-CN" dirty="0" err="1" smtClean="0"/>
+              <a:t>O</a:t>
+            </a:r>
+            <a:r>
+              <a:rPr lang="en-US" altLang="zh-CN" sz="1200" dirty="0" err="1" smtClean="0"/>
+              <a:t>t</a:t>
+            </a:r>
+            <a:endParaRPr lang="en-US" altLang="zh-CN" dirty="0" smtClean="0"/>
+          </a:p>
+          <a:p>
+            <a:pPr marL="285750" indent="-285750">
+              <a:buFont typeface="Arial" panose="020B0604020202020204" pitchFamily="34" charset="0"/>
+              <a:buChar char="•"/>
+            </a:pPr>
+            <a:r>
+              <a:rPr lang="en-US" altLang="zh-CN" dirty="0" smtClean="0"/>
+              <a:t>Receives Scalar Reward </a:t>
+            </a:r>
+            <a:r>
+              <a:rPr lang="en-US" altLang="zh-CN" dirty="0" err="1" smtClean="0"/>
+              <a:t>R</a:t>
+            </a:r>
+            <a:r>
+              <a:rPr lang="en-US" altLang="zh-CN" sz="1200" dirty="0" err="1" smtClean="0"/>
+              <a:t>t</a:t>
+            </a:r>
+            <a:endParaRPr lang="en-US" altLang="zh-CN" sz="1200" dirty="0" smtClean="0"/>
+          </a:p>
+          <a:p>
+            <a:pPr marL="285750" indent="-285750">
+              <a:buFont typeface="Arial" panose="020B0604020202020204" pitchFamily="34" charset="0"/>
+              <a:buChar char="•"/>
+            </a:pPr>
+            <a:endParaRPr lang="en-US" altLang="zh-CN" sz="1200" dirty="0"/>
+          </a:p>
+          <a:p>
+            <a:r>
+              <a:rPr lang="en-US" altLang="zh-CN" sz="1600" dirty="0"/>
+              <a:t>At each step the agent</a:t>
+            </a:r>
+            <a:r>
+              <a:rPr lang="en-US" altLang="zh-CN" sz="1600" dirty="0" smtClean="0"/>
+              <a:t>:</a:t>
+            </a:r>
+          </a:p>
+          <a:p>
+            <a:pPr marL="285750" indent="-285750">
+              <a:buFont typeface="Arial" panose="020B0604020202020204" pitchFamily="34" charset="0"/>
+              <a:buChar char="•"/>
+            </a:pPr>
+            <a:r>
+              <a:rPr lang="en-US" altLang="zh-CN" sz="1600" dirty="0" smtClean="0"/>
+              <a:t>Receives </a:t>
+            </a:r>
+            <a:r>
+              <a:rPr lang="en-US" altLang="zh-CN" sz="1600" dirty="0"/>
+              <a:t>an action A</a:t>
+            </a:r>
+            <a:r>
+              <a:rPr lang="en-US" altLang="zh-CN" sz="1100" dirty="0"/>
+              <a:t>t</a:t>
+            </a:r>
+            <a:endParaRPr lang="en-US" altLang="zh-CN" sz="1600" dirty="0"/>
+          </a:p>
+          <a:p>
+            <a:pPr marL="285750" indent="-285750">
+              <a:buFont typeface="Arial" panose="020B0604020202020204" pitchFamily="34" charset="0"/>
+              <a:buChar char="•"/>
+            </a:pPr>
+            <a:r>
+              <a:rPr lang="en-US" altLang="zh-CN" sz="1600" dirty="0" err="1" smtClean="0"/>
+              <a:t>Emmit</a:t>
+            </a:r>
+            <a:r>
+              <a:rPr lang="en-US" altLang="zh-CN" sz="1600" dirty="0" smtClean="0"/>
+              <a:t> </a:t>
+            </a:r>
+            <a:r>
+              <a:rPr lang="en-US" altLang="zh-CN" sz="1600" dirty="0"/>
+              <a:t>observation </a:t>
+            </a:r>
+            <a:r>
+              <a:rPr lang="en-US" altLang="zh-CN" sz="1600" dirty="0" err="1"/>
+              <a:t>O</a:t>
+            </a:r>
+            <a:r>
+              <a:rPr lang="en-US" altLang="zh-CN" sz="1100" dirty="0" err="1"/>
+              <a:t>t</a:t>
+            </a:r>
+            <a:endParaRPr lang="en-US" altLang="zh-CN" sz="1600" dirty="0"/>
+          </a:p>
+          <a:p>
+            <a:pPr marL="285750" indent="-285750">
+              <a:buFont typeface="Arial" panose="020B0604020202020204" pitchFamily="34" charset="0"/>
+              <a:buChar char="•"/>
+            </a:pPr>
+            <a:r>
+              <a:rPr lang="en-US" altLang="zh-CN" sz="1600" dirty="0" smtClean="0"/>
+              <a:t>Emits Scalar </a:t>
+            </a:r>
+            <a:r>
+              <a:rPr lang="en-US" altLang="zh-CN" sz="1600" dirty="0"/>
+              <a:t>Reward </a:t>
+            </a:r>
+            <a:r>
+              <a:rPr lang="en-US" altLang="zh-CN" sz="1600" dirty="0" err="1"/>
+              <a:t>R</a:t>
+            </a:r>
+            <a:r>
+              <a:rPr lang="en-US" altLang="zh-CN" sz="1100" dirty="0" err="1"/>
+              <a:t>t</a:t>
+            </a:r>
+            <a:endParaRPr lang="en-US" altLang="zh-CN" sz="1100" dirty="0"/>
+          </a:p>
+          <a:p>
+            <a:pPr marL="285750" indent="-285750">
+              <a:buFont typeface="Arial" panose="020B0604020202020204" pitchFamily="34" charset="0"/>
+              <a:buChar char="•"/>
+            </a:pPr>
+            <a:endParaRPr lang="en-US" altLang="zh-CN" sz="1100" dirty="0"/>
+          </a:p>
+          <a:p>
+            <a:pPr marL="285750" indent="-285750">
+              <a:buFont typeface="Arial" panose="020B0604020202020204" pitchFamily="34" charset="0"/>
+              <a:buChar char="•"/>
+            </a:pPr>
+            <a:endParaRPr lang="en-US" altLang="zh-CN" sz="1100" dirty="0" smtClean="0"/>
+          </a:p>
+          <a:p>
+            <a:pPr marL="285750" indent="-285750">
+              <a:buFont typeface="Arial" panose="020B0604020202020204" pitchFamily="34" charset="0"/>
+              <a:buChar char="•"/>
+            </a:pPr>
+            <a:endParaRPr lang="en-US" altLang="zh-CN" sz="1600" dirty="0" smtClean="0"/>
+          </a:p>
+          <a:p>
+            <a:pPr marL="285750" indent="-285750">
+              <a:buFont typeface="Arial" panose="020B0604020202020204" pitchFamily="34" charset="0"/>
+              <a:buChar char="•"/>
+            </a:pPr>
+            <a:endParaRPr lang="en-US" altLang="zh-CN" sz="1200" dirty="0" smtClean="0"/>
+          </a:p>
+        </p:txBody>
+      </p:sp>
+    </p:spTree>
+    <p:extLst>
+      <p:ext uri="{BB962C8B-B14F-4D97-AF65-F5344CB8AC3E}">
+        <p14:creationId xmlns:p14="http://schemas.microsoft.com/office/powerpoint/2010/main" val="3148402421"/>
+      </p:ext>
+    </p:extLst>
+  </p:cSld>
+  <p:clrMapOvr>
+    <a:masterClrMapping/>
+  </p:clrMapOvr>
+  <mc:AlternateContent xmlns:mc="http://schemas.openxmlformats.org/markup-compatibility/2006" xmlns:p14="http://schemas.microsoft.com/office/powerpoint/2010/main">
+    <mc:Choice Requires="p14">
+      <p:transition spd="med" p14:dur="700">
+        <p:fade/>
+      </p:transition>
+    </mc:Choice>
+    <mc:Fallback xmlns="">
+      <p:transition spd="med">
+        <p:fade/>
+      </p:transition>
+    </mc:Fallback>
+  </mc:AlternateContent>
+  <p:timing>
+    <p:tnLst>
+      <p:par>
+        <p:cTn id="1" dur="indefinite" restart="never" nodeType="tmRoot"/>
+      </p:par>
+    </p:tnLst>
+  </p:timing>
+</p:sld>
+</file>
+
+<file path=ppt/slides/slide16.xml><?xml version="1.0" encoding="utf-8"?>
+<p:sld xmlns:a="http://schemas.openxmlformats.org/drawingml/2006/main" xmlns:r="http://schemas.openxmlformats.org/officeDocument/2006/relationships" xmlns:p="http://schemas.openxmlformats.org/presentationml/2006/main">
+  <p:cSld>
+    <p:spTree>
+      <p:nvGrpSpPr>
+        <p:cNvPr id="1" name=""/>
+        <p:cNvGrpSpPr/>
+        <p:nvPr/>
+      </p:nvGrpSpPr>
+      <p:grpSpPr>
+        <a:xfrm>
+          <a:off x="0" y="0"/>
+          <a:ext cx="0" cy="0"/>
+          <a:chOff x="0" y="0"/>
+          <a:chExt cx="0" cy="0"/>
+        </a:xfrm>
+      </p:grpSpPr>
+      <p:sp>
+        <p:nvSpPr>
+          <p:cNvPr id="2" name="标题 1"/>
+          <p:cNvSpPr>
+            <a:spLocks noGrp="1"/>
+          </p:cNvSpPr>
+          <p:nvPr>
+            <p:ph type="title"/>
+          </p:nvPr>
+        </p:nvSpPr>
+        <p:spPr/>
+        <p:txBody>
+          <a:bodyPr/>
+          <a:lstStyle/>
+          <a:p>
+            <a:r>
+              <a:rPr lang="en-US" altLang="zh-CN" dirty="0">
+                <a:solidFill>
+                  <a:srgbClr val="FFFF00"/>
+                </a:solidFill>
+              </a:rPr>
+              <a:t>Agent </a:t>
+            </a:r>
+            <a:r>
+              <a:rPr lang="en-US" altLang="zh-CN" dirty="0"/>
+              <a:t>and </a:t>
+            </a:r>
+            <a:r>
+              <a:rPr lang="en-US" altLang="zh-CN" dirty="0">
+                <a:solidFill>
+                  <a:srgbClr val="FFFF00"/>
+                </a:solidFill>
+              </a:rPr>
+              <a:t>Environment</a:t>
+            </a:r>
+            <a:endParaRPr lang="zh-CN" altLang="en-US" dirty="0"/>
+          </a:p>
+        </p:txBody>
+      </p:sp>
+      <p:sp>
+        <p:nvSpPr>
+          <p:cNvPr id="6" name="文本框 5"/>
+          <p:cNvSpPr txBox="1"/>
+          <p:nvPr/>
+        </p:nvSpPr>
+        <p:spPr>
+          <a:xfrm>
+            <a:off x="6856412" y="1981200"/>
+            <a:ext cx="4114800" cy="3139321"/>
+          </a:xfrm>
+          <a:prstGeom prst="rect">
+            <a:avLst/>
+          </a:prstGeom>
+          <a:noFill/>
+        </p:spPr>
+        <p:txBody>
+          <a:bodyPr wrap="square" rtlCol="0">
+            <a:spAutoFit/>
+          </a:bodyPr>
+          <a:lstStyle/>
+          <a:p>
+            <a:r>
+              <a:rPr lang="en-US" altLang="zh-CN" dirty="0" smtClean="0"/>
+              <a:t>At each step the agent:</a:t>
+            </a:r>
+          </a:p>
+          <a:p>
+            <a:pPr marL="285750" indent="-285750">
+              <a:buFont typeface="Arial" panose="020B0604020202020204" pitchFamily="34" charset="0"/>
+              <a:buChar char="•"/>
+            </a:pPr>
+            <a:r>
+              <a:rPr lang="en-US" altLang="zh-CN" dirty="0" smtClean="0"/>
+              <a:t>Take an action A</a:t>
+            </a:r>
+            <a:r>
+              <a:rPr lang="en-US" altLang="zh-CN" sz="1200" dirty="0" smtClean="0"/>
+              <a:t>t</a:t>
+            </a:r>
+            <a:endParaRPr lang="en-US" altLang="zh-CN" dirty="0" smtClean="0"/>
+          </a:p>
+          <a:p>
+            <a:pPr marL="285750" indent="-285750">
+              <a:buFont typeface="Arial" panose="020B0604020202020204" pitchFamily="34" charset="0"/>
+              <a:buChar char="•"/>
+            </a:pPr>
+            <a:r>
+              <a:rPr lang="en-US" altLang="zh-CN" dirty="0" smtClean="0"/>
+              <a:t>Receives observation </a:t>
+            </a:r>
+            <a:r>
+              <a:rPr lang="en-US" altLang="zh-CN" dirty="0" err="1" smtClean="0"/>
+              <a:t>O</a:t>
+            </a:r>
+            <a:r>
+              <a:rPr lang="en-US" altLang="zh-CN" sz="1200" dirty="0" err="1" smtClean="0"/>
+              <a:t>t</a:t>
+            </a:r>
+            <a:endParaRPr lang="en-US" altLang="zh-CN" dirty="0" smtClean="0"/>
+          </a:p>
+          <a:p>
+            <a:pPr marL="285750" indent="-285750">
+              <a:buFont typeface="Arial" panose="020B0604020202020204" pitchFamily="34" charset="0"/>
+              <a:buChar char="•"/>
+            </a:pPr>
+            <a:r>
+              <a:rPr lang="en-US" altLang="zh-CN" dirty="0" smtClean="0"/>
+              <a:t>Receives Scalar Reward </a:t>
+            </a:r>
+            <a:r>
+              <a:rPr lang="en-US" altLang="zh-CN" dirty="0" err="1" smtClean="0"/>
+              <a:t>R</a:t>
+            </a:r>
+            <a:r>
+              <a:rPr lang="en-US" altLang="zh-CN" sz="1200" dirty="0" err="1" smtClean="0"/>
+              <a:t>t</a:t>
+            </a:r>
+            <a:endParaRPr lang="en-US" altLang="zh-CN" sz="1200" dirty="0" smtClean="0"/>
+          </a:p>
+          <a:p>
+            <a:pPr marL="285750" indent="-285750">
+              <a:buFont typeface="Arial" panose="020B0604020202020204" pitchFamily="34" charset="0"/>
+              <a:buChar char="•"/>
+            </a:pPr>
+            <a:endParaRPr lang="en-US" altLang="zh-CN" sz="1200" dirty="0"/>
+          </a:p>
+          <a:p>
+            <a:r>
+              <a:rPr lang="en-US" altLang="zh-CN" sz="1600" dirty="0"/>
+              <a:t>At each step the agent</a:t>
+            </a:r>
+            <a:r>
+              <a:rPr lang="en-US" altLang="zh-CN" sz="1600" dirty="0" smtClean="0"/>
+              <a:t>:</a:t>
+            </a:r>
+          </a:p>
+          <a:p>
+            <a:pPr marL="285750" indent="-285750">
+              <a:buFont typeface="Arial" panose="020B0604020202020204" pitchFamily="34" charset="0"/>
+              <a:buChar char="•"/>
+            </a:pPr>
+            <a:r>
+              <a:rPr lang="en-US" altLang="zh-CN" sz="1600" dirty="0" smtClean="0"/>
+              <a:t>Receives </a:t>
+            </a:r>
+            <a:r>
+              <a:rPr lang="en-US" altLang="zh-CN" sz="1600" dirty="0"/>
+              <a:t>an action A</a:t>
+            </a:r>
+            <a:r>
+              <a:rPr lang="en-US" altLang="zh-CN" sz="1100" dirty="0"/>
+              <a:t>t</a:t>
+            </a:r>
+            <a:endParaRPr lang="en-US" altLang="zh-CN" sz="1600" dirty="0"/>
+          </a:p>
+          <a:p>
+            <a:pPr marL="285750" indent="-285750">
+              <a:buFont typeface="Arial" panose="020B0604020202020204" pitchFamily="34" charset="0"/>
+              <a:buChar char="•"/>
+            </a:pPr>
+            <a:r>
+              <a:rPr lang="en-US" altLang="zh-CN" sz="1600" dirty="0" err="1" smtClean="0"/>
+              <a:t>Emmit</a:t>
+            </a:r>
+            <a:r>
+              <a:rPr lang="en-US" altLang="zh-CN" sz="1600" dirty="0" smtClean="0"/>
+              <a:t> </a:t>
+            </a:r>
+            <a:r>
+              <a:rPr lang="en-US" altLang="zh-CN" sz="1600" dirty="0"/>
+              <a:t>observation </a:t>
+            </a:r>
+            <a:r>
+              <a:rPr lang="en-US" altLang="zh-CN" sz="1600" dirty="0" err="1"/>
+              <a:t>O</a:t>
+            </a:r>
+            <a:r>
+              <a:rPr lang="en-US" altLang="zh-CN" sz="1100" dirty="0" err="1"/>
+              <a:t>t</a:t>
+            </a:r>
+            <a:endParaRPr lang="en-US" altLang="zh-CN" sz="1600" dirty="0"/>
+          </a:p>
+          <a:p>
+            <a:pPr marL="285750" indent="-285750">
+              <a:buFont typeface="Arial" panose="020B0604020202020204" pitchFamily="34" charset="0"/>
+              <a:buChar char="•"/>
+            </a:pPr>
+            <a:r>
+              <a:rPr lang="en-US" altLang="zh-CN" sz="1600" dirty="0" smtClean="0"/>
+              <a:t>Emits Scalar </a:t>
+            </a:r>
+            <a:r>
+              <a:rPr lang="en-US" altLang="zh-CN" sz="1600" dirty="0"/>
+              <a:t>Reward </a:t>
+            </a:r>
+            <a:r>
+              <a:rPr lang="en-US" altLang="zh-CN" sz="1600" dirty="0" err="1"/>
+              <a:t>R</a:t>
+            </a:r>
+            <a:r>
+              <a:rPr lang="en-US" altLang="zh-CN" sz="1100" dirty="0" err="1"/>
+              <a:t>t</a:t>
+            </a:r>
+            <a:endParaRPr lang="en-US" altLang="zh-CN" sz="1100" dirty="0"/>
+          </a:p>
+          <a:p>
+            <a:pPr marL="285750" indent="-285750">
+              <a:buFont typeface="Arial" panose="020B0604020202020204" pitchFamily="34" charset="0"/>
+              <a:buChar char="•"/>
+            </a:pPr>
+            <a:endParaRPr lang="en-US" altLang="zh-CN" sz="1100" dirty="0"/>
+          </a:p>
+          <a:p>
+            <a:pPr marL="285750" indent="-285750">
+              <a:buFont typeface="Arial" panose="020B0604020202020204" pitchFamily="34" charset="0"/>
+              <a:buChar char="•"/>
+            </a:pPr>
+            <a:endParaRPr lang="en-US" altLang="zh-CN" sz="1100" dirty="0" smtClean="0"/>
+          </a:p>
+          <a:p>
+            <a:pPr marL="285750" indent="-285750">
+              <a:buFont typeface="Arial" panose="020B0604020202020204" pitchFamily="34" charset="0"/>
+              <a:buChar char="•"/>
+            </a:pPr>
+            <a:endParaRPr lang="en-US" altLang="zh-CN" sz="1600" dirty="0" smtClean="0"/>
+          </a:p>
+          <a:p>
+            <a:pPr marL="285750" indent="-285750">
+              <a:buFont typeface="Arial" panose="020B0604020202020204" pitchFamily="34" charset="0"/>
+              <a:buChar char="•"/>
+            </a:pPr>
+            <a:endParaRPr lang="en-US" altLang="zh-CN" sz="1200" dirty="0" smtClean="0"/>
+          </a:p>
+        </p:txBody>
+      </p:sp>
+      <p:sp>
+        <p:nvSpPr>
+          <p:cNvPr id="3" name="内容占位符 2"/>
+          <p:cNvSpPr>
+            <a:spLocks noGrp="1"/>
+          </p:cNvSpPr>
+          <p:nvPr>
+            <p:ph idx="1"/>
+          </p:nvPr>
+        </p:nvSpPr>
+        <p:spPr/>
+        <p:txBody>
+          <a:bodyPr/>
+          <a:lstStyle/>
+          <a:p>
+            <a:endParaRPr lang="zh-CN" altLang="en-US"/>
+          </a:p>
+        </p:txBody>
+      </p:sp>
+      <p:pic>
+        <p:nvPicPr>
+          <p:cNvPr id="4" name="图片 3"/>
+          <p:cNvPicPr>
+            <a:picLocks noChangeAspect="1"/>
+          </p:cNvPicPr>
+          <p:nvPr/>
+        </p:nvPicPr>
+        <p:blipFill>
+          <a:blip r:embed="rId2"/>
+          <a:stretch>
+            <a:fillRect/>
+          </a:stretch>
+        </p:blipFill>
+        <p:spPr>
+          <a:xfrm>
+            <a:off x="2513012" y="2286000"/>
+            <a:ext cx="3886200" cy="3745547"/>
+          </a:xfrm>
+          <a:prstGeom prst="rect">
+            <a:avLst/>
+          </a:prstGeom>
+        </p:spPr>
+      </p:pic>
+    </p:spTree>
+    <p:extLst>
+      <p:ext uri="{BB962C8B-B14F-4D97-AF65-F5344CB8AC3E}">
+        <p14:creationId xmlns:p14="http://schemas.microsoft.com/office/powerpoint/2010/main" val="3557768410"/>
+      </p:ext>
+    </p:extLst>
+  </p:cSld>
+  <p:clrMapOvr>
+    <a:masterClrMapping/>
+  </p:clrMapOvr>
+  <mc:AlternateContent xmlns:mc="http://schemas.openxmlformats.org/markup-compatibility/2006" xmlns:p14="http://schemas.microsoft.com/office/powerpoint/2010/main">
+    <mc:Choice Requires="p14">
+      <p:transition spd="med" p14:dur="700">
+        <p:fade/>
+      </p:transition>
+    </mc:Choice>
+    <mc:Fallback xmlns="">
+      <p:transition spd="med">
+        <p:fade/>
+      </p:transition>
+    </mc:Fallback>
+  </mc:AlternateContent>
+  <p:timing>
+    <p:tnLst>
+      <p:par>
+        <p:cTn id="1" dur="indefinite" restart="never" nodeType="tmRoot"/>
+      </p:par>
+    </p:tnLst>
+  </p:timing>
+</p:sld>
+</file>
+
+<file path=ppt/slides/slide17.xml><?xml version="1.0" encoding="utf-8"?>
 <p:sld xmlns:a="http://schemas.openxmlformats.org/drawingml/2006/main" xmlns:r="http://schemas.openxmlformats.org/officeDocument/2006/relationships" xmlns:p="http://schemas.openxmlformats.org/presentationml/2006/main">
   <p:cSld>
     <p:spTree>
@@ -9735,6 +5922,13 @@
       </p:transition>
     </mc:Fallback>
   </mc:AlternateContent>
+  <p:timing>
+    <p:tnLst>
+      <p:par>
+        <p:cTn id="1" dur="indefinite" restart="never" nodeType="tmRoot"/>
+      </p:par>
+    </p:tnLst>
+  </p:timing>
 </p:sld>
 </file>
 
@@ -10312,18 +6506,20 @@
             <p:ph type="title"/>
           </p:nvPr>
         </p:nvSpPr>
-        <p:spPr/>
+        <p:spPr>
+          <a:xfrm>
+            <a:off x="1522413" y="381000"/>
+            <a:ext cx="9144001" cy="762000"/>
+          </a:xfrm>
+        </p:spPr>
         <p:txBody>
           <a:bodyPr rtlCol="0"/>
           <a:lstStyle/>
           <a:p>
             <a:pPr rtl="0"/>
             <a:r>
-              <a:rPr lang="zh-CN">
-                <a:latin typeface="微软雅黑" panose="020B0503020204020204" pitchFamily="34" charset="-122"/>
-                <a:ea typeface="微软雅黑" panose="020B0503020204020204" pitchFamily="34" charset="-122"/>
-              </a:rPr>
-              <a:t>标题和包含图表的内容布局</a:t>
+              <a:rPr lang="en-US" dirty="0" smtClean="0"/>
+              <a:t>About Reinforcement Learning</a:t>
             </a:r>
             <a:endParaRPr lang="en-US" dirty="0">
               <a:latin typeface="微软雅黑" panose="020B0503020204020204" pitchFamily="34" charset="-122"/>
@@ -10332,35 +6528,34 @@
           </a:p>
         </p:txBody>
       </p:sp>
-      <p:graphicFrame>
-        <p:nvGraphicFramePr>
-          <p:cNvPr id="6" name="内容占位符 5" descr="簇状柱形图 – 折线图组合图表" title="图表"/>
-          <p:cNvGraphicFramePr>
-            <a:graphicFrameLocks noGrp="1"/>
-          </p:cNvGraphicFramePr>
-          <p:nvPr>
-            <p:ph idx="1"/>
-            <p:extLst>
-              <p:ext uri="{D42A27DB-BD31-4B8C-83A1-F6EECF244321}">
-                <p14:modId xmlns:p14="http://schemas.microsoft.com/office/powerpoint/2010/main" val="3839232177"/>
-              </p:ext>
-            </p:extLst>
-          </p:nvPr>
-        </p:nvGraphicFramePr>
-        <p:xfrm>
-          <a:off x="1522413" y="1905000"/>
-          <a:ext cx="9134475" cy="4114800"/>
-        </p:xfrm>
-        <a:graphic>
-          <a:graphicData uri="http://schemas.openxmlformats.org/drawingml/2006/chart">
-            <c:chart xmlns:c="http://schemas.openxmlformats.org/drawingml/2006/chart" xmlns:r="http://schemas.openxmlformats.org/officeDocument/2006/relationships" r:id="rId2"/>
-          </a:graphicData>
-        </a:graphic>
-      </p:graphicFrame>
+      <p:pic>
+        <p:nvPicPr>
+          <p:cNvPr id="4" name="图片 3"/>
+          <p:cNvPicPr>
+            <a:picLocks noChangeAspect="1"/>
+          </p:cNvPicPr>
+          <p:nvPr/>
+        </p:nvPicPr>
+        <p:blipFill>
+          <a:blip r:embed="rId2"/>
+          <a:stretch>
+            <a:fillRect/>
+          </a:stretch>
+        </p:blipFill>
+        <p:spPr>
+          <a:xfrm>
+            <a:off x="3198812" y="1371600"/>
+            <a:ext cx="5114925" cy="5133975"/>
+          </a:xfrm>
+          <a:prstGeom prst="rect">
+            <a:avLst/>
+          </a:prstGeom>
+        </p:spPr>
+      </p:pic>
     </p:spTree>
     <p:extLst>
       <p:ext uri="{BB962C8B-B14F-4D97-AF65-F5344CB8AC3E}">
-        <p14:creationId xmlns:p14="http://schemas.microsoft.com/office/powerpoint/2010/main" val="3106206852"/>
+        <p14:creationId xmlns:p14="http://schemas.microsoft.com/office/powerpoint/2010/main" val="1063084096"/>
       </p:ext>
     </p:extLst>
   </p:cSld>
@@ -10408,7 +6603,7 @@
       </p:grpSpPr>
       <p:sp>
         <p:nvSpPr>
-          <p:cNvPr id="2" name="标题 1"/>
+          <p:cNvPr id="13" name="标题 12"/>
           <p:cNvSpPr>
             <a:spLocks noGrp="1"/>
           </p:cNvSpPr>
@@ -10416,18 +6611,25 @@
             <p:ph type="title"/>
           </p:nvPr>
         </p:nvSpPr>
-        <p:spPr/>
-        <p:txBody>
-          <a:bodyPr rtlCol="0"/>
+        <p:spPr>
+          <a:xfrm>
+            <a:off x="1522413" y="381000"/>
+            <a:ext cx="9144001" cy="762000"/>
+          </a:xfrm>
+        </p:spPr>
+        <p:txBody>
+          <a:bodyPr rtlCol="0">
+            <a:normAutofit/>
+          </a:bodyPr>
           <a:lstStyle/>
           <a:p>
-            <a:pPr rtl="0"/>
-            <a:r>
-              <a:rPr lang="zh-CN" dirty="0">
-                <a:latin typeface="微软雅黑" panose="020B0503020204020204" pitchFamily="34" charset="-122"/>
-                <a:ea typeface="微软雅黑" panose="020B0503020204020204" pitchFamily="34" charset="-122"/>
-              </a:rPr>
-              <a:t>包含表格的两栏内容布局</a:t>
+            <a:r>
+              <a:rPr lang="en-US" altLang="zh-CN" dirty="0"/>
+              <a:t>About Reinforcement </a:t>
+            </a:r>
+            <a:r>
+              <a:rPr lang="en-US" altLang="zh-CN" dirty="0" smtClean="0"/>
+              <a:t>Learning</a:t>
             </a:r>
             <a:endParaRPr lang="en-US" dirty="0">
               <a:latin typeface="微软雅黑" panose="020B0503020204020204" pitchFamily="34" charset="-122"/>
@@ -10438,7 +6640,7 @@
       </p:sp>
       <p:sp>
         <p:nvSpPr>
-          <p:cNvPr id="3" name="内容占位符 2"/>
+          <p:cNvPr id="6" name="内容占位符 2"/>
           <p:cNvSpPr>
             <a:spLocks noGrp="1"/>
           </p:cNvSpPr>
@@ -10446,375 +6648,95 @@
             <p:ph sz="half" idx="1"/>
           </p:nvPr>
         </p:nvSpPr>
-        <p:spPr/>
-        <p:txBody>
-          <a:bodyPr rtlCol="0"/>
+        <p:spPr>
+          <a:xfrm>
+            <a:off x="1522413" y="1600200"/>
+            <a:ext cx="8686799" cy="4114800"/>
+          </a:xfrm>
+        </p:spPr>
+        <p:txBody>
+          <a:bodyPr rtlCol="0">
+            <a:normAutofit/>
+          </a:bodyPr>
           <a:lstStyle/>
           <a:p>
-            <a:pPr rtl="0"/>
-            <a:r>
-              <a:rPr lang="zh-CN" dirty="0">
+            <a:r>
+              <a:rPr lang="en-US" altLang="zh-CN" dirty="0"/>
+              <a:t>What is Reinforcement Learning </a:t>
+            </a:r>
+            <a:r>
+              <a:rPr lang="en-US" altLang="zh-CN" dirty="0" smtClean="0"/>
+              <a:t>different?</a:t>
+            </a:r>
+          </a:p>
+          <a:p>
+            <a:endParaRPr lang="en-US" altLang="zh-CN" dirty="0" smtClean="0">
+              <a:latin typeface="微软雅黑" panose="020B0503020204020204" pitchFamily="34" charset="-122"/>
+              <a:ea typeface="微软雅黑" panose="020B0503020204020204" pitchFamily="34" charset="-122"/>
+            </a:endParaRPr>
+          </a:p>
+          <a:p>
+            <a:pPr lvl="1"/>
+            <a:r>
+              <a:rPr lang="en-US" altLang="zh-CN" dirty="0" smtClean="0">
                 <a:latin typeface="微软雅黑" panose="020B0503020204020204" pitchFamily="34" charset="-122"/>
                 <a:ea typeface="微软雅黑" panose="020B0503020204020204" pitchFamily="34" charset="-122"/>
               </a:rPr>
-              <a:t>此处是第一个项目要点</a:t>
-            </a:r>
-          </a:p>
-          <a:p>
-            <a:pPr rtl="0"/>
-            <a:r>
-              <a:rPr lang="zh-CN" dirty="0">
+              <a:t>There is no supervisor, only a reward signal.</a:t>
+            </a:r>
+          </a:p>
+          <a:p>
+            <a:pPr lvl="1"/>
+            <a:endParaRPr lang="zh-CN" dirty="0">
+              <a:latin typeface="微软雅黑" panose="020B0503020204020204" pitchFamily="34" charset="-122"/>
+              <a:ea typeface="微软雅黑" panose="020B0503020204020204" pitchFamily="34" charset="-122"/>
+            </a:endParaRPr>
+          </a:p>
+          <a:p>
+            <a:pPr lvl="1"/>
+            <a:r>
+              <a:rPr lang="en-US" altLang="zh-CN" dirty="0" smtClean="0">
                 <a:latin typeface="微软雅黑" panose="020B0503020204020204" pitchFamily="34" charset="-122"/>
                 <a:ea typeface="微软雅黑" panose="020B0503020204020204" pitchFamily="34" charset="-122"/>
               </a:rPr>
-              <a:t>此处是第二个项目要点</a:t>
-            </a:r>
-          </a:p>
-          <a:p>
-            <a:pPr rtl="0"/>
-            <a:r>
-              <a:rPr lang="zh-CN" dirty="0">
-                <a:latin typeface="微软雅黑" panose="020B0503020204020204" pitchFamily="34" charset="-122"/>
-                <a:ea typeface="微软雅黑" panose="020B0503020204020204" pitchFamily="34" charset="-122"/>
-              </a:rPr>
-              <a:t>此处是第三个项目要点</a:t>
-            </a:r>
+              <a:t>Feedback is delayed, not instantaneous.</a:t>
+            </a:r>
+          </a:p>
+          <a:p>
+            <a:pPr lvl="1"/>
+            <a:endParaRPr lang="en-US" dirty="0"/>
+          </a:p>
+          <a:p>
+            <a:pPr lvl="1"/>
+            <a:r>
+              <a:rPr lang="en-US" dirty="0" smtClean="0"/>
+              <a:t>Time really matter, (sequence of data it receives)</a:t>
+            </a:r>
+          </a:p>
+          <a:p>
+            <a:pPr lvl="1"/>
             <a:endParaRPr lang="en-US" dirty="0">
               <a:latin typeface="微软雅黑" panose="020B0503020204020204" pitchFamily="34" charset="-122"/>
               <a:ea typeface="微软雅黑" panose="020B0503020204020204" pitchFamily="34" charset="-122"/>
             </a:endParaRPr>
           </a:p>
-        </p:txBody>
-      </p:sp>
-      <p:graphicFrame>
-        <p:nvGraphicFramePr>
-          <p:cNvPr id="9" name="内容占位符 8" descr="示例表格（包含 3 列和 4 行）" title="表格"/>
-          <p:cNvGraphicFramePr>
-            <a:graphicFrameLocks noGrp="1"/>
-          </p:cNvGraphicFramePr>
-          <p:nvPr>
-            <p:ph sz="half" idx="2"/>
-            <p:extLst>
-              <p:ext uri="{D42A27DB-BD31-4B8C-83A1-F6EECF244321}">
-                <p14:modId xmlns:p14="http://schemas.microsoft.com/office/powerpoint/2010/main" val="1350454657"/>
-              </p:ext>
-            </p:extLst>
-          </p:nvPr>
-        </p:nvGraphicFramePr>
-        <p:xfrm>
-          <a:off x="6229350" y="1905000"/>
-          <a:ext cx="4419600" cy="2057400"/>
-        </p:xfrm>
-        <a:graphic>
-          <a:graphicData uri="http://schemas.openxmlformats.org/drawingml/2006/table">
-            <a:tbl>
-              <a:tblPr firstRow="1" bandRow="1">
-                <a:tableStyleId>{5C22544A-7EE6-4342-B048-85BDC9FD1C3A}</a:tableStyleId>
-              </a:tblPr>
-              <a:tblGrid>
-                <a:gridCol w="1473200">
-                  <a:extLst>
-                    <a:ext uri="{9D8B030D-6E8A-4147-A177-3AD203B41FA5}">
-                      <a16:colId xmlns:a16="http://schemas.microsoft.com/office/drawing/2014/main" xmlns="" val="20000"/>
-                    </a:ext>
-                  </a:extLst>
-                </a:gridCol>
-                <a:gridCol w="1473200">
-                  <a:extLst>
-                    <a:ext uri="{9D8B030D-6E8A-4147-A177-3AD203B41FA5}">
-                      <a16:colId xmlns:a16="http://schemas.microsoft.com/office/drawing/2014/main" xmlns="" val="20001"/>
-                    </a:ext>
-                  </a:extLst>
-                </a:gridCol>
-                <a:gridCol w="1473200">
-                  <a:extLst>
-                    <a:ext uri="{9D8B030D-6E8A-4147-A177-3AD203B41FA5}">
-                      <a16:colId xmlns:a16="http://schemas.microsoft.com/office/drawing/2014/main" xmlns="" val="20002"/>
-                    </a:ext>
-                  </a:extLst>
-                </a:gridCol>
-              </a:tblGrid>
-              <a:tr h="514350">
-                <a:tc>
-                  <a:txBody>
-                    <a:bodyPr/>
-                    <a:lstStyle/>
-                    <a:p>
-                      <a:pPr rtl="0"/>
-                      <a:endParaRPr lang="en-US" dirty="0">
-                        <a:latin typeface="微软雅黑" panose="020B0503020204020204" pitchFamily="34" charset="-122"/>
-                        <a:ea typeface="微软雅黑" panose="020B0503020204020204" pitchFamily="34" charset="-122"/>
-                      </a:endParaRPr>
-                    </a:p>
-                  </a:txBody>
-                  <a:tcPr anchor="ctr"/>
-                </a:tc>
-                <a:tc>
-                  <a:txBody>
-                    <a:bodyPr/>
-                    <a:lstStyle/>
-                    <a:p>
-                      <a:pPr algn="ctr" rtl="0"/>
-                      <a:r>
-                        <a:rPr lang="zh-CN">
-                          <a:latin typeface="微软雅黑" panose="020B0503020204020204" pitchFamily="34" charset="-122"/>
-                          <a:ea typeface="微软雅黑" panose="020B0503020204020204" pitchFamily="34" charset="-122"/>
-                        </a:rPr>
-                        <a:t>组 1</a:t>
-                      </a:r>
-                      <a:endParaRPr lang="en-US" dirty="0">
-                        <a:latin typeface="微软雅黑" panose="020B0503020204020204" pitchFamily="34" charset="-122"/>
-                        <a:ea typeface="微软雅黑" panose="020B0503020204020204" pitchFamily="34" charset="-122"/>
-                      </a:endParaRPr>
-                    </a:p>
-                  </a:txBody>
-                  <a:tcPr anchor="ctr"/>
-                </a:tc>
-                <a:tc>
-                  <a:txBody>
-                    <a:bodyPr/>
-                    <a:lstStyle/>
-                    <a:p>
-                      <a:pPr algn="ctr" rtl="0"/>
-                      <a:r>
-                        <a:rPr lang="zh-CN">
-                          <a:latin typeface="微软雅黑" panose="020B0503020204020204" pitchFamily="34" charset="-122"/>
-                          <a:ea typeface="微软雅黑" panose="020B0503020204020204" pitchFamily="34" charset="-122"/>
-                        </a:rPr>
-                        <a:t>组 2</a:t>
-                      </a:r>
-                      <a:endParaRPr lang="en-US" dirty="0">
-                        <a:latin typeface="微软雅黑" panose="020B0503020204020204" pitchFamily="34" charset="-122"/>
-                        <a:ea typeface="微软雅黑" panose="020B0503020204020204" pitchFamily="34" charset="-122"/>
-                      </a:endParaRPr>
-                    </a:p>
-                  </a:txBody>
-                  <a:tcPr anchor="ctr"/>
-                </a:tc>
-                <a:extLst>
-                  <a:ext uri="{0D108BD9-81ED-4DB2-BD59-A6C34878D82A}">
-                    <a16:rowId xmlns:a16="http://schemas.microsoft.com/office/drawing/2014/main" xmlns="" val="10000"/>
-                  </a:ext>
-                </a:extLst>
-              </a:tr>
-              <a:tr h="514350">
-                <a:tc>
-                  <a:txBody>
-                    <a:bodyPr/>
-                    <a:lstStyle/>
-                    <a:p>
-                      <a:pPr rtl="0"/>
-                      <a:r>
-                        <a:rPr lang="zh-CN" dirty="0">
-                          <a:latin typeface="微软雅黑" panose="020B0503020204020204" pitchFamily="34" charset="-122"/>
-                          <a:ea typeface="微软雅黑" panose="020B0503020204020204" pitchFamily="34" charset="-122"/>
-                        </a:rPr>
-                        <a:t>类 1</a:t>
-                      </a:r>
-                      <a:endParaRPr lang="en-US" dirty="0">
-                        <a:latin typeface="微软雅黑" panose="020B0503020204020204" pitchFamily="34" charset="-122"/>
-                        <a:ea typeface="微软雅黑" panose="020B0503020204020204" pitchFamily="34" charset="-122"/>
-                      </a:endParaRPr>
-                    </a:p>
-                  </a:txBody>
-                  <a:tcPr anchor="ctr"/>
-                </a:tc>
-                <a:tc>
-                  <a:txBody>
-                    <a:bodyPr/>
-                    <a:lstStyle/>
-                    <a:p>
-                      <a:pPr algn="ctr" rtl="0"/>
-                      <a:r>
-                        <a:rPr lang="zh-CN" dirty="0">
-                          <a:latin typeface="微软雅黑" panose="020B0503020204020204" pitchFamily="34" charset="-122"/>
-                          <a:ea typeface="微软雅黑" panose="020B0503020204020204" pitchFamily="34" charset="-122"/>
-                        </a:rPr>
-                        <a:t>82</a:t>
-                      </a:r>
-                      <a:endParaRPr lang="en-US" dirty="0">
-                        <a:latin typeface="微软雅黑" panose="020B0503020204020204" pitchFamily="34" charset="-122"/>
-                        <a:ea typeface="微软雅黑" panose="020B0503020204020204" pitchFamily="34" charset="-122"/>
-                      </a:endParaRPr>
-                    </a:p>
-                  </a:txBody>
-                  <a:tcPr anchor="ctr"/>
-                </a:tc>
-                <a:tc>
-                  <a:txBody>
-                    <a:bodyPr/>
-                    <a:lstStyle/>
-                    <a:p>
-                      <a:pPr algn="ctr" rtl="0"/>
-                      <a:r>
-                        <a:rPr lang="zh-CN">
-                          <a:latin typeface="微软雅黑" panose="020B0503020204020204" pitchFamily="34" charset="-122"/>
-                          <a:ea typeface="微软雅黑" panose="020B0503020204020204" pitchFamily="34" charset="-122"/>
-                        </a:rPr>
-                        <a:t>95</a:t>
-                      </a:r>
-                      <a:endParaRPr lang="en-US" dirty="0">
-                        <a:latin typeface="微软雅黑" panose="020B0503020204020204" pitchFamily="34" charset="-122"/>
-                        <a:ea typeface="微软雅黑" panose="020B0503020204020204" pitchFamily="34" charset="-122"/>
-                      </a:endParaRPr>
-                    </a:p>
-                  </a:txBody>
-                  <a:tcPr anchor="ctr"/>
-                </a:tc>
-                <a:extLst>
-                  <a:ext uri="{0D108BD9-81ED-4DB2-BD59-A6C34878D82A}">
-                    <a16:rowId xmlns:a16="http://schemas.microsoft.com/office/drawing/2014/main" xmlns="" val="10001"/>
-                  </a:ext>
-                </a:extLst>
-              </a:tr>
-              <a:tr h="514350">
-                <a:tc>
-                  <a:txBody>
-                    <a:bodyPr/>
-                    <a:lstStyle/>
-                    <a:p>
-                      <a:pPr rtl="0"/>
-                      <a:r>
-                        <a:rPr lang="zh-CN" dirty="0">
-                          <a:latin typeface="微软雅黑" panose="020B0503020204020204" pitchFamily="34" charset="-122"/>
-                          <a:ea typeface="微软雅黑" panose="020B0503020204020204" pitchFamily="34" charset="-122"/>
-                        </a:rPr>
-                        <a:t>类 2</a:t>
-                      </a:r>
-                      <a:endParaRPr lang="en-US" dirty="0">
-                        <a:latin typeface="微软雅黑" panose="020B0503020204020204" pitchFamily="34" charset="-122"/>
-                        <a:ea typeface="微软雅黑" panose="020B0503020204020204" pitchFamily="34" charset="-122"/>
-                      </a:endParaRPr>
-                    </a:p>
-                  </a:txBody>
-                  <a:tcPr anchor="ctr"/>
-                </a:tc>
-                <a:tc>
-                  <a:txBody>
-                    <a:bodyPr/>
-                    <a:lstStyle/>
-                    <a:p>
-                      <a:pPr algn="ctr" rtl="0"/>
-                      <a:r>
-                        <a:rPr lang="zh-CN" dirty="0">
-                          <a:latin typeface="微软雅黑" panose="020B0503020204020204" pitchFamily="34" charset="-122"/>
-                          <a:ea typeface="微软雅黑" panose="020B0503020204020204" pitchFamily="34" charset="-122"/>
-                        </a:rPr>
-                        <a:t>76</a:t>
-                      </a:r>
-                      <a:endParaRPr lang="en-US" dirty="0">
-                        <a:latin typeface="微软雅黑" panose="020B0503020204020204" pitchFamily="34" charset="-122"/>
-                        <a:ea typeface="微软雅黑" panose="020B0503020204020204" pitchFamily="34" charset="-122"/>
-                      </a:endParaRPr>
-                    </a:p>
-                  </a:txBody>
-                  <a:tcPr anchor="ctr"/>
-                </a:tc>
-                <a:tc>
-                  <a:txBody>
-                    <a:bodyPr/>
-                    <a:lstStyle/>
-                    <a:p>
-                      <a:pPr algn="ctr" rtl="0"/>
-                      <a:r>
-                        <a:rPr lang="zh-CN">
-                          <a:latin typeface="微软雅黑" panose="020B0503020204020204" pitchFamily="34" charset="-122"/>
-                          <a:ea typeface="微软雅黑" panose="020B0503020204020204" pitchFamily="34" charset="-122"/>
-                        </a:rPr>
-                        <a:t>88</a:t>
-                      </a:r>
-                      <a:endParaRPr lang="en-US" dirty="0">
-                        <a:latin typeface="微软雅黑" panose="020B0503020204020204" pitchFamily="34" charset="-122"/>
-                        <a:ea typeface="微软雅黑" panose="020B0503020204020204" pitchFamily="34" charset="-122"/>
-                      </a:endParaRPr>
-                    </a:p>
-                  </a:txBody>
-                  <a:tcPr anchor="ctr"/>
-                </a:tc>
-                <a:extLst>
-                  <a:ext uri="{0D108BD9-81ED-4DB2-BD59-A6C34878D82A}">
-                    <a16:rowId xmlns:a16="http://schemas.microsoft.com/office/drawing/2014/main" xmlns="" val="10002"/>
-                  </a:ext>
-                </a:extLst>
-              </a:tr>
-              <a:tr h="514350">
-                <a:tc>
-                  <a:txBody>
-                    <a:bodyPr/>
-                    <a:lstStyle/>
-                    <a:p>
-                      <a:pPr rtl="0"/>
-                      <a:r>
-                        <a:rPr lang="zh-CN">
-                          <a:latin typeface="微软雅黑" panose="020B0503020204020204" pitchFamily="34" charset="-122"/>
-                          <a:ea typeface="微软雅黑" panose="020B0503020204020204" pitchFamily="34" charset="-122"/>
-                        </a:rPr>
-                        <a:t>类 3</a:t>
-                      </a:r>
-                      <a:endParaRPr lang="en-US" dirty="0">
-                        <a:latin typeface="微软雅黑" panose="020B0503020204020204" pitchFamily="34" charset="-122"/>
-                        <a:ea typeface="微软雅黑" panose="020B0503020204020204" pitchFamily="34" charset="-122"/>
-                      </a:endParaRPr>
-                    </a:p>
-                  </a:txBody>
-                  <a:tcPr anchor="ctr"/>
-                </a:tc>
-                <a:tc>
-                  <a:txBody>
-                    <a:bodyPr/>
-                    <a:lstStyle/>
-                    <a:p>
-                      <a:pPr algn="ctr" rtl="0"/>
-                      <a:r>
-                        <a:rPr lang="zh-CN" dirty="0">
-                          <a:latin typeface="微软雅黑" panose="020B0503020204020204" pitchFamily="34" charset="-122"/>
-                          <a:ea typeface="微软雅黑" panose="020B0503020204020204" pitchFamily="34" charset="-122"/>
-                        </a:rPr>
-                        <a:t>84</a:t>
-                      </a:r>
-                      <a:endParaRPr lang="en-US" dirty="0">
-                        <a:latin typeface="微软雅黑" panose="020B0503020204020204" pitchFamily="34" charset="-122"/>
-                        <a:ea typeface="微软雅黑" panose="020B0503020204020204" pitchFamily="34" charset="-122"/>
-                      </a:endParaRPr>
-                    </a:p>
-                  </a:txBody>
-                  <a:tcPr anchor="ctr"/>
-                </a:tc>
-                <a:tc>
-                  <a:txBody>
-                    <a:bodyPr/>
-                    <a:lstStyle/>
-                    <a:p>
-                      <a:pPr algn="ctr" rtl="0"/>
-                      <a:r>
-                        <a:rPr lang="zh-CN" dirty="0">
-                          <a:latin typeface="微软雅黑" panose="020B0503020204020204" pitchFamily="34" charset="-122"/>
-                          <a:ea typeface="微软雅黑" panose="020B0503020204020204" pitchFamily="34" charset="-122"/>
-                        </a:rPr>
-                        <a:t>90</a:t>
-                      </a:r>
-                      <a:endParaRPr lang="en-US" dirty="0">
-                        <a:latin typeface="微软雅黑" panose="020B0503020204020204" pitchFamily="34" charset="-122"/>
-                        <a:ea typeface="微软雅黑" panose="020B0503020204020204" pitchFamily="34" charset="-122"/>
-                      </a:endParaRPr>
-                    </a:p>
-                  </a:txBody>
-                  <a:tcPr anchor="ctr"/>
-                </a:tc>
-                <a:extLst>
-                  <a:ext uri="{0D108BD9-81ED-4DB2-BD59-A6C34878D82A}">
-                    <a16:rowId xmlns:a16="http://schemas.microsoft.com/office/drawing/2014/main" xmlns="" val="10003"/>
-                  </a:ext>
-                </a:extLst>
-              </a:tr>
-            </a:tbl>
-          </a:graphicData>
-        </a:graphic>
-      </p:graphicFrame>
+          <a:p>
+            <a:pPr lvl="1"/>
+            <a:r>
+              <a:rPr lang="en-US" dirty="0" smtClean="0"/>
+              <a:t>Agent’s action affect the subsequence data it receives.</a:t>
+            </a:r>
+            <a:endParaRPr lang="en-US" dirty="0">
+              <a:latin typeface="微软雅黑" panose="020B0503020204020204" pitchFamily="34" charset="-122"/>
+              <a:ea typeface="微软雅黑" panose="020B0503020204020204" pitchFamily="34" charset="-122"/>
+            </a:endParaRPr>
+          </a:p>
+        </p:txBody>
+      </p:sp>
     </p:spTree>
     <p:extLst>
       <p:ext uri="{BB962C8B-B14F-4D97-AF65-F5344CB8AC3E}">
-        <p14:creationId xmlns:p14="http://schemas.microsoft.com/office/powerpoint/2010/main" val="4206988261"/>
+        <p14:creationId xmlns:p14="http://schemas.microsoft.com/office/powerpoint/2010/main" val="3905109587"/>
       </p:ext>
     </p:extLst>
   </p:cSld>
@@ -10833,6 +6755,13 @@
       </p:transition>
     </mc:Fallback>
   </mc:AlternateContent>
+  <p:timing>
+    <p:tnLst>
+      <p:par>
+        <p:cTn id="1" dur="indefinite" restart="never" nodeType="tmRoot"/>
+      </p:par>
+    </p:tnLst>
+  </p:timing>
 </p:sld>
 </file>
 
@@ -10863,18 +6792,21 @@
             <p:ph type="title"/>
           </p:nvPr>
         </p:nvSpPr>
-        <p:spPr/>
-        <p:txBody>
-          <a:bodyPr rtlCol="0"/>
+        <p:spPr>
+          <a:xfrm>
+            <a:off x="1522413" y="381000"/>
+            <a:ext cx="9144001" cy="762000"/>
+          </a:xfrm>
+        </p:spPr>
+        <p:txBody>
+          <a:bodyPr rtlCol="0">
+            <a:normAutofit/>
+          </a:bodyPr>
           <a:lstStyle/>
           <a:p>
-            <a:pPr rtl="0"/>
-            <a:r>
-              <a:rPr lang="zh-CN">
-                <a:latin typeface="微软雅黑" panose="020B0503020204020204" pitchFamily="34" charset="-122"/>
-                <a:ea typeface="微软雅黑" panose="020B0503020204020204" pitchFamily="34" charset="-122"/>
-              </a:rPr>
-              <a:t>标题和包含 SmartArt 的内容布局</a:t>
+            <a:r>
+              <a:rPr lang="en-US" altLang="zh-CN" dirty="0"/>
+              <a:t>About Reinforcement Learning</a:t>
             </a:r>
             <a:endParaRPr lang="en-US" dirty="0">
               <a:latin typeface="微软雅黑" panose="020B0503020204020204" pitchFamily="34" charset="-122"/>
@@ -10883,35 +6815,96 @@
           </a:p>
         </p:txBody>
       </p:sp>
-      <p:graphicFrame>
-        <p:nvGraphicFramePr>
-          <p:cNvPr id="3" name="内容占位符 2" descr="交替流" title="SmartArt"/>
-          <p:cNvGraphicFramePr>
-            <a:graphicFrameLocks noGrp="1"/>
-          </p:cNvGraphicFramePr>
-          <p:nvPr>
-            <p:ph idx="1"/>
-            <p:extLst>
-              <p:ext uri="{D42A27DB-BD31-4B8C-83A1-F6EECF244321}">
-                <p14:modId xmlns:p14="http://schemas.microsoft.com/office/powerpoint/2010/main" val="3734477399"/>
-              </p:ext>
-            </p:extLst>
-          </p:nvPr>
-        </p:nvGraphicFramePr>
-        <p:xfrm>
-          <a:off x="1522413" y="1905000"/>
-          <a:ext cx="9134475" cy="4114800"/>
-        </p:xfrm>
-        <a:graphic>
-          <a:graphicData uri="http://schemas.openxmlformats.org/drawingml/2006/diagram">
-            <dgm:relIds xmlns:dgm="http://schemas.openxmlformats.org/drawingml/2006/diagram" xmlns:r="http://schemas.openxmlformats.org/officeDocument/2006/relationships" r:dm="rId2" r:lo="rId3" r:qs="rId4" r:cs="rId5"/>
-          </a:graphicData>
-        </a:graphic>
-      </p:graphicFrame>
+      <p:sp>
+        <p:nvSpPr>
+          <p:cNvPr id="6" name="内容占位符 2"/>
+          <p:cNvSpPr>
+            <a:spLocks noGrp="1"/>
+          </p:cNvSpPr>
+          <p:nvPr>
+            <p:ph sz="half" idx="1"/>
+          </p:nvPr>
+        </p:nvSpPr>
+        <p:spPr>
+          <a:xfrm>
+            <a:off x="1522413" y="1600200"/>
+            <a:ext cx="8686799" cy="4114800"/>
+          </a:xfrm>
+        </p:spPr>
+        <p:txBody>
+          <a:bodyPr rtlCol="0">
+            <a:normAutofit/>
+          </a:bodyPr>
+          <a:lstStyle/>
+          <a:p>
+            <a:pPr rtl="0"/>
+            <a:r>
+              <a:rPr lang="en-US" dirty="0" smtClean="0">
+                <a:latin typeface="微软雅黑" panose="020B0503020204020204" pitchFamily="34" charset="-122"/>
+                <a:ea typeface="微软雅黑" panose="020B0503020204020204" pitchFamily="34" charset="-122"/>
+              </a:rPr>
+              <a:t>Example?</a:t>
+            </a:r>
+          </a:p>
+          <a:p>
+            <a:pPr lvl="1"/>
+            <a:r>
+              <a:rPr lang="en-US" dirty="0" smtClean="0"/>
+              <a:t>Helicopter control</a:t>
+            </a:r>
+          </a:p>
+          <a:p>
+            <a:pPr lvl="1"/>
+            <a:endParaRPr lang="en-US" dirty="0" smtClean="0">
+              <a:latin typeface="微软雅黑" panose="020B0503020204020204" pitchFamily="34" charset="-122"/>
+              <a:ea typeface="微软雅黑" panose="020B0503020204020204" pitchFamily="34" charset="-122"/>
+            </a:endParaRPr>
+          </a:p>
+          <a:p>
+            <a:pPr lvl="1"/>
+            <a:r>
+              <a:rPr lang="en-US" dirty="0" smtClean="0">
+                <a:latin typeface="微软雅黑" panose="020B0503020204020204" pitchFamily="34" charset="-122"/>
+                <a:ea typeface="微软雅黑" panose="020B0503020204020204" pitchFamily="34" charset="-122"/>
+              </a:rPr>
+              <a:t>Manage Investment Portfolio.</a:t>
+            </a:r>
+          </a:p>
+          <a:p>
+            <a:pPr lvl="1"/>
+            <a:endParaRPr lang="en-US" dirty="0" smtClean="0"/>
+          </a:p>
+          <a:p>
+            <a:pPr lvl="1"/>
+            <a:r>
+              <a:rPr lang="en-US" dirty="0" smtClean="0"/>
+              <a:t>Control a power station.</a:t>
+            </a:r>
+          </a:p>
+          <a:p>
+            <a:pPr lvl="1"/>
+            <a:endParaRPr lang="en-US" dirty="0" smtClean="0"/>
+          </a:p>
+          <a:p>
+            <a:pPr lvl="1"/>
+            <a:r>
+              <a:rPr lang="en-US" dirty="0" smtClean="0">
+                <a:latin typeface="微软雅黑" panose="020B0503020204020204" pitchFamily="34" charset="-122"/>
+                <a:ea typeface="微软雅黑" panose="020B0503020204020204" pitchFamily="34" charset="-122"/>
+              </a:rPr>
+              <a:t>Play many different Atari games better than humans.</a:t>
+            </a:r>
+            <a:endParaRPr lang="en-US" dirty="0">
+              <a:latin typeface="微软雅黑" panose="020B0503020204020204" pitchFamily="34" charset="-122"/>
+              <a:ea typeface="微软雅黑" panose="020B0503020204020204" pitchFamily="34" charset="-122"/>
+            </a:endParaRPr>
+          </a:p>
+        </p:txBody>
+      </p:sp>
     </p:spTree>
     <p:extLst>
       <p:ext uri="{BB962C8B-B14F-4D97-AF65-F5344CB8AC3E}">
-        <p14:creationId xmlns:p14="http://schemas.microsoft.com/office/powerpoint/2010/main" val="462238070"/>
+        <p14:creationId xmlns:p14="http://schemas.microsoft.com/office/powerpoint/2010/main" val="1993270443"/>
       </p:ext>
     </p:extLst>
   </p:cSld>
@@ -10930,6 +6923,13 @@
       </p:transition>
     </mc:Fallback>
   </mc:AlternateContent>
+  <p:timing>
+    <p:tnLst>
+      <p:par>
+        <p:cTn id="1" dur="indefinite" restart="never" nodeType="tmRoot"/>
+      </p:par>
+    </p:tnLst>
+  </p:timing>
 </p:sld>
 </file>
 
@@ -10952,7 +6952,7 @@
       </p:grpSpPr>
       <p:sp>
         <p:nvSpPr>
-          <p:cNvPr id="2" name="标题 1"/>
+          <p:cNvPr id="13" name="标题 12"/>
           <p:cNvSpPr>
             <a:spLocks noGrp="1"/>
           </p:cNvSpPr>
@@ -10960,40 +6960,123 @@
             <p:ph type="title"/>
           </p:nvPr>
         </p:nvSpPr>
-        <p:spPr/>
-        <p:txBody>
-          <a:bodyPr rtlCol="0"/>
+        <p:spPr>
+          <a:xfrm>
+            <a:off x="1522413" y="381000"/>
+            <a:ext cx="9144001" cy="762000"/>
+          </a:xfrm>
+        </p:spPr>
+        <p:txBody>
+          <a:bodyPr rtlCol="0">
+            <a:normAutofit/>
+          </a:bodyPr>
           <a:lstStyle/>
           <a:p>
+            <a:r>
+              <a:rPr lang="en-US" altLang="zh-CN" dirty="0"/>
+              <a:t>The Reinforcement Learning Problem</a:t>
+            </a:r>
+            <a:endParaRPr lang="en-US" dirty="0">
+              <a:solidFill>
+                <a:srgbClr val="FFFF00"/>
+              </a:solidFill>
+            </a:endParaRPr>
+          </a:p>
+        </p:txBody>
+      </p:sp>
+      <p:sp>
+        <p:nvSpPr>
+          <p:cNvPr id="6" name="内容占位符 2"/>
+          <p:cNvSpPr>
+            <a:spLocks noGrp="1"/>
+          </p:cNvSpPr>
+          <p:nvPr>
+            <p:ph sz="half" idx="1"/>
+          </p:nvPr>
+        </p:nvSpPr>
+        <p:spPr>
+          <a:xfrm>
+            <a:off x="1522413" y="1600200"/>
+            <a:ext cx="8686799" cy="4114800"/>
+          </a:xfrm>
+        </p:spPr>
+        <p:txBody>
+          <a:bodyPr rtlCol="0">
+            <a:normAutofit/>
+          </a:bodyPr>
+          <a:lstStyle/>
+          <a:p>
             <a:pPr rtl="0"/>
-            <a:endParaRPr lang="en-US"/>
-          </a:p>
-        </p:txBody>
-      </p:sp>
-      <p:sp>
-        <p:nvSpPr>
-          <p:cNvPr id="3" name="文本占位符 2"/>
-          <p:cNvSpPr>
-            <a:spLocks noGrp="1"/>
-          </p:cNvSpPr>
-          <p:nvPr>
-            <p:ph type="body" idx="1"/>
-          </p:nvPr>
-        </p:nvSpPr>
-        <p:spPr/>
-        <p:txBody>
-          <a:bodyPr rtlCol="0"/>
-          <a:lstStyle/>
+            <a:r>
+              <a:rPr lang="en-US" dirty="0" smtClean="0">
+                <a:solidFill>
+                  <a:srgbClr val="FFFF00"/>
+                </a:solidFill>
+                <a:latin typeface="微软雅黑" panose="020B0503020204020204" pitchFamily="34" charset="-122"/>
+                <a:ea typeface="微软雅黑" panose="020B0503020204020204" pitchFamily="34" charset="-122"/>
+              </a:rPr>
+              <a:t>Reward</a:t>
+            </a:r>
+          </a:p>
           <a:p>
             <a:pPr rtl="0"/>
-            <a:endParaRPr lang="en-US"/>
+            <a:endParaRPr lang="en-US" dirty="0" smtClean="0">
+              <a:latin typeface="微软雅黑" panose="020B0503020204020204" pitchFamily="34" charset="-122"/>
+              <a:ea typeface="微软雅黑" panose="020B0503020204020204" pitchFamily="34" charset="-122"/>
+            </a:endParaRPr>
+          </a:p>
+          <a:p>
+            <a:pPr rtl="0"/>
+            <a:r>
+              <a:rPr lang="en-US" dirty="0" smtClean="0"/>
+              <a:t>Sequence of Decision Making </a:t>
+            </a:r>
+            <a:r>
+              <a:rPr lang="en-US" dirty="0" smtClean="0">
+                <a:solidFill>
+                  <a:srgbClr val="FFFF00"/>
+                </a:solidFill>
+              </a:rPr>
+              <a:t>(Action)</a:t>
+            </a:r>
+          </a:p>
+          <a:p>
+            <a:pPr rtl="0"/>
+            <a:endParaRPr lang="en-US" dirty="0">
+              <a:solidFill>
+                <a:srgbClr val="FFFF00"/>
+              </a:solidFill>
+            </a:endParaRPr>
+          </a:p>
+          <a:p>
+            <a:pPr rtl="0"/>
+            <a:r>
+              <a:rPr lang="en-US" dirty="0" smtClean="0">
+                <a:solidFill>
+                  <a:srgbClr val="FFFF00"/>
+                </a:solidFill>
+              </a:rPr>
+              <a:t>Agent </a:t>
+            </a:r>
+            <a:r>
+              <a:rPr lang="en-US" dirty="0" smtClean="0"/>
+              <a:t>and </a:t>
+            </a:r>
+            <a:r>
+              <a:rPr lang="en-US" dirty="0" smtClean="0">
+                <a:solidFill>
+                  <a:srgbClr val="FFFF00"/>
+                </a:solidFill>
+              </a:rPr>
+              <a:t>Environment</a:t>
+            </a:r>
           </a:p>
         </p:txBody>
       </p:sp>
     </p:spTree>
     <p:extLst>
       <p:ext uri="{BB962C8B-B14F-4D97-AF65-F5344CB8AC3E}">
-        <p14:creationId xmlns:p14="http://schemas.microsoft.com/office/powerpoint/2010/main" val="2478160142"/>
+        <p14:creationId xmlns:p14="http://schemas.microsoft.com/office/powerpoint/2010/main" val="933288550"/>
       </p:ext>
     </p:extLst>
   </p:cSld>
@@ -11012,6 +7095,13 @@
       </p:transition>
     </mc:Fallback>
   </mc:AlternateContent>
+  <p:timing>
+    <p:tnLst>
+      <p:par>
+        <p:cTn id="1" dur="indefinite" restart="never" nodeType="tmRoot"/>
+      </p:par>
+    </p:tnLst>
+  </p:timing>
 </p:sld>
 </file>
 
@@ -11795,6 +7885,15 @@
 </file>
 
 <file path=customXml/item1.xml><?xml version="1.0" encoding="utf-8"?>
+<?mso-contentType ?>
+<FormTemplates xmlns="http://schemas.microsoft.com/sharepoint/v3/contenttype/forms">
+  <Display>DocumentLibraryForm</Display>
+  <Edit>AssetEditForm</Edit>
+  <New>DocumentLibraryForm</New>
+</FormTemplates>
+</file>
+
+<file path=customXml/item2.xml><?xml version="1.0" encoding="utf-8"?>
 <ct:contentTypeSchema xmlns:ct="http://schemas.microsoft.com/office/2006/metadata/contentType" xmlns:ma="http://schemas.microsoft.com/office/2006/metadata/properties/metaAttributes" ct:_="" ma:_="" ma:contentTypeName="TemplateFile" ma:contentTypeID="0x0101006EDDDB5EE6D98C44930B742096920B300400F5B6D36B3EF94B4E9A635CDF2A18F5B8" ma:contentTypeVersion="72" ma:contentTypeDescription="Create a new document." ma:contentTypeScope="" ma:versionID="a23e56308344d904b51738559c3d67c9">
   <xsd:schema xmlns:xsd="http://www.w3.org/2001/XMLSchema" xmlns:xs="http://www.w3.org/2001/XMLSchema" xmlns:p="http://schemas.microsoft.com/office/2006/metadata/properties" xmlns:ns2="4873beb7-5857-4685-be1f-d57550cc96cc" targetNamespace="http://schemas.microsoft.com/office/2006/metadata/properties" ma:root="true" ma:fieldsID="cd0908cc4600e77bf5da051303e00c8d" ns2:_="">
     <xsd:import namespace="4873beb7-5857-4685-be1f-d57550cc96cc"/>
@@ -12834,15 +8933,6 @@
 </ct:contentTypeSchema>
 </file>
 
-<file path=customXml/item2.xml><?xml version="1.0" encoding="utf-8"?>
-<?mso-contentType ?>
-<FormTemplates xmlns="http://schemas.microsoft.com/sharepoint/v3/contenttype/forms">
-  <Display>DocumentLibraryForm</Display>
-  <Edit>AssetEditForm</Edit>
-  <New>DocumentLibraryForm</New>
-</FormTemplates>
-</file>
-
 <file path=customXml/item3.xml><?xml version="1.0" encoding="utf-8"?>
 <p:properties xmlns:p="http://schemas.microsoft.com/office/2006/metadata/properties" xmlns:xsi="http://www.w3.org/2001/XMLSchema-instance" xmlns:pc="http://schemas.microsoft.com/office/infopath/2007/PartnerControls">
   <documentManagement>
@@ -12971,6 +9061,14 @@
 </file>
 
 <file path=customXml/itemProps1.xml><?xml version="1.0" encoding="utf-8"?>
+<ds:datastoreItem xmlns:ds="http://schemas.openxmlformats.org/officeDocument/2006/customXml" ds:itemID="{74228E6B-D70C-44BB-A81F-A245495F612B}">
+  <ds:schemaRefs>
+    <ds:schemaRef ds:uri="http://schemas.microsoft.com/sharepoint/v3/contenttype/forms"/>
+  </ds:schemaRefs>
+</ds:datastoreItem>
+</file>
+
+<file path=customXml/itemProps2.xml><?xml version="1.0" encoding="utf-8"?>
 <ds:datastoreItem xmlns:ds="http://schemas.openxmlformats.org/officeDocument/2006/customXml" ds:itemID="{22CCB507-0646-4A50-A4F7-7F385079D589}">
   <ds:schemaRefs>
     <ds:schemaRef ds:uri="http://schemas.microsoft.com/office/2006/metadata/contentType"/>
@@ -12988,14 +9086,6 @@
 </ds:datastoreItem>
 </file>
 
-<file path=customXml/itemProps2.xml><?xml version="1.0" encoding="utf-8"?>
-<ds:datastoreItem xmlns:ds="http://schemas.openxmlformats.org/officeDocument/2006/customXml" ds:itemID="{74228E6B-D70C-44BB-A81F-A245495F612B}">
-  <ds:schemaRefs>
-    <ds:schemaRef ds:uri="http://schemas.microsoft.com/sharepoint/v3/contenttype/forms"/>
-  </ds:schemaRefs>
-</ds:datastoreItem>
-</file>
-
 <file path=customXml/itemProps3.xml><?xml version="1.0" encoding="utf-8"?>
 <ds:datastoreItem xmlns:ds="http://schemas.openxmlformats.org/officeDocument/2006/customXml" ds:itemID="{00E41224-0370-4595-877C-23316CD80004}">
   <ds:schemaRefs>

--- a/Speech/Reinforcement Learning.pptx
+++ b/Speech/Reinforcement Learning.pptx
@@ -5,10 +5,10 @@
     <p:sldMasterId id="2147483648" r:id="rId4"/>
   </p:sldMasterIdLst>
   <p:notesMasterIdLst>
-    <p:notesMasterId r:id="rId22"/>
+    <p:notesMasterId r:id="rId26"/>
   </p:notesMasterIdLst>
   <p:handoutMasterIdLst>
-    <p:handoutMasterId r:id="rId23"/>
+    <p:handoutMasterId r:id="rId27"/>
   </p:handoutMasterIdLst>
   <p:sldIdLst>
     <p:sldId id="265" r:id="rId5"/>
@@ -27,12 +27,16 @@
     <p:sldId id="334" r:id="rId18"/>
     <p:sldId id="333" r:id="rId19"/>
     <p:sldId id="336" r:id="rId20"/>
-    <p:sldId id="319" r:id="rId21"/>
+    <p:sldId id="337" r:id="rId21"/>
+    <p:sldId id="339" r:id="rId22"/>
+    <p:sldId id="338" r:id="rId23"/>
+    <p:sldId id="340" r:id="rId24"/>
+    <p:sldId id="319" r:id="rId25"/>
   </p:sldIdLst>
   <p:sldSz cx="12188825" cy="6858000"/>
   <p:notesSz cx="6858000" cy="9144000"/>
   <p:custDataLst>
-    <p:tags r:id="rId24"/>
+    <p:tags r:id="rId28"/>
   </p:custDataLst>
   <p:defaultTextStyle>
     <a:defPPr rtl="0">
@@ -5221,7 +5225,12 @@
             <p:ph type="title"/>
           </p:nvPr>
         </p:nvSpPr>
-        <p:spPr/>
+        <p:spPr>
+          <a:xfrm>
+            <a:off x="1522413" y="381000"/>
+            <a:ext cx="9144001" cy="609600"/>
+          </a:xfrm>
+        </p:spPr>
         <p:txBody>
           <a:bodyPr/>
           <a:lstStyle/>
@@ -5531,7 +5540,12 @@
             <p:ph type="title"/>
           </p:nvPr>
         </p:nvSpPr>
-        <p:spPr/>
+        <p:spPr>
+          <a:xfrm>
+            <a:off x="1522413" y="381000"/>
+            <a:ext cx="9144001" cy="624720"/>
+          </a:xfrm>
+        </p:spPr>
         <p:txBody>
           <a:bodyPr/>
           <a:lstStyle/>
@@ -5753,25 +5767,6 @@
               <a:buChar char="•"/>
             </a:pPr>
             <a:endParaRPr lang="en-US" altLang="zh-CN" sz="1200" dirty="0" smtClean="0"/>
-          </a:p>
-        </p:txBody>
-      </p:sp>
-      <p:sp>
-        <p:nvSpPr>
-          <p:cNvPr id="3" name="内容占位符 2"/>
-          <p:cNvSpPr>
-            <a:spLocks noGrp="1"/>
-          </p:cNvSpPr>
-          <p:nvPr>
-            <p:ph idx="1"/>
-          </p:nvPr>
-        </p:nvSpPr>
-        <p:spPr/>
-        <p:txBody>
-          <a:bodyPr/>
-          <a:lstStyle/>
-          <a:p>
-            <a:endParaRPr lang="zh-CN" altLang="en-US"/>
           </a:p>
         </p:txBody>
       </p:sp>
@@ -5791,7 +5786,7 @@
         </p:blipFill>
         <p:spPr>
           <a:xfrm>
-            <a:off x="2513012" y="2286000"/>
+            <a:off x="2055812" y="1981200"/>
             <a:ext cx="3886200" cy="3745547"/>
           </a:xfrm>
           <a:prstGeom prst="rect">
@@ -5850,60 +5845,805 @@
       </p:grpSpPr>
       <p:sp>
         <p:nvSpPr>
-          <p:cNvPr id="2" name="图片占位符 1"/>
+          <p:cNvPr id="2" name="标题 1"/>
           <p:cNvSpPr>
             <a:spLocks noGrp="1"/>
           </p:cNvSpPr>
           <p:nvPr>
-            <p:ph type="pic" idx="1"/>
-          </p:nvPr>
-        </p:nvSpPr>
-        <p:spPr/>
-      </p:sp>
-      <p:sp>
-        <p:nvSpPr>
-          <p:cNvPr id="3" name="标题 2"/>
+            <p:ph type="title"/>
+          </p:nvPr>
+        </p:nvSpPr>
+        <p:spPr>
+          <a:xfrm>
+            <a:off x="1522413" y="381000"/>
+            <a:ext cx="9144001" cy="762000"/>
+          </a:xfrm>
+        </p:spPr>
+        <p:txBody>
+          <a:bodyPr/>
+          <a:lstStyle/>
+          <a:p>
+            <a:r>
+              <a:rPr lang="en-US" altLang="zh-CN" dirty="0" smtClean="0">
+                <a:solidFill>
+                  <a:srgbClr val="FFFF00"/>
+                </a:solidFill>
+              </a:rPr>
+              <a:t>History </a:t>
+            </a:r>
+            <a:r>
+              <a:rPr lang="en-US" altLang="zh-CN" dirty="0" smtClean="0"/>
+              <a:t>and </a:t>
+            </a:r>
+            <a:r>
+              <a:rPr lang="en-US" altLang="zh-CN" dirty="0" smtClean="0">
+                <a:solidFill>
+                  <a:srgbClr val="FFFF00"/>
+                </a:solidFill>
+              </a:rPr>
+              <a:t>State</a:t>
+            </a:r>
+            <a:endParaRPr lang="zh-CN" altLang="en-US" dirty="0"/>
+          </a:p>
+        </p:txBody>
+      </p:sp>
+      <p:sp>
+        <p:nvSpPr>
+          <p:cNvPr id="6" name="文本框 5"/>
+          <p:cNvSpPr txBox="1"/>
+          <p:nvPr/>
+        </p:nvSpPr>
+        <p:spPr>
+          <a:xfrm>
+            <a:off x="1293812" y="1752600"/>
+            <a:ext cx="9372602" cy="523220"/>
+          </a:xfrm>
+          <a:prstGeom prst="rect">
+            <a:avLst/>
+          </a:prstGeom>
+          <a:noFill/>
+        </p:spPr>
+        <p:txBody>
+          <a:bodyPr wrap="square" rtlCol="0">
+            <a:spAutoFit/>
+          </a:bodyPr>
+          <a:lstStyle/>
+          <a:p>
+            <a:pPr marL="285750" indent="-285750">
+              <a:buFont typeface="Arial" panose="020B0604020202020204" pitchFamily="34" charset="0"/>
+              <a:buChar char="•"/>
+            </a:pPr>
+            <a:endParaRPr lang="en-US" altLang="zh-CN" sz="1600" dirty="0" smtClean="0"/>
+          </a:p>
+          <a:p>
+            <a:pPr marL="285750" indent="-285750">
+              <a:buFont typeface="Arial" panose="020B0604020202020204" pitchFamily="34" charset="0"/>
+              <a:buChar char="•"/>
+            </a:pPr>
+            <a:endParaRPr lang="en-US" altLang="zh-CN" sz="1200" dirty="0" smtClean="0"/>
+          </a:p>
+        </p:txBody>
+      </p:sp>
+      <p:sp>
+        <p:nvSpPr>
+          <p:cNvPr id="8" name="内容占位符 2"/>
           <p:cNvSpPr>
             <a:spLocks noGrp="1"/>
           </p:cNvSpPr>
           <p:nvPr>
-            <p:ph type="title"/>
-          </p:nvPr>
-        </p:nvSpPr>
-        <p:spPr/>
-        <p:txBody>
-          <a:bodyPr rtlCol="0"/>
+            <p:ph sz="half" idx="1"/>
+          </p:nvPr>
+        </p:nvSpPr>
+        <p:spPr>
+          <a:xfrm>
+            <a:off x="1293812" y="1524000"/>
+            <a:ext cx="8686799" cy="4648200"/>
+          </a:xfrm>
+        </p:spPr>
+        <p:txBody>
+          <a:bodyPr rtlCol="0">
+            <a:normAutofit fontScale="92500"/>
+          </a:bodyPr>
           <a:lstStyle/>
           <a:p>
-            <a:pPr rtl="0"/>
-            <a:endParaRPr lang="en-US"/>
-          </a:p>
-        </p:txBody>
-      </p:sp>
-      <p:sp>
-        <p:nvSpPr>
-          <p:cNvPr id="4" name="文本占位符 3"/>
-          <p:cNvSpPr>
-            <a:spLocks noGrp="1"/>
-          </p:cNvSpPr>
-          <p:nvPr>
-            <p:ph type="body" sz="half" idx="2"/>
-          </p:nvPr>
-        </p:nvSpPr>
-        <p:spPr/>
-        <p:txBody>
-          <a:bodyPr rtlCol="0"/>
-          <a:lstStyle/>
-          <a:p>
-            <a:pPr rtl="0"/>
-            <a:endParaRPr lang="en-US"/>
+            <a:r>
+              <a:rPr lang="en-US" dirty="0" smtClean="0">
+                <a:latin typeface="微软雅黑" panose="020B0503020204020204" pitchFamily="34" charset="-122"/>
+                <a:ea typeface="微软雅黑" panose="020B0503020204020204" pitchFamily="34" charset="-122"/>
+              </a:rPr>
+              <a:t>The history is the sequence of </a:t>
+            </a:r>
+            <a:r>
+              <a:rPr lang="en-US" dirty="0" smtClean="0">
+                <a:solidFill>
+                  <a:srgbClr val="FFFF00"/>
+                </a:solidFill>
+                <a:latin typeface="微软雅黑" panose="020B0503020204020204" pitchFamily="34" charset="-122"/>
+                <a:ea typeface="微软雅黑" panose="020B0503020204020204" pitchFamily="34" charset="-122"/>
+              </a:rPr>
+              <a:t>observations</a:t>
+            </a:r>
+            <a:r>
+              <a:rPr lang="en-US" dirty="0" smtClean="0">
+                <a:latin typeface="微软雅黑" panose="020B0503020204020204" pitchFamily="34" charset="-122"/>
+                <a:ea typeface="微软雅黑" panose="020B0503020204020204" pitchFamily="34" charset="-122"/>
+              </a:rPr>
+              <a:t>, </a:t>
+            </a:r>
+            <a:r>
+              <a:rPr lang="en-US" dirty="0" smtClean="0">
+                <a:solidFill>
+                  <a:srgbClr val="FFFF00"/>
+                </a:solidFill>
+                <a:latin typeface="微软雅黑" panose="020B0503020204020204" pitchFamily="34" charset="-122"/>
+                <a:ea typeface="微软雅黑" panose="020B0503020204020204" pitchFamily="34" charset="-122"/>
+              </a:rPr>
+              <a:t>Actions</a:t>
+            </a:r>
+            <a:r>
+              <a:rPr lang="en-US" dirty="0" smtClean="0">
+                <a:latin typeface="微软雅黑" panose="020B0503020204020204" pitchFamily="34" charset="-122"/>
+                <a:ea typeface="微软雅黑" panose="020B0503020204020204" pitchFamily="34" charset="-122"/>
+              </a:rPr>
+              <a:t> and </a:t>
+            </a:r>
+            <a:r>
+              <a:rPr lang="en-US" dirty="0" smtClean="0">
+                <a:solidFill>
+                  <a:srgbClr val="FFFF00"/>
+                </a:solidFill>
+                <a:latin typeface="微软雅黑" panose="020B0503020204020204" pitchFamily="34" charset="-122"/>
+                <a:ea typeface="微软雅黑" panose="020B0503020204020204" pitchFamily="34" charset="-122"/>
+              </a:rPr>
+              <a:t>Rewards.</a:t>
+            </a:r>
+          </a:p>
+          <a:p>
+            <a:endParaRPr lang="en-US" dirty="0" smtClean="0">
+              <a:solidFill>
+                <a:srgbClr val="FFFF00"/>
+              </a:solidFill>
+              <a:latin typeface="微软雅黑" panose="020B0503020204020204" pitchFamily="34" charset="-122"/>
+              <a:ea typeface="微软雅黑" panose="020B0503020204020204" pitchFamily="34" charset="-122"/>
+            </a:endParaRPr>
+          </a:p>
+          <a:p>
+            <a:pPr marL="231775" lvl="1" indent="0" algn="ctr">
+              <a:buNone/>
+            </a:pPr>
+            <a:r>
+              <a:rPr lang="en-US" sz="2800" dirty="0" err="1" smtClean="0"/>
+              <a:t>Ht</a:t>
+            </a:r>
+            <a:r>
+              <a:rPr lang="en-US" sz="2800" dirty="0" smtClean="0"/>
+              <a:t> = A</a:t>
+            </a:r>
+            <a:r>
+              <a:rPr lang="en-US" sz="2800" dirty="0" smtClean="0">
+                <a:gradFill>
+                  <a:gsLst>
+                    <a:gs pos="0">
+                      <a:schemeClr val="accent1">
+                        <a:lumMod val="5000"/>
+                        <a:lumOff val="95000"/>
+                      </a:schemeClr>
+                    </a:gs>
+                    <a:gs pos="74000">
+                      <a:schemeClr val="accent1">
+                        <a:lumMod val="45000"/>
+                        <a:lumOff val="55000"/>
+                      </a:schemeClr>
+                    </a:gs>
+                    <a:gs pos="83000">
+                      <a:schemeClr val="accent1">
+                        <a:lumMod val="45000"/>
+                        <a:lumOff val="55000"/>
+                      </a:schemeClr>
+                    </a:gs>
+                    <a:gs pos="100000">
+                      <a:schemeClr val="accent1">
+                        <a:lumMod val="30000"/>
+                        <a:lumOff val="70000"/>
+                      </a:schemeClr>
+                    </a:gs>
+                  </a:gsLst>
+                  <a:lin ang="5400000" scaled="1"/>
+                </a:gradFill>
+              </a:rPr>
+              <a:t>1</a:t>
+            </a:r>
+            <a:r>
+              <a:rPr lang="en-US" sz="2800" dirty="0" smtClean="0"/>
+              <a:t>O1R1, A</a:t>
+            </a:r>
+            <a:r>
+              <a:rPr lang="en-US" altLang="zh-CN" sz="2800" dirty="0" smtClean="0"/>
+              <a:t>2</a:t>
+            </a:r>
+            <a:r>
+              <a:rPr lang="en-US" sz="2800" dirty="0" smtClean="0"/>
+              <a:t>O2R2,……</a:t>
+            </a:r>
+            <a:r>
+              <a:rPr lang="en-US" sz="2800" dirty="0" err="1" smtClean="0"/>
+              <a:t>AtOtRt</a:t>
+            </a:r>
+            <a:endParaRPr lang="en-US" sz="2800" dirty="0" smtClean="0"/>
+          </a:p>
+          <a:p>
+            <a:pPr marL="231775" lvl="1" indent="0" algn="ctr">
+              <a:buNone/>
+            </a:pPr>
+            <a:endParaRPr lang="en-US" sz="2800" dirty="0" smtClean="0">
+              <a:gradFill flip="none" rotWithShape="1">
+                <a:gsLst>
+                  <a:gs pos="0">
+                    <a:schemeClr val="accent4">
+                      <a:lumMod val="0"/>
+                      <a:lumOff val="100000"/>
+                    </a:schemeClr>
+                  </a:gs>
+                  <a:gs pos="55000">
+                    <a:schemeClr val="accent4">
+                      <a:lumMod val="0"/>
+                      <a:lumOff val="100000"/>
+                    </a:schemeClr>
+                  </a:gs>
+                  <a:gs pos="100000">
+                    <a:schemeClr val="accent4">
+                      <a:lumMod val="100000"/>
+                    </a:schemeClr>
+                  </a:gs>
+                </a:gsLst>
+                <a:path path="circle">
+                  <a:fillToRect l="50000" t="-80000" r="50000" b="180000"/>
+                </a:path>
+                <a:tileRect/>
+              </a:gradFill>
+            </a:endParaRPr>
+          </a:p>
+          <a:p>
+            <a:pPr lvl="1"/>
+            <a:r>
+              <a:rPr lang="en-US" sz="2300" dirty="0" smtClean="0"/>
+              <a:t>i.e. all observable variables up to time t</a:t>
+            </a:r>
+          </a:p>
+          <a:p>
+            <a:endParaRPr lang="en-US" sz="1800" dirty="0" smtClean="0"/>
+          </a:p>
+          <a:p>
+            <a:r>
+              <a:rPr lang="en-US" dirty="0" smtClean="0"/>
+              <a:t>What happens next depends on history </a:t>
+            </a:r>
+            <a:r>
+              <a:rPr lang="en-US" altLang="zh-CN" dirty="0" smtClean="0"/>
+              <a:t>Ht.</a:t>
+            </a:r>
+          </a:p>
+          <a:p>
+            <a:pPr lvl="1"/>
+            <a:r>
+              <a:rPr lang="en-US" altLang="zh-CN" sz="2300" dirty="0" smtClean="0"/>
+              <a:t>The agent selects actions depends on Ht.</a:t>
+            </a:r>
+          </a:p>
+          <a:p>
+            <a:pPr lvl="1"/>
+            <a:r>
+              <a:rPr lang="en-US" altLang="zh-CN" sz="2300" dirty="0" smtClean="0"/>
+              <a:t>The environment selects observations/rewards </a:t>
+            </a:r>
+            <a:r>
+              <a:rPr lang="en-US" altLang="zh-CN" sz="2300" dirty="0"/>
+              <a:t>depends on Ht.</a:t>
+            </a:r>
+          </a:p>
+          <a:p>
+            <a:pPr marL="231775" lvl="1" indent="0">
+              <a:buNone/>
+            </a:pPr>
+            <a:endParaRPr lang="en-US" altLang="zh-CN" sz="1800" dirty="0" smtClean="0"/>
           </a:p>
         </p:txBody>
       </p:sp>
     </p:spTree>
     <p:extLst>
       <p:ext uri="{BB962C8B-B14F-4D97-AF65-F5344CB8AC3E}">
-        <p14:creationId xmlns:p14="http://schemas.microsoft.com/office/powerpoint/2010/main" val="1108506989"/>
+        <p14:creationId xmlns:p14="http://schemas.microsoft.com/office/powerpoint/2010/main" val="2656791536"/>
+      </p:ext>
+    </p:extLst>
+  </p:cSld>
+  <p:clrMapOvr>
+    <a:masterClrMapping/>
+  </p:clrMapOvr>
+  <mc:AlternateContent xmlns:mc="http://schemas.openxmlformats.org/markup-compatibility/2006" xmlns:p14="http://schemas.microsoft.com/office/powerpoint/2010/main">
+    <mc:Choice Requires="p14">
+      <p:transition spd="med" p14:dur="700">
+        <p:fade/>
+      </p:transition>
+    </mc:Choice>
+    <mc:Fallback xmlns="">
+      <p:transition spd="med">
+        <p:fade/>
+      </p:transition>
+    </mc:Fallback>
+  </mc:AlternateContent>
+  <p:timing>
+    <p:tnLst>
+      <p:par>
+        <p:cTn id="1" dur="indefinite" restart="never" nodeType="tmRoot"/>
+      </p:par>
+    </p:tnLst>
+  </p:timing>
+</p:sld>
+</file>
+
+<file path=ppt/slides/slide18.xml><?xml version="1.0" encoding="utf-8"?>
+<p:sld xmlns:a="http://schemas.openxmlformats.org/drawingml/2006/main" xmlns:r="http://schemas.openxmlformats.org/officeDocument/2006/relationships" xmlns:p="http://schemas.openxmlformats.org/presentationml/2006/main">
+  <p:cSld>
+    <p:spTree>
+      <p:nvGrpSpPr>
+        <p:cNvPr id="1" name=""/>
+        <p:cNvGrpSpPr/>
+        <p:nvPr/>
+      </p:nvGrpSpPr>
+      <p:grpSpPr>
+        <a:xfrm>
+          <a:off x="0" y="0"/>
+          <a:ext cx="0" cy="0"/>
+          <a:chOff x="0" y="0"/>
+          <a:chExt cx="0" cy="0"/>
+        </a:xfrm>
+      </p:grpSpPr>
+      <p:sp>
+        <p:nvSpPr>
+          <p:cNvPr id="2" name="标题 1"/>
+          <p:cNvSpPr>
+            <a:spLocks noGrp="1"/>
+          </p:cNvSpPr>
+          <p:nvPr>
+            <p:ph type="title"/>
+          </p:nvPr>
+        </p:nvSpPr>
+        <p:spPr>
+          <a:xfrm>
+            <a:off x="1522413" y="381000"/>
+            <a:ext cx="9144001" cy="762000"/>
+          </a:xfrm>
+        </p:spPr>
+        <p:txBody>
+          <a:bodyPr/>
+          <a:lstStyle/>
+          <a:p>
+            <a:r>
+              <a:rPr lang="en-US" altLang="zh-CN" dirty="0" smtClean="0">
+                <a:solidFill>
+                  <a:srgbClr val="FFFF00"/>
+                </a:solidFill>
+              </a:rPr>
+              <a:t>History </a:t>
+            </a:r>
+            <a:r>
+              <a:rPr lang="en-US" altLang="zh-CN" dirty="0" smtClean="0"/>
+              <a:t>and </a:t>
+            </a:r>
+            <a:r>
+              <a:rPr lang="en-US" altLang="zh-CN" dirty="0" smtClean="0">
+                <a:solidFill>
+                  <a:srgbClr val="FFFF00"/>
+                </a:solidFill>
+              </a:rPr>
+              <a:t>State</a:t>
+            </a:r>
+            <a:endParaRPr lang="zh-CN" altLang="en-US" dirty="0"/>
+          </a:p>
+        </p:txBody>
+      </p:sp>
+      <p:sp>
+        <p:nvSpPr>
+          <p:cNvPr id="6" name="文本框 5"/>
+          <p:cNvSpPr txBox="1"/>
+          <p:nvPr/>
+        </p:nvSpPr>
+        <p:spPr>
+          <a:xfrm>
+            <a:off x="1293812" y="1752600"/>
+            <a:ext cx="9372602" cy="523220"/>
+          </a:xfrm>
+          <a:prstGeom prst="rect">
+            <a:avLst/>
+          </a:prstGeom>
+          <a:noFill/>
+        </p:spPr>
+        <p:txBody>
+          <a:bodyPr wrap="square" rtlCol="0">
+            <a:spAutoFit/>
+          </a:bodyPr>
+          <a:lstStyle/>
+          <a:p>
+            <a:pPr marL="285750" indent="-285750">
+              <a:buFont typeface="Arial" panose="020B0604020202020204" pitchFamily="34" charset="0"/>
+              <a:buChar char="•"/>
+            </a:pPr>
+            <a:endParaRPr lang="en-US" altLang="zh-CN" sz="1600" dirty="0" smtClean="0"/>
+          </a:p>
+          <a:p>
+            <a:pPr marL="285750" indent="-285750">
+              <a:buFont typeface="Arial" panose="020B0604020202020204" pitchFamily="34" charset="0"/>
+              <a:buChar char="•"/>
+            </a:pPr>
+            <a:endParaRPr lang="en-US" altLang="zh-CN" sz="1200" dirty="0" smtClean="0"/>
+          </a:p>
+        </p:txBody>
+      </p:sp>
+      <p:sp>
+        <p:nvSpPr>
+          <p:cNvPr id="8" name="内容占位符 2"/>
+          <p:cNvSpPr>
+            <a:spLocks noGrp="1"/>
+          </p:cNvSpPr>
+          <p:nvPr>
+            <p:ph sz="half" idx="1"/>
+          </p:nvPr>
+        </p:nvSpPr>
+        <p:spPr>
+          <a:xfrm>
+            <a:off x="1293812" y="1524000"/>
+            <a:ext cx="8686799" cy="4648200"/>
+          </a:xfrm>
+        </p:spPr>
+        <p:txBody>
+          <a:bodyPr rtlCol="0">
+            <a:normAutofit/>
+          </a:bodyPr>
+          <a:lstStyle/>
+          <a:p>
+            <a:pPr lvl="1"/>
+            <a:r>
+              <a:rPr lang="en-US" altLang="zh-CN" sz="2800" dirty="0" smtClean="0"/>
+              <a:t>Goal: build a mapping</a:t>
+            </a:r>
+          </a:p>
+          <a:p>
+            <a:pPr lvl="1"/>
+            <a:endParaRPr lang="en-US" altLang="zh-CN" sz="2800" dirty="0" smtClean="0"/>
+          </a:p>
+          <a:p>
+            <a:pPr marL="231775" lvl="1" indent="0" algn="ctr">
+              <a:buNone/>
+            </a:pPr>
+            <a:r>
+              <a:rPr lang="en-US" altLang="zh-CN" sz="4000" dirty="0" smtClean="0"/>
+              <a:t>At = f(</a:t>
+            </a:r>
+            <a:r>
+              <a:rPr lang="en-US" altLang="zh-CN" sz="4000" dirty="0" err="1" smtClean="0"/>
+              <a:t>Ht</a:t>
+            </a:r>
+            <a:r>
+              <a:rPr lang="en-US" altLang="zh-CN" sz="4000" dirty="0" smtClean="0"/>
+              <a:t>)</a:t>
+            </a:r>
+          </a:p>
+          <a:p>
+            <a:pPr marL="231775" lvl="1" indent="0" algn="ctr">
+              <a:buNone/>
+            </a:pPr>
+            <a:r>
+              <a:rPr lang="en-US" altLang="zh-CN" sz="4000" dirty="0" err="1" smtClean="0"/>
+              <a:t>Ot</a:t>
+            </a:r>
+            <a:r>
+              <a:rPr lang="en-US" altLang="zh-CN" sz="4000" dirty="0" smtClean="0"/>
+              <a:t> </a:t>
+            </a:r>
+            <a:r>
+              <a:rPr lang="en-US" altLang="zh-CN" sz="4000" dirty="0"/>
+              <a:t>= </a:t>
+            </a:r>
+            <a:r>
+              <a:rPr lang="en-US" altLang="zh-CN" sz="4000" dirty="0" smtClean="0"/>
+              <a:t>g(</a:t>
+            </a:r>
+            <a:r>
+              <a:rPr lang="en-US" altLang="zh-CN" sz="4000" dirty="0" err="1" smtClean="0"/>
+              <a:t>Ht</a:t>
+            </a:r>
+            <a:r>
+              <a:rPr lang="en-US" altLang="zh-CN" sz="4000" dirty="0" smtClean="0"/>
+              <a:t>)</a:t>
+            </a:r>
+          </a:p>
+          <a:p>
+            <a:pPr marL="231775" lvl="1" indent="0" algn="ctr">
+              <a:buNone/>
+            </a:pPr>
+            <a:r>
+              <a:rPr lang="en-US" altLang="zh-CN" sz="4000" dirty="0" err="1" smtClean="0"/>
+              <a:t>Rt</a:t>
+            </a:r>
+            <a:r>
+              <a:rPr lang="en-US" altLang="zh-CN" sz="4000" dirty="0" smtClean="0"/>
+              <a:t> </a:t>
+            </a:r>
+            <a:r>
+              <a:rPr lang="en-US" altLang="zh-CN" sz="4000" dirty="0"/>
+              <a:t>= </a:t>
+            </a:r>
+            <a:r>
+              <a:rPr lang="en-US" altLang="zh-CN" sz="4000" dirty="0" smtClean="0"/>
+              <a:t>h(</a:t>
+            </a:r>
+            <a:r>
+              <a:rPr lang="en-US" altLang="zh-CN" sz="4000" dirty="0" err="1" smtClean="0"/>
+              <a:t>Ht</a:t>
+            </a:r>
+            <a:r>
+              <a:rPr lang="en-US" altLang="zh-CN" sz="4000" dirty="0"/>
+              <a:t>)</a:t>
+            </a:r>
+            <a:endParaRPr lang="en-US" altLang="zh-CN" sz="4000" dirty="0" smtClean="0"/>
+          </a:p>
+        </p:txBody>
+      </p:sp>
+    </p:spTree>
+    <p:extLst>
+      <p:ext uri="{BB962C8B-B14F-4D97-AF65-F5344CB8AC3E}">
+        <p14:creationId xmlns:p14="http://schemas.microsoft.com/office/powerpoint/2010/main" val="3598512071"/>
+      </p:ext>
+    </p:extLst>
+  </p:cSld>
+  <p:clrMapOvr>
+    <a:masterClrMapping/>
+  </p:clrMapOvr>
+  <mc:AlternateContent xmlns:mc="http://schemas.openxmlformats.org/markup-compatibility/2006" xmlns:p14="http://schemas.microsoft.com/office/powerpoint/2010/main">
+    <mc:Choice Requires="p14">
+      <p:transition spd="med" p14:dur="700">
+        <p:fade/>
+      </p:transition>
+    </mc:Choice>
+    <mc:Fallback xmlns="">
+      <p:transition spd="med">
+        <p:fade/>
+      </p:transition>
+    </mc:Fallback>
+  </mc:AlternateContent>
+  <p:timing>
+    <p:tnLst>
+      <p:par>
+        <p:cTn id="1" dur="indefinite" restart="never" nodeType="tmRoot"/>
+      </p:par>
+    </p:tnLst>
+  </p:timing>
+</p:sld>
+</file>
+
+<file path=ppt/slides/slide19.xml><?xml version="1.0" encoding="utf-8"?>
+<p:sld xmlns:a="http://schemas.openxmlformats.org/drawingml/2006/main" xmlns:r="http://schemas.openxmlformats.org/officeDocument/2006/relationships" xmlns:p="http://schemas.openxmlformats.org/presentationml/2006/main">
+  <p:cSld>
+    <p:spTree>
+      <p:nvGrpSpPr>
+        <p:cNvPr id="1" name=""/>
+        <p:cNvGrpSpPr/>
+        <p:nvPr/>
+      </p:nvGrpSpPr>
+      <p:grpSpPr>
+        <a:xfrm>
+          <a:off x="0" y="0"/>
+          <a:ext cx="0" cy="0"/>
+          <a:chOff x="0" y="0"/>
+          <a:chExt cx="0" cy="0"/>
+        </a:xfrm>
+      </p:grpSpPr>
+      <p:sp>
+        <p:nvSpPr>
+          <p:cNvPr id="2" name="标题 1"/>
+          <p:cNvSpPr>
+            <a:spLocks noGrp="1"/>
+          </p:cNvSpPr>
+          <p:nvPr>
+            <p:ph type="title"/>
+          </p:nvPr>
+        </p:nvSpPr>
+        <p:spPr>
+          <a:xfrm>
+            <a:off x="1522413" y="381000"/>
+            <a:ext cx="9144001" cy="762000"/>
+          </a:xfrm>
+        </p:spPr>
+        <p:txBody>
+          <a:bodyPr/>
+          <a:lstStyle/>
+          <a:p>
+            <a:r>
+              <a:rPr lang="en-US" altLang="zh-CN" dirty="0" smtClean="0">
+                <a:solidFill>
+                  <a:srgbClr val="FFFF00"/>
+                </a:solidFill>
+              </a:rPr>
+              <a:t>History </a:t>
+            </a:r>
+            <a:r>
+              <a:rPr lang="en-US" altLang="zh-CN" dirty="0" smtClean="0"/>
+              <a:t>and </a:t>
+            </a:r>
+            <a:r>
+              <a:rPr lang="en-US" altLang="zh-CN" dirty="0" smtClean="0">
+                <a:solidFill>
+                  <a:srgbClr val="FFFF00"/>
+                </a:solidFill>
+              </a:rPr>
+              <a:t>State</a:t>
+            </a:r>
+            <a:endParaRPr lang="zh-CN" altLang="en-US" dirty="0"/>
+          </a:p>
+        </p:txBody>
+      </p:sp>
+      <p:sp>
+        <p:nvSpPr>
+          <p:cNvPr id="6" name="文本框 5"/>
+          <p:cNvSpPr txBox="1"/>
+          <p:nvPr/>
+        </p:nvSpPr>
+        <p:spPr>
+          <a:xfrm>
+            <a:off x="1293812" y="1752600"/>
+            <a:ext cx="9372602" cy="523220"/>
+          </a:xfrm>
+          <a:prstGeom prst="rect">
+            <a:avLst/>
+          </a:prstGeom>
+          <a:noFill/>
+        </p:spPr>
+        <p:txBody>
+          <a:bodyPr wrap="square" rtlCol="0">
+            <a:spAutoFit/>
+          </a:bodyPr>
+          <a:lstStyle/>
+          <a:p>
+            <a:pPr marL="285750" indent="-285750">
+              <a:buFont typeface="Arial" panose="020B0604020202020204" pitchFamily="34" charset="0"/>
+              <a:buChar char="•"/>
+            </a:pPr>
+            <a:endParaRPr lang="en-US" altLang="zh-CN" sz="1600" dirty="0" smtClean="0"/>
+          </a:p>
+          <a:p>
+            <a:pPr marL="285750" indent="-285750">
+              <a:buFont typeface="Arial" panose="020B0604020202020204" pitchFamily="34" charset="0"/>
+              <a:buChar char="•"/>
+            </a:pPr>
+            <a:endParaRPr lang="en-US" altLang="zh-CN" sz="1200" dirty="0" smtClean="0"/>
+          </a:p>
+        </p:txBody>
+      </p:sp>
+      <p:sp>
+        <p:nvSpPr>
+          <p:cNvPr id="8" name="内容占位符 2"/>
+          <p:cNvSpPr>
+            <a:spLocks noGrp="1"/>
+          </p:cNvSpPr>
+          <p:nvPr>
+            <p:ph sz="half" idx="1"/>
+          </p:nvPr>
+        </p:nvSpPr>
+        <p:spPr>
+          <a:xfrm>
+            <a:off x="1293812" y="1524000"/>
+            <a:ext cx="8686799" cy="4114800"/>
+          </a:xfrm>
+        </p:spPr>
+        <p:txBody>
+          <a:bodyPr rtlCol="0">
+            <a:normAutofit/>
+          </a:bodyPr>
+          <a:lstStyle/>
+          <a:p>
+            <a:r>
+              <a:rPr lang="en-US" altLang="zh-CN" sz="1800" dirty="0" smtClean="0"/>
+              <a:t>Usually, </a:t>
+            </a:r>
+            <a:r>
+              <a:rPr lang="en-US" altLang="zh-CN" sz="1800" dirty="0" err="1" smtClean="0"/>
+              <a:t>H</a:t>
+            </a:r>
+            <a:r>
+              <a:rPr lang="en-US" altLang="zh-CN" sz="1400" dirty="0" err="1" smtClean="0"/>
+              <a:t>t</a:t>
+            </a:r>
+            <a:r>
+              <a:rPr lang="en-US" altLang="zh-CN" sz="1400" dirty="0" smtClean="0"/>
+              <a:t> is </a:t>
+            </a:r>
+            <a:r>
+              <a:rPr lang="en-US" altLang="zh-CN" sz="1400" dirty="0" smtClean="0">
+                <a:solidFill>
+                  <a:srgbClr val="FFFF00"/>
+                </a:solidFill>
+              </a:rPr>
+              <a:t>usually too big </a:t>
+            </a:r>
+            <a:r>
+              <a:rPr lang="en-US" altLang="zh-CN" sz="1400" dirty="0" smtClean="0"/>
+              <a:t>and is </a:t>
+            </a:r>
+            <a:r>
+              <a:rPr lang="en-US" altLang="zh-CN" sz="1400" dirty="0" smtClean="0">
+                <a:solidFill>
+                  <a:srgbClr val="FFFF00"/>
+                </a:solidFill>
+              </a:rPr>
+              <a:t>not useful </a:t>
+            </a:r>
+            <a:r>
+              <a:rPr lang="en-US" altLang="zh-CN" sz="1400" dirty="0" smtClean="0"/>
+              <a:t>in most case.</a:t>
+            </a:r>
+          </a:p>
+          <a:p>
+            <a:endParaRPr lang="en-US" altLang="zh-CN" sz="1400" dirty="0" smtClean="0"/>
+          </a:p>
+          <a:p>
+            <a:r>
+              <a:rPr lang="en-US" altLang="zh-CN" sz="1800" dirty="0" smtClean="0"/>
+              <a:t>State: A concise summary used to determine what happens next.</a:t>
+            </a:r>
+          </a:p>
+          <a:p>
+            <a:r>
+              <a:rPr lang="en-US" altLang="zh-CN" sz="1800" dirty="0" smtClean="0"/>
+              <a:t>Capture only the necessary information needed.</a:t>
+            </a:r>
+          </a:p>
+          <a:p>
+            <a:endParaRPr lang="en-US" altLang="zh-CN" sz="1800" dirty="0" smtClean="0"/>
+          </a:p>
+          <a:p>
+            <a:r>
+              <a:rPr lang="en-US" altLang="zh-CN" sz="1800" dirty="0" smtClean="0"/>
+              <a:t>Formally, state is a function history </a:t>
+            </a:r>
+            <a:r>
+              <a:rPr lang="en-US" altLang="zh-CN" sz="1800" dirty="0"/>
+              <a:t>H</a:t>
+            </a:r>
+            <a:r>
+              <a:rPr lang="en-US" altLang="zh-CN" sz="1400" dirty="0"/>
+              <a:t>t</a:t>
+            </a:r>
+            <a:r>
+              <a:rPr lang="en-US" altLang="zh-CN" sz="1800" dirty="0" smtClean="0"/>
+              <a:t>.</a:t>
+            </a:r>
+          </a:p>
+          <a:p>
+            <a:pPr marL="0" indent="0" algn="ctr">
+              <a:buNone/>
+            </a:pPr>
+            <a:r>
+              <a:rPr lang="en-US" altLang="zh-CN" sz="3600" dirty="0" smtClean="0"/>
+              <a:t>St = f(</a:t>
+            </a:r>
+            <a:r>
+              <a:rPr lang="en-US" altLang="zh-CN" sz="3600" dirty="0" err="1"/>
+              <a:t>Ht</a:t>
+            </a:r>
+            <a:r>
+              <a:rPr lang="en-US" altLang="zh-CN" sz="3600" dirty="0" smtClean="0"/>
+              <a:t>)</a:t>
+            </a:r>
+          </a:p>
+          <a:p>
+            <a:endParaRPr lang="en-US" altLang="zh-CN" sz="1800" dirty="0" smtClean="0"/>
+          </a:p>
+        </p:txBody>
+      </p:sp>
+    </p:spTree>
+    <p:extLst>
+      <p:ext uri="{BB962C8B-B14F-4D97-AF65-F5344CB8AC3E}">
+        <p14:creationId xmlns:p14="http://schemas.microsoft.com/office/powerpoint/2010/main" val="1577181483"/>
       </p:ext>
     </p:extLst>
   </p:cSld>
@@ -6052,6 +6792,678 @@
     <p:extLst>
       <p:ext uri="{BB962C8B-B14F-4D97-AF65-F5344CB8AC3E}">
         <p14:creationId xmlns:p14="http://schemas.microsoft.com/office/powerpoint/2010/main" val="2139132589"/>
+      </p:ext>
+    </p:extLst>
+  </p:cSld>
+  <p:clrMapOvr>
+    <a:masterClrMapping/>
+  </p:clrMapOvr>
+  <mc:AlternateContent xmlns:mc="http://schemas.openxmlformats.org/markup-compatibility/2006" xmlns:p14="http://schemas.microsoft.com/office/powerpoint/2010/main">
+    <mc:Choice Requires="p14">
+      <p:transition spd="med" p14:dur="700">
+        <p:fade/>
+      </p:transition>
+    </mc:Choice>
+    <mc:Fallback xmlns="">
+      <p:transition spd="med">
+        <p:fade/>
+      </p:transition>
+    </mc:Fallback>
+  </mc:AlternateContent>
+  <p:timing>
+    <p:tnLst>
+      <p:par>
+        <p:cTn id="1" dur="indefinite" restart="never" nodeType="tmRoot"/>
+      </p:par>
+    </p:tnLst>
+  </p:timing>
+</p:sld>
+</file>
+
+<file path=ppt/slides/slide20.xml><?xml version="1.0" encoding="utf-8"?>
+<p:sld xmlns:a="http://schemas.openxmlformats.org/drawingml/2006/main" xmlns:r="http://schemas.openxmlformats.org/officeDocument/2006/relationships" xmlns:p="http://schemas.openxmlformats.org/presentationml/2006/main">
+  <p:cSld>
+    <p:spTree>
+      <p:nvGrpSpPr>
+        <p:cNvPr id="1" name=""/>
+        <p:cNvGrpSpPr/>
+        <p:nvPr/>
+      </p:nvGrpSpPr>
+      <p:grpSpPr>
+        <a:xfrm>
+          <a:off x="0" y="0"/>
+          <a:ext cx="0" cy="0"/>
+          <a:chOff x="0" y="0"/>
+          <a:chExt cx="0" cy="0"/>
+        </a:xfrm>
+      </p:grpSpPr>
+      <p:sp>
+        <p:nvSpPr>
+          <p:cNvPr id="2" name="标题 1"/>
+          <p:cNvSpPr>
+            <a:spLocks noGrp="1"/>
+          </p:cNvSpPr>
+          <p:nvPr>
+            <p:ph type="title"/>
+          </p:nvPr>
+        </p:nvSpPr>
+        <p:spPr>
+          <a:xfrm>
+            <a:off x="1522413" y="393777"/>
+            <a:ext cx="9144001" cy="762000"/>
+          </a:xfrm>
+        </p:spPr>
+        <p:txBody>
+          <a:bodyPr>
+            <a:normAutofit/>
+          </a:bodyPr>
+          <a:lstStyle/>
+          <a:p>
+            <a:r>
+              <a:rPr lang="en-US" altLang="zh-CN" dirty="0" smtClean="0"/>
+              <a:t>Environment State, Agent State</a:t>
+            </a:r>
+            <a:endParaRPr lang="zh-CN" altLang="en-US" dirty="0"/>
+          </a:p>
+        </p:txBody>
+      </p:sp>
+      <p:sp>
+        <p:nvSpPr>
+          <p:cNvPr id="6" name="文本框 5"/>
+          <p:cNvSpPr txBox="1"/>
+          <p:nvPr/>
+        </p:nvSpPr>
+        <p:spPr>
+          <a:xfrm>
+            <a:off x="1293812" y="1752600"/>
+            <a:ext cx="9372602" cy="523220"/>
+          </a:xfrm>
+          <a:prstGeom prst="rect">
+            <a:avLst/>
+          </a:prstGeom>
+          <a:noFill/>
+        </p:spPr>
+        <p:txBody>
+          <a:bodyPr wrap="square" rtlCol="0">
+            <a:spAutoFit/>
+          </a:bodyPr>
+          <a:lstStyle/>
+          <a:p>
+            <a:pPr marL="285750" indent="-285750">
+              <a:buFont typeface="Arial" panose="020B0604020202020204" pitchFamily="34" charset="0"/>
+              <a:buChar char="•"/>
+            </a:pPr>
+            <a:endParaRPr lang="en-US" altLang="zh-CN" sz="1600" dirty="0" smtClean="0"/>
+          </a:p>
+          <a:p>
+            <a:pPr marL="285750" indent="-285750">
+              <a:buFont typeface="Arial" panose="020B0604020202020204" pitchFamily="34" charset="0"/>
+              <a:buChar char="•"/>
+            </a:pPr>
+            <a:endParaRPr lang="en-US" altLang="zh-CN" sz="1200" dirty="0" smtClean="0"/>
+          </a:p>
+        </p:txBody>
+      </p:sp>
+      <p:sp>
+        <p:nvSpPr>
+          <p:cNvPr id="8" name="内容占位符 2"/>
+          <p:cNvSpPr>
+            <a:spLocks noGrp="1"/>
+          </p:cNvSpPr>
+          <p:nvPr>
+            <p:ph sz="half" idx="1"/>
+          </p:nvPr>
+        </p:nvSpPr>
+        <p:spPr>
+          <a:xfrm>
+            <a:off x="1293813" y="1524000"/>
+            <a:ext cx="3581400" cy="5257800"/>
+          </a:xfrm>
+        </p:spPr>
+        <p:txBody>
+          <a:bodyPr rtlCol="0">
+            <a:normAutofit/>
+          </a:bodyPr>
+          <a:lstStyle/>
+          <a:p>
+            <a:r>
+              <a:rPr lang="en-US" altLang="zh-CN" sz="1800" dirty="0"/>
+              <a:t>Agent </a:t>
+            </a:r>
+            <a:r>
+              <a:rPr lang="en-US" altLang="zh-CN" sz="1800" dirty="0" smtClean="0"/>
+              <a:t>State:                                  </a:t>
+            </a:r>
+            <a:endParaRPr lang="en-US" altLang="zh-CN" sz="1800" dirty="0" smtClean="0">
+              <a:solidFill>
+                <a:srgbClr val="FFFF00"/>
+              </a:solidFill>
+            </a:endParaRPr>
+          </a:p>
+          <a:p>
+            <a:r>
+              <a:rPr lang="en-US" altLang="zh-CN" sz="1800" dirty="0" smtClean="0">
+                <a:solidFill>
+                  <a:srgbClr val="FFFF00"/>
+                </a:solidFill>
+              </a:rPr>
+              <a:t>                                                      </a:t>
+            </a:r>
+            <a:endParaRPr lang="en-US" altLang="zh-CN" sz="1800" dirty="0">
+              <a:solidFill>
+                <a:srgbClr val="FFFF00"/>
+              </a:solidFill>
+            </a:endParaRPr>
+          </a:p>
+          <a:p>
+            <a:endParaRPr lang="en-US" altLang="zh-CN" sz="1800" dirty="0" smtClean="0">
+              <a:solidFill>
+                <a:srgbClr val="FFFF00"/>
+              </a:solidFill>
+            </a:endParaRPr>
+          </a:p>
+          <a:p>
+            <a:endParaRPr lang="en-US" altLang="zh-CN" sz="1800" dirty="0">
+              <a:solidFill>
+                <a:srgbClr val="FFFF00"/>
+              </a:solidFill>
+            </a:endParaRPr>
+          </a:p>
+          <a:p>
+            <a:endParaRPr lang="en-US" altLang="zh-CN" sz="1800" dirty="0">
+              <a:solidFill>
+                <a:srgbClr val="FFFF00"/>
+              </a:solidFill>
+            </a:endParaRPr>
+          </a:p>
+          <a:p>
+            <a:endParaRPr lang="en-US" altLang="zh-CN" sz="1800" dirty="0" smtClean="0"/>
+          </a:p>
+          <a:p>
+            <a:r>
+              <a:rPr lang="en-US" altLang="zh-CN" sz="1800" dirty="0" smtClean="0"/>
+              <a:t>Environment </a:t>
+            </a:r>
+            <a:r>
+              <a:rPr lang="en-US" altLang="zh-CN" sz="1800" dirty="0"/>
+              <a:t>State: </a:t>
+            </a:r>
+            <a:r>
+              <a:rPr lang="en-US" altLang="zh-CN" sz="1800" dirty="0" smtClean="0"/>
+              <a:t>                   </a:t>
+            </a:r>
+          </a:p>
+          <a:p>
+            <a:pPr marL="0" indent="0">
+              <a:buNone/>
+            </a:pPr>
+            <a:r>
+              <a:rPr lang="en-US" altLang="zh-CN" sz="1800" dirty="0" smtClean="0"/>
+              <a:t>                                                         </a:t>
+            </a:r>
+          </a:p>
+        </p:txBody>
+      </p:sp>
+      <p:pic>
+        <p:nvPicPr>
+          <p:cNvPr id="3" name="图片 2"/>
+          <p:cNvPicPr>
+            <a:picLocks noChangeAspect="1"/>
+          </p:cNvPicPr>
+          <p:nvPr/>
+        </p:nvPicPr>
+        <p:blipFill>
+          <a:blip r:embed="rId2"/>
+          <a:stretch>
+            <a:fillRect/>
+          </a:stretch>
+        </p:blipFill>
+        <p:spPr>
+          <a:xfrm>
+            <a:off x="760412" y="4866884"/>
+            <a:ext cx="1962150" cy="1809750"/>
+          </a:xfrm>
+          <a:prstGeom prst="rect">
+            <a:avLst/>
+          </a:prstGeom>
+        </p:spPr>
+      </p:pic>
+      <p:pic>
+        <p:nvPicPr>
+          <p:cNvPr id="4" name="图片 3"/>
+          <p:cNvPicPr>
+            <a:picLocks noChangeAspect="1"/>
+          </p:cNvPicPr>
+          <p:nvPr/>
+        </p:nvPicPr>
+        <p:blipFill>
+          <a:blip r:embed="rId3"/>
+          <a:stretch>
+            <a:fillRect/>
+          </a:stretch>
+        </p:blipFill>
+        <p:spPr>
+          <a:xfrm>
+            <a:off x="2156008" y="2307976"/>
+            <a:ext cx="1962150" cy="1586169"/>
+          </a:xfrm>
+          <a:prstGeom prst="rect">
+            <a:avLst/>
+          </a:prstGeom>
+        </p:spPr>
+      </p:pic>
+      <p:pic>
+        <p:nvPicPr>
+          <p:cNvPr id="5" name="图片 4"/>
+          <p:cNvPicPr>
+            <a:picLocks noChangeAspect="1"/>
+          </p:cNvPicPr>
+          <p:nvPr/>
+        </p:nvPicPr>
+        <p:blipFill>
+          <a:blip r:embed="rId4"/>
+          <a:stretch>
+            <a:fillRect/>
+          </a:stretch>
+        </p:blipFill>
+        <p:spPr>
+          <a:xfrm>
+            <a:off x="3746683" y="4397073"/>
+            <a:ext cx="371475" cy="409575"/>
+          </a:xfrm>
+          <a:prstGeom prst="rect">
+            <a:avLst/>
+          </a:prstGeom>
+        </p:spPr>
+      </p:pic>
+      <p:pic>
+        <p:nvPicPr>
+          <p:cNvPr id="7" name="图片 6"/>
+          <p:cNvPicPr>
+            <a:picLocks noChangeAspect="1"/>
+          </p:cNvPicPr>
+          <p:nvPr/>
+        </p:nvPicPr>
+        <p:blipFill>
+          <a:blip r:embed="rId5"/>
+          <a:stretch>
+            <a:fillRect/>
+          </a:stretch>
+        </p:blipFill>
+        <p:spPr>
+          <a:xfrm>
+            <a:off x="3101807" y="1441391"/>
+            <a:ext cx="323850" cy="447675"/>
+          </a:xfrm>
+          <a:prstGeom prst="rect">
+            <a:avLst/>
+          </a:prstGeom>
+        </p:spPr>
+      </p:pic>
+      <p:sp>
+        <p:nvSpPr>
+          <p:cNvPr id="9" name="矩形 8"/>
+          <p:cNvSpPr/>
+          <p:nvPr/>
+        </p:nvSpPr>
+        <p:spPr>
+          <a:xfrm>
+            <a:off x="5059204" y="1441391"/>
+            <a:ext cx="6140608" cy="4801314"/>
+          </a:xfrm>
+          <a:prstGeom prst="rect">
+            <a:avLst/>
+          </a:prstGeom>
+        </p:spPr>
+        <p:txBody>
+          <a:bodyPr wrap="square">
+            <a:spAutoFit/>
+          </a:bodyPr>
+          <a:lstStyle/>
+          <a:p>
+            <a:pPr marL="285750" indent="-285750">
+              <a:buFont typeface="Arial" panose="020B0604020202020204" pitchFamily="34" charset="0"/>
+              <a:buChar char="•"/>
+            </a:pPr>
+            <a:r>
+              <a:rPr lang="en-US" altLang="zh-CN" dirty="0" smtClean="0"/>
+              <a:t>The Environment State        is the environment’s private representation.</a:t>
+            </a:r>
+          </a:p>
+          <a:p>
+            <a:pPr marL="285750" indent="-285750">
+              <a:buFont typeface="Arial" panose="020B0604020202020204" pitchFamily="34" charset="0"/>
+              <a:buChar char="•"/>
+            </a:pPr>
+            <a:endParaRPr lang="en-US" altLang="zh-CN" dirty="0" smtClean="0"/>
+          </a:p>
+          <a:p>
+            <a:pPr marL="60325" indent="-285750">
+              <a:buFont typeface="Arial" panose="020B0604020202020204" pitchFamily="34" charset="0"/>
+              <a:buChar char="•"/>
+            </a:pPr>
+            <a:r>
+              <a:rPr lang="en-US" altLang="zh-CN" dirty="0" smtClean="0"/>
+              <a:t>i.e. whatever data the environment uses to pick the next observation/reward (</a:t>
+            </a:r>
+            <a:r>
+              <a:rPr lang="en-US" altLang="zh-CN" dirty="0" err="1" smtClean="0"/>
+              <a:t>Ot</a:t>
+            </a:r>
+            <a:r>
+              <a:rPr lang="en-US" altLang="zh-CN" dirty="0" smtClean="0"/>
+              <a:t> </a:t>
+            </a:r>
+            <a:r>
+              <a:rPr lang="en-US" altLang="zh-CN" dirty="0"/>
+              <a:t>= </a:t>
+            </a:r>
+            <a:r>
+              <a:rPr lang="en-US" altLang="zh-CN" dirty="0" smtClean="0"/>
+              <a:t>g(</a:t>
+            </a:r>
+            <a:r>
+              <a:rPr lang="en-US" altLang="zh-CN" dirty="0" err="1" smtClean="0"/>
+              <a:t>Ht</a:t>
+            </a:r>
+            <a:r>
+              <a:rPr lang="en-US" altLang="zh-CN" dirty="0" smtClean="0"/>
+              <a:t>), </a:t>
+            </a:r>
+            <a:r>
+              <a:rPr lang="en-US" altLang="zh-CN" dirty="0" err="1" smtClean="0"/>
+              <a:t>Rt</a:t>
+            </a:r>
+            <a:r>
+              <a:rPr lang="en-US" altLang="zh-CN" dirty="0" smtClean="0"/>
+              <a:t> </a:t>
+            </a:r>
+            <a:r>
+              <a:rPr lang="en-US" altLang="zh-CN" dirty="0"/>
+              <a:t>= h(</a:t>
+            </a:r>
+            <a:r>
+              <a:rPr lang="en-US" altLang="zh-CN" dirty="0" err="1"/>
+              <a:t>Ht</a:t>
+            </a:r>
+            <a:r>
+              <a:rPr lang="en-US" altLang="zh-CN" dirty="0" smtClean="0"/>
+              <a:t>))</a:t>
+            </a:r>
+          </a:p>
+          <a:p>
+            <a:pPr marL="60325" indent="-285750">
+              <a:buFont typeface="Arial" panose="020B0604020202020204" pitchFamily="34" charset="0"/>
+              <a:buChar char="•"/>
+            </a:pPr>
+            <a:endParaRPr lang="en-US" altLang="zh-CN" dirty="0"/>
+          </a:p>
+          <a:p>
+            <a:pPr marL="60325" indent="-285750">
+              <a:buFont typeface="Arial" panose="020B0604020202020204" pitchFamily="34" charset="0"/>
+              <a:buChar char="•"/>
+            </a:pPr>
+            <a:r>
+              <a:rPr lang="en-US" altLang="zh-CN" dirty="0" smtClean="0"/>
+              <a:t>The environment state is not usually visible to the agent</a:t>
+            </a:r>
+          </a:p>
+          <a:p>
+            <a:pPr marL="60325" indent="-285750">
+              <a:buFont typeface="Arial" panose="020B0604020202020204" pitchFamily="34" charset="0"/>
+              <a:buChar char="•"/>
+            </a:pPr>
+            <a:endParaRPr lang="en-US" altLang="zh-CN" dirty="0"/>
+          </a:p>
+          <a:p>
+            <a:pPr marL="60325" indent="-285750">
+              <a:buFont typeface="Arial" panose="020B0604020202020204" pitchFamily="34" charset="0"/>
+              <a:buChar char="•"/>
+            </a:pPr>
+            <a:r>
+              <a:rPr lang="en-US" altLang="zh-CN" dirty="0" smtClean="0"/>
+              <a:t>Even if          is visible, it may contains irrelevant information.</a:t>
+            </a:r>
+          </a:p>
+          <a:p>
+            <a:pPr marL="60325" indent="-285750">
+              <a:buFont typeface="Arial" panose="020B0604020202020204" pitchFamily="34" charset="0"/>
+              <a:buChar char="•"/>
+            </a:pPr>
+            <a:endParaRPr lang="en-US" altLang="zh-CN" dirty="0" smtClean="0"/>
+          </a:p>
+          <a:p>
+            <a:pPr marL="60325" indent="-285750">
+              <a:buFont typeface="Arial" panose="020B0604020202020204" pitchFamily="34" charset="0"/>
+              <a:buChar char="•"/>
+            </a:pPr>
+            <a:endParaRPr lang="en-US" altLang="zh-CN" dirty="0"/>
+          </a:p>
+          <a:p>
+            <a:pPr marL="60325" indent="-285750">
+              <a:buFont typeface="Arial" panose="020B0604020202020204" pitchFamily="34" charset="0"/>
+              <a:buChar char="•"/>
+            </a:pPr>
+            <a:r>
+              <a:rPr lang="en-US" altLang="zh-CN" dirty="0" smtClean="0"/>
+              <a:t>e.g. all memory in the used by the game program.</a:t>
+            </a:r>
+            <a:endParaRPr lang="en-US" altLang="zh-CN" dirty="0"/>
+          </a:p>
+          <a:p>
+            <a:pPr marL="285750" indent="-285750">
+              <a:buFont typeface="Arial" panose="020B0604020202020204" pitchFamily="34" charset="0"/>
+              <a:buChar char="•"/>
+            </a:pPr>
+            <a:endParaRPr lang="en-US" altLang="zh-CN" dirty="0" smtClean="0"/>
+          </a:p>
+          <a:p>
+            <a:pPr marL="285750" indent="-285750">
+              <a:buFont typeface="Arial" panose="020B0604020202020204" pitchFamily="34" charset="0"/>
+              <a:buChar char="•"/>
+            </a:pPr>
+            <a:endParaRPr lang="en-US" altLang="zh-CN" dirty="0"/>
+          </a:p>
+          <a:p>
+            <a:pPr marL="285750" indent="-285750">
+              <a:buFont typeface="Arial" panose="020B0604020202020204" pitchFamily="34" charset="0"/>
+              <a:buChar char="•"/>
+            </a:pPr>
+            <a:endParaRPr lang="en-US" altLang="zh-CN" dirty="0" smtClean="0"/>
+          </a:p>
+          <a:p>
+            <a:pPr marL="285750" indent="-285750">
+              <a:buFont typeface="Arial" panose="020B0604020202020204" pitchFamily="34" charset="0"/>
+              <a:buChar char="•"/>
+            </a:pPr>
+            <a:endParaRPr lang="en-US" altLang="zh-CN" dirty="0"/>
+          </a:p>
+          <a:p>
+            <a:pPr marL="285750" indent="-285750">
+              <a:buFont typeface="Arial" panose="020B0604020202020204" pitchFamily="34" charset="0"/>
+              <a:buChar char="•"/>
+            </a:pPr>
+            <a:endParaRPr lang="en-US" altLang="zh-CN" dirty="0"/>
+          </a:p>
+        </p:txBody>
+      </p:sp>
+      <p:pic>
+        <p:nvPicPr>
+          <p:cNvPr id="12" name="图片 11"/>
+          <p:cNvPicPr>
+            <a:picLocks noChangeAspect="1"/>
+          </p:cNvPicPr>
+          <p:nvPr/>
+        </p:nvPicPr>
+        <p:blipFill>
+          <a:blip r:embed="rId4"/>
+          <a:stretch>
+            <a:fillRect/>
+          </a:stretch>
+        </p:blipFill>
+        <p:spPr>
+          <a:xfrm>
+            <a:off x="7618412" y="1384377"/>
+            <a:ext cx="371475" cy="409575"/>
+          </a:xfrm>
+          <a:prstGeom prst="rect">
+            <a:avLst/>
+          </a:prstGeom>
+        </p:spPr>
+      </p:pic>
+      <p:pic>
+        <p:nvPicPr>
+          <p:cNvPr id="13" name="图片 12"/>
+          <p:cNvPicPr>
+            <a:picLocks noChangeAspect="1"/>
+          </p:cNvPicPr>
+          <p:nvPr/>
+        </p:nvPicPr>
+        <p:blipFill>
+          <a:blip r:embed="rId4"/>
+          <a:stretch>
+            <a:fillRect/>
+          </a:stretch>
+        </p:blipFill>
+        <p:spPr>
+          <a:xfrm>
+            <a:off x="6135830" y="3638977"/>
+            <a:ext cx="371475" cy="409575"/>
+          </a:xfrm>
+          <a:prstGeom prst="rect">
+            <a:avLst/>
+          </a:prstGeom>
+        </p:spPr>
+      </p:pic>
+      <p:pic>
+        <p:nvPicPr>
+          <p:cNvPr id="15" name="图片 14"/>
+          <p:cNvPicPr>
+            <a:picLocks noChangeAspect="1"/>
+          </p:cNvPicPr>
+          <p:nvPr/>
+        </p:nvPicPr>
+        <p:blipFill>
+          <a:blip r:embed="rId6"/>
+          <a:stretch>
+            <a:fillRect/>
+          </a:stretch>
+        </p:blipFill>
+        <p:spPr>
+          <a:xfrm>
+            <a:off x="2817812" y="4889256"/>
+            <a:ext cx="2246634" cy="1787377"/>
+          </a:xfrm>
+          <a:prstGeom prst="rect">
+            <a:avLst/>
+          </a:prstGeom>
+        </p:spPr>
+      </p:pic>
+    </p:spTree>
+    <p:extLst>
+      <p:ext uri="{BB962C8B-B14F-4D97-AF65-F5344CB8AC3E}">
+        <p14:creationId xmlns:p14="http://schemas.microsoft.com/office/powerpoint/2010/main" val="3461734323"/>
+      </p:ext>
+    </p:extLst>
+  </p:cSld>
+  <p:clrMapOvr>
+    <a:masterClrMapping/>
+  </p:clrMapOvr>
+  <mc:AlternateContent xmlns:mc="http://schemas.openxmlformats.org/markup-compatibility/2006" xmlns:p14="http://schemas.microsoft.com/office/powerpoint/2010/main">
+    <mc:Choice Requires="p14">
+      <p:transition spd="med" p14:dur="700">
+        <p:fade/>
+      </p:transition>
+    </mc:Choice>
+    <mc:Fallback xmlns="">
+      <p:transition spd="med">
+        <p:fade/>
+      </p:transition>
+    </mc:Fallback>
+  </mc:AlternateContent>
+  <p:timing>
+    <p:tnLst>
+      <p:par>
+        <p:cTn id="1" dur="indefinite" restart="never" nodeType="tmRoot"/>
+      </p:par>
+    </p:tnLst>
+  </p:timing>
+</p:sld>
+</file>
+
+<file path=ppt/slides/slide21.xml><?xml version="1.0" encoding="utf-8"?>
+<p:sld xmlns:a="http://schemas.openxmlformats.org/drawingml/2006/main" xmlns:r="http://schemas.openxmlformats.org/officeDocument/2006/relationships" xmlns:p="http://schemas.openxmlformats.org/presentationml/2006/main">
+  <p:cSld>
+    <p:spTree>
+      <p:nvGrpSpPr>
+        <p:cNvPr id="1" name=""/>
+        <p:cNvGrpSpPr/>
+        <p:nvPr/>
+      </p:nvGrpSpPr>
+      <p:grpSpPr>
+        <a:xfrm>
+          <a:off x="0" y="0"/>
+          <a:ext cx="0" cy="0"/>
+          <a:chOff x="0" y="0"/>
+          <a:chExt cx="0" cy="0"/>
+        </a:xfrm>
+      </p:grpSpPr>
+      <p:sp>
+        <p:nvSpPr>
+          <p:cNvPr id="2" name="图片占位符 1"/>
+          <p:cNvSpPr>
+            <a:spLocks noGrp="1"/>
+          </p:cNvSpPr>
+          <p:nvPr>
+            <p:ph type="pic" idx="1"/>
+          </p:nvPr>
+        </p:nvSpPr>
+        <p:spPr/>
+      </p:sp>
+      <p:sp>
+        <p:nvSpPr>
+          <p:cNvPr id="3" name="标题 2"/>
+          <p:cNvSpPr>
+            <a:spLocks noGrp="1"/>
+          </p:cNvSpPr>
+          <p:nvPr>
+            <p:ph type="title"/>
+          </p:nvPr>
+        </p:nvSpPr>
+        <p:spPr/>
+        <p:txBody>
+          <a:bodyPr rtlCol="0"/>
+          <a:lstStyle/>
+          <a:p>
+            <a:pPr rtl="0"/>
+            <a:endParaRPr lang="en-US"/>
+          </a:p>
+        </p:txBody>
+      </p:sp>
+      <p:sp>
+        <p:nvSpPr>
+          <p:cNvPr id="4" name="文本占位符 3"/>
+          <p:cNvSpPr>
+            <a:spLocks noGrp="1"/>
+          </p:cNvSpPr>
+          <p:nvPr>
+            <p:ph type="body" sz="half" idx="2"/>
+          </p:nvPr>
+        </p:nvSpPr>
+        <p:spPr/>
+        <p:txBody>
+          <a:bodyPr rtlCol="0"/>
+          <a:lstStyle/>
+          <a:p>
+            <a:pPr rtl="0"/>
+            <a:endParaRPr lang="en-US"/>
+          </a:p>
+        </p:txBody>
+      </p:sp>
+    </p:spTree>
+    <p:extLst>
+      <p:ext uri="{BB962C8B-B14F-4D97-AF65-F5344CB8AC3E}">
+        <p14:creationId xmlns:p14="http://schemas.microsoft.com/office/powerpoint/2010/main" val="1108506989"/>
       </p:ext>
     </p:extLst>
   </p:cSld>
@@ -7002,7 +8414,7 @@
         </p:spPr>
         <p:txBody>
           <a:bodyPr rtlCol="0">
-            <a:normAutofit/>
+            <a:normAutofit fontScale="92500" lnSpcReduction="20000"/>
           </a:bodyPr>
           <a:lstStyle/>
           <a:p>
@@ -7070,6 +8482,54 @@
               </a:rPr>
               <a:t>Environment</a:t>
             </a:r>
+          </a:p>
+          <a:p>
+            <a:pPr rtl="0"/>
+            <a:endParaRPr lang="en-US" dirty="0">
+              <a:solidFill>
+                <a:srgbClr val="FFFF00"/>
+              </a:solidFill>
+            </a:endParaRPr>
+          </a:p>
+          <a:p>
+            <a:r>
+              <a:rPr lang="en-US" altLang="zh-CN" dirty="0">
+                <a:solidFill>
+                  <a:srgbClr val="FFFF00"/>
+                </a:solidFill>
+              </a:rPr>
+              <a:t>History </a:t>
+            </a:r>
+            <a:r>
+              <a:rPr lang="en-US" altLang="zh-CN" dirty="0"/>
+              <a:t>and </a:t>
+            </a:r>
+            <a:r>
+              <a:rPr lang="en-US" altLang="zh-CN" dirty="0" smtClean="0">
+                <a:solidFill>
+                  <a:srgbClr val="FFFF00"/>
+                </a:solidFill>
+              </a:rPr>
+              <a:t>State</a:t>
+            </a:r>
+          </a:p>
+          <a:p>
+            <a:endParaRPr lang="en-US" dirty="0">
+              <a:solidFill>
+                <a:srgbClr val="FFFF00"/>
+              </a:solidFill>
+            </a:endParaRPr>
+          </a:p>
+          <a:p>
+            <a:r>
+              <a:rPr lang="en-US" altLang="zh-CN"/>
+              <a:t>Environment State, Agent State</a:t>
+            </a:r>
+            <a:endParaRPr lang="en-US" dirty="0" smtClean="0">
+              <a:solidFill>
+                <a:srgbClr val="FFFF00"/>
+              </a:solidFill>
+            </a:endParaRPr>
           </a:p>
         </p:txBody>
       </p:sp>
@@ -7894,6 +9354,133 @@
 </file>
 
 <file path=customXml/item2.xml><?xml version="1.0" encoding="utf-8"?>
+<p:properties xmlns:p="http://schemas.microsoft.com/office/2006/metadata/properties" xmlns:xsi="http://www.w3.org/2001/XMLSchema-instance" xmlns:pc="http://schemas.microsoft.com/office/infopath/2007/PartnerControls">
+  <documentManagement>
+    <DirectSourceMarket xmlns="4873beb7-5857-4685-be1f-d57550cc96cc" xsi:nil="true"/>
+    <ApprovalStatus xmlns="4873beb7-5857-4685-be1f-d57550cc96cc">InProgress</ApprovalStatus>
+    <MarketSpecific xmlns="4873beb7-5857-4685-be1f-d57550cc96cc">false</MarketSpecific>
+    <LocComments xmlns="4873beb7-5857-4685-be1f-d57550cc96cc" xsi:nil="true"/>
+    <ThumbnailAssetId xmlns="4873beb7-5857-4685-be1f-d57550cc96cc" xsi:nil="true"/>
+    <PrimaryImageGen xmlns="4873beb7-5857-4685-be1f-d57550cc96cc">true</PrimaryImageGen>
+    <LegacyData xmlns="4873beb7-5857-4685-be1f-d57550cc96cc" xsi:nil="true"/>
+    <LocRecommendedHandoff xmlns="4873beb7-5857-4685-be1f-d57550cc96cc" xsi:nil="true"/>
+    <BusinessGroup xmlns="4873beb7-5857-4685-be1f-d57550cc96cc" xsi:nil="true"/>
+    <BlockPublish xmlns="4873beb7-5857-4685-be1f-d57550cc96cc">false</BlockPublish>
+    <TPFriendlyName xmlns="4873beb7-5857-4685-be1f-d57550cc96cc" xsi:nil="true"/>
+    <NumericId xmlns="4873beb7-5857-4685-be1f-d57550cc96cc" xsi:nil="true"/>
+    <APEditor xmlns="4873beb7-5857-4685-be1f-d57550cc96cc">
+      <UserInfo>
+        <DisplayName/>
+        <AccountId xsi:nil="true"/>
+        <AccountType/>
+      </UserInfo>
+    </APEditor>
+    <SourceTitle xmlns="4873beb7-5857-4685-be1f-d57550cc96cc" xsi:nil="true"/>
+    <OpenTemplate xmlns="4873beb7-5857-4685-be1f-d57550cc96cc">true</OpenTemplate>
+    <UALocComments xmlns="4873beb7-5857-4685-be1f-d57550cc96cc" xsi:nil="true"/>
+    <ParentAssetId xmlns="4873beb7-5857-4685-be1f-d57550cc96cc" xsi:nil="true"/>
+    <IntlLangReviewDate xmlns="4873beb7-5857-4685-be1f-d57550cc96cc" xsi:nil="true"/>
+    <FeatureTagsTaxHTField0 xmlns="4873beb7-5857-4685-be1f-d57550cc96cc">
+      <Terms xmlns="http://schemas.microsoft.com/office/infopath/2007/PartnerControls"/>
+    </FeatureTagsTaxHTField0>
+    <PublishStatusLookup xmlns="4873beb7-5857-4685-be1f-d57550cc96cc">
+      <Value>1564227</Value>
+    </PublishStatusLookup>
+    <Providers xmlns="4873beb7-5857-4685-be1f-d57550cc96cc" xsi:nil="true"/>
+    <MachineTranslated xmlns="4873beb7-5857-4685-be1f-d57550cc96cc">false</MachineTranslated>
+    <OriginalSourceMarket xmlns="4873beb7-5857-4685-be1f-d57550cc96cc" xsi:nil="true"/>
+    <APDescription xmlns="4873beb7-5857-4685-be1f-d57550cc96cc">Take your audience through a digital tunnel where they'll  burst through to the other side and see the information you want to present. Show them lists, charts, tables, SmartArt,  and pictures using a variety of layouts in widescreen (16X9) format. This design works well for subjects on science and technology, computers, communication, and more.   
+</APDescription>
+    <ClipArtFilename xmlns="4873beb7-5857-4685-be1f-d57550cc96cc" xsi:nil="true"/>
+    <ContentItem xmlns="4873beb7-5857-4685-be1f-d57550cc96cc" xsi:nil="true"/>
+    <TPInstallLocation xmlns="4873beb7-5857-4685-be1f-d57550cc96cc" xsi:nil="true"/>
+    <PublishTargets xmlns="4873beb7-5857-4685-be1f-d57550cc96cc">OfficeOnlineVNext</PublishTargets>
+    <TimesCloned xmlns="4873beb7-5857-4685-be1f-d57550cc96cc" xsi:nil="true"/>
+    <AssetStart xmlns="4873beb7-5857-4685-be1f-d57550cc96cc">2012-05-11T02:04:00+00:00</AssetStart>
+    <Provider xmlns="4873beb7-5857-4685-be1f-d57550cc96cc" xsi:nil="true"/>
+    <AcquiredFrom xmlns="4873beb7-5857-4685-be1f-d57550cc96cc">Internal MS</AcquiredFrom>
+    <FriendlyTitle xmlns="4873beb7-5857-4685-be1f-d57550cc96cc" xsi:nil="true"/>
+    <LastHandOff xmlns="4873beb7-5857-4685-be1f-d57550cc96cc" xsi:nil="true"/>
+    <TPClientViewer xmlns="4873beb7-5857-4685-be1f-d57550cc96cc" xsi:nil="true"/>
+    <UACurrentWords xmlns="4873beb7-5857-4685-be1f-d57550cc96cc" xsi:nil="true"/>
+    <ArtSampleDocs xmlns="4873beb7-5857-4685-be1f-d57550cc96cc" xsi:nil="true"/>
+    <UALocRecommendation xmlns="4873beb7-5857-4685-be1f-d57550cc96cc">Localize</UALocRecommendation>
+    <Manager xmlns="4873beb7-5857-4685-be1f-d57550cc96cc" xsi:nil="true"/>
+    <ShowIn xmlns="4873beb7-5857-4685-be1f-d57550cc96cc">Show everywhere</ShowIn>
+    <UANotes xmlns="4873beb7-5857-4685-be1f-d57550cc96cc" xsi:nil="true"/>
+    <TemplateStatus xmlns="4873beb7-5857-4685-be1f-d57550cc96cc">Complete</TemplateStatus>
+    <InternalTagsTaxHTField0 xmlns="4873beb7-5857-4685-be1f-d57550cc96cc">
+      <Terms xmlns="http://schemas.microsoft.com/office/infopath/2007/PartnerControls"/>
+    </InternalTagsTaxHTField0>
+    <CSXHash xmlns="4873beb7-5857-4685-be1f-d57550cc96cc" xsi:nil="true"/>
+    <Downloads xmlns="4873beb7-5857-4685-be1f-d57550cc96cc">0</Downloads>
+    <VoteCount xmlns="4873beb7-5857-4685-be1f-d57550cc96cc" xsi:nil="true"/>
+    <OOCacheId xmlns="4873beb7-5857-4685-be1f-d57550cc96cc" xsi:nil="true"/>
+    <IsDeleted xmlns="4873beb7-5857-4685-be1f-d57550cc96cc">false</IsDeleted>
+    <AssetExpire xmlns="4873beb7-5857-4685-be1f-d57550cc96cc">2029-01-01T08:00:00+00:00</AssetExpire>
+    <DSATActionTaken xmlns="4873beb7-5857-4685-be1f-d57550cc96cc" xsi:nil="true"/>
+    <CSXSubmissionMarket xmlns="4873beb7-5857-4685-be1f-d57550cc96cc" xsi:nil="true"/>
+    <TPExecutable xmlns="4873beb7-5857-4685-be1f-d57550cc96cc" xsi:nil="true"/>
+    <SubmitterId xmlns="4873beb7-5857-4685-be1f-d57550cc96cc" xsi:nil="true"/>
+    <EditorialTags xmlns="4873beb7-5857-4685-be1f-d57550cc96cc" xsi:nil="true"/>
+    <ApprovalLog xmlns="4873beb7-5857-4685-be1f-d57550cc96cc" xsi:nil="true"/>
+    <AssetType xmlns="4873beb7-5857-4685-be1f-d57550cc96cc">TP</AssetType>
+    <BugNumber xmlns="4873beb7-5857-4685-be1f-d57550cc96cc" xsi:nil="true"/>
+    <CSXSubmissionDate xmlns="4873beb7-5857-4685-be1f-d57550cc96cc" xsi:nil="true"/>
+    <CSXUpdate xmlns="4873beb7-5857-4685-be1f-d57550cc96cc">false</CSXUpdate>
+    <Milestone xmlns="4873beb7-5857-4685-be1f-d57550cc96cc" xsi:nil="true"/>
+    <RecommendationsModifier xmlns="4873beb7-5857-4685-be1f-d57550cc96cc" xsi:nil="true"/>
+    <OriginAsset xmlns="4873beb7-5857-4685-be1f-d57550cc96cc" xsi:nil="true"/>
+    <TPComponent xmlns="4873beb7-5857-4685-be1f-d57550cc96cc" xsi:nil="true"/>
+    <AssetId xmlns="4873beb7-5857-4685-be1f-d57550cc96cc">TP102895246</AssetId>
+    <IntlLocPriority xmlns="4873beb7-5857-4685-be1f-d57550cc96cc" xsi:nil="true"/>
+    <PolicheckWords xmlns="4873beb7-5857-4685-be1f-d57550cc96cc" xsi:nil="true"/>
+    <TPLaunchHelpLink xmlns="4873beb7-5857-4685-be1f-d57550cc96cc" xsi:nil="true"/>
+    <TPApplication xmlns="4873beb7-5857-4685-be1f-d57550cc96cc" xsi:nil="true"/>
+    <CrawlForDependencies xmlns="4873beb7-5857-4685-be1f-d57550cc96cc">false</CrawlForDependencies>
+    <HandoffToMSDN xmlns="4873beb7-5857-4685-be1f-d57550cc96cc" xsi:nil="true"/>
+    <PlannedPubDate xmlns="4873beb7-5857-4685-be1f-d57550cc96cc" xsi:nil="true"/>
+    <IntlLangReviewer xmlns="4873beb7-5857-4685-be1f-d57550cc96cc" xsi:nil="true"/>
+    <TrustLevel xmlns="4873beb7-5857-4685-be1f-d57550cc96cc">1 Microsoft Managed Content</TrustLevel>
+    <LocLastLocAttemptVersionLookup xmlns="4873beb7-5857-4685-be1f-d57550cc96cc">835483</LocLastLocAttemptVersionLookup>
+    <IsSearchable xmlns="4873beb7-5857-4685-be1f-d57550cc96cc">true</IsSearchable>
+    <TemplateTemplateType xmlns="4873beb7-5857-4685-be1f-d57550cc96cc">PowerPoint Presentation Template</TemplateTemplateType>
+    <CampaignTagsTaxHTField0 xmlns="4873beb7-5857-4685-be1f-d57550cc96cc">
+      <Terms xmlns="http://schemas.microsoft.com/office/infopath/2007/PartnerControls"/>
+    </CampaignTagsTaxHTField0>
+    <TPNamespace xmlns="4873beb7-5857-4685-be1f-d57550cc96cc" xsi:nil="true"/>
+    <TaxCatchAll xmlns="4873beb7-5857-4685-be1f-d57550cc96cc"/>
+    <Markets xmlns="4873beb7-5857-4685-be1f-d57550cc96cc"/>
+    <UAProjectedTotalWords xmlns="4873beb7-5857-4685-be1f-d57550cc96cc" xsi:nil="true"/>
+    <IntlLangReview xmlns="4873beb7-5857-4685-be1f-d57550cc96cc">false</IntlLangReview>
+    <OutputCachingOn xmlns="4873beb7-5857-4685-be1f-d57550cc96cc">false</OutputCachingOn>
+    <AverageRating xmlns="4873beb7-5857-4685-be1f-d57550cc96cc" xsi:nil="true"/>
+    <APAuthor xmlns="4873beb7-5857-4685-be1f-d57550cc96cc">
+      <UserInfo>
+        <DisplayName>REDMOND\v-vaddu</DisplayName>
+        <AccountId>2567</AccountId>
+        <AccountType/>
+      </UserInfo>
+    </APAuthor>
+    <LocManualTestRequired xmlns="4873beb7-5857-4685-be1f-d57550cc96cc">false</LocManualTestRequired>
+    <TPCommandLine xmlns="4873beb7-5857-4685-be1f-d57550cc96cc" xsi:nil="true"/>
+    <TPAppVersion xmlns="4873beb7-5857-4685-be1f-d57550cc96cc" xsi:nil="true"/>
+    <EditorialStatus xmlns="4873beb7-5857-4685-be1f-d57550cc96cc">Complete</EditorialStatus>
+    <LastModifiedDateTime xmlns="4873beb7-5857-4685-be1f-d57550cc96cc" xsi:nil="true"/>
+    <ScenarioTagsTaxHTField0 xmlns="4873beb7-5857-4685-be1f-d57550cc96cc">
+      <Terms xmlns="http://schemas.microsoft.com/office/infopath/2007/PartnerControls"/>
+    </ScenarioTagsTaxHTField0>
+    <OriginalRelease xmlns="4873beb7-5857-4685-be1f-d57550cc96cc">15</OriginalRelease>
+    <TPLaunchHelpLinkType xmlns="4873beb7-5857-4685-be1f-d57550cc96cc">Template</TPLaunchHelpLinkType>
+    <LocalizationTagsTaxHTField0 xmlns="4873beb7-5857-4685-be1f-d57550cc96cc">
+      <Terms xmlns="http://schemas.microsoft.com/office/infopath/2007/PartnerControls"/>
+    </LocalizationTagsTaxHTField0>
+    <LocMarketGroupTiers2 xmlns="4873beb7-5857-4685-be1f-d57550cc96cc" xsi:nil="true"/>
+  </documentManagement>
+</p:properties>
+</file>
+
+<file path=customXml/item3.xml><?xml version="1.0" encoding="utf-8"?>
 <ct:contentTypeSchema xmlns:ct="http://schemas.microsoft.com/office/2006/metadata/contentType" xmlns:ma="http://schemas.microsoft.com/office/2006/metadata/properties/metaAttributes" ct:_="" ma:_="" ma:contentTypeName="TemplateFile" ma:contentTypeID="0x0101006EDDDB5EE6D98C44930B742096920B300400F5B6D36B3EF94B4E9A635CDF2A18F5B8" ma:contentTypeVersion="72" ma:contentTypeDescription="Create a new document." ma:contentTypeScope="" ma:versionID="a23e56308344d904b51738559c3d67c9">
   <xsd:schema xmlns:xsd="http://www.w3.org/2001/XMLSchema" xmlns:xs="http://www.w3.org/2001/XMLSchema" xmlns:p="http://schemas.microsoft.com/office/2006/metadata/properties" xmlns:ns2="4873beb7-5857-4685-be1f-d57550cc96cc" targetNamespace="http://schemas.microsoft.com/office/2006/metadata/properties" ma:root="true" ma:fieldsID="cd0908cc4600e77bf5da051303e00c8d" ns2:_="">
     <xsd:import namespace="4873beb7-5857-4685-be1f-d57550cc96cc"/>
@@ -8933,133 +10520,6 @@
 </ct:contentTypeSchema>
 </file>
 
-<file path=customXml/item3.xml><?xml version="1.0" encoding="utf-8"?>
-<p:properties xmlns:p="http://schemas.microsoft.com/office/2006/metadata/properties" xmlns:xsi="http://www.w3.org/2001/XMLSchema-instance" xmlns:pc="http://schemas.microsoft.com/office/infopath/2007/PartnerControls">
-  <documentManagement>
-    <DirectSourceMarket xmlns="4873beb7-5857-4685-be1f-d57550cc96cc" xsi:nil="true"/>
-    <ApprovalStatus xmlns="4873beb7-5857-4685-be1f-d57550cc96cc">InProgress</ApprovalStatus>
-    <MarketSpecific xmlns="4873beb7-5857-4685-be1f-d57550cc96cc">false</MarketSpecific>
-    <LocComments xmlns="4873beb7-5857-4685-be1f-d57550cc96cc" xsi:nil="true"/>
-    <ThumbnailAssetId xmlns="4873beb7-5857-4685-be1f-d57550cc96cc" xsi:nil="true"/>
-    <PrimaryImageGen xmlns="4873beb7-5857-4685-be1f-d57550cc96cc">true</PrimaryImageGen>
-    <LegacyData xmlns="4873beb7-5857-4685-be1f-d57550cc96cc" xsi:nil="true"/>
-    <LocRecommendedHandoff xmlns="4873beb7-5857-4685-be1f-d57550cc96cc" xsi:nil="true"/>
-    <BusinessGroup xmlns="4873beb7-5857-4685-be1f-d57550cc96cc" xsi:nil="true"/>
-    <BlockPublish xmlns="4873beb7-5857-4685-be1f-d57550cc96cc">false</BlockPublish>
-    <TPFriendlyName xmlns="4873beb7-5857-4685-be1f-d57550cc96cc" xsi:nil="true"/>
-    <NumericId xmlns="4873beb7-5857-4685-be1f-d57550cc96cc" xsi:nil="true"/>
-    <APEditor xmlns="4873beb7-5857-4685-be1f-d57550cc96cc">
-      <UserInfo>
-        <DisplayName/>
-        <AccountId xsi:nil="true"/>
-        <AccountType/>
-      </UserInfo>
-    </APEditor>
-    <SourceTitle xmlns="4873beb7-5857-4685-be1f-d57550cc96cc" xsi:nil="true"/>
-    <OpenTemplate xmlns="4873beb7-5857-4685-be1f-d57550cc96cc">true</OpenTemplate>
-    <UALocComments xmlns="4873beb7-5857-4685-be1f-d57550cc96cc" xsi:nil="true"/>
-    <ParentAssetId xmlns="4873beb7-5857-4685-be1f-d57550cc96cc" xsi:nil="true"/>
-    <IntlLangReviewDate xmlns="4873beb7-5857-4685-be1f-d57550cc96cc" xsi:nil="true"/>
-    <FeatureTagsTaxHTField0 xmlns="4873beb7-5857-4685-be1f-d57550cc96cc">
-      <Terms xmlns="http://schemas.microsoft.com/office/infopath/2007/PartnerControls"/>
-    </FeatureTagsTaxHTField0>
-    <PublishStatusLookup xmlns="4873beb7-5857-4685-be1f-d57550cc96cc">
-      <Value>1564227</Value>
-    </PublishStatusLookup>
-    <Providers xmlns="4873beb7-5857-4685-be1f-d57550cc96cc" xsi:nil="true"/>
-    <MachineTranslated xmlns="4873beb7-5857-4685-be1f-d57550cc96cc">false</MachineTranslated>
-    <OriginalSourceMarket xmlns="4873beb7-5857-4685-be1f-d57550cc96cc" xsi:nil="true"/>
-    <APDescription xmlns="4873beb7-5857-4685-be1f-d57550cc96cc">Take your audience through a digital tunnel where they'll  burst through to the other side and see the information you want to present. Show them lists, charts, tables, SmartArt,  and pictures using a variety of layouts in widescreen (16X9) format. This design works well for subjects on science and technology, computers, communication, and more.   
-</APDescription>
-    <ClipArtFilename xmlns="4873beb7-5857-4685-be1f-d57550cc96cc" xsi:nil="true"/>
-    <ContentItem xmlns="4873beb7-5857-4685-be1f-d57550cc96cc" xsi:nil="true"/>
-    <TPInstallLocation xmlns="4873beb7-5857-4685-be1f-d57550cc96cc" xsi:nil="true"/>
-    <PublishTargets xmlns="4873beb7-5857-4685-be1f-d57550cc96cc">OfficeOnlineVNext</PublishTargets>
-    <TimesCloned xmlns="4873beb7-5857-4685-be1f-d57550cc96cc" xsi:nil="true"/>
-    <AssetStart xmlns="4873beb7-5857-4685-be1f-d57550cc96cc">2012-05-11T02:04:00+00:00</AssetStart>
-    <Provider xmlns="4873beb7-5857-4685-be1f-d57550cc96cc" xsi:nil="true"/>
-    <AcquiredFrom xmlns="4873beb7-5857-4685-be1f-d57550cc96cc">Internal MS</AcquiredFrom>
-    <FriendlyTitle xmlns="4873beb7-5857-4685-be1f-d57550cc96cc" xsi:nil="true"/>
-    <LastHandOff xmlns="4873beb7-5857-4685-be1f-d57550cc96cc" xsi:nil="true"/>
-    <TPClientViewer xmlns="4873beb7-5857-4685-be1f-d57550cc96cc" xsi:nil="true"/>
-    <UACurrentWords xmlns="4873beb7-5857-4685-be1f-d57550cc96cc" xsi:nil="true"/>
-    <ArtSampleDocs xmlns="4873beb7-5857-4685-be1f-d57550cc96cc" xsi:nil="true"/>
-    <UALocRecommendation xmlns="4873beb7-5857-4685-be1f-d57550cc96cc">Localize</UALocRecommendation>
-    <Manager xmlns="4873beb7-5857-4685-be1f-d57550cc96cc" xsi:nil="true"/>
-    <ShowIn xmlns="4873beb7-5857-4685-be1f-d57550cc96cc">Show everywhere</ShowIn>
-    <UANotes xmlns="4873beb7-5857-4685-be1f-d57550cc96cc" xsi:nil="true"/>
-    <TemplateStatus xmlns="4873beb7-5857-4685-be1f-d57550cc96cc">Complete</TemplateStatus>
-    <InternalTagsTaxHTField0 xmlns="4873beb7-5857-4685-be1f-d57550cc96cc">
-      <Terms xmlns="http://schemas.microsoft.com/office/infopath/2007/PartnerControls"/>
-    </InternalTagsTaxHTField0>
-    <CSXHash xmlns="4873beb7-5857-4685-be1f-d57550cc96cc" xsi:nil="true"/>
-    <Downloads xmlns="4873beb7-5857-4685-be1f-d57550cc96cc">0</Downloads>
-    <VoteCount xmlns="4873beb7-5857-4685-be1f-d57550cc96cc" xsi:nil="true"/>
-    <OOCacheId xmlns="4873beb7-5857-4685-be1f-d57550cc96cc" xsi:nil="true"/>
-    <IsDeleted xmlns="4873beb7-5857-4685-be1f-d57550cc96cc">false</IsDeleted>
-    <AssetExpire xmlns="4873beb7-5857-4685-be1f-d57550cc96cc">2029-01-01T08:00:00+00:00</AssetExpire>
-    <DSATActionTaken xmlns="4873beb7-5857-4685-be1f-d57550cc96cc" xsi:nil="true"/>
-    <CSXSubmissionMarket xmlns="4873beb7-5857-4685-be1f-d57550cc96cc" xsi:nil="true"/>
-    <TPExecutable xmlns="4873beb7-5857-4685-be1f-d57550cc96cc" xsi:nil="true"/>
-    <SubmitterId xmlns="4873beb7-5857-4685-be1f-d57550cc96cc" xsi:nil="true"/>
-    <EditorialTags xmlns="4873beb7-5857-4685-be1f-d57550cc96cc" xsi:nil="true"/>
-    <ApprovalLog xmlns="4873beb7-5857-4685-be1f-d57550cc96cc" xsi:nil="true"/>
-    <AssetType xmlns="4873beb7-5857-4685-be1f-d57550cc96cc">TP</AssetType>
-    <BugNumber xmlns="4873beb7-5857-4685-be1f-d57550cc96cc" xsi:nil="true"/>
-    <CSXSubmissionDate xmlns="4873beb7-5857-4685-be1f-d57550cc96cc" xsi:nil="true"/>
-    <CSXUpdate xmlns="4873beb7-5857-4685-be1f-d57550cc96cc">false</CSXUpdate>
-    <Milestone xmlns="4873beb7-5857-4685-be1f-d57550cc96cc" xsi:nil="true"/>
-    <RecommendationsModifier xmlns="4873beb7-5857-4685-be1f-d57550cc96cc" xsi:nil="true"/>
-    <OriginAsset xmlns="4873beb7-5857-4685-be1f-d57550cc96cc" xsi:nil="true"/>
-    <TPComponent xmlns="4873beb7-5857-4685-be1f-d57550cc96cc" xsi:nil="true"/>
-    <AssetId xmlns="4873beb7-5857-4685-be1f-d57550cc96cc">TP102895246</AssetId>
-    <IntlLocPriority xmlns="4873beb7-5857-4685-be1f-d57550cc96cc" xsi:nil="true"/>
-    <PolicheckWords xmlns="4873beb7-5857-4685-be1f-d57550cc96cc" xsi:nil="true"/>
-    <TPLaunchHelpLink xmlns="4873beb7-5857-4685-be1f-d57550cc96cc" xsi:nil="true"/>
-    <TPApplication xmlns="4873beb7-5857-4685-be1f-d57550cc96cc" xsi:nil="true"/>
-    <CrawlForDependencies xmlns="4873beb7-5857-4685-be1f-d57550cc96cc">false</CrawlForDependencies>
-    <HandoffToMSDN xmlns="4873beb7-5857-4685-be1f-d57550cc96cc" xsi:nil="true"/>
-    <PlannedPubDate xmlns="4873beb7-5857-4685-be1f-d57550cc96cc" xsi:nil="true"/>
-    <IntlLangReviewer xmlns="4873beb7-5857-4685-be1f-d57550cc96cc" xsi:nil="true"/>
-    <TrustLevel xmlns="4873beb7-5857-4685-be1f-d57550cc96cc">1 Microsoft Managed Content</TrustLevel>
-    <LocLastLocAttemptVersionLookup xmlns="4873beb7-5857-4685-be1f-d57550cc96cc">835483</LocLastLocAttemptVersionLookup>
-    <IsSearchable xmlns="4873beb7-5857-4685-be1f-d57550cc96cc">true</IsSearchable>
-    <TemplateTemplateType xmlns="4873beb7-5857-4685-be1f-d57550cc96cc">PowerPoint Presentation Template</TemplateTemplateType>
-    <CampaignTagsTaxHTField0 xmlns="4873beb7-5857-4685-be1f-d57550cc96cc">
-      <Terms xmlns="http://schemas.microsoft.com/office/infopath/2007/PartnerControls"/>
-    </CampaignTagsTaxHTField0>
-    <TPNamespace xmlns="4873beb7-5857-4685-be1f-d57550cc96cc" xsi:nil="true"/>
-    <TaxCatchAll xmlns="4873beb7-5857-4685-be1f-d57550cc96cc"/>
-    <Markets xmlns="4873beb7-5857-4685-be1f-d57550cc96cc"/>
-    <UAProjectedTotalWords xmlns="4873beb7-5857-4685-be1f-d57550cc96cc" xsi:nil="true"/>
-    <IntlLangReview xmlns="4873beb7-5857-4685-be1f-d57550cc96cc">false</IntlLangReview>
-    <OutputCachingOn xmlns="4873beb7-5857-4685-be1f-d57550cc96cc">false</OutputCachingOn>
-    <AverageRating xmlns="4873beb7-5857-4685-be1f-d57550cc96cc" xsi:nil="true"/>
-    <APAuthor xmlns="4873beb7-5857-4685-be1f-d57550cc96cc">
-      <UserInfo>
-        <DisplayName>REDMOND\v-vaddu</DisplayName>
-        <AccountId>2567</AccountId>
-        <AccountType/>
-      </UserInfo>
-    </APAuthor>
-    <LocManualTestRequired xmlns="4873beb7-5857-4685-be1f-d57550cc96cc">false</LocManualTestRequired>
-    <TPCommandLine xmlns="4873beb7-5857-4685-be1f-d57550cc96cc" xsi:nil="true"/>
-    <TPAppVersion xmlns="4873beb7-5857-4685-be1f-d57550cc96cc" xsi:nil="true"/>
-    <EditorialStatus xmlns="4873beb7-5857-4685-be1f-d57550cc96cc">Complete</EditorialStatus>
-    <LastModifiedDateTime xmlns="4873beb7-5857-4685-be1f-d57550cc96cc" xsi:nil="true"/>
-    <ScenarioTagsTaxHTField0 xmlns="4873beb7-5857-4685-be1f-d57550cc96cc">
-      <Terms xmlns="http://schemas.microsoft.com/office/infopath/2007/PartnerControls"/>
-    </ScenarioTagsTaxHTField0>
-    <OriginalRelease xmlns="4873beb7-5857-4685-be1f-d57550cc96cc">15</OriginalRelease>
-    <TPLaunchHelpLinkType xmlns="4873beb7-5857-4685-be1f-d57550cc96cc">Template</TPLaunchHelpLinkType>
-    <LocalizationTagsTaxHTField0 xmlns="4873beb7-5857-4685-be1f-d57550cc96cc">
-      <Terms xmlns="http://schemas.microsoft.com/office/infopath/2007/PartnerControls"/>
-    </LocalizationTagsTaxHTField0>
-    <LocMarketGroupTiers2 xmlns="4873beb7-5857-4685-be1f-d57550cc96cc" xsi:nil="true"/>
-  </documentManagement>
-</p:properties>
-</file>
-
 <file path=customXml/itemProps1.xml><?xml version="1.0" encoding="utf-8"?>
 <ds:datastoreItem xmlns:ds="http://schemas.openxmlformats.org/officeDocument/2006/customXml" ds:itemID="{74228E6B-D70C-44BB-A81F-A245495F612B}">
   <ds:schemaRefs>
@@ -9069,6 +10529,16 @@
 </file>
 
 <file path=customXml/itemProps2.xml><?xml version="1.0" encoding="utf-8"?>
+<ds:datastoreItem xmlns:ds="http://schemas.openxmlformats.org/officeDocument/2006/customXml" ds:itemID="{00E41224-0370-4595-877C-23316CD80004}">
+  <ds:schemaRefs>
+    <ds:schemaRef ds:uri="http://schemas.microsoft.com/office/2006/metadata/properties"/>
+    <ds:schemaRef ds:uri="http://schemas.microsoft.com/office/infopath/2007/PartnerControls"/>
+    <ds:schemaRef ds:uri="4873beb7-5857-4685-be1f-d57550cc96cc"/>
+  </ds:schemaRefs>
+</ds:datastoreItem>
+</file>
+
+<file path=customXml/itemProps3.xml><?xml version="1.0" encoding="utf-8"?>
 <ds:datastoreItem xmlns:ds="http://schemas.openxmlformats.org/officeDocument/2006/customXml" ds:itemID="{22CCB507-0646-4A50-A4F7-7F385079D589}">
   <ds:schemaRefs>
     <ds:schemaRef ds:uri="http://schemas.microsoft.com/office/2006/metadata/contentType"/>
@@ -9084,14 +10554,4 @@
     <ds:schemaRef ds:uri="http://schemas.microsoft.com/internal/obd"/>
   </ds:schemaRefs>
 </ds:datastoreItem>
-</file>
-
-<file path=customXml/itemProps3.xml><?xml version="1.0" encoding="utf-8"?>
-<ds:datastoreItem xmlns:ds="http://schemas.openxmlformats.org/officeDocument/2006/customXml" ds:itemID="{00E41224-0370-4595-877C-23316CD80004}">
-  <ds:schemaRefs>
-    <ds:schemaRef ds:uri="http://schemas.microsoft.com/office/2006/metadata/properties"/>
-    <ds:schemaRef ds:uri="http://schemas.microsoft.com/office/infopath/2007/PartnerControls"/>
-    <ds:schemaRef ds:uri="4873beb7-5857-4685-be1f-d57550cc96cc"/>
-  </ds:schemaRefs>
-</ds:datastoreItem>
 </file>
--- a/Speech/Reinforcement Learning.pptx
+++ b/Speech/Reinforcement Learning.pptx
@@ -5,10 +5,10 @@
     <p:sldMasterId id="2147483648" r:id="rId4"/>
   </p:sldMasterIdLst>
   <p:notesMasterIdLst>
-    <p:notesMasterId r:id="rId26"/>
+    <p:notesMasterId r:id="rId28"/>
   </p:notesMasterIdLst>
   <p:handoutMasterIdLst>
-    <p:handoutMasterId r:id="rId27"/>
+    <p:handoutMasterId r:id="rId29"/>
   </p:handoutMasterIdLst>
   <p:sldIdLst>
     <p:sldId id="265" r:id="rId5"/>
@@ -31,12 +31,14 @@
     <p:sldId id="339" r:id="rId22"/>
     <p:sldId id="338" r:id="rId23"/>
     <p:sldId id="340" r:id="rId24"/>
-    <p:sldId id="319" r:id="rId25"/>
+    <p:sldId id="341" r:id="rId25"/>
+    <p:sldId id="342" r:id="rId26"/>
+    <p:sldId id="319" r:id="rId27"/>
   </p:sldIdLst>
   <p:sldSz cx="12188825" cy="6858000"/>
   <p:notesSz cx="6858000" cy="9144000"/>
   <p:custDataLst>
-    <p:tags r:id="rId28"/>
+    <p:tags r:id="rId30"/>
   </p:custDataLst>
   <p:defaultTextStyle>
     <a:defPPr rtl="0">
@@ -6317,7 +6319,7 @@
             </a:pPr>
             <a:r>
               <a:rPr lang="en-US" altLang="zh-CN" sz="4000" dirty="0" smtClean="0"/>
-              <a:t>At = f(</a:t>
+              <a:t>At = f1(</a:t>
             </a:r>
             <a:r>
               <a:rPr lang="en-US" altLang="zh-CN" sz="4000" dirty="0" err="1" smtClean="0"/>
@@ -6346,7 +6348,7 @@
             </a:r>
             <a:r>
               <a:rPr lang="en-US" altLang="zh-CN" sz="4000" dirty="0" smtClean="0"/>
-              <a:t>g(</a:t>
+              <a:t>f2(</a:t>
             </a:r>
             <a:r>
               <a:rPr lang="en-US" altLang="zh-CN" sz="4000" dirty="0" err="1" smtClean="0"/>
@@ -6375,7 +6377,7 @@
             </a:r>
             <a:r>
               <a:rPr lang="en-US" altLang="zh-CN" sz="4000" dirty="0" smtClean="0"/>
-              <a:t>h(</a:t>
+              <a:t>f3(</a:t>
             </a:r>
             <a:r>
               <a:rPr lang="en-US" altLang="zh-CN" sz="4000" dirty="0" err="1" smtClean="0"/>
@@ -6537,28 +6539,28 @@
         </p:spPr>
         <p:txBody>
           <a:bodyPr rtlCol="0">
-            <a:normAutofit/>
+            <a:normAutofit fontScale="92500" lnSpcReduction="20000"/>
           </a:bodyPr>
           <a:lstStyle/>
           <a:p>
             <a:r>
-              <a:rPr lang="en-US" altLang="zh-CN" sz="1800" dirty="0" smtClean="0"/>
+              <a:rPr lang="en-US" altLang="zh-CN" sz="2200" dirty="0" smtClean="0"/>
               <a:t>Usually, </a:t>
             </a:r>
             <a:r>
-              <a:rPr lang="en-US" altLang="zh-CN" sz="1800" dirty="0" err="1" smtClean="0"/>
+              <a:rPr lang="en-US" altLang="zh-CN" sz="2200" dirty="0" err="1" smtClean="0"/>
               <a:t>H</a:t>
             </a:r>
             <a:r>
-              <a:rPr lang="en-US" altLang="zh-CN" sz="1400" dirty="0" err="1" smtClean="0"/>
+              <a:rPr lang="en-US" altLang="zh-CN" sz="1700" dirty="0" err="1" smtClean="0"/>
               <a:t>t</a:t>
             </a:r>
             <a:r>
-              <a:rPr lang="en-US" altLang="zh-CN" sz="1400" dirty="0" smtClean="0"/>
+              <a:rPr lang="en-US" altLang="zh-CN" sz="1700" dirty="0" smtClean="0"/>
               <a:t> is </a:t>
             </a:r>
             <a:r>
-              <a:rPr lang="en-US" altLang="zh-CN" sz="1400" dirty="0" smtClean="0">
+              <a:rPr lang="en-US" altLang="zh-CN" sz="1700" dirty="0" smtClean="0">
                 <a:solidFill>
                   <a:srgbClr val="FFFF00"/>
                 </a:solidFill>
@@ -6566,11 +6568,11 @@
               <a:t>usually too big </a:t>
             </a:r>
             <a:r>
-              <a:rPr lang="en-US" altLang="zh-CN" sz="1400" dirty="0" smtClean="0"/>
+              <a:rPr lang="en-US" altLang="zh-CN" sz="1700" dirty="0" smtClean="0"/>
               <a:t>and is </a:t>
             </a:r>
             <a:r>
-              <a:rPr lang="en-US" altLang="zh-CN" sz="1400" dirty="0" smtClean="0">
+              <a:rPr lang="en-US" altLang="zh-CN" sz="1700" dirty="0" smtClean="0">
                 <a:solidFill>
                   <a:srgbClr val="FFFF00"/>
                 </a:solidFill>
@@ -6578,65 +6580,80 @@
               <a:t>not useful </a:t>
             </a:r>
             <a:r>
-              <a:rPr lang="en-US" altLang="zh-CN" sz="1400" dirty="0" smtClean="0"/>
+              <a:rPr lang="en-US" altLang="zh-CN" sz="1700" dirty="0" smtClean="0"/>
               <a:t>in most case.</a:t>
             </a:r>
           </a:p>
           <a:p>
-            <a:endParaRPr lang="en-US" altLang="zh-CN" sz="1400" dirty="0" smtClean="0"/>
-          </a:p>
-          <a:p>
-            <a:r>
-              <a:rPr lang="en-US" altLang="zh-CN" sz="1800" dirty="0" smtClean="0"/>
+            <a:r>
+              <a:rPr lang="en-US" altLang="zh-CN" sz="1700" dirty="0"/>
               <a:t>State: A concise summary used to determine what happens next.</a:t>
             </a:r>
           </a:p>
           <a:p>
             <a:r>
-              <a:rPr lang="en-US" altLang="zh-CN" sz="1800" dirty="0" smtClean="0"/>
-              <a:t>Capture only the necessary information needed.</a:t>
-            </a:r>
-          </a:p>
-          <a:p>
-            <a:endParaRPr lang="en-US" altLang="zh-CN" sz="1800" dirty="0" smtClean="0"/>
-          </a:p>
-          <a:p>
-            <a:r>
-              <a:rPr lang="en-US" altLang="zh-CN" sz="1800" dirty="0" smtClean="0"/>
-              <a:t>Formally, state is a function history </a:t>
-            </a:r>
-            <a:r>
-              <a:rPr lang="en-US" altLang="zh-CN" sz="1800" dirty="0"/>
-              <a:t>H</a:t>
-            </a:r>
-            <a:r>
-              <a:rPr lang="en-US" altLang="zh-CN" sz="1400" dirty="0"/>
-              <a:t>t</a:t>
-            </a:r>
-            <a:r>
-              <a:rPr lang="en-US" altLang="zh-CN" sz="1800" dirty="0" smtClean="0"/>
+              <a:rPr lang="en-US" altLang="zh-CN" sz="1700" dirty="0"/>
+              <a:t>Capture only the necessary information needed</a:t>
+            </a:r>
+            <a:r>
+              <a:rPr lang="en-US" altLang="zh-CN" sz="1700" dirty="0" smtClean="0"/>
               <a:t>.</a:t>
             </a:r>
           </a:p>
           <a:p>
-            <a:pPr marL="0" indent="0" algn="ctr">
+            <a:endParaRPr lang="en-US" altLang="zh-CN" sz="1400" dirty="0"/>
+          </a:p>
+          <a:p>
+            <a:pPr lvl="1"/>
+            <a:r>
+              <a:rPr lang="en-US" altLang="zh-CN" sz="2800" dirty="0"/>
+              <a:t>Goal: build a mapping</a:t>
+            </a:r>
+          </a:p>
+          <a:p>
+            <a:pPr lvl="1"/>
+            <a:endParaRPr lang="en-US" altLang="zh-CN" sz="2800" dirty="0"/>
+          </a:p>
+          <a:p>
+            <a:pPr marL="231775" lvl="1" indent="0" algn="ctr">
               <a:buNone/>
             </a:pPr>
             <a:r>
-              <a:rPr lang="en-US" altLang="zh-CN" sz="3600" dirty="0" smtClean="0"/>
-              <a:t>St = f(</a:t>
-            </a:r>
-            <a:r>
-              <a:rPr lang="en-US" altLang="zh-CN" sz="3600" dirty="0" err="1"/>
-              <a:t>Ht</a:t>
-            </a:r>
-            <a:r>
-              <a:rPr lang="en-US" altLang="zh-CN" sz="3600" dirty="0" smtClean="0"/>
-              <a:t>)</a:t>
-            </a:r>
-          </a:p>
-          <a:p>
-            <a:endParaRPr lang="en-US" altLang="zh-CN" sz="1800" dirty="0" smtClean="0"/>
+              <a:rPr lang="en-US" altLang="zh-CN" sz="4000" dirty="0"/>
+              <a:t>At = f1(St)</a:t>
+            </a:r>
+          </a:p>
+          <a:p>
+            <a:pPr marL="231775" lvl="1" indent="0" algn="ctr">
+              <a:buNone/>
+            </a:pPr>
+            <a:r>
+              <a:rPr lang="en-US" altLang="zh-CN" sz="4000" dirty="0" err="1"/>
+              <a:t>Ot</a:t>
+            </a:r>
+            <a:r>
+              <a:rPr lang="en-US" altLang="zh-CN" sz="4000" dirty="0"/>
+              <a:t> = f2(St)</a:t>
+            </a:r>
+          </a:p>
+          <a:p>
+            <a:pPr marL="231775" lvl="1" indent="0" algn="ctr">
+              <a:buNone/>
+            </a:pPr>
+            <a:r>
+              <a:rPr lang="en-US" altLang="zh-CN" sz="4000" dirty="0" err="1"/>
+              <a:t>Rt</a:t>
+            </a:r>
+            <a:r>
+              <a:rPr lang="en-US" altLang="zh-CN" sz="4000" dirty="0"/>
+              <a:t> = f3(St)</a:t>
+            </a:r>
+          </a:p>
+          <a:p>
+            <a:endParaRPr lang="en-US" altLang="zh-CN" sz="1400" dirty="0"/>
+          </a:p>
+          <a:p>
+            <a:endParaRPr lang="en-US" altLang="zh-CN" sz="1400" dirty="0"/>
           </a:p>
         </p:txBody>
       </p:sp>
@@ -6927,13 +6944,32 @@
           <a:lstStyle/>
           <a:p>
             <a:r>
+              <a:rPr lang="en-US" altLang="zh-CN" sz="1800" dirty="0" smtClean="0"/>
+              <a:t>Environment </a:t>
+            </a:r>
+            <a:r>
               <a:rPr lang="en-US" altLang="zh-CN" sz="1800" dirty="0"/>
-              <a:t>Agent </a:t>
+              <a:t>State:                    </a:t>
             </a:r>
             <a:r>
               <a:rPr lang="en-US" altLang="zh-CN" sz="1800" dirty="0" smtClean="0"/>
-              <a:t>State:                                  </a:t>
-            </a:r>
+              <a:t>        </a:t>
+            </a:r>
+            <a:r>
+              <a:rPr lang="en-US" altLang="zh-CN" sz="1800" dirty="0" smtClean="0">
+                <a:solidFill>
+                  <a:srgbClr val="FFFF00"/>
+                </a:solidFill>
+              </a:rPr>
+              <a:t>       </a:t>
+            </a:r>
+            <a:endParaRPr lang="en-US" altLang="zh-CN" sz="1800" dirty="0">
+              <a:solidFill>
+                <a:srgbClr val="FFFF00"/>
+              </a:solidFill>
+            </a:endParaRPr>
+          </a:p>
+          <a:p>
             <a:endParaRPr lang="en-US" altLang="zh-CN" sz="1800" dirty="0" smtClean="0">
               <a:solidFill>
                 <a:srgbClr val="FFFF00"/>
@@ -6941,14 +6977,6 @@
             </a:endParaRPr>
           </a:p>
           <a:p>
-            <a:r>
-              <a:rPr lang="en-US" altLang="zh-CN" sz="1800" dirty="0" smtClean="0">
-                <a:solidFill>
-                  <a:srgbClr val="FFFF00"/>
-                </a:solidFill>
-              </a:rPr>
-              <a:t>                                                      </a:t>
-            </a:r>
             <a:endParaRPr lang="en-US" altLang="zh-CN" sz="1800" dirty="0">
               <a:solidFill>
                 <a:srgbClr val="FFFF00"/>
@@ -6956,13 +6984,6 @@
             </a:endParaRPr>
           </a:p>
           <a:p>
-            <a:endParaRPr lang="en-US" altLang="zh-CN" sz="1800" dirty="0" smtClean="0">
-              <a:solidFill>
-                <a:srgbClr val="FFFF00"/>
-              </a:solidFill>
-            </a:endParaRPr>
-          </a:p>
-          <a:p>
             <a:endParaRPr lang="en-US" altLang="zh-CN" sz="1800" dirty="0">
               <a:solidFill>
                 <a:srgbClr val="FFFF00"/>
@@ -6970,28 +6991,7 @@
             </a:endParaRPr>
           </a:p>
           <a:p>
-            <a:endParaRPr lang="en-US" altLang="zh-CN" sz="1800" dirty="0">
-              <a:solidFill>
-                <a:srgbClr val="FFFF00"/>
-              </a:solidFill>
-            </a:endParaRPr>
-          </a:p>
-          <a:p>
             <a:endParaRPr lang="en-US" altLang="zh-CN" sz="1800" dirty="0" smtClean="0"/>
-          </a:p>
-          <a:p>
-            <a:r>
-              <a:rPr lang="en-US" altLang="zh-CN" sz="1800" dirty="0" smtClean="0"/>
-              <a:t>Environment </a:t>
-            </a:r>
-            <a:r>
-              <a:rPr lang="en-US" altLang="zh-CN" sz="1800" dirty="0"/>
-              <a:t>State: </a:t>
-            </a:r>
-            <a:r>
-              <a:rPr lang="en-US" altLang="zh-CN" sz="1800" dirty="0" smtClean="0"/>
-              <a:t>                   </a:t>
-            </a:r>
           </a:p>
           <a:p>
             <a:pPr marL="0" indent="0">
@@ -7020,80 +7020,8 @@
         </p:blipFill>
         <p:spPr>
           <a:xfrm>
-            <a:off x="760412" y="4866884"/>
+            <a:off x="2164716" y="2400627"/>
             <a:ext cx="1962150" cy="1809750"/>
-          </a:xfrm>
-          <a:prstGeom prst="rect">
-            <a:avLst/>
-          </a:prstGeom>
-        </p:spPr>
-      </p:pic>
-      <p:pic>
-        <p:nvPicPr>
-          <p:cNvPr id="4" name="图片 3"/>
-          <p:cNvPicPr>
-            <a:picLocks noChangeAspect="1"/>
-          </p:cNvPicPr>
-          <p:nvPr/>
-        </p:nvPicPr>
-        <p:blipFill>
-          <a:blip r:embed="rId3"/>
-          <a:stretch>
-            <a:fillRect/>
-          </a:stretch>
-        </p:blipFill>
-        <p:spPr>
-          <a:xfrm>
-            <a:off x="2156008" y="2307976"/>
-            <a:ext cx="1962150" cy="1586169"/>
-          </a:xfrm>
-          <a:prstGeom prst="rect">
-            <a:avLst/>
-          </a:prstGeom>
-        </p:spPr>
-      </p:pic>
-      <p:pic>
-        <p:nvPicPr>
-          <p:cNvPr id="5" name="图片 4"/>
-          <p:cNvPicPr>
-            <a:picLocks noChangeAspect="1"/>
-          </p:cNvPicPr>
-          <p:nvPr/>
-        </p:nvPicPr>
-        <p:blipFill>
-          <a:blip r:embed="rId4"/>
-          <a:stretch>
-            <a:fillRect/>
-          </a:stretch>
-        </p:blipFill>
-        <p:spPr>
-          <a:xfrm>
-            <a:off x="3746683" y="4397073"/>
-            <a:ext cx="371475" cy="409575"/>
-          </a:xfrm>
-          <a:prstGeom prst="rect">
-            <a:avLst/>
-          </a:prstGeom>
-        </p:spPr>
-      </p:pic>
-      <p:pic>
-        <p:nvPicPr>
-          <p:cNvPr id="7" name="图片 6"/>
-          <p:cNvPicPr>
-            <a:picLocks noChangeAspect="1"/>
-          </p:cNvPicPr>
-          <p:nvPr/>
-        </p:nvPicPr>
-        <p:blipFill>
-          <a:blip r:embed="rId5"/>
-          <a:stretch>
-            <a:fillRect/>
-          </a:stretch>
-        </p:blipFill>
-        <p:spPr>
-          <a:xfrm>
-            <a:off x="3101807" y="1441391"/>
-            <a:ext cx="323850" cy="447675"/>
           </a:xfrm>
           <a:prstGeom prst="rect">
             <a:avLst/>
@@ -7144,7 +7072,7 @@
             </a:pPr>
             <a:r>
               <a:rPr lang="en-US" altLang="zh-CN" dirty="0" smtClean="0"/>
-              <a:t>i.e. whatever data the environment uses to pick the next observation/reward (</a:t>
+              <a:t>i.e. whatever data the environment uses to pick the next observation/reward </a:t>
             </a:r>
             <a:r>
               <a:rPr lang="en-US" altLang="zh-CN" dirty="0" err="1" smtClean="0"/>
@@ -7160,15 +7088,7 @@
             </a:r>
             <a:r>
               <a:rPr lang="en-US" altLang="zh-CN" dirty="0" smtClean="0"/>
-              <a:t>g(</a:t>
-            </a:r>
-            <a:r>
-              <a:rPr lang="en-US" altLang="zh-CN" dirty="0" err="1" smtClean="0"/>
-              <a:t>Ht</a:t>
-            </a:r>
-            <a:r>
-              <a:rPr lang="en-US" altLang="zh-CN" dirty="0" smtClean="0"/>
-              <a:t>), </a:t>
+              <a:t>f2(      ), </a:t>
             </a:r>
             <a:r>
               <a:rPr lang="en-US" altLang="zh-CN" dirty="0" err="1" smtClean="0"/>
@@ -7180,15 +7100,11 @@
             </a:r>
             <a:r>
               <a:rPr lang="en-US" altLang="zh-CN" dirty="0"/>
-              <a:t>= h(</a:t>
-            </a:r>
-            <a:r>
-              <a:rPr lang="en-US" altLang="zh-CN" dirty="0" err="1"/>
-              <a:t>Ht</a:t>
+              <a:t>= </a:t>
             </a:r>
             <a:r>
               <a:rPr lang="en-US" altLang="zh-CN" dirty="0" smtClean="0"/>
-              <a:t>))</a:t>
+              <a:t>f3(      )</a:t>
             </a:r>
           </a:p>
           <a:p>
@@ -7213,7 +7129,7 @@
               <a:buFont typeface="Arial" panose="020B0604020202020204" pitchFamily="34" charset="0"/>
               <a:buChar char="•"/>
             </a:pPr>
-            <a:endParaRPr lang="en-US" altLang="zh-CN" dirty="0"/>
+            <a:endParaRPr lang="en-US" altLang="zh-CN" dirty="0" smtClean="0"/>
           </a:p>
           <a:p>
             <a:pPr marL="60325" indent="-285750">
@@ -7296,7 +7212,7 @@
           <p:nvPr/>
         </p:nvPicPr>
         <p:blipFill>
-          <a:blip r:embed="rId4"/>
+          <a:blip r:embed="rId3"/>
           <a:stretch>
             <a:fillRect/>
           </a:stretch>
@@ -7320,7 +7236,7 @@
           <p:nvPr/>
         </p:nvPicPr>
         <p:blipFill>
-          <a:blip r:embed="rId4"/>
+          <a:blip r:embed="rId3"/>
           <a:stretch>
             <a:fillRect/>
           </a:stretch>
@@ -7337,22 +7253,70 @@
       </p:pic>
       <p:pic>
         <p:nvPicPr>
-          <p:cNvPr id="15" name="图片 14"/>
+          <p:cNvPr id="16" name="图片 15"/>
           <p:cNvPicPr>
             <a:picLocks noChangeAspect="1"/>
           </p:cNvPicPr>
           <p:nvPr/>
         </p:nvPicPr>
         <p:blipFill>
-          <a:blip r:embed="rId6"/>
+          <a:blip r:embed="rId3"/>
           <a:stretch>
             <a:fillRect/>
           </a:stretch>
         </p:blipFill>
         <p:spPr>
           <a:xfrm>
-            <a:off x="2817812" y="4889256"/>
-            <a:ext cx="2246634" cy="1787377"/>
+            <a:off x="3755391" y="1547812"/>
+            <a:ext cx="371475" cy="409575"/>
+          </a:xfrm>
+          <a:prstGeom prst="rect">
+            <a:avLst/>
+          </a:prstGeom>
+        </p:spPr>
+      </p:pic>
+      <p:pic>
+        <p:nvPicPr>
+          <p:cNvPr id="17" name="图片 16"/>
+          <p:cNvPicPr>
+            <a:picLocks noChangeAspect="1"/>
+          </p:cNvPicPr>
+          <p:nvPr/>
+        </p:nvPicPr>
+        <p:blipFill>
+          <a:blip r:embed="rId3"/>
+          <a:stretch>
+            <a:fillRect/>
+          </a:stretch>
+        </p:blipFill>
+        <p:spPr>
+          <a:xfrm>
+            <a:off x="7815156" y="2600969"/>
+            <a:ext cx="267144" cy="294543"/>
+          </a:xfrm>
+          <a:prstGeom prst="rect">
+            <a:avLst/>
+          </a:prstGeom>
+        </p:spPr>
+      </p:pic>
+      <p:pic>
+        <p:nvPicPr>
+          <p:cNvPr id="18" name="图片 17"/>
+          <p:cNvPicPr>
+            <a:picLocks noChangeAspect="1"/>
+          </p:cNvPicPr>
+          <p:nvPr/>
+        </p:nvPicPr>
+        <p:blipFill>
+          <a:blip r:embed="rId3"/>
+          <a:stretch>
+            <a:fillRect/>
+          </a:stretch>
+        </p:blipFill>
+        <p:spPr>
+          <a:xfrm>
+            <a:off x="8913812" y="2620945"/>
+            <a:ext cx="267144" cy="294543"/>
           </a:xfrm>
           <a:prstGeom prst="rect">
             <a:avLst/>
@@ -7392,6 +7356,767 @@
 </file>
 
 <file path=ppt/slides/slide21.xml><?xml version="1.0" encoding="utf-8"?>
+<p:sld xmlns:a="http://schemas.openxmlformats.org/drawingml/2006/main" xmlns:r="http://schemas.openxmlformats.org/officeDocument/2006/relationships" xmlns:p="http://schemas.openxmlformats.org/presentationml/2006/main">
+  <p:cSld>
+    <p:spTree>
+      <p:nvGrpSpPr>
+        <p:cNvPr id="1" name=""/>
+        <p:cNvGrpSpPr/>
+        <p:nvPr/>
+      </p:nvGrpSpPr>
+      <p:grpSpPr>
+        <a:xfrm>
+          <a:off x="0" y="0"/>
+          <a:ext cx="0" cy="0"/>
+          <a:chOff x="0" y="0"/>
+          <a:chExt cx="0" cy="0"/>
+        </a:xfrm>
+      </p:grpSpPr>
+      <p:sp>
+        <p:nvSpPr>
+          <p:cNvPr id="2" name="标题 1"/>
+          <p:cNvSpPr>
+            <a:spLocks noGrp="1"/>
+          </p:cNvSpPr>
+          <p:nvPr>
+            <p:ph type="title"/>
+          </p:nvPr>
+        </p:nvSpPr>
+        <p:spPr>
+          <a:xfrm>
+            <a:off x="1522413" y="393777"/>
+            <a:ext cx="9144001" cy="762000"/>
+          </a:xfrm>
+        </p:spPr>
+        <p:txBody>
+          <a:bodyPr>
+            <a:normAutofit/>
+          </a:bodyPr>
+          <a:lstStyle/>
+          <a:p>
+            <a:r>
+              <a:rPr lang="en-US" altLang="zh-CN" dirty="0" smtClean="0"/>
+              <a:t>Environment State, Agent State</a:t>
+            </a:r>
+            <a:endParaRPr lang="zh-CN" altLang="en-US" dirty="0"/>
+          </a:p>
+        </p:txBody>
+      </p:sp>
+      <p:sp>
+        <p:nvSpPr>
+          <p:cNvPr id="6" name="文本框 5"/>
+          <p:cNvSpPr txBox="1"/>
+          <p:nvPr/>
+        </p:nvSpPr>
+        <p:spPr>
+          <a:xfrm>
+            <a:off x="1293812" y="1752600"/>
+            <a:ext cx="9372602" cy="523220"/>
+          </a:xfrm>
+          <a:prstGeom prst="rect">
+            <a:avLst/>
+          </a:prstGeom>
+          <a:noFill/>
+        </p:spPr>
+        <p:txBody>
+          <a:bodyPr wrap="square" rtlCol="0">
+            <a:spAutoFit/>
+          </a:bodyPr>
+          <a:lstStyle/>
+          <a:p>
+            <a:pPr marL="285750" indent="-285750">
+              <a:buFont typeface="Arial" panose="020B0604020202020204" pitchFamily="34" charset="0"/>
+              <a:buChar char="•"/>
+            </a:pPr>
+            <a:endParaRPr lang="en-US" altLang="zh-CN" sz="1600" dirty="0" smtClean="0"/>
+          </a:p>
+          <a:p>
+            <a:pPr marL="285750" indent="-285750">
+              <a:buFont typeface="Arial" panose="020B0604020202020204" pitchFamily="34" charset="0"/>
+              <a:buChar char="•"/>
+            </a:pPr>
+            <a:endParaRPr lang="en-US" altLang="zh-CN" sz="1200" dirty="0" smtClean="0"/>
+          </a:p>
+        </p:txBody>
+      </p:sp>
+      <p:sp>
+        <p:nvSpPr>
+          <p:cNvPr id="8" name="内容占位符 2"/>
+          <p:cNvSpPr>
+            <a:spLocks noGrp="1"/>
+          </p:cNvSpPr>
+          <p:nvPr>
+            <p:ph sz="half" idx="1"/>
+          </p:nvPr>
+        </p:nvSpPr>
+        <p:spPr>
+          <a:xfrm>
+            <a:off x="1293813" y="1524000"/>
+            <a:ext cx="3581400" cy="5257800"/>
+          </a:xfrm>
+        </p:spPr>
+        <p:txBody>
+          <a:bodyPr rtlCol="0">
+            <a:normAutofit/>
+          </a:bodyPr>
+          <a:lstStyle/>
+          <a:p>
+            <a:r>
+              <a:rPr lang="en-US" altLang="zh-CN" sz="1800" dirty="0"/>
+              <a:t>Agent </a:t>
+            </a:r>
+            <a:r>
+              <a:rPr lang="en-US" altLang="zh-CN" sz="1800" dirty="0" smtClean="0"/>
+              <a:t>State:                                  </a:t>
+            </a:r>
+            <a:r>
+              <a:rPr lang="en-US" altLang="zh-CN" sz="1800" dirty="0" smtClean="0">
+                <a:solidFill>
+                  <a:srgbClr val="FFFF00"/>
+                </a:solidFill>
+              </a:rPr>
+              <a:t>               </a:t>
+            </a:r>
+            <a:endParaRPr lang="en-US" altLang="zh-CN" sz="1800" dirty="0">
+              <a:solidFill>
+                <a:srgbClr val="FFFF00"/>
+              </a:solidFill>
+            </a:endParaRPr>
+          </a:p>
+          <a:p>
+            <a:endParaRPr lang="en-US" altLang="zh-CN" sz="1800" dirty="0" smtClean="0">
+              <a:solidFill>
+                <a:srgbClr val="FFFF00"/>
+              </a:solidFill>
+            </a:endParaRPr>
+          </a:p>
+          <a:p>
+            <a:endParaRPr lang="en-US" altLang="zh-CN" sz="1800" dirty="0">
+              <a:solidFill>
+                <a:srgbClr val="FFFF00"/>
+              </a:solidFill>
+            </a:endParaRPr>
+          </a:p>
+          <a:p>
+            <a:endParaRPr lang="en-US" altLang="zh-CN" sz="1800" dirty="0">
+              <a:solidFill>
+                <a:srgbClr val="FFFF00"/>
+              </a:solidFill>
+            </a:endParaRPr>
+          </a:p>
+          <a:p>
+            <a:endParaRPr lang="en-US" altLang="zh-CN" sz="1800" dirty="0" smtClean="0"/>
+          </a:p>
+          <a:p>
+            <a:pPr marL="0" indent="0">
+              <a:buNone/>
+            </a:pPr>
+            <a:r>
+              <a:rPr lang="en-US" altLang="zh-CN" sz="1800" dirty="0" smtClean="0"/>
+              <a:t>         </a:t>
+            </a:r>
+          </a:p>
+          <a:p>
+            <a:pPr marL="0" indent="0">
+              <a:buNone/>
+            </a:pPr>
+            <a:r>
+              <a:rPr lang="en-US" altLang="zh-CN" sz="1800" dirty="0" smtClean="0"/>
+              <a:t>                                                         </a:t>
+            </a:r>
+          </a:p>
+        </p:txBody>
+      </p:sp>
+      <p:pic>
+        <p:nvPicPr>
+          <p:cNvPr id="4" name="图片 3"/>
+          <p:cNvPicPr>
+            <a:picLocks noChangeAspect="1"/>
+          </p:cNvPicPr>
+          <p:nvPr/>
+        </p:nvPicPr>
+        <p:blipFill>
+          <a:blip r:embed="rId2"/>
+          <a:stretch>
+            <a:fillRect/>
+          </a:stretch>
+        </p:blipFill>
+        <p:spPr>
+          <a:xfrm>
+            <a:off x="2156008" y="2307976"/>
+            <a:ext cx="1962150" cy="1586169"/>
+          </a:xfrm>
+          <a:prstGeom prst="rect">
+            <a:avLst/>
+          </a:prstGeom>
+        </p:spPr>
+      </p:pic>
+      <p:pic>
+        <p:nvPicPr>
+          <p:cNvPr id="7" name="图片 6"/>
+          <p:cNvPicPr>
+            <a:picLocks noChangeAspect="1"/>
+          </p:cNvPicPr>
+          <p:nvPr/>
+        </p:nvPicPr>
+        <p:blipFill>
+          <a:blip r:embed="rId3"/>
+          <a:stretch>
+            <a:fillRect/>
+          </a:stretch>
+        </p:blipFill>
+        <p:spPr>
+          <a:xfrm>
+            <a:off x="3101807" y="1441391"/>
+            <a:ext cx="323850" cy="447675"/>
+          </a:xfrm>
+          <a:prstGeom prst="rect">
+            <a:avLst/>
+          </a:prstGeom>
+        </p:spPr>
+      </p:pic>
+      <p:sp>
+        <p:nvSpPr>
+          <p:cNvPr id="9" name="矩形 8"/>
+          <p:cNvSpPr/>
+          <p:nvPr/>
+        </p:nvSpPr>
+        <p:spPr>
+          <a:xfrm>
+            <a:off x="5059204" y="1441391"/>
+            <a:ext cx="6140608" cy="4524315"/>
+          </a:xfrm>
+          <a:prstGeom prst="rect">
+            <a:avLst/>
+          </a:prstGeom>
+        </p:spPr>
+        <p:txBody>
+          <a:bodyPr wrap="square">
+            <a:spAutoFit/>
+          </a:bodyPr>
+          <a:lstStyle/>
+          <a:p>
+            <a:pPr marL="285750" indent="-285750">
+              <a:buFont typeface="Arial" panose="020B0604020202020204" pitchFamily="34" charset="0"/>
+              <a:buChar char="•"/>
+            </a:pPr>
+            <a:r>
+              <a:rPr lang="en-US" altLang="zh-CN" dirty="0" smtClean="0"/>
+              <a:t>The agent State         is the agent’s internal state </a:t>
+            </a:r>
+            <a:r>
+              <a:rPr lang="en-US" altLang="zh-CN" dirty="0" err="1" smtClean="0"/>
+              <a:t>representaion</a:t>
+            </a:r>
+            <a:endParaRPr lang="en-US" altLang="zh-CN" dirty="0" smtClean="0"/>
+          </a:p>
+          <a:p>
+            <a:pPr marL="285750" indent="-285750">
+              <a:buFont typeface="Arial" panose="020B0604020202020204" pitchFamily="34" charset="0"/>
+              <a:buChar char="•"/>
+            </a:pPr>
+            <a:endParaRPr lang="en-US" altLang="zh-CN" dirty="0" smtClean="0"/>
+          </a:p>
+          <a:p>
+            <a:pPr marL="60325" indent="-285750">
+              <a:buFont typeface="Arial" panose="020B0604020202020204" pitchFamily="34" charset="0"/>
+              <a:buChar char="•"/>
+            </a:pPr>
+            <a:r>
+              <a:rPr lang="en-US" altLang="zh-CN" dirty="0" smtClean="0"/>
+              <a:t>i.e. whatever data the agent used to pick action </a:t>
+            </a:r>
+          </a:p>
+          <a:p>
+            <a:pPr marL="60325" indent="-285750">
+              <a:buFont typeface="Arial" panose="020B0604020202020204" pitchFamily="34" charset="0"/>
+              <a:buChar char="•"/>
+            </a:pPr>
+            <a:endParaRPr lang="en-US" altLang="zh-CN" dirty="0" smtClean="0"/>
+          </a:p>
+          <a:p>
+            <a:pPr marL="60325" indent="-285750">
+              <a:buFont typeface="Arial" panose="020B0604020202020204" pitchFamily="34" charset="0"/>
+              <a:buChar char="•"/>
+            </a:pPr>
+            <a:r>
+              <a:rPr lang="en-US" altLang="zh-CN" dirty="0" smtClean="0"/>
+              <a:t>At </a:t>
+            </a:r>
+            <a:r>
+              <a:rPr lang="en-US" altLang="zh-CN" dirty="0"/>
+              <a:t>= </a:t>
+            </a:r>
+            <a:r>
+              <a:rPr lang="en-US" altLang="zh-CN" dirty="0" smtClean="0"/>
+              <a:t>f1(       )</a:t>
+            </a:r>
+          </a:p>
+          <a:p>
+            <a:pPr marL="60325" indent="-285750">
+              <a:buFont typeface="Arial" panose="020B0604020202020204" pitchFamily="34" charset="0"/>
+              <a:buChar char="•"/>
+            </a:pPr>
+            <a:endParaRPr lang="en-US" altLang="zh-CN" dirty="0"/>
+          </a:p>
+          <a:p>
+            <a:endParaRPr lang="en-US" altLang="zh-CN" dirty="0"/>
+          </a:p>
+          <a:p>
+            <a:pPr algn="ctr"/>
+            <a:r>
+              <a:rPr lang="en-US" altLang="zh-CN" sz="3600" dirty="0" smtClean="0"/>
+              <a:t>        = f(</a:t>
+            </a:r>
+            <a:r>
+              <a:rPr lang="en-US" altLang="zh-CN" sz="3600" dirty="0" err="1" smtClean="0"/>
+              <a:t>Ht</a:t>
+            </a:r>
+            <a:r>
+              <a:rPr lang="en-US" altLang="zh-CN" sz="3600" dirty="0"/>
+              <a:t>)</a:t>
+            </a:r>
+          </a:p>
+          <a:p>
+            <a:pPr marL="60325" indent="-285750">
+              <a:buFont typeface="Arial" panose="020B0604020202020204" pitchFamily="34" charset="0"/>
+              <a:buChar char="•"/>
+            </a:pPr>
+            <a:endParaRPr lang="en-US" altLang="zh-CN" dirty="0"/>
+          </a:p>
+          <a:p>
+            <a:pPr marL="285750" indent="-285750">
+              <a:buFont typeface="Arial" panose="020B0604020202020204" pitchFamily="34" charset="0"/>
+              <a:buChar char="•"/>
+            </a:pPr>
+            <a:endParaRPr lang="en-US" altLang="zh-CN" dirty="0" smtClean="0"/>
+          </a:p>
+          <a:p>
+            <a:pPr marL="285750" indent="-285750">
+              <a:buFont typeface="Arial" panose="020B0604020202020204" pitchFamily="34" charset="0"/>
+              <a:buChar char="•"/>
+            </a:pPr>
+            <a:endParaRPr lang="en-US" altLang="zh-CN" dirty="0"/>
+          </a:p>
+          <a:p>
+            <a:pPr marL="285750" indent="-285750">
+              <a:buFont typeface="Arial" panose="020B0604020202020204" pitchFamily="34" charset="0"/>
+              <a:buChar char="•"/>
+            </a:pPr>
+            <a:endParaRPr lang="en-US" altLang="zh-CN" dirty="0" smtClean="0"/>
+          </a:p>
+          <a:p>
+            <a:pPr marL="285750" indent="-285750">
+              <a:buFont typeface="Arial" panose="020B0604020202020204" pitchFamily="34" charset="0"/>
+              <a:buChar char="•"/>
+            </a:pPr>
+            <a:endParaRPr lang="en-US" altLang="zh-CN" dirty="0"/>
+          </a:p>
+          <a:p>
+            <a:pPr marL="285750" indent="-285750">
+              <a:buFont typeface="Arial" panose="020B0604020202020204" pitchFamily="34" charset="0"/>
+              <a:buChar char="•"/>
+            </a:pPr>
+            <a:endParaRPr lang="en-US" altLang="zh-CN" dirty="0"/>
+          </a:p>
+        </p:txBody>
+      </p:sp>
+      <p:pic>
+        <p:nvPicPr>
+          <p:cNvPr id="14" name="图片 13"/>
+          <p:cNvPicPr>
+            <a:picLocks noChangeAspect="1"/>
+          </p:cNvPicPr>
+          <p:nvPr/>
+        </p:nvPicPr>
+        <p:blipFill>
+          <a:blip r:embed="rId3"/>
+          <a:stretch>
+            <a:fillRect/>
+          </a:stretch>
+        </p:blipFill>
+        <p:spPr>
+          <a:xfrm>
+            <a:off x="7008812" y="1389680"/>
+            <a:ext cx="323850" cy="447675"/>
+          </a:xfrm>
+          <a:prstGeom prst="rect">
+            <a:avLst/>
+          </a:prstGeom>
+        </p:spPr>
+      </p:pic>
+      <p:pic>
+        <p:nvPicPr>
+          <p:cNvPr id="17" name="图片 16"/>
+          <p:cNvPicPr>
+            <a:picLocks noChangeAspect="1"/>
+          </p:cNvPicPr>
+          <p:nvPr/>
+        </p:nvPicPr>
+        <p:blipFill>
+          <a:blip r:embed="rId3"/>
+          <a:stretch>
+            <a:fillRect/>
+          </a:stretch>
+        </p:blipFill>
+        <p:spPr>
+          <a:xfrm>
+            <a:off x="7357343" y="3627916"/>
+            <a:ext cx="457200" cy="632012"/>
+          </a:xfrm>
+          <a:prstGeom prst="rect">
+            <a:avLst/>
+          </a:prstGeom>
+        </p:spPr>
+      </p:pic>
+      <p:pic>
+        <p:nvPicPr>
+          <p:cNvPr id="18" name="图片 17"/>
+          <p:cNvPicPr>
+            <a:picLocks noChangeAspect="1"/>
+          </p:cNvPicPr>
+          <p:nvPr/>
+        </p:nvPicPr>
+        <p:blipFill>
+          <a:blip r:embed="rId3"/>
+          <a:stretch>
+            <a:fillRect/>
+          </a:stretch>
+        </p:blipFill>
+        <p:spPr>
+          <a:xfrm>
+            <a:off x="6113680" y="2840559"/>
+            <a:ext cx="258394" cy="357192"/>
+          </a:xfrm>
+          <a:prstGeom prst="rect">
+            <a:avLst/>
+          </a:prstGeom>
+        </p:spPr>
+      </p:pic>
+    </p:spTree>
+    <p:extLst>
+      <p:ext uri="{BB962C8B-B14F-4D97-AF65-F5344CB8AC3E}">
+        <p14:creationId xmlns:p14="http://schemas.microsoft.com/office/powerpoint/2010/main" val="2951540168"/>
+      </p:ext>
+    </p:extLst>
+  </p:cSld>
+  <p:clrMapOvr>
+    <a:masterClrMapping/>
+  </p:clrMapOvr>
+  <mc:AlternateContent xmlns:mc="http://schemas.openxmlformats.org/markup-compatibility/2006" xmlns:p14="http://schemas.microsoft.com/office/powerpoint/2010/main">
+    <mc:Choice Requires="p14">
+      <p:transition spd="med" p14:dur="700">
+        <p:fade/>
+      </p:transition>
+    </mc:Choice>
+    <mc:Fallback xmlns="">
+      <p:transition spd="med">
+        <p:fade/>
+      </p:transition>
+    </mc:Fallback>
+  </mc:AlternateContent>
+  <p:timing>
+    <p:tnLst>
+      <p:par>
+        <p:cTn id="1" dur="indefinite" restart="never" nodeType="tmRoot"/>
+      </p:par>
+    </p:tnLst>
+  </p:timing>
+</p:sld>
+</file>
+
+<file path=ppt/slides/slide22.xml><?xml version="1.0" encoding="utf-8"?>
+<p:sld xmlns:a="http://schemas.openxmlformats.org/drawingml/2006/main" xmlns:r="http://schemas.openxmlformats.org/officeDocument/2006/relationships" xmlns:p="http://schemas.openxmlformats.org/presentationml/2006/main">
+  <p:cSld>
+    <p:spTree>
+      <p:nvGrpSpPr>
+        <p:cNvPr id="1" name=""/>
+        <p:cNvGrpSpPr/>
+        <p:nvPr/>
+      </p:nvGrpSpPr>
+      <p:grpSpPr>
+        <a:xfrm>
+          <a:off x="0" y="0"/>
+          <a:ext cx="0" cy="0"/>
+          <a:chOff x="0" y="0"/>
+          <a:chExt cx="0" cy="0"/>
+        </a:xfrm>
+      </p:grpSpPr>
+      <p:sp>
+        <p:nvSpPr>
+          <p:cNvPr id="2" name="标题 1"/>
+          <p:cNvSpPr>
+            <a:spLocks noGrp="1"/>
+          </p:cNvSpPr>
+          <p:nvPr>
+            <p:ph type="title"/>
+          </p:nvPr>
+        </p:nvSpPr>
+        <p:spPr>
+          <a:xfrm>
+            <a:off x="1522413" y="393777"/>
+            <a:ext cx="9144001" cy="762000"/>
+          </a:xfrm>
+        </p:spPr>
+        <p:txBody>
+          <a:bodyPr>
+            <a:normAutofit/>
+          </a:bodyPr>
+          <a:lstStyle/>
+          <a:p>
+            <a:r>
+              <a:rPr lang="en-US" altLang="zh-CN" dirty="0" smtClean="0"/>
+              <a:t>State:  Markov State</a:t>
+            </a:r>
+            <a:endParaRPr lang="zh-CN" altLang="en-US" dirty="0"/>
+          </a:p>
+        </p:txBody>
+      </p:sp>
+      <p:sp>
+        <p:nvSpPr>
+          <p:cNvPr id="6" name="文本框 5"/>
+          <p:cNvSpPr txBox="1"/>
+          <p:nvPr/>
+        </p:nvSpPr>
+        <p:spPr>
+          <a:xfrm>
+            <a:off x="1293812" y="1752600"/>
+            <a:ext cx="9372602" cy="523220"/>
+          </a:xfrm>
+          <a:prstGeom prst="rect">
+            <a:avLst/>
+          </a:prstGeom>
+          <a:noFill/>
+        </p:spPr>
+        <p:txBody>
+          <a:bodyPr wrap="square" rtlCol="0">
+            <a:spAutoFit/>
+          </a:bodyPr>
+          <a:lstStyle/>
+          <a:p>
+            <a:pPr marL="285750" indent="-285750">
+              <a:buFont typeface="Arial" panose="020B0604020202020204" pitchFamily="34" charset="0"/>
+              <a:buChar char="•"/>
+            </a:pPr>
+            <a:endParaRPr lang="en-US" altLang="zh-CN" sz="1600" dirty="0" smtClean="0"/>
+          </a:p>
+          <a:p>
+            <a:pPr marL="285750" indent="-285750">
+              <a:buFont typeface="Arial" panose="020B0604020202020204" pitchFamily="34" charset="0"/>
+              <a:buChar char="•"/>
+            </a:pPr>
+            <a:endParaRPr lang="en-US" altLang="zh-CN" sz="1200" dirty="0" smtClean="0"/>
+          </a:p>
+        </p:txBody>
+      </p:sp>
+      <p:sp>
+        <p:nvSpPr>
+          <p:cNvPr id="8" name="内容占位符 2"/>
+          <p:cNvSpPr>
+            <a:spLocks noGrp="1"/>
+          </p:cNvSpPr>
+          <p:nvPr>
+            <p:ph sz="half" idx="1"/>
+          </p:nvPr>
+        </p:nvSpPr>
+        <p:spPr>
+          <a:xfrm>
+            <a:off x="1293812" y="1524000"/>
+            <a:ext cx="10591799" cy="5029200"/>
+          </a:xfrm>
+        </p:spPr>
+        <p:txBody>
+          <a:bodyPr rtlCol="0">
+            <a:normAutofit/>
+          </a:bodyPr>
+          <a:lstStyle/>
+          <a:p>
+            <a:r>
+              <a:rPr lang="en-US" altLang="zh-CN" sz="1800" dirty="0" smtClean="0"/>
+              <a:t>A State      is </a:t>
+            </a:r>
+            <a:r>
+              <a:rPr lang="en-US" altLang="zh-CN" sz="1800" dirty="0" smtClean="0">
+                <a:solidFill>
+                  <a:srgbClr val="FFFF00"/>
+                </a:solidFill>
+              </a:rPr>
+              <a:t>Markov</a:t>
+            </a:r>
+            <a:r>
+              <a:rPr lang="en-US" altLang="zh-CN" sz="1800" dirty="0" smtClean="0"/>
+              <a:t> (has Markov property) if and only if</a:t>
+            </a:r>
+          </a:p>
+          <a:p>
+            <a:pPr marL="0" indent="0">
+              <a:buNone/>
+            </a:pPr>
+            <a:r>
+              <a:rPr lang="en-US" altLang="zh-CN" sz="1800" dirty="0" smtClean="0"/>
+              <a:t>                </a:t>
+            </a:r>
+            <a:endParaRPr lang="en-US" altLang="zh-CN" sz="1800" dirty="0"/>
+          </a:p>
+          <a:p>
+            <a:endParaRPr lang="en-US" altLang="zh-CN" sz="1800" dirty="0" smtClean="0">
+              <a:solidFill>
+                <a:srgbClr val="FFFF00"/>
+              </a:solidFill>
+            </a:endParaRPr>
+          </a:p>
+          <a:p>
+            <a:endParaRPr lang="en-US" altLang="zh-CN" sz="1800" dirty="0">
+              <a:solidFill>
+                <a:srgbClr val="FFFF00"/>
+              </a:solidFill>
+            </a:endParaRPr>
+          </a:p>
+          <a:p>
+            <a:endParaRPr lang="en-US" altLang="zh-CN" sz="1800" dirty="0">
+              <a:solidFill>
+                <a:srgbClr val="FFFF00"/>
+              </a:solidFill>
+            </a:endParaRPr>
+          </a:p>
+          <a:p>
+            <a:r>
+              <a:rPr lang="en-US" altLang="zh-CN" sz="1800" dirty="0" smtClean="0">
+                <a:solidFill>
+                  <a:srgbClr val="FFFF00"/>
+                </a:solidFill>
+              </a:rPr>
+              <a:t>The future is independent to the past give the future.</a:t>
+            </a:r>
+          </a:p>
+          <a:p>
+            <a:endParaRPr lang="en-US" altLang="zh-CN" sz="1800" dirty="0">
+              <a:solidFill>
+                <a:srgbClr val="FFFF00"/>
+              </a:solidFill>
+            </a:endParaRPr>
+          </a:p>
+          <a:p>
+            <a:r>
+              <a:rPr lang="en-US" altLang="zh-CN" sz="1800" dirty="0" smtClean="0">
+                <a:solidFill>
+                  <a:srgbClr val="FFFF00"/>
+                </a:solidFill>
+              </a:rPr>
+              <a:t>If a state is Markov, you can only keep the current state in order to decide next </a:t>
+            </a:r>
+            <a:r>
+              <a:rPr lang="en-US" altLang="zh-CN" sz="1800" smtClean="0">
+                <a:solidFill>
+                  <a:srgbClr val="FFFF00"/>
+                </a:solidFill>
+              </a:rPr>
+              <a:t>state.</a:t>
+            </a:r>
+          </a:p>
+          <a:p>
+            <a:pPr marL="0" indent="0">
+              <a:buNone/>
+            </a:pPr>
+            <a:endParaRPr lang="en-US" altLang="zh-CN" sz="1800" dirty="0" smtClean="0">
+              <a:solidFill>
+                <a:srgbClr val="FFFF00"/>
+              </a:solidFill>
+            </a:endParaRPr>
+          </a:p>
+          <a:p>
+            <a:r>
+              <a:rPr lang="en-US" altLang="zh-CN" sz="1800" dirty="0" smtClean="0">
+                <a:solidFill>
+                  <a:srgbClr val="FFFF00"/>
+                </a:solidFill>
+              </a:rPr>
+              <a:t>Can Throw away the past state.                                                      </a:t>
+            </a:r>
+          </a:p>
+        </p:txBody>
+      </p:sp>
+      <p:pic>
+        <p:nvPicPr>
+          <p:cNvPr id="5" name="图片 4"/>
+          <p:cNvPicPr>
+            <a:picLocks noChangeAspect="1"/>
+          </p:cNvPicPr>
+          <p:nvPr/>
+        </p:nvPicPr>
+        <p:blipFill>
+          <a:blip r:embed="rId2"/>
+          <a:stretch>
+            <a:fillRect/>
+          </a:stretch>
+        </p:blipFill>
+        <p:spPr>
+          <a:xfrm>
+            <a:off x="2427287" y="1485900"/>
+            <a:ext cx="314325" cy="342900"/>
+          </a:xfrm>
+          <a:prstGeom prst="rect">
+            <a:avLst/>
+          </a:prstGeom>
+        </p:spPr>
+      </p:pic>
+      <p:pic>
+        <p:nvPicPr>
+          <p:cNvPr id="10" name="图片 9"/>
+          <p:cNvPicPr>
+            <a:picLocks noChangeAspect="1"/>
+          </p:cNvPicPr>
+          <p:nvPr/>
+        </p:nvPicPr>
+        <p:blipFill>
+          <a:blip r:embed="rId3"/>
+          <a:stretch>
+            <a:fillRect/>
+          </a:stretch>
+        </p:blipFill>
+        <p:spPr>
+          <a:xfrm>
+            <a:off x="2427287" y="2504420"/>
+            <a:ext cx="6399004" cy="834653"/>
+          </a:xfrm>
+          <a:prstGeom prst="rect">
+            <a:avLst/>
+          </a:prstGeom>
+        </p:spPr>
+      </p:pic>
+    </p:spTree>
+    <p:extLst>
+      <p:ext uri="{BB962C8B-B14F-4D97-AF65-F5344CB8AC3E}">
+        <p14:creationId xmlns:p14="http://schemas.microsoft.com/office/powerpoint/2010/main" val="2940136283"/>
+      </p:ext>
+    </p:extLst>
+  </p:cSld>
+  <p:clrMapOvr>
+    <a:masterClrMapping/>
+  </p:clrMapOvr>
+  <mc:AlternateContent xmlns:mc="http://schemas.openxmlformats.org/markup-compatibility/2006" xmlns:p14="http://schemas.microsoft.com/office/powerpoint/2010/main">
+    <mc:Choice Requires="p14">
+      <p:transition spd="med" p14:dur="700">
+        <p:fade/>
+      </p:transition>
+    </mc:Choice>
+    <mc:Fallback xmlns="">
+      <p:transition spd="med">
+        <p:fade/>
+      </p:transition>
+    </mc:Fallback>
+  </mc:AlternateContent>
+  <p:timing>
+    <p:tnLst>
+      <p:par>
+        <p:cTn id="1" dur="indefinite" restart="never" nodeType="tmRoot"/>
+      </p:par>
+    </p:tnLst>
+  </p:timing>
+</p:sld>
+</file>
+
+<file path=ppt/slides/slide23.xml><?xml version="1.0" encoding="utf-8"?>
 <p:sld xmlns:a="http://schemas.openxmlformats.org/drawingml/2006/main" xmlns:r="http://schemas.openxmlformats.org/officeDocument/2006/relationships" xmlns:p="http://schemas.openxmlformats.org/presentationml/2006/main">
   <p:cSld>
     <p:spTree>
@@ -8522,7 +9247,7 @@
           </a:p>
           <a:p>
             <a:r>
-              <a:rPr lang="en-US" altLang="zh-CN"/>
+              <a:rPr lang="en-US" altLang="zh-CN" dirty="0"/>
               <a:t>Environment State, Agent State</a:t>
             </a:r>
             <a:endParaRPr lang="en-US" dirty="0" smtClean="0">

--- a/Speech/Reinforcement Learning.pptx
+++ b/Speech/Reinforcement Learning.pptx
@@ -248,7 +248,7 @@
                 <a:ea typeface="微软雅黑" panose="020B0503020204020204" pitchFamily="34" charset="-122"/>
               </a:rPr>
               <a:pPr algn="r" rtl="0"/>
-              <a:t>2019/3/8</a:t>
+              <a:t>2019/3/12</a:t>
             </a:fld>
             <a:endParaRPr lang="zh-CN" altLang="en-US" dirty="0">
               <a:latin typeface="微软雅黑" panose="020B0503020204020204" pitchFamily="34" charset="-122"/>
@@ -435,7 +435,7 @@
             <a:fld id="{0760B032-84D0-4C37-BA11-143E54573B20}" type="datetime1">
               <a:rPr lang="zh-CN" altLang="en-US" smtClean="0"/>
               <a:pPr/>
-              <a:t>2019/3/8</a:t>
+              <a:t>2019/3/12</a:t>
             </a:fld>
             <a:endParaRPr lang="zh-CN" altLang="en-US" dirty="0"/>
           </a:p>
@@ -1046,7 +1046,7 @@
             <a:fld id="{CCC847F5-93BF-420F-8B65-846E937E9C1A}" type="datetime1">
               <a:rPr lang="zh-CN" altLang="en-US" smtClean="0"/>
               <a:pPr/>
-              <a:t>2019/3/8</a:t>
+              <a:t>2019/3/12</a:t>
             </a:fld>
             <a:endParaRPr lang="zh-CN" altLang="en-US" dirty="0"/>
           </a:p>
@@ -1246,7 +1246,7 @@
             <a:fld id="{6E377329-BC83-4AA4-8C27-9230F654D81D}" type="datetime1">
               <a:rPr lang="zh-CN" altLang="en-US" smtClean="0"/>
               <a:pPr/>
-              <a:t>2019/3/8</a:t>
+              <a:t>2019/3/12</a:t>
             </a:fld>
             <a:endParaRPr lang="zh-CN" altLang="en-US" dirty="0"/>
           </a:p>
@@ -1480,7 +1480,7 @@
             <a:fld id="{0590CACB-45F2-4467-AFEF-2FAF076B81D1}" type="datetime1">
               <a:rPr lang="zh-CN" altLang="en-US" smtClean="0"/>
               <a:pPr/>
-              <a:t>2019/3/8</a:t>
+              <a:t>2019/3/12</a:t>
             </a:fld>
             <a:endParaRPr lang="zh-CN" altLang="en-US" dirty="0"/>
           </a:p>
@@ -1781,7 +1781,7 @@
             <a:fld id="{2B5F8077-0E3A-4E2F-B75E-22C62A81D703}" type="datetime1">
               <a:rPr lang="zh-CN" altLang="en-US" smtClean="0"/>
               <a:pPr/>
-              <a:t>2019/3/8</a:t>
+              <a:t>2019/3/12</a:t>
             </a:fld>
             <a:endParaRPr lang="zh-CN" altLang="en-US" dirty="0"/>
           </a:p>
@@ -2133,7 +2133,7 @@
             <a:fld id="{17CC0278-CB38-4147-A3E5-29E0B37DAE13}" type="datetime1">
               <a:rPr lang="zh-CN" altLang="en-US" smtClean="0"/>
               <a:pPr/>
-              <a:t>2019/3/8</a:t>
+              <a:t>2019/3/12</a:t>
             </a:fld>
             <a:endParaRPr lang="zh-CN" altLang="en-US" dirty="0"/>
           </a:p>
@@ -2610,7 +2610,7 @@
             <a:fld id="{FE3F0142-28F1-4EAE-A000-8206DFCC5E82}" type="datetime1">
               <a:rPr lang="zh-CN" altLang="en-US" smtClean="0"/>
               <a:pPr/>
-              <a:t>2019/3/8</a:t>
+              <a:t>2019/3/12</a:t>
             </a:fld>
             <a:endParaRPr lang="zh-CN" altLang="en-US" dirty="0"/>
           </a:p>
@@ -2748,7 +2748,7 @@
             <a:fld id="{A4BB1F61-C412-4D7C-8881-587417A7B600}" type="datetime1">
               <a:rPr lang="zh-CN" altLang="en-US" smtClean="0"/>
               <a:pPr/>
-              <a:t>2019/3/8</a:t>
+              <a:t>2019/3/12</a:t>
             </a:fld>
             <a:endParaRPr lang="zh-CN" altLang="en-US" dirty="0"/>
           </a:p>
@@ -2870,7 +2870,7 @@
             <a:fld id="{8469E5D7-6C97-4873-B82C-4B22B2F17496}" type="datetime1">
               <a:rPr lang="zh-CN" altLang="en-US" smtClean="0"/>
               <a:pPr/>
-              <a:t>2019/3/8</a:t>
+              <a:t>2019/3/12</a:t>
             </a:fld>
             <a:endParaRPr lang="zh-CN" altLang="en-US" dirty="0"/>
           </a:p>
@@ -3200,7 +3200,7 @@
             <a:fld id="{D7B3E930-C3B3-4585-8A26-00F140A7FB77}" type="datetime1">
               <a:rPr lang="zh-CN" altLang="en-US" smtClean="0"/>
               <a:pPr/>
-              <a:t>2019/3/8</a:t>
+              <a:t>2019/3/12</a:t>
             </a:fld>
             <a:endParaRPr lang="zh-CN" altLang="en-US" dirty="0"/>
           </a:p>
@@ -3520,7 +3520,7 @@
             <a:fld id="{E46EF46F-E0E0-460C-B765-9380271A0BA1}" type="datetime1">
               <a:rPr lang="zh-CN" altLang="en-US" smtClean="0"/>
               <a:pPr/>
-              <a:t>2019/3/8</a:t>
+              <a:t>2019/3/12</a:t>
             </a:fld>
             <a:endParaRPr lang="zh-CN" altLang="en-US" dirty="0"/>
           </a:p>
@@ -3759,7 +3759,7 @@
             <a:fld id="{4C63F3C3-2912-4537-AF96-286DDB4356FC}" type="datetime1">
               <a:rPr lang="zh-CN" altLang="en-US" smtClean="0"/>
               <a:pPr/>
-              <a:t>2019/3/8</a:t>
+              <a:t>2019/3/12</a:t>
             </a:fld>
             <a:endParaRPr lang="zh-CN" altLang="en-US" dirty="0"/>
           </a:p>
@@ -4791,7 +4791,35 @@
                 <a:latin typeface="微软雅黑" panose="020B0503020204020204" pitchFamily="34" charset="-122"/>
                 <a:ea typeface="微软雅黑" panose="020B0503020204020204" pitchFamily="34" charset="-122"/>
               </a:rPr>
-              <a:t>total expected future rewards.</a:t>
+              <a:t>total expected </a:t>
+            </a:r>
+            <a:r>
+              <a:rPr lang="en-US" dirty="0" smtClean="0">
+                <a:solidFill>
+                  <a:srgbClr val="FFFF00"/>
+                </a:solidFill>
+              </a:rPr>
+              <a:t>cumulative </a:t>
+            </a:r>
+            <a:r>
+              <a:rPr lang="en-US" dirty="0" smtClean="0">
+                <a:solidFill>
+                  <a:srgbClr val="FFFF00"/>
+                </a:solidFill>
+                <a:latin typeface="微软雅黑" panose="020B0503020204020204" pitchFamily="34" charset="-122"/>
+                <a:ea typeface="微软雅黑" panose="020B0503020204020204" pitchFamily="34" charset="-122"/>
+              </a:rPr>
+              <a:t>future </a:t>
+            </a:r>
+            <a:r>
+              <a:rPr lang="en-US" dirty="0" smtClean="0">
+                <a:solidFill>
+                  <a:srgbClr val="FFFF00"/>
+                </a:solidFill>
+                <a:latin typeface="微软雅黑" panose="020B0503020204020204" pitchFamily="34" charset="-122"/>
+                <a:ea typeface="微软雅黑" panose="020B0503020204020204" pitchFamily="34" charset="-122"/>
+              </a:rPr>
+              <a:t>rewards.</a:t>
             </a:r>
           </a:p>
           <a:p>
@@ -5377,12 +5405,13 @@
           <a:p>
             <a:r>
               <a:rPr lang="en-US" altLang="zh-CN" sz="1600" dirty="0"/>
-              <a:t>At each step the agent</a:t>
+              <a:t>At each step the </a:t>
             </a:r>
             <a:r>
               <a:rPr lang="en-US" altLang="zh-CN" sz="1600" dirty="0" smtClean="0"/>
-              <a:t>:</a:t>
-            </a:r>
+              <a:t>environment:</a:t>
+            </a:r>
+            <a:endParaRPr lang="en-US" altLang="zh-CN" sz="1600" dirty="0" smtClean="0"/>
           </a:p>
           <a:p>
             <a:pPr marL="285750" indent="-285750">
@@ -5409,12 +5438,8 @@
               <a:buChar char="•"/>
             </a:pPr>
             <a:r>
-              <a:rPr lang="en-US" altLang="zh-CN" sz="1600" dirty="0" err="1" smtClean="0"/>
-              <a:t>Emmit</a:t>
-            </a:r>
-            <a:r>
               <a:rPr lang="en-US" altLang="zh-CN" sz="1600" dirty="0" smtClean="0"/>
-              <a:t> </a:t>
+              <a:t>Emit </a:t>
             </a:r>
             <a:r>
               <a:rPr lang="en-US" altLang="zh-CN" sz="1600" dirty="0"/>
@@ -6022,7 +6047,7 @@
               <a:t> = A</a:t>
             </a:r>
             <a:r>
-              <a:rPr lang="en-US" sz="2800" dirty="0" smtClean="0">
+              <a:rPr lang="en-US" sz="1900" dirty="0" smtClean="0">
                 <a:gradFill>
                   <a:gsLst>
                     <a:gs pos="0">
@@ -6057,19 +6082,71 @@
             </a:r>
             <a:r>
               <a:rPr lang="en-US" sz="2800" dirty="0" smtClean="0"/>
-              <a:t>O1R1, A</a:t>
-            </a:r>
-            <a:r>
-              <a:rPr lang="en-US" altLang="zh-CN" sz="2800" dirty="0" smtClean="0"/>
+              <a:t>O</a:t>
+            </a:r>
+            <a:r>
+              <a:rPr lang="en-US" sz="1900" dirty="0" smtClean="0"/>
+              <a:t>1</a:t>
+            </a:r>
+            <a:r>
+              <a:rPr lang="en-US" sz="2800" dirty="0" smtClean="0"/>
+              <a:t>R</a:t>
+            </a:r>
+            <a:r>
+              <a:rPr lang="en-US" sz="1900" dirty="0" smtClean="0"/>
+              <a:t>1</a:t>
+            </a:r>
+            <a:r>
+              <a:rPr lang="en-US" sz="2800" dirty="0" smtClean="0"/>
+              <a:t>, A</a:t>
+            </a:r>
+            <a:r>
+              <a:rPr lang="en-US" altLang="zh-CN" sz="1900" dirty="0" smtClean="0"/>
               <a:t>2</a:t>
             </a:r>
             <a:r>
               <a:rPr lang="en-US" sz="2800" dirty="0" smtClean="0"/>
-              <a:t>O2R2,……</a:t>
+              <a:t>O</a:t>
+            </a:r>
+            <a:r>
+              <a:rPr lang="en-US" sz="1900" dirty="0" smtClean="0"/>
+              <a:t>2</a:t>
+            </a:r>
+            <a:r>
+              <a:rPr lang="en-US" sz="2800" dirty="0" smtClean="0"/>
+              <a:t>R</a:t>
+            </a:r>
+            <a:r>
+              <a:rPr lang="en-US" sz="1900" dirty="0" smtClean="0"/>
+              <a:t>2</a:t>
+            </a:r>
+            <a:r>
+              <a:rPr lang="en-US" sz="2800" dirty="0" smtClean="0"/>
+              <a:t>,……</a:t>
             </a:r>
             <a:r>
               <a:rPr lang="en-US" sz="2800" dirty="0" err="1" smtClean="0"/>
-              <a:t>AtOtRt</a:t>
+              <a:t>A</a:t>
+            </a:r>
+            <a:r>
+              <a:rPr lang="en-US" sz="1900" dirty="0" err="1" smtClean="0"/>
+              <a:t>t</a:t>
+            </a:r>
+            <a:r>
+              <a:rPr lang="en-US" sz="2800" dirty="0" err="1" smtClean="0"/>
+              <a:t>O</a:t>
+            </a:r>
+            <a:r>
+              <a:rPr lang="en-US" sz="1900" dirty="0" err="1" smtClean="0"/>
+              <a:t>t</a:t>
+            </a:r>
+            <a:r>
+              <a:rPr lang="en-US" sz="2800" dirty="0" err="1" smtClean="0"/>
+              <a:t>R</a:t>
+            </a:r>
+            <a:r>
+              <a:rPr lang="en-US" sz="1900" dirty="0" err="1" smtClean="0"/>
+              <a:t>t</a:t>
             </a:r>
             <a:endParaRPr lang="en-US" sz="2800" dirty="0" smtClean="0"/>
           </a:p>
@@ -6122,14 +6199,30 @@
             </a:r>
             <a:r>
               <a:rPr lang="en-US" altLang="zh-CN" dirty="0" smtClean="0"/>
-              <a:t>Ht.</a:t>
+              <a:t>H</a:t>
+            </a:r>
+            <a:r>
+              <a:rPr lang="en-US" altLang="zh-CN" sz="1700" dirty="0" smtClean="0"/>
+              <a:t>t</a:t>
+            </a:r>
+            <a:r>
+              <a:rPr lang="en-US" altLang="zh-CN" dirty="0" smtClean="0"/>
+              <a:t>.</a:t>
             </a:r>
           </a:p>
           <a:p>
             <a:pPr lvl="1"/>
             <a:r>
               <a:rPr lang="en-US" altLang="zh-CN" sz="2300" dirty="0" smtClean="0"/>
-              <a:t>The agent selects actions depends on Ht.</a:t>
+              <a:t>The agent selects actions depends on H</a:t>
+            </a:r>
+            <a:r>
+              <a:rPr lang="en-US" altLang="zh-CN" sz="1700" dirty="0" smtClean="0"/>
+              <a:t>t</a:t>
+            </a:r>
+            <a:r>
+              <a:rPr lang="en-US" altLang="zh-CN" sz="2300" dirty="0" smtClean="0"/>
+              <a:t>.</a:t>
             </a:r>
           </a:p>
           <a:p>
@@ -6140,7 +6233,15 @@
             </a:r>
             <a:r>
               <a:rPr lang="en-US" altLang="zh-CN" sz="2300" dirty="0"/>
-              <a:t>depends on Ht.</a:t>
+              <a:t>depends on H</a:t>
+            </a:r>
+            <a:r>
+              <a:rPr lang="en-US" altLang="zh-CN" sz="1700" dirty="0"/>
+              <a:t>t</a:t>
+            </a:r>
+            <a:r>
+              <a:rPr lang="en-US" altLang="zh-CN" sz="2300" dirty="0"/>
+              <a:t>.</a:t>
             </a:r>
           </a:p>
           <a:p>
@@ -6319,11 +6420,23 @@
             </a:pPr>
             <a:r>
               <a:rPr lang="en-US" altLang="zh-CN" sz="4000" dirty="0" smtClean="0"/>
-              <a:t>At = f1(</a:t>
+              <a:t>A</a:t>
+            </a:r>
+            <a:r>
+              <a:rPr lang="en-US" altLang="zh-CN" sz="2800" dirty="0" smtClean="0"/>
+              <a:t>t</a:t>
+            </a:r>
+            <a:r>
+              <a:rPr lang="en-US" altLang="zh-CN" sz="4000" dirty="0" smtClean="0"/>
+              <a:t> = f1(</a:t>
             </a:r>
             <a:r>
               <a:rPr lang="en-US" altLang="zh-CN" sz="4000" dirty="0" err="1" smtClean="0"/>
-              <a:t>Ht</a:t>
+              <a:t>H</a:t>
+            </a:r>
+            <a:r>
+              <a:rPr lang="en-US" altLang="zh-CN" sz="2800" dirty="0" err="1" smtClean="0"/>
+              <a:t>t</a:t>
             </a:r>
             <a:r>
               <a:rPr lang="en-US" altLang="zh-CN" sz="4000" dirty="0" smtClean="0"/>
@@ -6336,7 +6449,11 @@
             </a:pPr>
             <a:r>
               <a:rPr lang="en-US" altLang="zh-CN" sz="4000" dirty="0" err="1" smtClean="0"/>
-              <a:t>Ot</a:t>
+              <a:t>O</a:t>
+            </a:r>
+            <a:r>
+              <a:rPr lang="en-US" altLang="zh-CN" sz="2800" dirty="0" err="1" smtClean="0"/>
+              <a:t>t</a:t>
             </a:r>
             <a:r>
               <a:rPr lang="en-US" altLang="zh-CN" sz="4000" dirty="0" smtClean="0"/>
@@ -6352,7 +6469,11 @@
             </a:r>
             <a:r>
               <a:rPr lang="en-US" altLang="zh-CN" sz="4000" dirty="0" err="1" smtClean="0"/>
-              <a:t>Ht</a:t>
+              <a:t>H</a:t>
+            </a:r>
+            <a:r>
+              <a:rPr lang="en-US" altLang="zh-CN" sz="2800" dirty="0" err="1" smtClean="0"/>
+              <a:t>t</a:t>
             </a:r>
             <a:r>
               <a:rPr lang="en-US" altLang="zh-CN" sz="4000" dirty="0" smtClean="0"/>
@@ -6365,7 +6486,11 @@
             </a:pPr>
             <a:r>
               <a:rPr lang="en-US" altLang="zh-CN" sz="4000" dirty="0" err="1" smtClean="0"/>
-              <a:t>Rt</a:t>
+              <a:t>R</a:t>
+            </a:r>
+            <a:r>
+              <a:rPr lang="en-US" altLang="zh-CN" sz="2800" dirty="0" err="1" smtClean="0"/>
+              <a:t>t</a:t>
             </a:r>
             <a:r>
               <a:rPr lang="en-US" altLang="zh-CN" sz="4000" dirty="0" smtClean="0"/>
@@ -6381,7 +6506,11 @@
             </a:r>
             <a:r>
               <a:rPr lang="en-US" altLang="zh-CN" sz="4000" dirty="0" err="1" smtClean="0"/>
-              <a:t>Ht</a:t>
+              <a:t>H</a:t>
+            </a:r>
+            <a:r>
+              <a:rPr lang="en-US" altLang="zh-CN" sz="2800" dirty="0" err="1" smtClean="0"/>
+              <a:t>t</a:t>
             </a:r>
             <a:r>
               <a:rPr lang="en-US" altLang="zh-CN" sz="4000" dirty="0"/>
@@ -6620,7 +6749,23 @@
             </a:pPr>
             <a:r>
               <a:rPr lang="en-US" altLang="zh-CN" sz="4000" dirty="0"/>
-              <a:t>At = f1(St)</a:t>
+              <a:t>A</a:t>
+            </a:r>
+            <a:r>
+              <a:rPr lang="en-US" altLang="zh-CN" sz="2600" dirty="0"/>
+              <a:t>t </a:t>
+            </a:r>
+            <a:r>
+              <a:rPr lang="en-US" altLang="zh-CN" sz="4000" dirty="0"/>
+              <a:t>= f1(S</a:t>
+            </a:r>
+            <a:r>
+              <a:rPr lang="en-US" altLang="zh-CN" sz="1900" dirty="0"/>
+              <a:t>t</a:t>
+            </a:r>
+            <a:r>
+              <a:rPr lang="en-US" altLang="zh-CN" sz="4000" dirty="0"/>
+              <a:t>)</a:t>
             </a:r>
           </a:p>
           <a:p>
@@ -6629,11 +6774,23 @@
             </a:pPr>
             <a:r>
               <a:rPr lang="en-US" altLang="zh-CN" sz="4000" dirty="0" err="1"/>
-              <a:t>Ot</a:t>
+              <a:t>O</a:t>
+            </a:r>
+            <a:r>
+              <a:rPr lang="en-US" altLang="zh-CN" sz="2600" dirty="0" err="1"/>
+              <a:t>t</a:t>
             </a:r>
             <a:r>
               <a:rPr lang="en-US" altLang="zh-CN" sz="4000" dirty="0"/>
-              <a:t> = f2(St)</a:t>
+              <a:t> = f2(S</a:t>
+            </a:r>
+            <a:r>
+              <a:rPr lang="en-US" altLang="zh-CN" sz="1900" dirty="0"/>
+              <a:t>t</a:t>
+            </a:r>
+            <a:r>
+              <a:rPr lang="en-US" altLang="zh-CN" sz="4000" dirty="0"/>
+              <a:t>)</a:t>
             </a:r>
           </a:p>
           <a:p>
@@ -6642,11 +6799,23 @@
             </a:pPr>
             <a:r>
               <a:rPr lang="en-US" altLang="zh-CN" sz="4000" dirty="0" err="1"/>
-              <a:t>Rt</a:t>
+              <a:t>R</a:t>
+            </a:r>
+            <a:r>
+              <a:rPr lang="en-US" altLang="zh-CN" sz="2600" dirty="0" err="1"/>
+              <a:t>t</a:t>
             </a:r>
             <a:r>
               <a:rPr lang="en-US" altLang="zh-CN" sz="4000" dirty="0"/>
-              <a:t> = f3(St)</a:t>
+              <a:t> = f3(S</a:t>
+            </a:r>
+            <a:r>
+              <a:rPr lang="en-US" altLang="zh-CN" sz="2200" dirty="0"/>
+              <a:t>t</a:t>
+            </a:r>
+            <a:r>
+              <a:rPr lang="en-US" altLang="zh-CN" sz="4000" dirty="0"/>
+              <a:t>)</a:t>
             </a:r>
           </a:p>
           <a:p>
@@ -7037,7 +7206,7 @@
         <p:spPr>
           <a:xfrm>
             <a:off x="5059204" y="1441391"/>
-            <a:ext cx="6140608" cy="4801314"/>
+            <a:ext cx="6140608" cy="4524315"/>
           </a:xfrm>
           <a:prstGeom prst="rect">
             <a:avLst/>
@@ -7072,7 +7241,11 @@
             </a:pPr>
             <a:r>
               <a:rPr lang="en-US" altLang="zh-CN" dirty="0" smtClean="0"/>
-              <a:t>i.e. whatever data the environment uses to pick the next observation/reward </a:t>
+              <a:t>i.e. whatever data the environment uses to pick the next </a:t>
+            </a:r>
+            <a:r>
+              <a:rPr lang="en-US" altLang="zh-CN" dirty="0" smtClean="0"/>
+              <a:t>observation / reward </a:t>
             </a:r>
             <a:r>
               <a:rPr lang="en-US" altLang="zh-CN" dirty="0" err="1" smtClean="0"/>
@@ -7088,7 +7261,11 @@
             </a:r>
             <a:r>
               <a:rPr lang="en-US" altLang="zh-CN" dirty="0" smtClean="0"/>
-              <a:t>f2(      ), </a:t>
+              <a:t>f2( </a:t>
+            </a:r>
+            <a:r>
+              <a:rPr lang="en-US" altLang="zh-CN" dirty="0" smtClean="0"/>
+              <a:t>     ), </a:t>
             </a:r>
             <a:r>
               <a:rPr lang="en-US" altLang="zh-CN" dirty="0" err="1" smtClean="0"/>
@@ -7104,8 +7281,13 @@
             </a:r>
             <a:r>
               <a:rPr lang="en-US" altLang="zh-CN" dirty="0" smtClean="0"/>
-              <a:t>f3(      )</a:t>
-            </a:r>
+              <a:t>f3(     </a:t>
+            </a:r>
+            <a:r>
+              <a:rPr lang="en-US" altLang="zh-CN" dirty="0" smtClean="0"/>
+              <a:t>  )</a:t>
+            </a:r>
+            <a:endParaRPr lang="en-US" altLang="zh-CN" dirty="0" smtClean="0"/>
           </a:p>
           <a:p>
             <a:pPr marL="60325" indent="-285750">
@@ -7153,31 +7335,32 @@
               <a:buFont typeface="Arial" panose="020B0604020202020204" pitchFamily="34" charset="0"/>
               <a:buChar char="•"/>
             </a:pPr>
-            <a:endParaRPr lang="en-US" altLang="zh-CN" dirty="0"/>
+            <a:endParaRPr lang="en-US" altLang="zh-CN" dirty="0" smtClean="0"/>
           </a:p>
           <a:p>
             <a:pPr marL="60325" indent="-285750">
               <a:buFont typeface="Arial" panose="020B0604020202020204" pitchFamily="34" charset="0"/>
               <a:buChar char="•"/>
             </a:pPr>
-            <a:r>
-              <a:rPr lang="en-US" altLang="zh-CN" dirty="0" smtClean="0"/>
-              <a:t>e.g. all memory in the used by the game program.</a:t>
-            </a:r>
             <a:endParaRPr lang="en-US" altLang="zh-CN" dirty="0"/>
           </a:p>
           <a:p>
-            <a:pPr marL="285750" indent="-285750">
+            <a:pPr marL="60325" indent="-285750">
               <a:buFont typeface="Arial" panose="020B0604020202020204" pitchFamily="34" charset="0"/>
               <a:buChar char="•"/>
             </a:pPr>
-            <a:endParaRPr lang="en-US" altLang="zh-CN" dirty="0" smtClean="0"/>
-          </a:p>
-          <a:p>
-            <a:pPr marL="285750" indent="-285750">
-              <a:buFont typeface="Arial" panose="020B0604020202020204" pitchFamily="34" charset="0"/>
-              <a:buChar char="•"/>
-            </a:pPr>
+            <a:r>
+              <a:rPr lang="en-US" altLang="zh-CN" dirty="0" smtClean="0"/>
+              <a:t>e.g</a:t>
+            </a:r>
+            <a:r>
+              <a:rPr lang="en-US" altLang="zh-CN" dirty="0" smtClean="0"/>
+              <a:t>. all memory in the used by the game program</a:t>
+            </a:r>
+            <a:r>
+              <a:rPr lang="en-US" altLang="zh-CN" dirty="0" smtClean="0"/>
+              <a:t>.</a:t>
+            </a:r>
             <a:endParaRPr lang="en-US" altLang="zh-CN" dirty="0"/>
           </a:p>
           <a:p>
@@ -7291,7 +7474,7 @@
         </p:blipFill>
         <p:spPr>
           <a:xfrm>
-            <a:off x="7815156" y="2600969"/>
+            <a:off x="7884668" y="2590800"/>
             <a:ext cx="267144" cy="294543"/>
           </a:xfrm>
           <a:prstGeom prst="rect">
@@ -7315,7 +7498,7 @@
         </p:blipFill>
         <p:spPr>
           <a:xfrm>
-            <a:off x="8913812" y="2620945"/>
+            <a:off x="9066212" y="2590800"/>
             <a:ext cx="267144" cy="294543"/>
           </a:xfrm>
           <a:prstGeom prst="rect">
@@ -7605,8 +7788,8 @@
               <a:t>The agent State         is the agent’s internal state </a:t>
             </a:r>
             <a:r>
-              <a:rPr lang="en-US" altLang="zh-CN" dirty="0" err="1" smtClean="0"/>
-              <a:t>representaion</a:t>
+              <a:rPr lang="en-US" altLang="zh-CN" dirty="0" smtClean="0"/>
+              <a:t>representation</a:t>
             </a:r>
             <a:endParaRPr lang="en-US" altLang="zh-CN" dirty="0" smtClean="0"/>
           </a:p>
@@ -7641,7 +7824,15 @@
             </a:pPr>
             <a:r>
               <a:rPr lang="en-US" altLang="zh-CN" dirty="0" smtClean="0"/>
-              <a:t>At </a:t>
+              <a:t>A</a:t>
+            </a:r>
+            <a:r>
+              <a:rPr lang="en-US" altLang="zh-CN" sz="1200" dirty="0" smtClean="0"/>
+              <a:t>t</a:t>
+            </a:r>
+            <a:r>
+              <a:rPr lang="en-US" altLang="zh-CN" dirty="0" smtClean="0"/>
+              <a:t> </a:t>
             </a:r>
             <a:r>
               <a:rPr lang="en-US" altLang="zh-CN" dirty="0"/>
@@ -7666,11 +7857,19 @@
             <a:pPr algn="ctr"/>
             <a:r>
               <a:rPr lang="en-US" altLang="zh-CN" sz="3600" dirty="0" smtClean="0"/>
-              <a:t>        = f(</a:t>
+              <a:t>        = </a:t>
+            </a:r>
+            <a:r>
+              <a:rPr lang="en-US" altLang="zh-CN" sz="3600" dirty="0" smtClean="0"/>
+              <a:t>f1(</a:t>
             </a:r>
             <a:r>
               <a:rPr lang="en-US" altLang="zh-CN" sz="3600" dirty="0" err="1" smtClean="0"/>
-              <a:t>Ht</a:t>
+              <a:t>H</a:t>
+            </a:r>
+            <a:r>
+              <a:rPr lang="en-US" altLang="zh-CN" sz="2400" dirty="0" err="1" smtClean="0"/>
+              <a:t>t</a:t>
             </a:r>
             <a:r>
               <a:rPr lang="en-US" altLang="zh-CN" sz="3600" dirty="0"/>
@@ -7983,11 +8182,50 @@
             <a:r>
               <a:rPr lang="en-US" altLang="zh-CN" sz="1800" dirty="0" smtClean="0">
                 <a:solidFill>
-                  <a:srgbClr val="FFFF00"/>
+                  <a:schemeClr val="tx1">
+                    <a:lumMod val="95000"/>
+                  </a:schemeClr>
                 </a:solidFill>
               </a:rPr>
-              <a:t>The future is independent to the past give the future.</a:t>
-            </a:r>
+              <a:t>The future is independent to the past </a:t>
+            </a:r>
+            <a:r>
+              <a:rPr lang="en-US" altLang="zh-CN" sz="1800" dirty="0" smtClean="0">
+                <a:solidFill>
+                  <a:schemeClr val="tx1">
+                    <a:lumMod val="95000"/>
+                  </a:schemeClr>
+                </a:solidFill>
+              </a:rPr>
+              <a:t>given </a:t>
+            </a:r>
+            <a:r>
+              <a:rPr lang="en-US" altLang="zh-CN" sz="1800" smtClean="0">
+                <a:solidFill>
+                  <a:schemeClr val="tx1">
+                    <a:lumMod val="95000"/>
+                  </a:schemeClr>
+                </a:solidFill>
+              </a:rPr>
+              <a:t>the </a:t>
+            </a:r>
+            <a:r>
+              <a:rPr lang="en-US" altLang="zh-CN" sz="1800" smtClean="0">
+                <a:solidFill>
+                  <a:schemeClr val="tx1">
+                    <a:lumMod val="95000"/>
+                  </a:schemeClr>
+                </a:solidFill>
+              </a:rPr>
+              <a:t>present.</a:t>
+            </a:r>
+            <a:endParaRPr lang="en-US" altLang="zh-CN" sz="1800" dirty="0" smtClean="0">
+              <a:solidFill>
+                <a:schemeClr val="tx1">
+                  <a:lumMod val="95000"/>
+                </a:schemeClr>
+              </a:solidFill>
+            </a:endParaRPr>
           </a:p>
           <a:p>
             <a:endParaRPr lang="en-US" altLang="zh-CN" sz="1800" dirty="0">
@@ -8000,18 +8238,38 @@
             <a:r>
               <a:rPr lang="en-US" altLang="zh-CN" sz="1800" dirty="0" smtClean="0">
                 <a:solidFill>
-                  <a:srgbClr val="FFFF00"/>
+                  <a:schemeClr val="tx1">
+                    <a:lumMod val="95000"/>
+                  </a:schemeClr>
                 </a:solidFill>
               </a:rPr>
-              <a:t>If a state is Markov, you can only keep the current state in order to decide next </a:t>
-            </a:r>
-            <a:r>
-              <a:rPr lang="en-US" altLang="zh-CN" sz="1800" smtClean="0">
+              <a:t>If a state is Markov, you </a:t>
+            </a:r>
+            <a:r>
+              <a:rPr lang="en-US" altLang="zh-CN" sz="1800" dirty="0" smtClean="0">
                 <a:solidFill>
                   <a:srgbClr val="FFFF00"/>
                 </a:solidFill>
               </a:rPr>
-              <a:t>state.</a:t>
+              <a:t>only need to keep </a:t>
+            </a:r>
+            <a:r>
+              <a:rPr lang="en-US" altLang="zh-CN" sz="1800" dirty="0" smtClean="0">
+                <a:solidFill>
+                  <a:srgbClr val="FFFF00"/>
+                </a:solidFill>
+              </a:rPr>
+              <a:t>the current state </a:t>
+            </a:r>
+            <a:r>
+              <a:rPr lang="en-US" altLang="zh-CN" sz="1800" dirty="0" smtClean="0">
+                <a:solidFill>
+                  <a:schemeClr val="tx1">
+                    <a:lumMod val="95000"/>
+                  </a:schemeClr>
+                </a:solidFill>
+              </a:rPr>
+              <a:t>in order to decide next state.</a:t>
             </a:r>
           </a:p>
           <a:p>
@@ -8020,18 +8278,66 @@
             </a:pPr>
             <a:endParaRPr lang="en-US" altLang="zh-CN" sz="1800" dirty="0" smtClean="0">
               <a:solidFill>
-                <a:srgbClr val="FFFF00"/>
+                <a:schemeClr val="tx1">
+                  <a:lumMod val="95000"/>
+                </a:schemeClr>
               </a:solidFill>
             </a:endParaRPr>
           </a:p>
           <a:p>
+            <a:r>
+              <a:rPr lang="en-US" altLang="zh-CN" sz="1800" dirty="0" smtClean="0">
+                <a:solidFill>
+                  <a:schemeClr val="tx1">
+                    <a:lumMod val="95000"/>
+                  </a:schemeClr>
+                </a:solidFill>
+              </a:rPr>
+              <a:t>Can </a:t>
+            </a:r>
             <a:r>
               <a:rPr lang="en-US" altLang="zh-CN" sz="1800" dirty="0" smtClean="0">
                 <a:solidFill>
                   <a:srgbClr val="FFFF00"/>
                 </a:solidFill>
               </a:rPr>
-              <a:t>Can Throw away the past state.                                                      </a:t>
+              <a:t>throw </a:t>
+            </a:r>
+            <a:r>
+              <a:rPr lang="en-US" altLang="zh-CN" sz="1800" dirty="0" smtClean="0">
+                <a:solidFill>
+                  <a:srgbClr val="FFFF00"/>
+                </a:solidFill>
+              </a:rPr>
+              <a:t>away</a:t>
+            </a:r>
+            <a:r>
+              <a:rPr lang="en-US" altLang="zh-CN" sz="1800" dirty="0" smtClean="0">
+                <a:solidFill>
+                  <a:schemeClr val="tx1">
+                    <a:lumMod val="95000"/>
+                  </a:schemeClr>
+                </a:solidFill>
+              </a:rPr>
+              <a:t> the </a:t>
+            </a:r>
+            <a:r>
+              <a:rPr lang="en-US" altLang="zh-CN" sz="1800" dirty="0" smtClean="0">
+                <a:solidFill>
+                  <a:srgbClr val="FFFF00"/>
+                </a:solidFill>
+              </a:rPr>
+              <a:t>past</a:t>
+            </a:r>
+            <a:r>
+              <a:rPr lang="en-US" altLang="zh-CN" sz="1800" dirty="0" smtClean="0">
+                <a:solidFill>
+                  <a:schemeClr val="tx1">
+                    <a:lumMod val="95000"/>
+                  </a:schemeClr>
+                </a:solidFill>
+              </a:rPr>
+              <a:t> state.                                                      </a:t>
             </a:r>
           </a:p>
         </p:txBody>
@@ -10070,142 +10376,6 @@
 </file>
 
 <file path=customXml/item1.xml><?xml version="1.0" encoding="utf-8"?>
-<?mso-contentType ?>
-<FormTemplates xmlns="http://schemas.microsoft.com/sharepoint/v3/contenttype/forms">
-  <Display>DocumentLibraryForm</Display>
-  <Edit>AssetEditForm</Edit>
-  <New>DocumentLibraryForm</New>
-</FormTemplates>
-</file>
-
-<file path=customXml/item2.xml><?xml version="1.0" encoding="utf-8"?>
-<p:properties xmlns:p="http://schemas.microsoft.com/office/2006/metadata/properties" xmlns:xsi="http://www.w3.org/2001/XMLSchema-instance" xmlns:pc="http://schemas.microsoft.com/office/infopath/2007/PartnerControls">
-  <documentManagement>
-    <DirectSourceMarket xmlns="4873beb7-5857-4685-be1f-d57550cc96cc" xsi:nil="true"/>
-    <ApprovalStatus xmlns="4873beb7-5857-4685-be1f-d57550cc96cc">InProgress</ApprovalStatus>
-    <MarketSpecific xmlns="4873beb7-5857-4685-be1f-d57550cc96cc">false</MarketSpecific>
-    <LocComments xmlns="4873beb7-5857-4685-be1f-d57550cc96cc" xsi:nil="true"/>
-    <ThumbnailAssetId xmlns="4873beb7-5857-4685-be1f-d57550cc96cc" xsi:nil="true"/>
-    <PrimaryImageGen xmlns="4873beb7-5857-4685-be1f-d57550cc96cc">true</PrimaryImageGen>
-    <LegacyData xmlns="4873beb7-5857-4685-be1f-d57550cc96cc" xsi:nil="true"/>
-    <LocRecommendedHandoff xmlns="4873beb7-5857-4685-be1f-d57550cc96cc" xsi:nil="true"/>
-    <BusinessGroup xmlns="4873beb7-5857-4685-be1f-d57550cc96cc" xsi:nil="true"/>
-    <BlockPublish xmlns="4873beb7-5857-4685-be1f-d57550cc96cc">false</BlockPublish>
-    <TPFriendlyName xmlns="4873beb7-5857-4685-be1f-d57550cc96cc" xsi:nil="true"/>
-    <NumericId xmlns="4873beb7-5857-4685-be1f-d57550cc96cc" xsi:nil="true"/>
-    <APEditor xmlns="4873beb7-5857-4685-be1f-d57550cc96cc">
-      <UserInfo>
-        <DisplayName/>
-        <AccountId xsi:nil="true"/>
-        <AccountType/>
-      </UserInfo>
-    </APEditor>
-    <SourceTitle xmlns="4873beb7-5857-4685-be1f-d57550cc96cc" xsi:nil="true"/>
-    <OpenTemplate xmlns="4873beb7-5857-4685-be1f-d57550cc96cc">true</OpenTemplate>
-    <UALocComments xmlns="4873beb7-5857-4685-be1f-d57550cc96cc" xsi:nil="true"/>
-    <ParentAssetId xmlns="4873beb7-5857-4685-be1f-d57550cc96cc" xsi:nil="true"/>
-    <IntlLangReviewDate xmlns="4873beb7-5857-4685-be1f-d57550cc96cc" xsi:nil="true"/>
-    <FeatureTagsTaxHTField0 xmlns="4873beb7-5857-4685-be1f-d57550cc96cc">
-      <Terms xmlns="http://schemas.microsoft.com/office/infopath/2007/PartnerControls"/>
-    </FeatureTagsTaxHTField0>
-    <PublishStatusLookup xmlns="4873beb7-5857-4685-be1f-d57550cc96cc">
-      <Value>1564227</Value>
-    </PublishStatusLookup>
-    <Providers xmlns="4873beb7-5857-4685-be1f-d57550cc96cc" xsi:nil="true"/>
-    <MachineTranslated xmlns="4873beb7-5857-4685-be1f-d57550cc96cc">false</MachineTranslated>
-    <OriginalSourceMarket xmlns="4873beb7-5857-4685-be1f-d57550cc96cc" xsi:nil="true"/>
-    <APDescription xmlns="4873beb7-5857-4685-be1f-d57550cc96cc">Take your audience through a digital tunnel where they'll  burst through to the other side and see the information you want to present. Show them lists, charts, tables, SmartArt,  and pictures using a variety of layouts in widescreen (16X9) format. This design works well for subjects on science and technology, computers, communication, and more.   
-</APDescription>
-    <ClipArtFilename xmlns="4873beb7-5857-4685-be1f-d57550cc96cc" xsi:nil="true"/>
-    <ContentItem xmlns="4873beb7-5857-4685-be1f-d57550cc96cc" xsi:nil="true"/>
-    <TPInstallLocation xmlns="4873beb7-5857-4685-be1f-d57550cc96cc" xsi:nil="true"/>
-    <PublishTargets xmlns="4873beb7-5857-4685-be1f-d57550cc96cc">OfficeOnlineVNext</PublishTargets>
-    <TimesCloned xmlns="4873beb7-5857-4685-be1f-d57550cc96cc" xsi:nil="true"/>
-    <AssetStart xmlns="4873beb7-5857-4685-be1f-d57550cc96cc">2012-05-11T02:04:00+00:00</AssetStart>
-    <Provider xmlns="4873beb7-5857-4685-be1f-d57550cc96cc" xsi:nil="true"/>
-    <AcquiredFrom xmlns="4873beb7-5857-4685-be1f-d57550cc96cc">Internal MS</AcquiredFrom>
-    <FriendlyTitle xmlns="4873beb7-5857-4685-be1f-d57550cc96cc" xsi:nil="true"/>
-    <LastHandOff xmlns="4873beb7-5857-4685-be1f-d57550cc96cc" xsi:nil="true"/>
-    <TPClientViewer xmlns="4873beb7-5857-4685-be1f-d57550cc96cc" xsi:nil="true"/>
-    <UACurrentWords xmlns="4873beb7-5857-4685-be1f-d57550cc96cc" xsi:nil="true"/>
-    <ArtSampleDocs xmlns="4873beb7-5857-4685-be1f-d57550cc96cc" xsi:nil="true"/>
-    <UALocRecommendation xmlns="4873beb7-5857-4685-be1f-d57550cc96cc">Localize</UALocRecommendation>
-    <Manager xmlns="4873beb7-5857-4685-be1f-d57550cc96cc" xsi:nil="true"/>
-    <ShowIn xmlns="4873beb7-5857-4685-be1f-d57550cc96cc">Show everywhere</ShowIn>
-    <UANotes xmlns="4873beb7-5857-4685-be1f-d57550cc96cc" xsi:nil="true"/>
-    <TemplateStatus xmlns="4873beb7-5857-4685-be1f-d57550cc96cc">Complete</TemplateStatus>
-    <InternalTagsTaxHTField0 xmlns="4873beb7-5857-4685-be1f-d57550cc96cc">
-      <Terms xmlns="http://schemas.microsoft.com/office/infopath/2007/PartnerControls"/>
-    </InternalTagsTaxHTField0>
-    <CSXHash xmlns="4873beb7-5857-4685-be1f-d57550cc96cc" xsi:nil="true"/>
-    <Downloads xmlns="4873beb7-5857-4685-be1f-d57550cc96cc">0</Downloads>
-    <VoteCount xmlns="4873beb7-5857-4685-be1f-d57550cc96cc" xsi:nil="true"/>
-    <OOCacheId xmlns="4873beb7-5857-4685-be1f-d57550cc96cc" xsi:nil="true"/>
-    <IsDeleted xmlns="4873beb7-5857-4685-be1f-d57550cc96cc">false</IsDeleted>
-    <AssetExpire xmlns="4873beb7-5857-4685-be1f-d57550cc96cc">2029-01-01T08:00:00+00:00</AssetExpire>
-    <DSATActionTaken xmlns="4873beb7-5857-4685-be1f-d57550cc96cc" xsi:nil="true"/>
-    <CSXSubmissionMarket xmlns="4873beb7-5857-4685-be1f-d57550cc96cc" xsi:nil="true"/>
-    <TPExecutable xmlns="4873beb7-5857-4685-be1f-d57550cc96cc" xsi:nil="true"/>
-    <SubmitterId xmlns="4873beb7-5857-4685-be1f-d57550cc96cc" xsi:nil="true"/>
-    <EditorialTags xmlns="4873beb7-5857-4685-be1f-d57550cc96cc" xsi:nil="true"/>
-    <ApprovalLog xmlns="4873beb7-5857-4685-be1f-d57550cc96cc" xsi:nil="true"/>
-    <AssetType xmlns="4873beb7-5857-4685-be1f-d57550cc96cc">TP</AssetType>
-    <BugNumber xmlns="4873beb7-5857-4685-be1f-d57550cc96cc" xsi:nil="true"/>
-    <CSXSubmissionDate xmlns="4873beb7-5857-4685-be1f-d57550cc96cc" xsi:nil="true"/>
-    <CSXUpdate xmlns="4873beb7-5857-4685-be1f-d57550cc96cc">false</CSXUpdate>
-    <Milestone xmlns="4873beb7-5857-4685-be1f-d57550cc96cc" xsi:nil="true"/>
-    <RecommendationsModifier xmlns="4873beb7-5857-4685-be1f-d57550cc96cc" xsi:nil="true"/>
-    <OriginAsset xmlns="4873beb7-5857-4685-be1f-d57550cc96cc" xsi:nil="true"/>
-    <TPComponent xmlns="4873beb7-5857-4685-be1f-d57550cc96cc" xsi:nil="true"/>
-    <AssetId xmlns="4873beb7-5857-4685-be1f-d57550cc96cc">TP102895246</AssetId>
-    <IntlLocPriority xmlns="4873beb7-5857-4685-be1f-d57550cc96cc" xsi:nil="true"/>
-    <PolicheckWords xmlns="4873beb7-5857-4685-be1f-d57550cc96cc" xsi:nil="true"/>
-    <TPLaunchHelpLink xmlns="4873beb7-5857-4685-be1f-d57550cc96cc" xsi:nil="true"/>
-    <TPApplication xmlns="4873beb7-5857-4685-be1f-d57550cc96cc" xsi:nil="true"/>
-    <CrawlForDependencies xmlns="4873beb7-5857-4685-be1f-d57550cc96cc">false</CrawlForDependencies>
-    <HandoffToMSDN xmlns="4873beb7-5857-4685-be1f-d57550cc96cc" xsi:nil="true"/>
-    <PlannedPubDate xmlns="4873beb7-5857-4685-be1f-d57550cc96cc" xsi:nil="true"/>
-    <IntlLangReviewer xmlns="4873beb7-5857-4685-be1f-d57550cc96cc" xsi:nil="true"/>
-    <TrustLevel xmlns="4873beb7-5857-4685-be1f-d57550cc96cc">1 Microsoft Managed Content</TrustLevel>
-    <LocLastLocAttemptVersionLookup xmlns="4873beb7-5857-4685-be1f-d57550cc96cc">835483</LocLastLocAttemptVersionLookup>
-    <IsSearchable xmlns="4873beb7-5857-4685-be1f-d57550cc96cc">true</IsSearchable>
-    <TemplateTemplateType xmlns="4873beb7-5857-4685-be1f-d57550cc96cc">PowerPoint Presentation Template</TemplateTemplateType>
-    <CampaignTagsTaxHTField0 xmlns="4873beb7-5857-4685-be1f-d57550cc96cc">
-      <Terms xmlns="http://schemas.microsoft.com/office/infopath/2007/PartnerControls"/>
-    </CampaignTagsTaxHTField0>
-    <TPNamespace xmlns="4873beb7-5857-4685-be1f-d57550cc96cc" xsi:nil="true"/>
-    <TaxCatchAll xmlns="4873beb7-5857-4685-be1f-d57550cc96cc"/>
-    <Markets xmlns="4873beb7-5857-4685-be1f-d57550cc96cc"/>
-    <UAProjectedTotalWords xmlns="4873beb7-5857-4685-be1f-d57550cc96cc" xsi:nil="true"/>
-    <IntlLangReview xmlns="4873beb7-5857-4685-be1f-d57550cc96cc">false</IntlLangReview>
-    <OutputCachingOn xmlns="4873beb7-5857-4685-be1f-d57550cc96cc">false</OutputCachingOn>
-    <AverageRating xmlns="4873beb7-5857-4685-be1f-d57550cc96cc" xsi:nil="true"/>
-    <APAuthor xmlns="4873beb7-5857-4685-be1f-d57550cc96cc">
-      <UserInfo>
-        <DisplayName>REDMOND\v-vaddu</DisplayName>
-        <AccountId>2567</AccountId>
-        <AccountType/>
-      </UserInfo>
-    </APAuthor>
-    <LocManualTestRequired xmlns="4873beb7-5857-4685-be1f-d57550cc96cc">false</LocManualTestRequired>
-    <TPCommandLine xmlns="4873beb7-5857-4685-be1f-d57550cc96cc" xsi:nil="true"/>
-    <TPAppVersion xmlns="4873beb7-5857-4685-be1f-d57550cc96cc" xsi:nil="true"/>
-    <EditorialStatus xmlns="4873beb7-5857-4685-be1f-d57550cc96cc">Complete</EditorialStatus>
-    <LastModifiedDateTime xmlns="4873beb7-5857-4685-be1f-d57550cc96cc" xsi:nil="true"/>
-    <ScenarioTagsTaxHTField0 xmlns="4873beb7-5857-4685-be1f-d57550cc96cc">
-      <Terms xmlns="http://schemas.microsoft.com/office/infopath/2007/PartnerControls"/>
-    </ScenarioTagsTaxHTField0>
-    <OriginalRelease xmlns="4873beb7-5857-4685-be1f-d57550cc96cc">15</OriginalRelease>
-    <TPLaunchHelpLinkType xmlns="4873beb7-5857-4685-be1f-d57550cc96cc">Template</TPLaunchHelpLinkType>
-    <LocalizationTagsTaxHTField0 xmlns="4873beb7-5857-4685-be1f-d57550cc96cc">
-      <Terms xmlns="http://schemas.microsoft.com/office/infopath/2007/PartnerControls"/>
-    </LocalizationTagsTaxHTField0>
-    <LocMarketGroupTiers2 xmlns="4873beb7-5857-4685-be1f-d57550cc96cc" xsi:nil="true"/>
-  </documentManagement>
-</p:properties>
-</file>
-
-<file path=customXml/item3.xml><?xml version="1.0" encoding="utf-8"?>
 <ct:contentTypeSchema xmlns:ct="http://schemas.microsoft.com/office/2006/metadata/contentType" xmlns:ma="http://schemas.microsoft.com/office/2006/metadata/properties/metaAttributes" ct:_="" ma:_="" ma:contentTypeName="TemplateFile" ma:contentTypeID="0x0101006EDDDB5EE6D98C44930B742096920B300400F5B6D36B3EF94B4E9A635CDF2A18F5B8" ma:contentTypeVersion="72" ma:contentTypeDescription="Create a new document." ma:contentTypeScope="" ma:versionID="a23e56308344d904b51738559c3d67c9">
   <xsd:schema xmlns:xsd="http://www.w3.org/2001/XMLSchema" xmlns:xs="http://www.w3.org/2001/XMLSchema" xmlns:p="http://schemas.microsoft.com/office/2006/metadata/properties" xmlns:ns2="4873beb7-5857-4685-be1f-d57550cc96cc" targetNamespace="http://schemas.microsoft.com/office/2006/metadata/properties" ma:root="true" ma:fieldsID="cd0908cc4600e77bf5da051303e00c8d" ns2:_="">
     <xsd:import namespace="4873beb7-5857-4685-be1f-d57550cc96cc"/>
@@ -11245,10 +11415,156 @@
 </ct:contentTypeSchema>
 </file>
 
+<file path=customXml/item2.xml><?xml version="1.0" encoding="utf-8"?>
+<p:properties xmlns:p="http://schemas.microsoft.com/office/2006/metadata/properties" xmlns:xsi="http://www.w3.org/2001/XMLSchema-instance" xmlns:pc="http://schemas.microsoft.com/office/infopath/2007/PartnerControls">
+  <documentManagement>
+    <DirectSourceMarket xmlns="4873beb7-5857-4685-be1f-d57550cc96cc" xsi:nil="true"/>
+    <ApprovalStatus xmlns="4873beb7-5857-4685-be1f-d57550cc96cc">InProgress</ApprovalStatus>
+    <MarketSpecific xmlns="4873beb7-5857-4685-be1f-d57550cc96cc">false</MarketSpecific>
+    <LocComments xmlns="4873beb7-5857-4685-be1f-d57550cc96cc" xsi:nil="true"/>
+    <ThumbnailAssetId xmlns="4873beb7-5857-4685-be1f-d57550cc96cc" xsi:nil="true"/>
+    <PrimaryImageGen xmlns="4873beb7-5857-4685-be1f-d57550cc96cc">true</PrimaryImageGen>
+    <LegacyData xmlns="4873beb7-5857-4685-be1f-d57550cc96cc" xsi:nil="true"/>
+    <LocRecommendedHandoff xmlns="4873beb7-5857-4685-be1f-d57550cc96cc" xsi:nil="true"/>
+    <BusinessGroup xmlns="4873beb7-5857-4685-be1f-d57550cc96cc" xsi:nil="true"/>
+    <BlockPublish xmlns="4873beb7-5857-4685-be1f-d57550cc96cc">false</BlockPublish>
+    <TPFriendlyName xmlns="4873beb7-5857-4685-be1f-d57550cc96cc" xsi:nil="true"/>
+    <NumericId xmlns="4873beb7-5857-4685-be1f-d57550cc96cc" xsi:nil="true"/>
+    <APEditor xmlns="4873beb7-5857-4685-be1f-d57550cc96cc">
+      <UserInfo>
+        <DisplayName/>
+        <AccountId xsi:nil="true"/>
+        <AccountType/>
+      </UserInfo>
+    </APEditor>
+    <SourceTitle xmlns="4873beb7-5857-4685-be1f-d57550cc96cc" xsi:nil="true"/>
+    <OpenTemplate xmlns="4873beb7-5857-4685-be1f-d57550cc96cc">true</OpenTemplate>
+    <UALocComments xmlns="4873beb7-5857-4685-be1f-d57550cc96cc" xsi:nil="true"/>
+    <ParentAssetId xmlns="4873beb7-5857-4685-be1f-d57550cc96cc" xsi:nil="true"/>
+    <IntlLangReviewDate xmlns="4873beb7-5857-4685-be1f-d57550cc96cc" xsi:nil="true"/>
+    <FeatureTagsTaxHTField0 xmlns="4873beb7-5857-4685-be1f-d57550cc96cc">
+      <Terms xmlns="http://schemas.microsoft.com/office/infopath/2007/PartnerControls"/>
+    </FeatureTagsTaxHTField0>
+    <PublishStatusLookup xmlns="4873beb7-5857-4685-be1f-d57550cc96cc">
+      <Value>1564227</Value>
+    </PublishStatusLookup>
+    <Providers xmlns="4873beb7-5857-4685-be1f-d57550cc96cc" xsi:nil="true"/>
+    <MachineTranslated xmlns="4873beb7-5857-4685-be1f-d57550cc96cc">false</MachineTranslated>
+    <OriginalSourceMarket xmlns="4873beb7-5857-4685-be1f-d57550cc96cc" xsi:nil="true"/>
+    <APDescription xmlns="4873beb7-5857-4685-be1f-d57550cc96cc">Take your audience through a digital tunnel where they'll  burst through to the other side and see the information you want to present. Show them lists, charts, tables, SmartArt,  and pictures using a variety of layouts in widescreen (16X9) format. This design works well for subjects on science and technology, computers, communication, and more.   
+</APDescription>
+    <ClipArtFilename xmlns="4873beb7-5857-4685-be1f-d57550cc96cc" xsi:nil="true"/>
+    <ContentItem xmlns="4873beb7-5857-4685-be1f-d57550cc96cc" xsi:nil="true"/>
+    <TPInstallLocation xmlns="4873beb7-5857-4685-be1f-d57550cc96cc" xsi:nil="true"/>
+    <PublishTargets xmlns="4873beb7-5857-4685-be1f-d57550cc96cc">OfficeOnlineVNext</PublishTargets>
+    <TimesCloned xmlns="4873beb7-5857-4685-be1f-d57550cc96cc" xsi:nil="true"/>
+    <AssetStart xmlns="4873beb7-5857-4685-be1f-d57550cc96cc">2012-05-11T02:04:00+00:00</AssetStart>
+    <Provider xmlns="4873beb7-5857-4685-be1f-d57550cc96cc" xsi:nil="true"/>
+    <AcquiredFrom xmlns="4873beb7-5857-4685-be1f-d57550cc96cc">Internal MS</AcquiredFrom>
+    <FriendlyTitle xmlns="4873beb7-5857-4685-be1f-d57550cc96cc" xsi:nil="true"/>
+    <LastHandOff xmlns="4873beb7-5857-4685-be1f-d57550cc96cc" xsi:nil="true"/>
+    <TPClientViewer xmlns="4873beb7-5857-4685-be1f-d57550cc96cc" xsi:nil="true"/>
+    <UACurrentWords xmlns="4873beb7-5857-4685-be1f-d57550cc96cc" xsi:nil="true"/>
+    <ArtSampleDocs xmlns="4873beb7-5857-4685-be1f-d57550cc96cc" xsi:nil="true"/>
+    <UALocRecommendation xmlns="4873beb7-5857-4685-be1f-d57550cc96cc">Localize</UALocRecommendation>
+    <Manager xmlns="4873beb7-5857-4685-be1f-d57550cc96cc" xsi:nil="true"/>
+    <ShowIn xmlns="4873beb7-5857-4685-be1f-d57550cc96cc">Show everywhere</ShowIn>
+    <UANotes xmlns="4873beb7-5857-4685-be1f-d57550cc96cc" xsi:nil="true"/>
+    <TemplateStatus xmlns="4873beb7-5857-4685-be1f-d57550cc96cc">Complete</TemplateStatus>
+    <InternalTagsTaxHTField0 xmlns="4873beb7-5857-4685-be1f-d57550cc96cc">
+      <Terms xmlns="http://schemas.microsoft.com/office/infopath/2007/PartnerControls"/>
+    </InternalTagsTaxHTField0>
+    <CSXHash xmlns="4873beb7-5857-4685-be1f-d57550cc96cc" xsi:nil="true"/>
+    <Downloads xmlns="4873beb7-5857-4685-be1f-d57550cc96cc">0</Downloads>
+    <VoteCount xmlns="4873beb7-5857-4685-be1f-d57550cc96cc" xsi:nil="true"/>
+    <OOCacheId xmlns="4873beb7-5857-4685-be1f-d57550cc96cc" xsi:nil="true"/>
+    <IsDeleted xmlns="4873beb7-5857-4685-be1f-d57550cc96cc">false</IsDeleted>
+    <AssetExpire xmlns="4873beb7-5857-4685-be1f-d57550cc96cc">2029-01-01T08:00:00+00:00</AssetExpire>
+    <DSATActionTaken xmlns="4873beb7-5857-4685-be1f-d57550cc96cc" xsi:nil="true"/>
+    <CSXSubmissionMarket xmlns="4873beb7-5857-4685-be1f-d57550cc96cc" xsi:nil="true"/>
+    <TPExecutable xmlns="4873beb7-5857-4685-be1f-d57550cc96cc" xsi:nil="true"/>
+    <SubmitterId xmlns="4873beb7-5857-4685-be1f-d57550cc96cc" xsi:nil="true"/>
+    <EditorialTags xmlns="4873beb7-5857-4685-be1f-d57550cc96cc" xsi:nil="true"/>
+    <ApprovalLog xmlns="4873beb7-5857-4685-be1f-d57550cc96cc" xsi:nil="true"/>
+    <AssetType xmlns="4873beb7-5857-4685-be1f-d57550cc96cc">TP</AssetType>
+    <BugNumber xmlns="4873beb7-5857-4685-be1f-d57550cc96cc" xsi:nil="true"/>
+    <CSXSubmissionDate xmlns="4873beb7-5857-4685-be1f-d57550cc96cc" xsi:nil="true"/>
+    <CSXUpdate xmlns="4873beb7-5857-4685-be1f-d57550cc96cc">false</CSXUpdate>
+    <Milestone xmlns="4873beb7-5857-4685-be1f-d57550cc96cc" xsi:nil="true"/>
+    <RecommendationsModifier xmlns="4873beb7-5857-4685-be1f-d57550cc96cc" xsi:nil="true"/>
+    <OriginAsset xmlns="4873beb7-5857-4685-be1f-d57550cc96cc" xsi:nil="true"/>
+    <TPComponent xmlns="4873beb7-5857-4685-be1f-d57550cc96cc" xsi:nil="true"/>
+    <AssetId xmlns="4873beb7-5857-4685-be1f-d57550cc96cc">TP102895246</AssetId>
+    <IntlLocPriority xmlns="4873beb7-5857-4685-be1f-d57550cc96cc" xsi:nil="true"/>
+    <PolicheckWords xmlns="4873beb7-5857-4685-be1f-d57550cc96cc" xsi:nil="true"/>
+    <TPLaunchHelpLink xmlns="4873beb7-5857-4685-be1f-d57550cc96cc" xsi:nil="true"/>
+    <TPApplication xmlns="4873beb7-5857-4685-be1f-d57550cc96cc" xsi:nil="true"/>
+    <CrawlForDependencies xmlns="4873beb7-5857-4685-be1f-d57550cc96cc">false</CrawlForDependencies>
+    <HandoffToMSDN xmlns="4873beb7-5857-4685-be1f-d57550cc96cc" xsi:nil="true"/>
+    <PlannedPubDate xmlns="4873beb7-5857-4685-be1f-d57550cc96cc" xsi:nil="true"/>
+    <IntlLangReviewer xmlns="4873beb7-5857-4685-be1f-d57550cc96cc" xsi:nil="true"/>
+    <TrustLevel xmlns="4873beb7-5857-4685-be1f-d57550cc96cc">1 Microsoft Managed Content</TrustLevel>
+    <LocLastLocAttemptVersionLookup xmlns="4873beb7-5857-4685-be1f-d57550cc96cc">835483</LocLastLocAttemptVersionLookup>
+    <IsSearchable xmlns="4873beb7-5857-4685-be1f-d57550cc96cc">true</IsSearchable>
+    <TemplateTemplateType xmlns="4873beb7-5857-4685-be1f-d57550cc96cc">PowerPoint Presentation Template</TemplateTemplateType>
+    <CampaignTagsTaxHTField0 xmlns="4873beb7-5857-4685-be1f-d57550cc96cc">
+      <Terms xmlns="http://schemas.microsoft.com/office/infopath/2007/PartnerControls"/>
+    </CampaignTagsTaxHTField0>
+    <TPNamespace xmlns="4873beb7-5857-4685-be1f-d57550cc96cc" xsi:nil="true"/>
+    <TaxCatchAll xmlns="4873beb7-5857-4685-be1f-d57550cc96cc"/>
+    <Markets xmlns="4873beb7-5857-4685-be1f-d57550cc96cc"/>
+    <UAProjectedTotalWords xmlns="4873beb7-5857-4685-be1f-d57550cc96cc" xsi:nil="true"/>
+    <IntlLangReview xmlns="4873beb7-5857-4685-be1f-d57550cc96cc">false</IntlLangReview>
+    <OutputCachingOn xmlns="4873beb7-5857-4685-be1f-d57550cc96cc">false</OutputCachingOn>
+    <AverageRating xmlns="4873beb7-5857-4685-be1f-d57550cc96cc" xsi:nil="true"/>
+    <APAuthor xmlns="4873beb7-5857-4685-be1f-d57550cc96cc">
+      <UserInfo>
+        <DisplayName>REDMOND\v-vaddu</DisplayName>
+        <AccountId>2567</AccountId>
+        <AccountType/>
+      </UserInfo>
+    </APAuthor>
+    <LocManualTestRequired xmlns="4873beb7-5857-4685-be1f-d57550cc96cc">false</LocManualTestRequired>
+    <TPCommandLine xmlns="4873beb7-5857-4685-be1f-d57550cc96cc" xsi:nil="true"/>
+    <TPAppVersion xmlns="4873beb7-5857-4685-be1f-d57550cc96cc" xsi:nil="true"/>
+    <EditorialStatus xmlns="4873beb7-5857-4685-be1f-d57550cc96cc">Complete</EditorialStatus>
+    <LastModifiedDateTime xmlns="4873beb7-5857-4685-be1f-d57550cc96cc" xsi:nil="true"/>
+    <ScenarioTagsTaxHTField0 xmlns="4873beb7-5857-4685-be1f-d57550cc96cc">
+      <Terms xmlns="http://schemas.microsoft.com/office/infopath/2007/PartnerControls"/>
+    </ScenarioTagsTaxHTField0>
+    <OriginalRelease xmlns="4873beb7-5857-4685-be1f-d57550cc96cc">15</OriginalRelease>
+    <TPLaunchHelpLinkType xmlns="4873beb7-5857-4685-be1f-d57550cc96cc">Template</TPLaunchHelpLinkType>
+    <LocalizationTagsTaxHTField0 xmlns="4873beb7-5857-4685-be1f-d57550cc96cc">
+      <Terms xmlns="http://schemas.microsoft.com/office/infopath/2007/PartnerControls"/>
+    </LocalizationTagsTaxHTField0>
+    <LocMarketGroupTiers2 xmlns="4873beb7-5857-4685-be1f-d57550cc96cc" xsi:nil="true"/>
+  </documentManagement>
+</p:properties>
+</file>
+
+<file path=customXml/item3.xml><?xml version="1.0" encoding="utf-8"?>
+<?mso-contentType ?>
+<FormTemplates xmlns="http://schemas.microsoft.com/sharepoint/v3/contenttype/forms">
+  <Display>DocumentLibraryForm</Display>
+  <Edit>AssetEditForm</Edit>
+  <New>DocumentLibraryForm</New>
+</FormTemplates>
+</file>
+
 <file path=customXml/itemProps1.xml><?xml version="1.0" encoding="utf-8"?>
-<ds:datastoreItem xmlns:ds="http://schemas.openxmlformats.org/officeDocument/2006/customXml" ds:itemID="{74228E6B-D70C-44BB-A81F-A245495F612B}">
+<ds:datastoreItem xmlns:ds="http://schemas.openxmlformats.org/officeDocument/2006/customXml" ds:itemID="{22CCB507-0646-4A50-A4F7-7F385079D589}">
   <ds:schemaRefs>
-    <ds:schemaRef ds:uri="http://schemas.microsoft.com/sharepoint/v3/contenttype/forms"/>
+    <ds:schemaRef ds:uri="http://schemas.microsoft.com/office/2006/metadata/contentType"/>
+    <ds:schemaRef ds:uri="http://schemas.microsoft.com/office/2006/metadata/properties/metaAttributes"/>
+    <ds:schemaRef ds:uri="http://www.w3.org/2001/XMLSchema"/>
+    <ds:schemaRef ds:uri="http://schemas.microsoft.com/office/2006/metadata/properties"/>
+    <ds:schemaRef ds:uri="4873beb7-5857-4685-be1f-d57550cc96cc"/>
+    <ds:schemaRef ds:uri="http://schemas.microsoft.com/office/2006/documentManagement/types"/>
+    <ds:schemaRef ds:uri="http://schemas.microsoft.com/office/infopath/2007/PartnerControls"/>
+    <ds:schemaRef ds:uri="http://schemas.openxmlformats.org/package/2006/metadata/core-properties"/>
+    <ds:schemaRef ds:uri="http://purl.org/dc/elements/1.1/"/>
+    <ds:schemaRef ds:uri="http://purl.org/dc/terms/"/>
+    <ds:schemaRef ds:uri="http://schemas.microsoft.com/internal/obd"/>
   </ds:schemaRefs>
 </ds:datastoreItem>
 </file>
@@ -11264,19 +11580,9 @@
 </file>
 
 <file path=customXml/itemProps3.xml><?xml version="1.0" encoding="utf-8"?>
-<ds:datastoreItem xmlns:ds="http://schemas.openxmlformats.org/officeDocument/2006/customXml" ds:itemID="{22CCB507-0646-4A50-A4F7-7F385079D589}">
+<ds:datastoreItem xmlns:ds="http://schemas.openxmlformats.org/officeDocument/2006/customXml" ds:itemID="{74228E6B-D70C-44BB-A81F-A245495F612B}">
   <ds:schemaRefs>
-    <ds:schemaRef ds:uri="http://schemas.microsoft.com/office/2006/metadata/contentType"/>
-    <ds:schemaRef ds:uri="http://schemas.microsoft.com/office/2006/metadata/properties/metaAttributes"/>
-    <ds:schemaRef ds:uri="http://www.w3.org/2001/XMLSchema"/>
-    <ds:schemaRef ds:uri="http://schemas.microsoft.com/office/2006/metadata/properties"/>
-    <ds:schemaRef ds:uri="4873beb7-5857-4685-be1f-d57550cc96cc"/>
-    <ds:schemaRef ds:uri="http://schemas.microsoft.com/office/2006/documentManagement/types"/>
-    <ds:schemaRef ds:uri="http://schemas.microsoft.com/office/infopath/2007/PartnerControls"/>
-    <ds:schemaRef ds:uri="http://schemas.openxmlformats.org/package/2006/metadata/core-properties"/>
-    <ds:schemaRef ds:uri="http://purl.org/dc/elements/1.1/"/>
-    <ds:schemaRef ds:uri="http://purl.org/dc/terms/"/>
-    <ds:schemaRef ds:uri="http://schemas.microsoft.com/internal/obd"/>
+    <ds:schemaRef ds:uri="http://schemas.microsoft.com/sharepoint/v3/contenttype/forms"/>
   </ds:schemaRefs>
 </ds:datastoreItem>
 </file>